--- a/tyler/meena/cs220/s21/materials/lec_22_S21.pptx
+++ b/tyler/meena/cs220/s21/materials/lec_22_S21.pptx
@@ -2185,7 +2185,7 @@
           </a:ln>
           <a:extLst>
             <a:ext uri="{C572A759-6A51-4108-AA02-DFA0A04FC94B}">
-              <ma14:wrappingTextBoxFlag xmlns:ma14="http://schemas.microsoft.com/office/mac/drawingml/2011/main" xmlns:a14="http://schemas.microsoft.com/office/drawing/2010/main" xmlns:m="http://schemas.openxmlformats.org/officeDocument/2006/math" xmlns="" val="1"/>
+              <ma14:wrappingTextBoxFlag xmlns="" xmlns:m="http://schemas.openxmlformats.org/officeDocument/2006/math" xmlns:a14="http://schemas.microsoft.com/office/drawing/2010/main" xmlns:ma14="http://schemas.microsoft.com/office/mac/drawingml/2011/main" val="1"/>
             </a:ext>
           </a:extLst>
         </p:spPr>
@@ -2224,7 +2224,7 @@
           </a:ln>
           <a:extLst>
             <a:ext uri="{C572A759-6A51-4108-AA02-DFA0A04FC94B}">
-              <ma14:wrappingTextBoxFlag xmlns:ma14="http://schemas.microsoft.com/office/mac/drawingml/2011/main" xmlns:a14="http://schemas.microsoft.com/office/drawing/2010/main" xmlns:m="http://schemas.openxmlformats.org/officeDocument/2006/math" xmlns="" val="1"/>
+              <ma14:wrappingTextBoxFlag xmlns="" xmlns:m="http://schemas.openxmlformats.org/officeDocument/2006/math" xmlns:a14="http://schemas.microsoft.com/office/drawing/2010/main" xmlns:ma14="http://schemas.microsoft.com/office/mac/drawingml/2011/main" val="1"/>
             </a:ext>
           </a:extLst>
         </p:spPr>
@@ -3094,7 +3094,7 @@
             </a:r>
             <a:r>
               <a:rPr lang="en-US" dirty="0"/>
-              <a:t>220</a:t>
+              <a:t>220 / 319</a:t>
             </a:r>
             <a:r>
               <a:rPr dirty="0"/>
@@ -3105,120 +3105,54 @@
       </p:sp>
       <p:sp>
         <p:nvSpPr>
-          <p:cNvPr id="120" name="Tyler Caraza-Harter"/>
-          <p:cNvSpPr txBox="1">
-            <a:spLocks noGrp="1"/>
-          </p:cNvSpPr>
-          <p:nvPr>
-            <p:ph type="subTitle" sz="quarter" idx="1"/>
-          </p:nvPr>
-        </p:nvSpPr>
-        <p:spPr>
-          <a:xfrm>
-            <a:off x="1270000" y="5295900"/>
-            <a:ext cx="10464800" cy="1130300"/>
-          </a:xfrm>
-          <a:prstGeom prst="rect">
-            <a:avLst/>
-          </a:prstGeom>
-        </p:spPr>
-        <p:txBody>
-          <a:bodyPr>
-            <a:normAutofit lnSpcReduction="10000"/>
-          </a:bodyPr>
-          <a:lstStyle/>
-          <a:p>
-            <a:pPr hangingPunct="1">
-              <a:spcBef>
-                <a:spcPct val="0"/>
-              </a:spcBef>
-            </a:pPr>
-            <a:r>
-              <a:rPr lang="en-US" altLang="en-US" dirty="0">
-                <a:latin typeface="Calibri" panose="020F0502020204030204" pitchFamily="34" charset="0"/>
-                <a:cs typeface="Calibri" panose="020F0502020204030204" pitchFamily="34" charset="0"/>
-              </a:rPr>
-              <a:t>Meena </a:t>
-            </a:r>
-            <a:r>
-              <a:rPr lang="en-US" altLang="en-US" dirty="0" err="1">
-                <a:latin typeface="Calibri" panose="020F0502020204030204" pitchFamily="34" charset="0"/>
-                <a:cs typeface="Calibri" panose="020F0502020204030204" pitchFamily="34" charset="0"/>
-              </a:rPr>
-              <a:t>Syamkumar</a:t>
-            </a:r>
-            <a:endParaRPr lang="en-US" altLang="en-US" dirty="0">
-              <a:latin typeface="Calibri" panose="020F0502020204030204" pitchFamily="34" charset="0"/>
-              <a:cs typeface="Calibri" panose="020F0502020204030204" pitchFamily="34" charset="0"/>
-            </a:endParaRPr>
-          </a:p>
-          <a:p>
-            <a:pPr hangingPunct="1">
-              <a:spcBef>
-                <a:spcPct val="0"/>
-              </a:spcBef>
-            </a:pPr>
-            <a:r>
-              <a:rPr lang="en-US" altLang="en-US" dirty="0">
-                <a:latin typeface="Calibri" panose="020F0502020204030204" pitchFamily="34" charset="0"/>
-                <a:cs typeface="Calibri" panose="020F0502020204030204" pitchFamily="34" charset="0"/>
-              </a:rPr>
-              <a:t>Mike </a:t>
-            </a:r>
-            <a:r>
-              <a:rPr lang="en-US" altLang="en-US" dirty="0" err="1">
-                <a:latin typeface="Calibri" panose="020F0502020204030204" pitchFamily="34" charset="0"/>
-                <a:cs typeface="Calibri" panose="020F0502020204030204" pitchFamily="34" charset="0"/>
-              </a:rPr>
-              <a:t>Doescher</a:t>
-            </a:r>
-            <a:endParaRPr lang="en-US" altLang="en-US" dirty="0">
-              <a:latin typeface="Calibri" panose="020F0502020204030204" pitchFamily="34" charset="0"/>
-              <a:cs typeface="Calibri" panose="020F0502020204030204" pitchFamily="34" charset="0"/>
-            </a:endParaRPr>
-          </a:p>
-        </p:txBody>
-      </p:sp>
-      <p:sp>
-        <p:nvSpPr>
-          <p:cNvPr id="4" name="Rectangle 4">
+          <p:cNvPr id="8" name="Rectangle 2">
             <a:extLst>
               <a:ext uri="{FF2B5EF4-FFF2-40B4-BE49-F238E27FC236}">
-                <a16:creationId xmlns:a16="http://schemas.microsoft.com/office/drawing/2014/main" id="{10E1AB4E-FFC3-F94A-B53A-28D2529CEAEB}"/>
+                <a16:creationId xmlns:a16="http://schemas.microsoft.com/office/drawing/2014/main" id="{27CFD28C-0B06-064C-AB71-EAE20FBC12B5}"/>
               </a:ext>
             </a:extLst>
           </p:cNvPr>
-          <p:cNvSpPr>
-            <a:spLocks noChangeArrowheads="1"/>
+          <p:cNvSpPr txBox="1">
+            <a:spLocks/>
           </p:cNvSpPr>
           <p:nvPr/>
         </p:nvSpPr>
         <p:spPr bwMode="auto">
           <a:xfrm>
-            <a:off x="7721600" y="6755427"/>
-            <a:ext cx="4495800" cy="1579920"/>
-          </a:xfrm>
-          <a:prstGeom prst="rect">
-            <a:avLst/>
-          </a:prstGeom>
-          <a:solidFill>
-            <a:schemeClr val="accent1"/>
-          </a:solidFill>
-          <a:ln w="25400" algn="ctr">
-            <a:solidFill>
-              <a:srgbClr val="000000"/>
-            </a:solidFill>
-            <a:miter lim="400000"/>
-            <a:headEnd/>
-            <a:tailEnd/>
+            <a:off x="1270000" y="5321300"/>
+            <a:ext cx="10464800" cy="1130300"/>
+          </a:xfrm>
+          <a:prstGeom prst="rect">
+            <a:avLst/>
+          </a:prstGeom>
+          <a:noFill/>
+          <a:ln>
+            <a:noFill/>
           </a:ln>
           <a:effectLst/>
           <a:extLst>
+            <a:ext uri="{909E8E84-426E-40DD-AFC4-6F175D3DCCD1}">
+              <a14:hiddenFill xmlns:a14="http://schemas.microsoft.com/office/drawing/2010/main">
+                <a:solidFill>
+                  <a:srgbClr val="FFFFFF"/>
+                </a:solidFill>
+              </a14:hiddenFill>
+            </a:ext>
+            <a:ext uri="{91240B29-F687-4F45-9708-019B960494DF}">
+              <a14:hiddenLine xmlns:a14="http://schemas.microsoft.com/office/drawing/2010/main" w="12700">
+                <a:solidFill>
+                  <a:srgbClr val="000000"/>
+                </a:solidFill>
+                <a:miter lim="400000"/>
+                <a:headEnd/>
+                <a:tailEnd/>
+              </a14:hiddenLine>
+            </a:ext>
             <a:ext uri="{AF507438-7753-43E0-B8FC-AC1667EBCBE1}">
               <a14:hiddenEffects xmlns:a14="http://schemas.microsoft.com/office/drawing/2010/main">
                 <a:effectLst>
                   <a:outerShdw dist="35921" dir="2700000" algn="ctr" rotWithShape="0">
-                    <a:schemeClr val="bg2"/>
+                    <a:srgbClr val="808080"/>
                   </a:outerShdw>
                 </a:effectLst>
               </a14:hiddenEffects>
@@ -3226,353 +3160,232 @@
           </a:extLst>
         </p:spPr>
         <p:txBody>
-          <a:bodyPr lIns="50800" tIns="50800" rIns="50800" bIns="50800" anchor="ctr">
-            <a:spAutoFit/>
-          </a:bodyPr>
+          <a:bodyPr lIns="50800" tIns="50800" rIns="50800" bIns="50800"/>
           <a:lstStyle>
             <a:lvl1pPr>
-              <a:defRPr sz="2400" b="1">
+              <a:spcBef>
+                <a:spcPts val="4200"/>
+              </a:spcBef>
+              <a:buSzPct val="145000"/>
+              <a:buChar char="•"/>
+              <a:defRPr sz="3200">
                 <a:solidFill>
                   <a:srgbClr val="000000"/>
                 </a:solidFill>
+                <a:latin typeface="Helvetica Neue" panose="02000503000000020004" pitchFamily="2" charset="0"/>
+                <a:ea typeface="Helvetica Neue" panose="02000503000000020004" pitchFamily="2" charset="0"/>
+                <a:cs typeface="Helvetica Neue" panose="02000503000000020004" pitchFamily="2" charset="0"/>
+                <a:sym typeface="Helvetica Neue" panose="02000503000000020004" pitchFamily="2" charset="0"/>
+              </a:defRPr>
+            </a:lvl1pPr>
+            <a:lvl2pPr marL="952500" indent="-508000">
+              <a:spcBef>
+                <a:spcPts val="4200"/>
+              </a:spcBef>
+              <a:buSzPct val="145000"/>
+              <a:buChar char="•"/>
+              <a:defRPr sz="3200">
+                <a:solidFill>
+                  <a:srgbClr val="000000"/>
+                </a:solidFill>
+                <a:latin typeface="Helvetica Neue" panose="02000503000000020004" pitchFamily="2" charset="0"/>
+                <a:ea typeface="Helvetica Neue" panose="02000503000000020004" pitchFamily="2" charset="0"/>
+                <a:cs typeface="Helvetica Neue" panose="02000503000000020004" pitchFamily="2" charset="0"/>
+                <a:sym typeface="Helvetica Neue" panose="02000503000000020004" pitchFamily="2" charset="0"/>
+              </a:defRPr>
+            </a:lvl2pPr>
+            <a:lvl3pPr marL="1397000" indent="-508000">
+              <a:spcBef>
+                <a:spcPts val="4200"/>
+              </a:spcBef>
+              <a:buSzPct val="145000"/>
+              <a:buChar char="•"/>
+              <a:defRPr sz="3200">
+                <a:solidFill>
+                  <a:srgbClr val="000000"/>
+                </a:solidFill>
+                <a:latin typeface="Helvetica Neue" panose="02000503000000020004" pitchFamily="2" charset="0"/>
+                <a:ea typeface="Helvetica Neue" panose="02000503000000020004" pitchFamily="2" charset="0"/>
+                <a:cs typeface="Helvetica Neue" panose="02000503000000020004" pitchFamily="2" charset="0"/>
+                <a:sym typeface="Helvetica Neue" panose="02000503000000020004" pitchFamily="2" charset="0"/>
+              </a:defRPr>
+            </a:lvl3pPr>
+            <a:lvl4pPr marL="1778000" indent="-444500">
+              <a:spcBef>
+                <a:spcPts val="4200"/>
+              </a:spcBef>
+              <a:buSzPct val="145000"/>
+              <a:buChar char="•"/>
+              <a:defRPr sz="3200">
+                <a:solidFill>
+                  <a:srgbClr val="000000"/>
+                </a:solidFill>
+                <a:latin typeface="Helvetica Neue" panose="02000503000000020004" pitchFamily="2" charset="0"/>
+                <a:ea typeface="Helvetica Neue" panose="02000503000000020004" pitchFamily="2" charset="0"/>
+                <a:cs typeface="Helvetica Neue" panose="02000503000000020004" pitchFamily="2" charset="0"/>
+                <a:sym typeface="Helvetica Neue" panose="02000503000000020004" pitchFamily="2" charset="0"/>
+              </a:defRPr>
+            </a:lvl4pPr>
+            <a:lvl5pPr marL="2222500" indent="-444500">
+              <a:spcBef>
+                <a:spcPts val="4200"/>
+              </a:spcBef>
+              <a:buSzPct val="145000"/>
+              <a:buChar char="•"/>
+              <a:defRPr sz="3200">
+                <a:solidFill>
+                  <a:srgbClr val="000000"/>
+                </a:solidFill>
+                <a:latin typeface="Helvetica Neue" panose="02000503000000020004" pitchFamily="2" charset="0"/>
+                <a:ea typeface="Helvetica Neue" panose="02000503000000020004" pitchFamily="2" charset="0"/>
+                <a:cs typeface="Helvetica Neue" panose="02000503000000020004" pitchFamily="2" charset="0"/>
+                <a:sym typeface="Helvetica Neue" panose="02000503000000020004" pitchFamily="2" charset="0"/>
+              </a:defRPr>
+            </a:lvl5pPr>
+            <a:lvl6pPr marL="2679700" indent="-444500" defTabSz="584200" eaLnBrk="0" fontAlgn="base" hangingPunct="0">
+              <a:spcBef>
+                <a:spcPts val="4200"/>
+              </a:spcBef>
+              <a:spcAft>
+                <a:spcPct val="0"/>
+              </a:spcAft>
+              <a:buSzPct val="145000"/>
+              <a:buChar char="•"/>
+              <a:defRPr sz="3200">
+                <a:solidFill>
+                  <a:srgbClr val="000000"/>
+                </a:solidFill>
+                <a:latin typeface="Helvetica Neue" panose="02000503000000020004" pitchFamily="2" charset="0"/>
+                <a:ea typeface="Helvetica Neue" panose="02000503000000020004" pitchFamily="2" charset="0"/>
+                <a:cs typeface="Helvetica Neue" panose="02000503000000020004" pitchFamily="2" charset="0"/>
+                <a:sym typeface="Helvetica Neue" panose="02000503000000020004" pitchFamily="2" charset="0"/>
+              </a:defRPr>
+            </a:lvl6pPr>
+            <a:lvl7pPr marL="3136900" indent="-444500" defTabSz="584200" eaLnBrk="0" fontAlgn="base" hangingPunct="0">
+              <a:spcBef>
+                <a:spcPts val="4200"/>
+              </a:spcBef>
+              <a:spcAft>
+                <a:spcPct val="0"/>
+              </a:spcAft>
+              <a:buSzPct val="145000"/>
+              <a:buChar char="•"/>
+              <a:defRPr sz="3200">
+                <a:solidFill>
+                  <a:srgbClr val="000000"/>
+                </a:solidFill>
+                <a:latin typeface="Helvetica Neue" panose="02000503000000020004" pitchFamily="2" charset="0"/>
+                <a:ea typeface="Helvetica Neue" panose="02000503000000020004" pitchFamily="2" charset="0"/>
+                <a:cs typeface="Helvetica Neue" panose="02000503000000020004" pitchFamily="2" charset="0"/>
+                <a:sym typeface="Helvetica Neue" panose="02000503000000020004" pitchFamily="2" charset="0"/>
+              </a:defRPr>
+            </a:lvl7pPr>
+            <a:lvl8pPr marL="3594100" indent="-444500" defTabSz="584200" eaLnBrk="0" fontAlgn="base" hangingPunct="0">
+              <a:spcBef>
+                <a:spcPts val="4200"/>
+              </a:spcBef>
+              <a:spcAft>
+                <a:spcPct val="0"/>
+              </a:spcAft>
+              <a:buSzPct val="145000"/>
+              <a:buChar char="•"/>
+              <a:defRPr sz="3200">
+                <a:solidFill>
+                  <a:srgbClr val="000000"/>
+                </a:solidFill>
+                <a:latin typeface="Helvetica Neue" panose="02000503000000020004" pitchFamily="2" charset="0"/>
+                <a:ea typeface="Helvetica Neue" panose="02000503000000020004" pitchFamily="2" charset="0"/>
+                <a:cs typeface="Helvetica Neue" panose="02000503000000020004" pitchFamily="2" charset="0"/>
+                <a:sym typeface="Helvetica Neue" panose="02000503000000020004" pitchFamily="2" charset="0"/>
+              </a:defRPr>
+            </a:lvl8pPr>
+            <a:lvl9pPr marL="4051300" indent="-444500" defTabSz="584200" eaLnBrk="0" fontAlgn="base" hangingPunct="0">
+              <a:spcBef>
+                <a:spcPts val="4200"/>
+              </a:spcBef>
+              <a:spcAft>
+                <a:spcPct val="0"/>
+              </a:spcAft>
+              <a:buSzPct val="145000"/>
+              <a:buChar char="•"/>
+              <a:defRPr sz="3200">
+                <a:solidFill>
+                  <a:srgbClr val="000000"/>
+                </a:solidFill>
+                <a:latin typeface="Helvetica Neue" panose="02000503000000020004" pitchFamily="2" charset="0"/>
+                <a:ea typeface="Helvetica Neue" panose="02000503000000020004" pitchFamily="2" charset="0"/>
+                <a:cs typeface="Helvetica Neue" panose="02000503000000020004" pitchFamily="2" charset="0"/>
+                <a:sym typeface="Helvetica Neue" panose="02000503000000020004" pitchFamily="2" charset="0"/>
+              </a:defRPr>
+            </a:lvl9pPr>
+          </a:lstStyle>
+          <a:p>
+            <a:pPr algn="ctr" eaLnBrk="1">
+              <a:spcBef>
+                <a:spcPct val="0"/>
+              </a:spcBef>
+              <a:buSzTx/>
+              <a:buFontTx/>
+              <a:buNone/>
+            </a:pPr>
+            <a:r>
+              <a:rPr lang="en-US" altLang="en-US" sz="3700" b="0" dirty="0">
                 <a:latin typeface="Gill Sans" panose="020B0502020104020203" pitchFamily="34" charset="-79"/>
                 <a:ea typeface="Gill Sans" panose="020B0502020104020203" pitchFamily="34" charset="-79"/>
                 <a:cs typeface="Gill Sans" panose="020B0502020104020203" pitchFamily="34" charset="-79"/>
                 <a:sym typeface="Gill Sans" panose="020B0502020104020203" pitchFamily="34" charset="-79"/>
-              </a:defRPr>
-            </a:lvl1pPr>
-            <a:lvl2pPr marL="742950" indent="-285750">
-              <a:defRPr sz="2400" b="1">
-                <a:solidFill>
-                  <a:srgbClr val="000000"/>
-                </a:solidFill>
+              </a:rPr>
+              <a:t>Meena </a:t>
+            </a:r>
+            <a:r>
+              <a:rPr lang="en-US" altLang="en-US" sz="3700" b="0" dirty="0" err="1">
                 <a:latin typeface="Gill Sans" panose="020B0502020104020203" pitchFamily="34" charset="-79"/>
                 <a:ea typeface="Gill Sans" panose="020B0502020104020203" pitchFamily="34" charset="-79"/>
                 <a:cs typeface="Gill Sans" panose="020B0502020104020203" pitchFamily="34" charset="-79"/>
                 <a:sym typeface="Gill Sans" panose="020B0502020104020203" pitchFamily="34" charset="-79"/>
-              </a:defRPr>
-            </a:lvl2pPr>
-            <a:lvl3pPr marL="1143000" indent="-228600">
-              <a:defRPr sz="2400" b="1">
-                <a:solidFill>
-                  <a:srgbClr val="000000"/>
-                </a:solidFill>
+              </a:rPr>
+              <a:t>Syamkumar</a:t>
+            </a:r>
+            <a:endParaRPr lang="en-US" altLang="en-US" sz="3700" b="0" dirty="0">
+              <a:latin typeface="Gill Sans" panose="020B0502020104020203" pitchFamily="34" charset="-79"/>
+              <a:ea typeface="Gill Sans" panose="020B0502020104020203" pitchFamily="34" charset="-79"/>
+              <a:cs typeface="Gill Sans" panose="020B0502020104020203" pitchFamily="34" charset="-79"/>
+              <a:sym typeface="Gill Sans" panose="020B0502020104020203" pitchFamily="34" charset="-79"/>
+            </a:endParaRPr>
+          </a:p>
+          <a:p>
+            <a:pPr algn="ctr" eaLnBrk="1">
+              <a:spcBef>
+                <a:spcPct val="0"/>
+              </a:spcBef>
+              <a:buSzTx/>
+              <a:buFontTx/>
+              <a:buNone/>
+            </a:pPr>
+            <a:r>
+              <a:rPr lang="en-US" altLang="en-US" sz="3700" b="0" dirty="0">
                 <a:latin typeface="Gill Sans" panose="020B0502020104020203" pitchFamily="34" charset="-79"/>
                 <a:ea typeface="Gill Sans" panose="020B0502020104020203" pitchFamily="34" charset="-79"/>
                 <a:cs typeface="Gill Sans" panose="020B0502020104020203" pitchFamily="34" charset="-79"/>
                 <a:sym typeface="Gill Sans" panose="020B0502020104020203" pitchFamily="34" charset="-79"/>
-              </a:defRPr>
-            </a:lvl3pPr>
-            <a:lvl4pPr marL="1600200" indent="-228600">
-              <a:defRPr sz="2400" b="1">
-                <a:solidFill>
-                  <a:srgbClr val="000000"/>
-                </a:solidFill>
+              </a:rPr>
+              <a:t>Andy </a:t>
+            </a:r>
+            <a:r>
+              <a:rPr lang="en-US" altLang="en-US" sz="3700" b="0" dirty="0" err="1">
                 <a:latin typeface="Gill Sans" panose="020B0502020104020203" pitchFamily="34" charset="-79"/>
                 <a:ea typeface="Gill Sans" panose="020B0502020104020203" pitchFamily="34" charset="-79"/>
                 <a:cs typeface="Gill Sans" panose="020B0502020104020203" pitchFamily="34" charset="-79"/>
                 <a:sym typeface="Gill Sans" panose="020B0502020104020203" pitchFamily="34" charset="-79"/>
-              </a:defRPr>
-            </a:lvl4pPr>
-            <a:lvl5pPr marL="2057400" indent="-228600">
-              <a:defRPr sz="2400" b="1">
-                <a:solidFill>
-                  <a:srgbClr val="000000"/>
-                </a:solidFill>
-                <a:latin typeface="Gill Sans" panose="020B0502020104020203" pitchFamily="34" charset="-79"/>
-                <a:ea typeface="Gill Sans" panose="020B0502020104020203" pitchFamily="34" charset="-79"/>
-                <a:cs typeface="Gill Sans" panose="020B0502020104020203" pitchFamily="34" charset="-79"/>
-                <a:sym typeface="Gill Sans" panose="020B0502020104020203" pitchFamily="34" charset="-79"/>
-              </a:defRPr>
-            </a:lvl5pPr>
-            <a:lvl6pPr marL="2514600" indent="-228600" defTabSz="584200" eaLnBrk="0" fontAlgn="base" hangingPunct="0">
-              <a:spcBef>
-                <a:spcPct val="0"/>
-              </a:spcBef>
-              <a:spcAft>
-                <a:spcPct val="0"/>
-              </a:spcAft>
-              <a:defRPr sz="2400" b="1">
-                <a:solidFill>
-                  <a:srgbClr val="000000"/>
-                </a:solidFill>
-                <a:latin typeface="Gill Sans" panose="020B0502020104020203" pitchFamily="34" charset="-79"/>
-                <a:ea typeface="Gill Sans" panose="020B0502020104020203" pitchFamily="34" charset="-79"/>
-                <a:cs typeface="Gill Sans" panose="020B0502020104020203" pitchFamily="34" charset="-79"/>
-                <a:sym typeface="Gill Sans" panose="020B0502020104020203" pitchFamily="34" charset="-79"/>
-              </a:defRPr>
-            </a:lvl6pPr>
-            <a:lvl7pPr marL="2971800" indent="-228600" defTabSz="584200" eaLnBrk="0" fontAlgn="base" hangingPunct="0">
-              <a:spcBef>
-                <a:spcPct val="0"/>
-              </a:spcBef>
-              <a:spcAft>
-                <a:spcPct val="0"/>
-              </a:spcAft>
-              <a:defRPr sz="2400" b="1">
-                <a:solidFill>
-                  <a:srgbClr val="000000"/>
-                </a:solidFill>
-                <a:latin typeface="Gill Sans" panose="020B0502020104020203" pitchFamily="34" charset="-79"/>
-                <a:ea typeface="Gill Sans" panose="020B0502020104020203" pitchFamily="34" charset="-79"/>
-                <a:cs typeface="Gill Sans" panose="020B0502020104020203" pitchFamily="34" charset="-79"/>
-                <a:sym typeface="Gill Sans" panose="020B0502020104020203" pitchFamily="34" charset="-79"/>
-              </a:defRPr>
-            </a:lvl7pPr>
-            <a:lvl8pPr marL="3429000" indent="-228600" defTabSz="584200" eaLnBrk="0" fontAlgn="base" hangingPunct="0">
-              <a:spcBef>
-                <a:spcPct val="0"/>
-              </a:spcBef>
-              <a:spcAft>
-                <a:spcPct val="0"/>
-              </a:spcAft>
-              <a:defRPr sz="2400" b="1">
-                <a:solidFill>
-                  <a:srgbClr val="000000"/>
-                </a:solidFill>
-                <a:latin typeface="Gill Sans" panose="020B0502020104020203" pitchFamily="34" charset="-79"/>
-                <a:ea typeface="Gill Sans" panose="020B0502020104020203" pitchFamily="34" charset="-79"/>
-                <a:cs typeface="Gill Sans" panose="020B0502020104020203" pitchFamily="34" charset="-79"/>
-                <a:sym typeface="Gill Sans" panose="020B0502020104020203" pitchFamily="34" charset="-79"/>
-              </a:defRPr>
-            </a:lvl8pPr>
-            <a:lvl9pPr marL="3886200" indent="-228600" defTabSz="584200" eaLnBrk="0" fontAlgn="base" hangingPunct="0">
-              <a:spcBef>
-                <a:spcPct val="0"/>
-              </a:spcBef>
-              <a:spcAft>
-                <a:spcPct val="0"/>
-              </a:spcAft>
-              <a:defRPr sz="2400" b="1">
-                <a:solidFill>
-                  <a:srgbClr val="000000"/>
-                </a:solidFill>
-                <a:latin typeface="Gill Sans" panose="020B0502020104020203" pitchFamily="34" charset="-79"/>
-                <a:ea typeface="Gill Sans" panose="020B0502020104020203" pitchFamily="34" charset="-79"/>
-                <a:cs typeface="Gill Sans" panose="020B0502020104020203" pitchFamily="34" charset="-79"/>
-                <a:sym typeface="Gill Sans" panose="020B0502020104020203" pitchFamily="34" charset="-79"/>
-              </a:defRPr>
-            </a:lvl9pPr>
-          </a:lstStyle>
-          <a:p>
-            <a:pPr algn="ctr" eaLnBrk="1"/>
-            <a:r>
-              <a:rPr lang="en-US" altLang="en-US" dirty="0">
-                <a:latin typeface="Helvetica Neue" panose="02000503000000020004" pitchFamily="2" charset="0"/>
-                <a:sym typeface="Helvetica Neue" panose="02000503000000020004" pitchFamily="2" charset="0"/>
               </a:rPr>
-              <a:t>Cheaters caught: 0</a:t>
-            </a:r>
-          </a:p>
-          <a:p>
-            <a:pPr algn="ctr" eaLnBrk="1"/>
-            <a:r>
-              <a:rPr lang="en-US" altLang="en-US" dirty="0">
-                <a:latin typeface="Helvetica Neue" panose="02000503000000020004" pitchFamily="2" charset="0"/>
-                <a:sym typeface="Helvetica Neue" panose="02000503000000020004" pitchFamily="2" charset="0"/>
-              </a:rPr>
-              <a:t>(Through P5)</a:t>
-            </a:r>
-          </a:p>
-          <a:p>
-            <a:r>
-              <a:rPr lang="en-US" altLang="en-US" dirty="0">
-                <a:latin typeface="Helvetica Neue" panose="02000503000000020004" pitchFamily="2" charset="0"/>
-                <a:sym typeface="Helvetica Neue" panose="02000503000000020004" pitchFamily="2" charset="0"/>
-              </a:rPr>
-              <a:t>14 suspicious works for P6</a:t>
-            </a:r>
-          </a:p>
-          <a:p>
-            <a:r>
-              <a:rPr lang="en-US" altLang="en-US" dirty="0">
-                <a:latin typeface="Helvetica Neue" panose="02000503000000020004" pitchFamily="2" charset="0"/>
-                <a:sym typeface="Helvetica Neue" panose="02000503000000020004" pitchFamily="2" charset="0"/>
-              </a:rPr>
-              <a:t>(email Mike to confess)</a:t>
-            </a:r>
-          </a:p>
-        </p:txBody>
-      </p:sp>
-      <p:sp>
-        <p:nvSpPr>
-          <p:cNvPr id="5" name="Rectangle 4">
-            <a:extLst>
-              <a:ext uri="{FF2B5EF4-FFF2-40B4-BE49-F238E27FC236}">
-                <a16:creationId xmlns:a16="http://schemas.microsoft.com/office/drawing/2014/main" id="{40AAE2EE-3C43-F54F-96E5-D8B21A551114}"/>
-              </a:ext>
-            </a:extLst>
-          </p:cNvPr>
-          <p:cNvSpPr>
-            <a:spLocks noChangeArrowheads="1"/>
-          </p:cNvSpPr>
-          <p:nvPr/>
-        </p:nvSpPr>
-        <p:spPr bwMode="auto">
-          <a:xfrm>
-            <a:off x="787401" y="6777712"/>
-            <a:ext cx="4495800" cy="1579920"/>
-          </a:xfrm>
-          <a:prstGeom prst="rect">
-            <a:avLst/>
-          </a:prstGeom>
-          <a:noFill/>
-          <a:ln w="25400" algn="ctr">
-            <a:noFill/>
-            <a:miter lim="400000"/>
-            <a:headEnd/>
-            <a:tailEnd/>
-          </a:ln>
-          <a:effectLst/>
-        </p:spPr>
-        <p:txBody>
-          <a:bodyPr lIns="50800" tIns="50800" rIns="50800" bIns="50800" anchor="ctr">
-            <a:spAutoFit/>
-          </a:bodyPr>
-          <a:lstStyle>
-            <a:lvl1pPr>
-              <a:defRPr sz="2400" b="1">
-                <a:solidFill>
-                  <a:srgbClr val="000000"/>
-                </a:solidFill>
-                <a:latin typeface="Gill Sans" panose="020B0502020104020203" pitchFamily="34" charset="-79"/>
-                <a:ea typeface="Gill Sans" panose="020B0502020104020203" pitchFamily="34" charset="-79"/>
-                <a:cs typeface="Gill Sans" panose="020B0502020104020203" pitchFamily="34" charset="-79"/>
-                <a:sym typeface="Gill Sans" panose="020B0502020104020203" pitchFamily="34" charset="-79"/>
-              </a:defRPr>
-            </a:lvl1pPr>
-            <a:lvl2pPr marL="742950" indent="-285750">
-              <a:defRPr sz="2400" b="1">
-                <a:solidFill>
-                  <a:srgbClr val="000000"/>
-                </a:solidFill>
-                <a:latin typeface="Gill Sans" panose="020B0502020104020203" pitchFamily="34" charset="-79"/>
-                <a:ea typeface="Gill Sans" panose="020B0502020104020203" pitchFamily="34" charset="-79"/>
-                <a:cs typeface="Gill Sans" panose="020B0502020104020203" pitchFamily="34" charset="-79"/>
-                <a:sym typeface="Gill Sans" panose="020B0502020104020203" pitchFamily="34" charset="-79"/>
-              </a:defRPr>
-            </a:lvl2pPr>
-            <a:lvl3pPr marL="1143000" indent="-228600">
-              <a:defRPr sz="2400" b="1">
-                <a:solidFill>
-                  <a:srgbClr val="000000"/>
-                </a:solidFill>
-                <a:latin typeface="Gill Sans" panose="020B0502020104020203" pitchFamily="34" charset="-79"/>
-                <a:ea typeface="Gill Sans" panose="020B0502020104020203" pitchFamily="34" charset="-79"/>
-                <a:cs typeface="Gill Sans" panose="020B0502020104020203" pitchFamily="34" charset="-79"/>
-                <a:sym typeface="Gill Sans" panose="020B0502020104020203" pitchFamily="34" charset="-79"/>
-              </a:defRPr>
-            </a:lvl3pPr>
-            <a:lvl4pPr marL="1600200" indent="-228600">
-              <a:defRPr sz="2400" b="1">
-                <a:solidFill>
-                  <a:srgbClr val="000000"/>
-                </a:solidFill>
-                <a:latin typeface="Gill Sans" panose="020B0502020104020203" pitchFamily="34" charset="-79"/>
-                <a:ea typeface="Gill Sans" panose="020B0502020104020203" pitchFamily="34" charset="-79"/>
-                <a:cs typeface="Gill Sans" panose="020B0502020104020203" pitchFamily="34" charset="-79"/>
-                <a:sym typeface="Gill Sans" panose="020B0502020104020203" pitchFamily="34" charset="-79"/>
-              </a:defRPr>
-            </a:lvl4pPr>
-            <a:lvl5pPr marL="2057400" indent="-228600">
-              <a:defRPr sz="2400" b="1">
-                <a:solidFill>
-                  <a:srgbClr val="000000"/>
-                </a:solidFill>
-                <a:latin typeface="Gill Sans" panose="020B0502020104020203" pitchFamily="34" charset="-79"/>
-                <a:ea typeface="Gill Sans" panose="020B0502020104020203" pitchFamily="34" charset="-79"/>
-                <a:cs typeface="Gill Sans" panose="020B0502020104020203" pitchFamily="34" charset="-79"/>
-                <a:sym typeface="Gill Sans" panose="020B0502020104020203" pitchFamily="34" charset="-79"/>
-              </a:defRPr>
-            </a:lvl5pPr>
-            <a:lvl6pPr marL="2514600" indent="-228600" defTabSz="584200" eaLnBrk="0" fontAlgn="base" hangingPunct="0">
-              <a:spcBef>
-                <a:spcPct val="0"/>
-              </a:spcBef>
-              <a:spcAft>
-                <a:spcPct val="0"/>
-              </a:spcAft>
-              <a:defRPr sz="2400" b="1">
-                <a:solidFill>
-                  <a:srgbClr val="000000"/>
-                </a:solidFill>
-                <a:latin typeface="Gill Sans" panose="020B0502020104020203" pitchFamily="34" charset="-79"/>
-                <a:ea typeface="Gill Sans" panose="020B0502020104020203" pitchFamily="34" charset="-79"/>
-                <a:cs typeface="Gill Sans" panose="020B0502020104020203" pitchFamily="34" charset="-79"/>
-                <a:sym typeface="Gill Sans" panose="020B0502020104020203" pitchFamily="34" charset="-79"/>
-              </a:defRPr>
-            </a:lvl6pPr>
-            <a:lvl7pPr marL="2971800" indent="-228600" defTabSz="584200" eaLnBrk="0" fontAlgn="base" hangingPunct="0">
-              <a:spcBef>
-                <a:spcPct val="0"/>
-              </a:spcBef>
-              <a:spcAft>
-                <a:spcPct val="0"/>
-              </a:spcAft>
-              <a:defRPr sz="2400" b="1">
-                <a:solidFill>
-                  <a:srgbClr val="000000"/>
-                </a:solidFill>
-                <a:latin typeface="Gill Sans" panose="020B0502020104020203" pitchFamily="34" charset="-79"/>
-                <a:ea typeface="Gill Sans" panose="020B0502020104020203" pitchFamily="34" charset="-79"/>
-                <a:cs typeface="Gill Sans" panose="020B0502020104020203" pitchFamily="34" charset="-79"/>
-                <a:sym typeface="Gill Sans" panose="020B0502020104020203" pitchFamily="34" charset="-79"/>
-              </a:defRPr>
-            </a:lvl7pPr>
-            <a:lvl8pPr marL="3429000" indent="-228600" defTabSz="584200" eaLnBrk="0" fontAlgn="base" hangingPunct="0">
-              <a:spcBef>
-                <a:spcPct val="0"/>
-              </a:spcBef>
-              <a:spcAft>
-                <a:spcPct val="0"/>
-              </a:spcAft>
-              <a:defRPr sz="2400" b="1">
-                <a:solidFill>
-                  <a:srgbClr val="000000"/>
-                </a:solidFill>
-                <a:latin typeface="Gill Sans" panose="020B0502020104020203" pitchFamily="34" charset="-79"/>
-                <a:ea typeface="Gill Sans" panose="020B0502020104020203" pitchFamily="34" charset="-79"/>
-                <a:cs typeface="Gill Sans" panose="020B0502020104020203" pitchFamily="34" charset="-79"/>
-                <a:sym typeface="Gill Sans" panose="020B0502020104020203" pitchFamily="34" charset="-79"/>
-              </a:defRPr>
-            </a:lvl8pPr>
-            <a:lvl9pPr marL="3886200" indent="-228600" defTabSz="584200" eaLnBrk="0" fontAlgn="base" hangingPunct="0">
-              <a:spcBef>
-                <a:spcPct val="0"/>
-              </a:spcBef>
-              <a:spcAft>
-                <a:spcPct val="0"/>
-              </a:spcAft>
-              <a:defRPr sz="2400" b="1">
-                <a:solidFill>
-                  <a:srgbClr val="000000"/>
-                </a:solidFill>
-                <a:latin typeface="Gill Sans" panose="020B0502020104020203" pitchFamily="34" charset="-79"/>
-                <a:ea typeface="Gill Sans" panose="020B0502020104020203" pitchFamily="34" charset="-79"/>
-                <a:cs typeface="Gill Sans" panose="020B0502020104020203" pitchFamily="34" charset="-79"/>
-                <a:sym typeface="Gill Sans" panose="020B0502020104020203" pitchFamily="34" charset="-79"/>
-              </a:defRPr>
-            </a:lvl9pPr>
-          </a:lstStyle>
-          <a:p>
-            <a:pPr algn="ctr" eaLnBrk="1"/>
-            <a:r>
-              <a:rPr lang="en-US" altLang="en-US" dirty="0">
-                <a:latin typeface="Helvetica Neue" panose="02000503000000020004" pitchFamily="2" charset="0"/>
-                <a:sym typeface="Helvetica Neue" panose="02000503000000020004" pitchFamily="2" charset="0"/>
-              </a:rPr>
-              <a:t>Do not post &gt; 5 lines on Piazza!</a:t>
-            </a:r>
-          </a:p>
-          <a:p>
-            <a:pPr algn="ctr" eaLnBrk="1"/>
-            <a:r>
-              <a:rPr lang="en-US" altLang="en-US" dirty="0">
-                <a:latin typeface="Helvetica Neue" panose="02000503000000020004" pitchFamily="2" charset="0"/>
-                <a:sym typeface="Helvetica Neue" panose="02000503000000020004" pitchFamily="2" charset="0"/>
-              </a:rPr>
-              <a:t>Reminder: partners don’t submit project twice!</a:t>
-            </a:r>
+              <a:t>Kuemmel</a:t>
+            </a:r>
+            <a:endParaRPr lang="en-US" altLang="en-US" sz="3700" b="0" dirty="0">
+              <a:latin typeface="Gill Sans" panose="020B0502020104020203" pitchFamily="34" charset="-79"/>
+              <a:ea typeface="Gill Sans" panose="020B0502020104020203" pitchFamily="34" charset="-79"/>
+              <a:cs typeface="Gill Sans" panose="020B0502020104020203" pitchFamily="34" charset="-79"/>
+              <a:sym typeface="Gill Sans" panose="020B0502020104020203" pitchFamily="34" charset="-79"/>
+            </a:endParaRPr>
           </a:p>
         </p:txBody>
       </p:sp>
@@ -3904,7 +3717,7 @@
           </a:ln>
           <a:extLst>
             <a:ext uri="{C572A759-6A51-4108-AA02-DFA0A04FC94B}">
-              <ma14:wrappingTextBoxFlag xmlns:ma14="http://schemas.microsoft.com/office/mac/drawingml/2011/main" xmlns:a14="http://schemas.microsoft.com/office/drawing/2010/main" xmlns:m="http://schemas.openxmlformats.org/officeDocument/2006/math" xmlns="" val="1"/>
+              <ma14:wrappingTextBoxFlag xmlns="" xmlns:m="http://schemas.openxmlformats.org/officeDocument/2006/math" xmlns:a14="http://schemas.microsoft.com/office/drawing/2010/main" xmlns:ma14="http://schemas.microsoft.com/office/mac/drawingml/2011/main" val="1"/>
             </a:ext>
           </a:extLst>
         </p:spPr>
@@ -3939,7 +3752,7 @@
           </a:ln>
           <a:extLst>
             <a:ext uri="{C572A759-6A51-4108-AA02-DFA0A04FC94B}">
-              <ma14:wrappingTextBoxFlag xmlns:ma14="http://schemas.microsoft.com/office/mac/drawingml/2011/main" xmlns:a14="http://schemas.microsoft.com/office/drawing/2010/main" xmlns:m="http://schemas.openxmlformats.org/officeDocument/2006/math" xmlns="" val="1"/>
+              <ma14:wrappingTextBoxFlag xmlns="" xmlns:m="http://schemas.openxmlformats.org/officeDocument/2006/math" xmlns:a14="http://schemas.microsoft.com/office/drawing/2010/main" xmlns:ma14="http://schemas.microsoft.com/office/mac/drawingml/2011/main" val="1"/>
             </a:ext>
           </a:extLst>
         </p:spPr>
@@ -4066,7 +3879,7 @@
           </a:ln>
           <a:extLst>
             <a:ext uri="{C572A759-6A51-4108-AA02-DFA0A04FC94B}">
-              <ma14:wrappingTextBoxFlag xmlns:ma14="http://schemas.microsoft.com/office/mac/drawingml/2011/main" xmlns:a14="http://schemas.microsoft.com/office/drawing/2010/main" xmlns:m="http://schemas.openxmlformats.org/officeDocument/2006/math" xmlns="" val="1"/>
+              <ma14:wrappingTextBoxFlag xmlns="" xmlns:m="http://schemas.openxmlformats.org/officeDocument/2006/math" xmlns:a14="http://schemas.microsoft.com/office/drawing/2010/main" xmlns:ma14="http://schemas.microsoft.com/office/mac/drawingml/2011/main" val="1"/>
             </a:ext>
           </a:extLst>
         </p:spPr>
@@ -4114,7 +3927,7 @@
           </a:ln>
           <a:extLst>
             <a:ext uri="{C572A759-6A51-4108-AA02-DFA0A04FC94B}">
-              <ma14:wrappingTextBoxFlag xmlns:ma14="http://schemas.microsoft.com/office/mac/drawingml/2011/main" xmlns:a14="http://schemas.microsoft.com/office/drawing/2010/main" xmlns:m="http://schemas.openxmlformats.org/officeDocument/2006/math" xmlns="" val="1"/>
+              <ma14:wrappingTextBoxFlag xmlns="" xmlns:m="http://schemas.openxmlformats.org/officeDocument/2006/math" xmlns:a14="http://schemas.microsoft.com/office/drawing/2010/main" xmlns:ma14="http://schemas.microsoft.com/office/mac/drawingml/2011/main" val="1"/>
             </a:ext>
           </a:extLst>
         </p:spPr>
@@ -4162,7 +3975,7 @@
           </a:ln>
           <a:extLst>
             <a:ext uri="{C572A759-6A51-4108-AA02-DFA0A04FC94B}">
-              <ma14:wrappingTextBoxFlag xmlns:ma14="http://schemas.microsoft.com/office/mac/drawingml/2011/main" xmlns:a14="http://schemas.microsoft.com/office/drawing/2010/main" xmlns:m="http://schemas.openxmlformats.org/officeDocument/2006/math" xmlns="" val="1"/>
+              <ma14:wrappingTextBoxFlag xmlns="" xmlns:m="http://schemas.openxmlformats.org/officeDocument/2006/math" xmlns:a14="http://schemas.microsoft.com/office/drawing/2010/main" xmlns:ma14="http://schemas.microsoft.com/office/mac/drawingml/2011/main" val="1"/>
             </a:ext>
           </a:extLst>
         </p:spPr>
@@ -4722,7 +4535,7 @@
           </a:ln>
           <a:extLst>
             <a:ext uri="{C572A759-6A51-4108-AA02-DFA0A04FC94B}">
-              <ma14:wrappingTextBoxFlag xmlns:ma14="http://schemas.microsoft.com/office/mac/drawingml/2011/main" xmlns:a14="http://schemas.microsoft.com/office/drawing/2010/main" xmlns:m="http://schemas.openxmlformats.org/officeDocument/2006/math" xmlns="" val="1"/>
+              <ma14:wrappingTextBoxFlag xmlns="" xmlns:m="http://schemas.openxmlformats.org/officeDocument/2006/math" xmlns:a14="http://schemas.microsoft.com/office/drawing/2010/main" xmlns:ma14="http://schemas.microsoft.com/office/mac/drawingml/2011/main" val="1"/>
             </a:ext>
           </a:extLst>
         </p:spPr>
@@ -4757,7 +4570,7 @@
           </a:ln>
           <a:extLst>
             <a:ext uri="{C572A759-6A51-4108-AA02-DFA0A04FC94B}">
-              <ma14:wrappingTextBoxFlag xmlns:ma14="http://schemas.microsoft.com/office/mac/drawingml/2011/main" xmlns:a14="http://schemas.microsoft.com/office/drawing/2010/main" xmlns:m="http://schemas.openxmlformats.org/officeDocument/2006/math" xmlns="" val="1"/>
+              <ma14:wrappingTextBoxFlag xmlns="" xmlns:m="http://schemas.openxmlformats.org/officeDocument/2006/math" xmlns:a14="http://schemas.microsoft.com/office/drawing/2010/main" xmlns:ma14="http://schemas.microsoft.com/office/mac/drawingml/2011/main" val="1"/>
             </a:ext>
           </a:extLst>
         </p:spPr>
@@ -4884,7 +4697,7 @@
           </a:ln>
           <a:extLst>
             <a:ext uri="{C572A759-6A51-4108-AA02-DFA0A04FC94B}">
-              <ma14:wrappingTextBoxFlag xmlns:ma14="http://schemas.microsoft.com/office/mac/drawingml/2011/main" xmlns:a14="http://schemas.microsoft.com/office/drawing/2010/main" xmlns:m="http://schemas.openxmlformats.org/officeDocument/2006/math" xmlns="" val="1"/>
+              <ma14:wrappingTextBoxFlag xmlns="" xmlns:m="http://schemas.openxmlformats.org/officeDocument/2006/math" xmlns:a14="http://schemas.microsoft.com/office/drawing/2010/main" xmlns:ma14="http://schemas.microsoft.com/office/mac/drawingml/2011/main" val="1"/>
             </a:ext>
           </a:extLst>
         </p:spPr>
@@ -4932,7 +4745,7 @@
           </a:ln>
           <a:extLst>
             <a:ext uri="{C572A759-6A51-4108-AA02-DFA0A04FC94B}">
-              <ma14:wrappingTextBoxFlag xmlns:ma14="http://schemas.microsoft.com/office/mac/drawingml/2011/main" xmlns:a14="http://schemas.microsoft.com/office/drawing/2010/main" xmlns:m="http://schemas.openxmlformats.org/officeDocument/2006/math" xmlns="" val="1"/>
+              <ma14:wrappingTextBoxFlag xmlns="" xmlns:m="http://schemas.openxmlformats.org/officeDocument/2006/math" xmlns:a14="http://schemas.microsoft.com/office/drawing/2010/main" xmlns:ma14="http://schemas.microsoft.com/office/mac/drawingml/2011/main" val="1"/>
             </a:ext>
           </a:extLst>
         </p:spPr>
@@ -4980,7 +4793,7 @@
           </a:ln>
           <a:extLst>
             <a:ext uri="{C572A759-6A51-4108-AA02-DFA0A04FC94B}">
-              <ma14:wrappingTextBoxFlag xmlns:ma14="http://schemas.microsoft.com/office/mac/drawingml/2011/main" xmlns:a14="http://schemas.microsoft.com/office/drawing/2010/main" xmlns:m="http://schemas.openxmlformats.org/officeDocument/2006/math" xmlns="" val="1"/>
+              <ma14:wrappingTextBoxFlag xmlns="" xmlns:m="http://schemas.openxmlformats.org/officeDocument/2006/math" xmlns:a14="http://schemas.microsoft.com/office/drawing/2010/main" xmlns:ma14="http://schemas.microsoft.com/office/mac/drawingml/2011/main" val="1"/>
             </a:ext>
           </a:extLst>
         </p:spPr>
@@ -5151,7 +4964,7 @@
           </a:ln>
           <a:extLst>
             <a:ext uri="{C572A759-6A51-4108-AA02-DFA0A04FC94B}">
-              <ma14:wrappingTextBoxFlag xmlns:ma14="http://schemas.microsoft.com/office/mac/drawingml/2011/main" xmlns:a14="http://schemas.microsoft.com/office/drawing/2010/main" xmlns:m="http://schemas.openxmlformats.org/officeDocument/2006/math" xmlns="" val="1"/>
+              <ma14:wrappingTextBoxFlag xmlns="" xmlns:m="http://schemas.openxmlformats.org/officeDocument/2006/math" xmlns:a14="http://schemas.microsoft.com/office/drawing/2010/main" xmlns:ma14="http://schemas.microsoft.com/office/mac/drawingml/2011/main" val="1"/>
             </a:ext>
           </a:extLst>
         </p:spPr>
@@ -5190,7 +5003,7 @@
           </a:ln>
           <a:extLst>
             <a:ext uri="{C572A759-6A51-4108-AA02-DFA0A04FC94B}">
-              <ma14:wrappingTextBoxFlag xmlns:ma14="http://schemas.microsoft.com/office/mac/drawingml/2011/main" xmlns:a14="http://schemas.microsoft.com/office/drawing/2010/main" xmlns:m="http://schemas.openxmlformats.org/officeDocument/2006/math" xmlns="" val="1"/>
+              <ma14:wrappingTextBoxFlag xmlns="" xmlns:m="http://schemas.openxmlformats.org/officeDocument/2006/math" xmlns:a14="http://schemas.microsoft.com/office/drawing/2010/main" xmlns:ma14="http://schemas.microsoft.com/office/mac/drawingml/2011/main" val="1"/>
             </a:ext>
           </a:extLst>
         </p:spPr>
@@ -5272,7 +5085,7 @@
           </a:ln>
           <a:extLst>
             <a:ext uri="{C572A759-6A51-4108-AA02-DFA0A04FC94B}">
-              <ma14:wrappingTextBoxFlag xmlns:ma14="http://schemas.microsoft.com/office/mac/drawingml/2011/main" xmlns:a14="http://schemas.microsoft.com/office/drawing/2010/main" xmlns:m="http://schemas.openxmlformats.org/officeDocument/2006/math" xmlns="" val="1"/>
+              <ma14:wrappingTextBoxFlag xmlns="" xmlns:m="http://schemas.openxmlformats.org/officeDocument/2006/math" xmlns:a14="http://schemas.microsoft.com/office/drawing/2010/main" xmlns:ma14="http://schemas.microsoft.com/office/mac/drawingml/2011/main" val="1"/>
             </a:ext>
           </a:extLst>
         </p:spPr>
@@ -5307,7 +5120,7 @@
           </a:ln>
           <a:extLst>
             <a:ext uri="{C572A759-6A51-4108-AA02-DFA0A04FC94B}">
-              <ma14:wrappingTextBoxFlag xmlns:ma14="http://schemas.microsoft.com/office/mac/drawingml/2011/main" xmlns:a14="http://schemas.microsoft.com/office/drawing/2010/main" xmlns:m="http://schemas.openxmlformats.org/officeDocument/2006/math" xmlns="" val="1"/>
+              <ma14:wrappingTextBoxFlag xmlns="" xmlns:m="http://schemas.openxmlformats.org/officeDocument/2006/math" xmlns:a14="http://schemas.microsoft.com/office/drawing/2010/main" xmlns:ma14="http://schemas.microsoft.com/office/mac/drawingml/2011/main" val="1"/>
             </a:ext>
           </a:extLst>
         </p:spPr>
@@ -5811,7 +5624,7 @@
           </a:ln>
           <a:extLst>
             <a:ext uri="{C572A759-6A51-4108-AA02-DFA0A04FC94B}">
-              <ma14:wrappingTextBoxFlag xmlns:ma14="http://schemas.microsoft.com/office/mac/drawingml/2011/main" xmlns:a14="http://schemas.microsoft.com/office/drawing/2010/main" xmlns:m="http://schemas.openxmlformats.org/officeDocument/2006/math" xmlns="" val="1"/>
+              <ma14:wrappingTextBoxFlag xmlns="" xmlns:m="http://schemas.openxmlformats.org/officeDocument/2006/math" xmlns:a14="http://schemas.microsoft.com/office/drawing/2010/main" xmlns:ma14="http://schemas.microsoft.com/office/mac/drawingml/2011/main" val="1"/>
             </a:ext>
           </a:extLst>
         </p:spPr>
@@ -5850,7 +5663,7 @@
           </a:ln>
           <a:extLst>
             <a:ext uri="{C572A759-6A51-4108-AA02-DFA0A04FC94B}">
-              <ma14:wrappingTextBoxFlag xmlns:ma14="http://schemas.microsoft.com/office/mac/drawingml/2011/main" xmlns:a14="http://schemas.microsoft.com/office/drawing/2010/main" xmlns:m="http://schemas.openxmlformats.org/officeDocument/2006/math" xmlns="" val="1"/>
+              <ma14:wrappingTextBoxFlag xmlns="" xmlns:m="http://schemas.openxmlformats.org/officeDocument/2006/math" xmlns:a14="http://schemas.microsoft.com/office/drawing/2010/main" xmlns:ma14="http://schemas.microsoft.com/office/mac/drawingml/2011/main" val="1"/>
             </a:ext>
           </a:extLst>
         </p:spPr>
@@ -6509,7 +6322,7 @@
           </a:ln>
           <a:extLst>
             <a:ext uri="{C572A759-6A51-4108-AA02-DFA0A04FC94B}">
-              <ma14:wrappingTextBoxFlag xmlns:ma14="http://schemas.microsoft.com/office/mac/drawingml/2011/main" xmlns:a14="http://schemas.microsoft.com/office/drawing/2010/main" xmlns:m="http://schemas.openxmlformats.org/officeDocument/2006/math" xmlns="" val="1"/>
+              <ma14:wrappingTextBoxFlag xmlns="" xmlns:m="http://schemas.openxmlformats.org/officeDocument/2006/math" xmlns:a14="http://schemas.microsoft.com/office/drawing/2010/main" xmlns:ma14="http://schemas.microsoft.com/office/mac/drawingml/2011/main" val="1"/>
             </a:ext>
           </a:extLst>
         </p:spPr>
@@ -6548,7 +6361,7 @@
           </a:ln>
           <a:extLst>
             <a:ext uri="{C572A759-6A51-4108-AA02-DFA0A04FC94B}">
-              <ma14:wrappingTextBoxFlag xmlns:ma14="http://schemas.microsoft.com/office/mac/drawingml/2011/main" xmlns:a14="http://schemas.microsoft.com/office/drawing/2010/main" xmlns:m="http://schemas.openxmlformats.org/officeDocument/2006/math" xmlns="" val="1"/>
+              <ma14:wrappingTextBoxFlag xmlns="" xmlns:m="http://schemas.openxmlformats.org/officeDocument/2006/math" xmlns:a14="http://schemas.microsoft.com/office/drawing/2010/main" xmlns:ma14="http://schemas.microsoft.com/office/mac/drawingml/2011/main" val="1"/>
             </a:ext>
           </a:extLst>
         </p:spPr>
@@ -7091,7 +6904,7 @@
           </a:ln>
           <a:extLst>
             <a:ext uri="{C572A759-6A51-4108-AA02-DFA0A04FC94B}">
-              <ma14:wrappingTextBoxFlag xmlns:ma14="http://schemas.microsoft.com/office/mac/drawingml/2011/main" xmlns:a14="http://schemas.microsoft.com/office/drawing/2010/main" xmlns:m="http://schemas.openxmlformats.org/officeDocument/2006/math" xmlns="" val="1"/>
+              <ma14:wrappingTextBoxFlag xmlns="" xmlns:m="http://schemas.openxmlformats.org/officeDocument/2006/math" xmlns:a14="http://schemas.microsoft.com/office/drawing/2010/main" xmlns:ma14="http://schemas.microsoft.com/office/mac/drawingml/2011/main" val="1"/>
             </a:ext>
           </a:extLst>
         </p:spPr>
@@ -7130,7 +6943,7 @@
           </a:ln>
           <a:extLst>
             <a:ext uri="{C572A759-6A51-4108-AA02-DFA0A04FC94B}">
-              <ma14:wrappingTextBoxFlag xmlns:ma14="http://schemas.microsoft.com/office/mac/drawingml/2011/main" xmlns:a14="http://schemas.microsoft.com/office/drawing/2010/main" xmlns:m="http://schemas.openxmlformats.org/officeDocument/2006/math" xmlns="" val="1"/>
+              <ma14:wrappingTextBoxFlag xmlns="" xmlns:m="http://schemas.openxmlformats.org/officeDocument/2006/math" xmlns:a14="http://schemas.microsoft.com/office/drawing/2010/main" xmlns:ma14="http://schemas.microsoft.com/office/mac/drawingml/2011/main" val="1"/>
             </a:ext>
           </a:extLst>
         </p:spPr>
@@ -7415,7 +7228,7 @@
           </a:ln>
           <a:extLst>
             <a:ext uri="{C572A759-6A51-4108-AA02-DFA0A04FC94B}">
-              <ma14:wrappingTextBoxFlag xmlns:ma14="http://schemas.microsoft.com/office/mac/drawingml/2011/main" xmlns:a14="http://schemas.microsoft.com/office/drawing/2010/main" xmlns:m="http://schemas.openxmlformats.org/officeDocument/2006/math" xmlns="" val="1"/>
+              <ma14:wrappingTextBoxFlag xmlns="" xmlns:m="http://schemas.openxmlformats.org/officeDocument/2006/math" xmlns:a14="http://schemas.microsoft.com/office/drawing/2010/main" xmlns:ma14="http://schemas.microsoft.com/office/mac/drawingml/2011/main" val="1"/>
             </a:ext>
           </a:extLst>
         </p:spPr>
@@ -7450,7 +7263,7 @@
           </a:ln>
           <a:extLst>
             <a:ext uri="{C572A759-6A51-4108-AA02-DFA0A04FC94B}">
-              <ma14:wrappingTextBoxFlag xmlns:ma14="http://schemas.microsoft.com/office/mac/drawingml/2011/main" xmlns:a14="http://schemas.microsoft.com/office/drawing/2010/main" xmlns:m="http://schemas.openxmlformats.org/officeDocument/2006/math" xmlns="" val="1"/>
+              <ma14:wrappingTextBoxFlag xmlns="" xmlns:m="http://schemas.openxmlformats.org/officeDocument/2006/math" xmlns:a14="http://schemas.microsoft.com/office/drawing/2010/main" xmlns:ma14="http://schemas.microsoft.com/office/mac/drawingml/2011/main" val="1"/>
             </a:ext>
           </a:extLst>
         </p:spPr>
@@ -7881,7 +7694,7 @@
           </a:ln>
           <a:extLst>
             <a:ext uri="{C572A759-6A51-4108-AA02-DFA0A04FC94B}">
-              <ma14:wrappingTextBoxFlag xmlns:ma14="http://schemas.microsoft.com/office/mac/drawingml/2011/main" xmlns:a14="http://schemas.microsoft.com/office/drawing/2010/main" xmlns:m="http://schemas.openxmlformats.org/officeDocument/2006/math" xmlns="" val="1"/>
+              <ma14:wrappingTextBoxFlag xmlns="" xmlns:m="http://schemas.openxmlformats.org/officeDocument/2006/math" xmlns:a14="http://schemas.microsoft.com/office/drawing/2010/main" xmlns:ma14="http://schemas.microsoft.com/office/mac/drawingml/2011/main" val="1"/>
             </a:ext>
           </a:extLst>
         </p:spPr>
@@ -7928,7 +7741,7 @@
           </a:ln>
           <a:extLst>
             <a:ext uri="{C572A759-6A51-4108-AA02-DFA0A04FC94B}">
-              <ma14:wrappingTextBoxFlag xmlns:ma14="http://schemas.microsoft.com/office/mac/drawingml/2011/main" xmlns:a14="http://schemas.microsoft.com/office/drawing/2010/main" xmlns:m="http://schemas.openxmlformats.org/officeDocument/2006/math" xmlns="" val="1"/>
+              <ma14:wrappingTextBoxFlag xmlns="" xmlns:m="http://schemas.openxmlformats.org/officeDocument/2006/math" xmlns:a14="http://schemas.microsoft.com/office/drawing/2010/main" xmlns:ma14="http://schemas.microsoft.com/office/mac/drawingml/2011/main" val="1"/>
             </a:ext>
           </a:extLst>
         </p:spPr>
@@ -8001,7 +7814,7 @@
           </a:ln>
           <a:extLst>
             <a:ext uri="{C572A759-6A51-4108-AA02-DFA0A04FC94B}">
-              <ma14:wrappingTextBoxFlag xmlns:ma14="http://schemas.microsoft.com/office/mac/drawingml/2011/main" xmlns:a14="http://schemas.microsoft.com/office/drawing/2010/main" xmlns:m="http://schemas.openxmlformats.org/officeDocument/2006/math" xmlns="" val="1"/>
+              <ma14:wrappingTextBoxFlag xmlns="" xmlns:m="http://schemas.openxmlformats.org/officeDocument/2006/math" xmlns:a14="http://schemas.microsoft.com/office/drawing/2010/main" xmlns:ma14="http://schemas.microsoft.com/office/mac/drawingml/2011/main" val="1"/>
             </a:ext>
           </a:extLst>
         </p:spPr>
@@ -8036,7 +7849,7 @@
           </a:ln>
           <a:extLst>
             <a:ext uri="{C572A759-6A51-4108-AA02-DFA0A04FC94B}">
-              <ma14:wrappingTextBoxFlag xmlns:ma14="http://schemas.microsoft.com/office/mac/drawingml/2011/main" xmlns:a14="http://schemas.microsoft.com/office/drawing/2010/main" xmlns:m="http://schemas.openxmlformats.org/officeDocument/2006/math" xmlns="" val="1"/>
+              <ma14:wrappingTextBoxFlag xmlns="" xmlns:m="http://schemas.openxmlformats.org/officeDocument/2006/math" xmlns:a14="http://schemas.microsoft.com/office/drawing/2010/main" xmlns:ma14="http://schemas.microsoft.com/office/mac/drawingml/2011/main" val="1"/>
             </a:ext>
           </a:extLst>
         </p:spPr>
@@ -8112,7 +7925,7 @@
           </a:ln>
           <a:extLst>
             <a:ext uri="{C572A759-6A51-4108-AA02-DFA0A04FC94B}">
-              <ma14:wrappingTextBoxFlag xmlns:ma14="http://schemas.microsoft.com/office/mac/drawingml/2011/main" xmlns:a14="http://schemas.microsoft.com/office/drawing/2010/main" xmlns:m="http://schemas.openxmlformats.org/officeDocument/2006/math" xmlns="" val="1"/>
+              <ma14:wrappingTextBoxFlag xmlns="" xmlns:m="http://schemas.openxmlformats.org/officeDocument/2006/math" xmlns:a14="http://schemas.microsoft.com/office/drawing/2010/main" xmlns:ma14="http://schemas.microsoft.com/office/mac/drawingml/2011/main" val="1"/>
             </a:ext>
           </a:extLst>
         </p:spPr>
@@ -8543,7 +8356,7 @@
           </a:ln>
           <a:extLst>
             <a:ext uri="{C572A759-6A51-4108-AA02-DFA0A04FC94B}">
-              <ma14:wrappingTextBoxFlag xmlns:ma14="http://schemas.microsoft.com/office/mac/drawingml/2011/main" xmlns:a14="http://schemas.microsoft.com/office/drawing/2010/main" xmlns:m="http://schemas.openxmlformats.org/officeDocument/2006/math" xmlns="" val="1"/>
+              <ma14:wrappingTextBoxFlag xmlns="" xmlns:m="http://schemas.openxmlformats.org/officeDocument/2006/math" xmlns:a14="http://schemas.microsoft.com/office/drawing/2010/main" xmlns:ma14="http://schemas.microsoft.com/office/mac/drawingml/2011/main" val="1"/>
             </a:ext>
           </a:extLst>
         </p:spPr>
@@ -8590,7 +8403,7 @@
           </a:ln>
           <a:extLst>
             <a:ext uri="{C572A759-6A51-4108-AA02-DFA0A04FC94B}">
-              <ma14:wrappingTextBoxFlag xmlns:ma14="http://schemas.microsoft.com/office/mac/drawingml/2011/main" xmlns:a14="http://schemas.microsoft.com/office/drawing/2010/main" xmlns:m="http://schemas.openxmlformats.org/officeDocument/2006/math" xmlns="" val="1"/>
+              <ma14:wrappingTextBoxFlag xmlns="" xmlns:m="http://schemas.openxmlformats.org/officeDocument/2006/math" xmlns:a14="http://schemas.microsoft.com/office/drawing/2010/main" xmlns:ma14="http://schemas.microsoft.com/office/mac/drawingml/2011/main" val="1"/>
             </a:ext>
           </a:extLst>
         </p:spPr>
@@ -8644,7 +8457,7 @@
           </a:ln>
           <a:extLst>
             <a:ext uri="{C572A759-6A51-4108-AA02-DFA0A04FC94B}">
-              <ma14:wrappingTextBoxFlag xmlns:ma14="http://schemas.microsoft.com/office/mac/drawingml/2011/main" xmlns:a14="http://schemas.microsoft.com/office/drawing/2010/main" xmlns:m="http://schemas.openxmlformats.org/officeDocument/2006/math" xmlns="" val="1"/>
+              <ma14:wrappingTextBoxFlag xmlns="" xmlns:m="http://schemas.openxmlformats.org/officeDocument/2006/math" xmlns:a14="http://schemas.microsoft.com/office/drawing/2010/main" xmlns:ma14="http://schemas.microsoft.com/office/mac/drawingml/2011/main" val="1"/>
             </a:ext>
           </a:extLst>
         </p:spPr>
@@ -8756,7 +8569,7 @@
           </a:ln>
           <a:extLst>
             <a:ext uri="{C572A759-6A51-4108-AA02-DFA0A04FC94B}">
-              <ma14:wrappingTextBoxFlag xmlns:ma14="http://schemas.microsoft.com/office/mac/drawingml/2011/main" xmlns:a14="http://schemas.microsoft.com/office/drawing/2010/main" xmlns:m="http://schemas.openxmlformats.org/officeDocument/2006/math" xmlns="" val="1"/>
+              <ma14:wrappingTextBoxFlag xmlns="" xmlns:m="http://schemas.openxmlformats.org/officeDocument/2006/math" xmlns:a14="http://schemas.microsoft.com/office/drawing/2010/main" xmlns:ma14="http://schemas.microsoft.com/office/mac/drawingml/2011/main" val="1"/>
             </a:ext>
           </a:extLst>
         </p:spPr>
@@ -8791,7 +8604,7 @@
           </a:ln>
           <a:extLst>
             <a:ext uri="{C572A759-6A51-4108-AA02-DFA0A04FC94B}">
-              <ma14:wrappingTextBoxFlag xmlns:ma14="http://schemas.microsoft.com/office/mac/drawingml/2011/main" xmlns:a14="http://schemas.microsoft.com/office/drawing/2010/main" xmlns:m="http://schemas.openxmlformats.org/officeDocument/2006/math" xmlns="" val="1"/>
+              <ma14:wrappingTextBoxFlag xmlns="" xmlns:m="http://schemas.openxmlformats.org/officeDocument/2006/math" xmlns:a14="http://schemas.microsoft.com/office/drawing/2010/main" xmlns:ma14="http://schemas.microsoft.com/office/mac/drawingml/2011/main" val="1"/>
             </a:ext>
           </a:extLst>
         </p:spPr>
@@ -8867,7 +8680,7 @@
           </a:ln>
           <a:extLst>
             <a:ext uri="{C572A759-6A51-4108-AA02-DFA0A04FC94B}">
-              <ma14:wrappingTextBoxFlag xmlns:ma14="http://schemas.microsoft.com/office/mac/drawingml/2011/main" xmlns:a14="http://schemas.microsoft.com/office/drawing/2010/main" xmlns:m="http://schemas.openxmlformats.org/officeDocument/2006/math" xmlns="" val="1"/>
+              <ma14:wrappingTextBoxFlag xmlns="" xmlns:m="http://schemas.openxmlformats.org/officeDocument/2006/math" xmlns:a14="http://schemas.microsoft.com/office/drawing/2010/main" xmlns:ma14="http://schemas.microsoft.com/office/mac/drawingml/2011/main" val="1"/>
             </a:ext>
           </a:extLst>
         </p:spPr>
@@ -9298,7 +9111,7 @@
           </a:ln>
           <a:extLst>
             <a:ext uri="{C572A759-6A51-4108-AA02-DFA0A04FC94B}">
-              <ma14:wrappingTextBoxFlag xmlns:ma14="http://schemas.microsoft.com/office/mac/drawingml/2011/main" xmlns:a14="http://schemas.microsoft.com/office/drawing/2010/main" xmlns:m="http://schemas.openxmlformats.org/officeDocument/2006/math" xmlns="" val="1"/>
+              <ma14:wrappingTextBoxFlag xmlns="" xmlns:m="http://schemas.openxmlformats.org/officeDocument/2006/math" xmlns:a14="http://schemas.microsoft.com/office/drawing/2010/main" xmlns:ma14="http://schemas.microsoft.com/office/mac/drawingml/2011/main" val="1"/>
             </a:ext>
           </a:extLst>
         </p:spPr>
@@ -9345,7 +9158,7 @@
           </a:ln>
           <a:extLst>
             <a:ext uri="{C572A759-6A51-4108-AA02-DFA0A04FC94B}">
-              <ma14:wrappingTextBoxFlag xmlns:ma14="http://schemas.microsoft.com/office/mac/drawingml/2011/main" xmlns:a14="http://schemas.microsoft.com/office/drawing/2010/main" xmlns:m="http://schemas.openxmlformats.org/officeDocument/2006/math" xmlns="" val="1"/>
+              <ma14:wrappingTextBoxFlag xmlns="" xmlns:m="http://schemas.openxmlformats.org/officeDocument/2006/math" xmlns:a14="http://schemas.microsoft.com/office/drawing/2010/main" xmlns:ma14="http://schemas.microsoft.com/office/mac/drawingml/2011/main" val="1"/>
             </a:ext>
           </a:extLst>
         </p:spPr>
@@ -9392,7 +9205,7 @@
           </a:ln>
           <a:extLst>
             <a:ext uri="{C572A759-6A51-4108-AA02-DFA0A04FC94B}">
-              <ma14:wrappingTextBoxFlag xmlns:ma14="http://schemas.microsoft.com/office/mac/drawingml/2011/main" xmlns:a14="http://schemas.microsoft.com/office/drawing/2010/main" xmlns:m="http://schemas.openxmlformats.org/officeDocument/2006/math" xmlns="" val="1"/>
+              <ma14:wrappingTextBoxFlag xmlns="" xmlns:m="http://schemas.openxmlformats.org/officeDocument/2006/math" xmlns:a14="http://schemas.microsoft.com/office/drawing/2010/main" xmlns:ma14="http://schemas.microsoft.com/office/mac/drawingml/2011/main" val="1"/>
             </a:ext>
           </a:extLst>
         </p:spPr>
@@ -9475,7 +9288,7 @@
           </a:ln>
           <a:extLst>
             <a:ext uri="{C572A759-6A51-4108-AA02-DFA0A04FC94B}">
-              <ma14:wrappingTextBoxFlag xmlns:ma14="http://schemas.microsoft.com/office/mac/drawingml/2011/main" xmlns:a14="http://schemas.microsoft.com/office/drawing/2010/main" xmlns:m="http://schemas.openxmlformats.org/officeDocument/2006/math" xmlns="" val="1"/>
+              <ma14:wrappingTextBoxFlag xmlns="" xmlns:m="http://schemas.openxmlformats.org/officeDocument/2006/math" xmlns:a14="http://schemas.microsoft.com/office/drawing/2010/main" xmlns:ma14="http://schemas.microsoft.com/office/mac/drawingml/2011/main" val="1"/>
             </a:ext>
           </a:extLst>
         </p:spPr>
@@ -9568,7 +9381,7 @@
           </a:ln>
           <a:extLst>
             <a:ext uri="{C572A759-6A51-4108-AA02-DFA0A04FC94B}">
-              <ma14:wrappingTextBoxFlag xmlns:ma14="http://schemas.microsoft.com/office/mac/drawingml/2011/main" xmlns:a14="http://schemas.microsoft.com/office/drawing/2010/main" xmlns:m="http://schemas.openxmlformats.org/officeDocument/2006/math" xmlns="" val="1"/>
+              <ma14:wrappingTextBoxFlag xmlns="" xmlns:m="http://schemas.openxmlformats.org/officeDocument/2006/math" xmlns:a14="http://schemas.microsoft.com/office/drawing/2010/main" xmlns:ma14="http://schemas.microsoft.com/office/mac/drawingml/2011/main" val="1"/>
             </a:ext>
           </a:extLst>
         </p:spPr>
@@ -9716,7 +9529,7 @@
           </a:ln>
           <a:extLst>
             <a:ext uri="{C572A759-6A51-4108-AA02-DFA0A04FC94B}">
-              <ma14:wrappingTextBoxFlag xmlns:ma14="http://schemas.microsoft.com/office/mac/drawingml/2011/main" xmlns:a14="http://schemas.microsoft.com/office/drawing/2010/main" xmlns:m="http://schemas.openxmlformats.org/officeDocument/2006/math" xmlns="" val="1"/>
+              <ma14:wrappingTextBoxFlag xmlns="" xmlns:m="http://schemas.openxmlformats.org/officeDocument/2006/math" xmlns:a14="http://schemas.microsoft.com/office/drawing/2010/main" xmlns:ma14="http://schemas.microsoft.com/office/mac/drawingml/2011/main" val="1"/>
             </a:ext>
           </a:extLst>
         </p:spPr>
@@ -9764,7 +9577,7 @@
           </a:ln>
           <a:extLst>
             <a:ext uri="{C572A759-6A51-4108-AA02-DFA0A04FC94B}">
-              <ma14:wrappingTextBoxFlag xmlns:ma14="http://schemas.microsoft.com/office/mac/drawingml/2011/main" xmlns:a14="http://schemas.microsoft.com/office/drawing/2010/main" xmlns:m="http://schemas.openxmlformats.org/officeDocument/2006/math" xmlns="" val="1"/>
+              <ma14:wrappingTextBoxFlag xmlns="" xmlns:m="http://schemas.openxmlformats.org/officeDocument/2006/math" xmlns:a14="http://schemas.microsoft.com/office/drawing/2010/main" xmlns:ma14="http://schemas.microsoft.com/office/mac/drawingml/2011/main" val="1"/>
             </a:ext>
           </a:extLst>
         </p:spPr>
@@ -9809,7 +9622,7 @@
           </a:ln>
           <a:extLst>
             <a:ext uri="{C572A759-6A51-4108-AA02-DFA0A04FC94B}">
-              <ma14:wrappingTextBoxFlag xmlns:ma14="http://schemas.microsoft.com/office/mac/drawingml/2011/main" xmlns:a14="http://schemas.microsoft.com/office/drawing/2010/main" xmlns:m="http://schemas.openxmlformats.org/officeDocument/2006/math" xmlns="" val="1"/>
+              <ma14:wrappingTextBoxFlag xmlns="" xmlns:m="http://schemas.openxmlformats.org/officeDocument/2006/math" xmlns:a14="http://schemas.microsoft.com/office/drawing/2010/main" xmlns:ma14="http://schemas.microsoft.com/office/mac/drawingml/2011/main" val="1"/>
             </a:ext>
           </a:extLst>
         </p:spPr>
@@ -9855,7 +9668,7 @@
           </a:ln>
           <a:extLst>
             <a:ext uri="{C572A759-6A51-4108-AA02-DFA0A04FC94B}">
-              <ma14:wrappingTextBoxFlag xmlns:ma14="http://schemas.microsoft.com/office/mac/drawingml/2011/main" xmlns:a14="http://schemas.microsoft.com/office/drawing/2010/main" xmlns:m="http://schemas.openxmlformats.org/officeDocument/2006/math" xmlns="" val="1"/>
+              <ma14:wrappingTextBoxFlag xmlns="" xmlns:m="http://schemas.openxmlformats.org/officeDocument/2006/math" xmlns:a14="http://schemas.microsoft.com/office/drawing/2010/main" xmlns:ma14="http://schemas.microsoft.com/office/mac/drawingml/2011/main" val="1"/>
             </a:ext>
           </a:extLst>
         </p:spPr>
@@ -9903,7 +9716,7 @@
           </a:ln>
           <a:extLst>
             <a:ext uri="{C572A759-6A51-4108-AA02-DFA0A04FC94B}">
-              <ma14:wrappingTextBoxFlag xmlns:ma14="http://schemas.microsoft.com/office/mac/drawingml/2011/main" xmlns:a14="http://schemas.microsoft.com/office/drawing/2010/main" xmlns:m="http://schemas.openxmlformats.org/officeDocument/2006/math" xmlns="" val="1"/>
+              <ma14:wrappingTextBoxFlag xmlns="" xmlns:m="http://schemas.openxmlformats.org/officeDocument/2006/math" xmlns:a14="http://schemas.microsoft.com/office/drawing/2010/main" xmlns:ma14="http://schemas.microsoft.com/office/mac/drawingml/2011/main" val="1"/>
             </a:ext>
           </a:extLst>
         </p:spPr>
@@ -9948,7 +9761,7 @@
           </a:ln>
           <a:extLst>
             <a:ext uri="{C572A759-6A51-4108-AA02-DFA0A04FC94B}">
-              <ma14:wrappingTextBoxFlag xmlns:ma14="http://schemas.microsoft.com/office/mac/drawingml/2011/main" xmlns:a14="http://schemas.microsoft.com/office/drawing/2010/main" xmlns:m="http://schemas.openxmlformats.org/officeDocument/2006/math" xmlns="" val="1"/>
+              <ma14:wrappingTextBoxFlag xmlns="" xmlns:m="http://schemas.openxmlformats.org/officeDocument/2006/math" xmlns:a14="http://schemas.microsoft.com/office/drawing/2010/main" xmlns:ma14="http://schemas.microsoft.com/office/mac/drawingml/2011/main" val="1"/>
             </a:ext>
           </a:extLst>
         </p:spPr>
@@ -9987,7 +9800,7 @@
           </a:ln>
           <a:extLst>
             <a:ext uri="{C572A759-6A51-4108-AA02-DFA0A04FC94B}">
-              <ma14:wrappingTextBoxFlag xmlns:ma14="http://schemas.microsoft.com/office/mac/drawingml/2011/main" xmlns:a14="http://schemas.microsoft.com/office/drawing/2010/main" xmlns:m="http://schemas.openxmlformats.org/officeDocument/2006/math" xmlns="" val="1"/>
+              <ma14:wrappingTextBoxFlag xmlns="" xmlns:m="http://schemas.openxmlformats.org/officeDocument/2006/math" xmlns:a14="http://schemas.microsoft.com/office/drawing/2010/main" xmlns:ma14="http://schemas.microsoft.com/office/mac/drawingml/2011/main" val="1"/>
             </a:ext>
           </a:extLst>
         </p:spPr>
@@ -10026,7 +9839,7 @@
           </a:ln>
           <a:extLst>
             <a:ext uri="{C572A759-6A51-4108-AA02-DFA0A04FC94B}">
-              <ma14:wrappingTextBoxFlag xmlns:ma14="http://schemas.microsoft.com/office/mac/drawingml/2011/main" xmlns:a14="http://schemas.microsoft.com/office/drawing/2010/main" xmlns:m="http://schemas.openxmlformats.org/officeDocument/2006/math" xmlns="" val="1"/>
+              <ma14:wrappingTextBoxFlag xmlns="" xmlns:m="http://schemas.openxmlformats.org/officeDocument/2006/math" xmlns:a14="http://schemas.microsoft.com/office/drawing/2010/main" xmlns:ma14="http://schemas.microsoft.com/office/mac/drawingml/2011/main" val="1"/>
             </a:ext>
           </a:extLst>
         </p:spPr>
@@ -10072,7 +9885,7 @@
           </a:ln>
           <a:extLst>
             <a:ext uri="{C572A759-6A51-4108-AA02-DFA0A04FC94B}">
-              <ma14:wrappingTextBoxFlag xmlns:ma14="http://schemas.microsoft.com/office/mac/drawingml/2011/main" xmlns:a14="http://schemas.microsoft.com/office/drawing/2010/main" xmlns:m="http://schemas.openxmlformats.org/officeDocument/2006/math" xmlns="" val="1"/>
+              <ma14:wrappingTextBoxFlag xmlns="" xmlns:m="http://schemas.openxmlformats.org/officeDocument/2006/math" xmlns:a14="http://schemas.microsoft.com/office/drawing/2010/main" xmlns:ma14="http://schemas.microsoft.com/office/mac/drawingml/2011/main" val="1"/>
             </a:ext>
           </a:extLst>
         </p:spPr>
@@ -10120,7 +9933,7 @@
           </a:ln>
           <a:extLst>
             <a:ext uri="{C572A759-6A51-4108-AA02-DFA0A04FC94B}">
-              <ma14:wrappingTextBoxFlag xmlns:ma14="http://schemas.microsoft.com/office/mac/drawingml/2011/main" xmlns:a14="http://schemas.microsoft.com/office/drawing/2010/main" xmlns:m="http://schemas.openxmlformats.org/officeDocument/2006/math" xmlns="" val="1"/>
+              <ma14:wrappingTextBoxFlag xmlns="" xmlns:m="http://schemas.openxmlformats.org/officeDocument/2006/math" xmlns:a14="http://schemas.microsoft.com/office/drawing/2010/main" xmlns:ma14="http://schemas.microsoft.com/office/mac/drawingml/2011/main" val="1"/>
             </a:ext>
           </a:extLst>
         </p:spPr>
@@ -10165,7 +9978,7 @@
           </a:ln>
           <a:extLst>
             <a:ext uri="{C572A759-6A51-4108-AA02-DFA0A04FC94B}">
-              <ma14:wrappingTextBoxFlag xmlns:ma14="http://schemas.microsoft.com/office/mac/drawingml/2011/main" xmlns:a14="http://schemas.microsoft.com/office/drawing/2010/main" xmlns:m="http://schemas.openxmlformats.org/officeDocument/2006/math" xmlns="" val="1"/>
+              <ma14:wrappingTextBoxFlag xmlns="" xmlns:m="http://schemas.openxmlformats.org/officeDocument/2006/math" xmlns:a14="http://schemas.microsoft.com/office/drawing/2010/main" xmlns:ma14="http://schemas.microsoft.com/office/mac/drawingml/2011/main" val="1"/>
             </a:ext>
           </a:extLst>
         </p:spPr>
@@ -10204,7 +10017,7 @@
           </a:ln>
           <a:extLst>
             <a:ext uri="{C572A759-6A51-4108-AA02-DFA0A04FC94B}">
-              <ma14:wrappingTextBoxFlag xmlns:ma14="http://schemas.microsoft.com/office/mac/drawingml/2011/main" xmlns:a14="http://schemas.microsoft.com/office/drawing/2010/main" xmlns:m="http://schemas.openxmlformats.org/officeDocument/2006/math" xmlns="" val="1"/>
+              <ma14:wrappingTextBoxFlag xmlns="" xmlns:m="http://schemas.openxmlformats.org/officeDocument/2006/math" xmlns:a14="http://schemas.microsoft.com/office/drawing/2010/main" xmlns:ma14="http://schemas.microsoft.com/office/mac/drawingml/2011/main" val="1"/>
             </a:ext>
           </a:extLst>
         </p:spPr>
@@ -10246,7 +10059,7 @@
           </a:ln>
           <a:extLst>
             <a:ext uri="{C572A759-6A51-4108-AA02-DFA0A04FC94B}">
-              <ma14:wrappingTextBoxFlag xmlns:ma14="http://schemas.microsoft.com/office/mac/drawingml/2011/main" xmlns:a14="http://schemas.microsoft.com/office/drawing/2010/main" xmlns:m="http://schemas.openxmlformats.org/officeDocument/2006/math" xmlns="" val="1"/>
+              <ma14:wrappingTextBoxFlag xmlns="" xmlns:m="http://schemas.openxmlformats.org/officeDocument/2006/math" xmlns:a14="http://schemas.microsoft.com/office/drawing/2010/main" xmlns:ma14="http://schemas.microsoft.com/office/mac/drawingml/2011/main" val="1"/>
             </a:ext>
           </a:extLst>
         </p:spPr>
@@ -10291,7 +10104,7 @@
           </a:ln>
           <a:extLst>
             <a:ext uri="{C572A759-6A51-4108-AA02-DFA0A04FC94B}">
-              <ma14:wrappingTextBoxFlag xmlns:ma14="http://schemas.microsoft.com/office/mac/drawingml/2011/main" xmlns:a14="http://schemas.microsoft.com/office/drawing/2010/main" xmlns:m="http://schemas.openxmlformats.org/officeDocument/2006/math" xmlns="" val="1"/>
+              <ma14:wrappingTextBoxFlag xmlns="" xmlns:m="http://schemas.openxmlformats.org/officeDocument/2006/math" xmlns:a14="http://schemas.microsoft.com/office/drawing/2010/main" xmlns:ma14="http://schemas.microsoft.com/office/mac/drawingml/2011/main" val="1"/>
             </a:ext>
           </a:extLst>
         </p:spPr>
@@ -10344,7 +10157,7 @@
           </a:ln>
           <a:extLst>
             <a:ext uri="{C572A759-6A51-4108-AA02-DFA0A04FC94B}">
-              <ma14:wrappingTextBoxFlag xmlns:ma14="http://schemas.microsoft.com/office/mac/drawingml/2011/main" xmlns:a14="http://schemas.microsoft.com/office/drawing/2010/main" xmlns:m="http://schemas.openxmlformats.org/officeDocument/2006/math" xmlns="" val="1"/>
+              <ma14:wrappingTextBoxFlag xmlns="" xmlns:m="http://schemas.openxmlformats.org/officeDocument/2006/math" xmlns:a14="http://schemas.microsoft.com/office/drawing/2010/main" xmlns:ma14="http://schemas.microsoft.com/office/mac/drawingml/2011/main" val="1"/>
             </a:ext>
           </a:extLst>
         </p:spPr>
@@ -10392,7 +10205,7 @@
           </a:ln>
           <a:extLst>
             <a:ext uri="{C572A759-6A51-4108-AA02-DFA0A04FC94B}">
-              <ma14:wrappingTextBoxFlag xmlns:ma14="http://schemas.microsoft.com/office/mac/drawingml/2011/main" xmlns:a14="http://schemas.microsoft.com/office/drawing/2010/main" xmlns:m="http://schemas.openxmlformats.org/officeDocument/2006/math" xmlns="" val="1"/>
+              <ma14:wrappingTextBoxFlag xmlns="" xmlns:m="http://schemas.openxmlformats.org/officeDocument/2006/math" xmlns:a14="http://schemas.microsoft.com/office/drawing/2010/main" xmlns:ma14="http://schemas.microsoft.com/office/mac/drawingml/2011/main" val="1"/>
             </a:ext>
           </a:extLst>
         </p:spPr>
@@ -10437,7 +10250,7 @@
           </a:ln>
           <a:extLst>
             <a:ext uri="{C572A759-6A51-4108-AA02-DFA0A04FC94B}">
-              <ma14:wrappingTextBoxFlag xmlns:ma14="http://schemas.microsoft.com/office/mac/drawingml/2011/main" xmlns:a14="http://schemas.microsoft.com/office/drawing/2010/main" xmlns:m="http://schemas.openxmlformats.org/officeDocument/2006/math" xmlns="" val="1"/>
+              <ma14:wrappingTextBoxFlag xmlns="" xmlns:m="http://schemas.openxmlformats.org/officeDocument/2006/math" xmlns:a14="http://schemas.microsoft.com/office/drawing/2010/main" xmlns:ma14="http://schemas.microsoft.com/office/mac/drawingml/2011/main" val="1"/>
             </a:ext>
           </a:extLst>
         </p:spPr>
@@ -10476,7 +10289,7 @@
           </a:ln>
           <a:extLst>
             <a:ext uri="{C572A759-6A51-4108-AA02-DFA0A04FC94B}">
-              <ma14:wrappingTextBoxFlag xmlns:ma14="http://schemas.microsoft.com/office/mac/drawingml/2011/main" xmlns:a14="http://schemas.microsoft.com/office/drawing/2010/main" xmlns:m="http://schemas.openxmlformats.org/officeDocument/2006/math" xmlns="" val="1"/>
+              <ma14:wrappingTextBoxFlag xmlns="" xmlns:m="http://schemas.openxmlformats.org/officeDocument/2006/math" xmlns:a14="http://schemas.microsoft.com/office/drawing/2010/main" xmlns:ma14="http://schemas.microsoft.com/office/mac/drawingml/2011/main" val="1"/>
             </a:ext>
           </a:extLst>
         </p:spPr>
@@ -10520,7 +10333,7 @@
           </a:ln>
           <a:extLst>
             <a:ext uri="{C572A759-6A51-4108-AA02-DFA0A04FC94B}">
-              <ma14:wrappingTextBoxFlag xmlns:ma14="http://schemas.microsoft.com/office/mac/drawingml/2011/main" xmlns:a14="http://schemas.microsoft.com/office/drawing/2010/main" xmlns:m="http://schemas.openxmlformats.org/officeDocument/2006/math" xmlns="" val="1"/>
+              <ma14:wrappingTextBoxFlag xmlns="" xmlns:m="http://schemas.openxmlformats.org/officeDocument/2006/math" xmlns:a14="http://schemas.microsoft.com/office/drawing/2010/main" xmlns:ma14="http://schemas.microsoft.com/office/mac/drawingml/2011/main" val="1"/>
             </a:ext>
           </a:extLst>
         </p:spPr>
@@ -10570,7 +10383,7 @@
           </a:ln>
           <a:extLst>
             <a:ext uri="{C572A759-6A51-4108-AA02-DFA0A04FC94B}">
-              <ma14:wrappingTextBoxFlag xmlns:ma14="http://schemas.microsoft.com/office/mac/drawingml/2011/main" xmlns:a14="http://schemas.microsoft.com/office/drawing/2010/main" xmlns:m="http://schemas.openxmlformats.org/officeDocument/2006/math" xmlns="" val="1"/>
+              <ma14:wrappingTextBoxFlag xmlns="" xmlns:m="http://schemas.openxmlformats.org/officeDocument/2006/math" xmlns:a14="http://schemas.microsoft.com/office/drawing/2010/main" xmlns:ma14="http://schemas.microsoft.com/office/mac/drawingml/2011/main" val="1"/>
             </a:ext>
           </a:extLst>
         </p:spPr>
@@ -10620,7 +10433,7 @@
           </a:ln>
           <a:extLst>
             <a:ext uri="{C572A759-6A51-4108-AA02-DFA0A04FC94B}">
-              <ma14:wrappingTextBoxFlag xmlns:ma14="http://schemas.microsoft.com/office/mac/drawingml/2011/main" xmlns:a14="http://schemas.microsoft.com/office/drawing/2010/main" xmlns:m="http://schemas.openxmlformats.org/officeDocument/2006/math" xmlns="" val="1"/>
+              <ma14:wrappingTextBoxFlag xmlns="" xmlns:m="http://schemas.openxmlformats.org/officeDocument/2006/math" xmlns:a14="http://schemas.microsoft.com/office/drawing/2010/main" xmlns:ma14="http://schemas.microsoft.com/office/mac/drawingml/2011/main" val="1"/>
             </a:ext>
           </a:extLst>
         </p:spPr>
@@ -10758,7 +10571,7 @@
           </a:ln>
           <a:extLst>
             <a:ext uri="{C572A759-6A51-4108-AA02-DFA0A04FC94B}">
-              <ma14:wrappingTextBoxFlag xmlns:ma14="http://schemas.microsoft.com/office/mac/drawingml/2011/main" xmlns:a14="http://schemas.microsoft.com/office/drawing/2010/main" xmlns:m="http://schemas.openxmlformats.org/officeDocument/2006/math" xmlns="" val="1"/>
+              <ma14:wrappingTextBoxFlag xmlns="" xmlns:m="http://schemas.openxmlformats.org/officeDocument/2006/math" xmlns:a14="http://schemas.microsoft.com/office/drawing/2010/main" xmlns:ma14="http://schemas.microsoft.com/office/mac/drawingml/2011/main" val="1"/>
             </a:ext>
           </a:extLst>
         </p:spPr>
@@ -11445,7 +11258,7 @@
           </a:ln>
           <a:extLst>
             <a:ext uri="{C572A759-6A51-4108-AA02-DFA0A04FC94B}">
-              <ma14:wrappingTextBoxFlag xmlns:ma14="http://schemas.microsoft.com/office/mac/drawingml/2011/main" xmlns:a14="http://schemas.microsoft.com/office/drawing/2010/main" xmlns:m="http://schemas.openxmlformats.org/officeDocument/2006/math" xmlns="" val="1"/>
+              <ma14:wrappingTextBoxFlag xmlns="" xmlns:m="http://schemas.openxmlformats.org/officeDocument/2006/math" xmlns:a14="http://schemas.microsoft.com/office/drawing/2010/main" xmlns:ma14="http://schemas.microsoft.com/office/mac/drawingml/2011/main" val="1"/>
             </a:ext>
           </a:extLst>
         </p:spPr>
@@ -11518,7 +11331,7 @@
           </a:ln>
           <a:extLst>
             <a:ext uri="{C572A759-6A51-4108-AA02-DFA0A04FC94B}">
-              <ma14:wrappingTextBoxFlag xmlns:ma14="http://schemas.microsoft.com/office/mac/drawingml/2011/main" xmlns:a14="http://schemas.microsoft.com/office/drawing/2010/main" xmlns:m="http://schemas.openxmlformats.org/officeDocument/2006/math" xmlns="" val="1"/>
+              <ma14:wrappingTextBoxFlag xmlns="" xmlns:m="http://schemas.openxmlformats.org/officeDocument/2006/math" xmlns:a14="http://schemas.microsoft.com/office/drawing/2010/main" xmlns:ma14="http://schemas.microsoft.com/office/mac/drawingml/2011/main" val="1"/>
             </a:ext>
           </a:extLst>
         </p:spPr>
@@ -11553,7 +11366,7 @@
           </a:ln>
           <a:extLst>
             <a:ext uri="{C572A759-6A51-4108-AA02-DFA0A04FC94B}">
-              <ma14:wrappingTextBoxFlag xmlns:ma14="http://schemas.microsoft.com/office/mac/drawingml/2011/main" xmlns:a14="http://schemas.microsoft.com/office/drawing/2010/main" xmlns:m="http://schemas.openxmlformats.org/officeDocument/2006/math" xmlns="" val="1"/>
+              <ma14:wrappingTextBoxFlag xmlns="" xmlns:m="http://schemas.openxmlformats.org/officeDocument/2006/math" xmlns:a14="http://schemas.microsoft.com/office/drawing/2010/main" xmlns:ma14="http://schemas.microsoft.com/office/mac/drawingml/2011/main" val="1"/>
             </a:ext>
           </a:extLst>
         </p:spPr>
@@ -11629,7 +11442,7 @@
           </a:ln>
           <a:extLst>
             <a:ext uri="{C572A759-6A51-4108-AA02-DFA0A04FC94B}">
-              <ma14:wrappingTextBoxFlag xmlns:ma14="http://schemas.microsoft.com/office/mac/drawingml/2011/main" xmlns:a14="http://schemas.microsoft.com/office/drawing/2010/main" xmlns:m="http://schemas.openxmlformats.org/officeDocument/2006/math" xmlns="" val="1"/>
+              <ma14:wrappingTextBoxFlag xmlns="" xmlns:m="http://schemas.openxmlformats.org/officeDocument/2006/math" xmlns:a14="http://schemas.microsoft.com/office/drawing/2010/main" xmlns:ma14="http://schemas.microsoft.com/office/mac/drawingml/2011/main" val="1"/>
             </a:ext>
           </a:extLst>
         </p:spPr>
@@ -12060,7 +11873,7 @@
           </a:ln>
           <a:extLst>
             <a:ext uri="{C572A759-6A51-4108-AA02-DFA0A04FC94B}">
-              <ma14:wrappingTextBoxFlag xmlns:ma14="http://schemas.microsoft.com/office/mac/drawingml/2011/main" xmlns:a14="http://schemas.microsoft.com/office/drawing/2010/main" xmlns:m="http://schemas.openxmlformats.org/officeDocument/2006/math" xmlns="" val="1"/>
+              <ma14:wrappingTextBoxFlag xmlns="" xmlns:m="http://schemas.openxmlformats.org/officeDocument/2006/math" xmlns:a14="http://schemas.microsoft.com/office/drawing/2010/main" xmlns:ma14="http://schemas.microsoft.com/office/mac/drawingml/2011/main" val="1"/>
             </a:ext>
           </a:extLst>
         </p:spPr>
@@ -12107,7 +11920,7 @@
           </a:ln>
           <a:extLst>
             <a:ext uri="{C572A759-6A51-4108-AA02-DFA0A04FC94B}">
-              <ma14:wrappingTextBoxFlag xmlns:ma14="http://schemas.microsoft.com/office/mac/drawingml/2011/main" xmlns:a14="http://schemas.microsoft.com/office/drawing/2010/main" xmlns:m="http://schemas.openxmlformats.org/officeDocument/2006/math" xmlns="" val="1"/>
+              <ma14:wrappingTextBoxFlag xmlns="" xmlns:m="http://schemas.openxmlformats.org/officeDocument/2006/math" xmlns:a14="http://schemas.microsoft.com/office/drawing/2010/main" xmlns:ma14="http://schemas.microsoft.com/office/mac/drawingml/2011/main" val="1"/>
             </a:ext>
           </a:extLst>
         </p:spPr>
@@ -12154,7 +11967,7 @@
           </a:ln>
           <a:extLst>
             <a:ext uri="{C572A759-6A51-4108-AA02-DFA0A04FC94B}">
-              <ma14:wrappingTextBoxFlag xmlns:ma14="http://schemas.microsoft.com/office/mac/drawingml/2011/main" xmlns:a14="http://schemas.microsoft.com/office/drawing/2010/main" xmlns:m="http://schemas.openxmlformats.org/officeDocument/2006/math" xmlns="" val="1"/>
+              <ma14:wrappingTextBoxFlag xmlns="" xmlns:m="http://schemas.openxmlformats.org/officeDocument/2006/math" xmlns:a14="http://schemas.microsoft.com/office/drawing/2010/main" xmlns:ma14="http://schemas.microsoft.com/office/mac/drawingml/2011/main" val="1"/>
             </a:ext>
           </a:extLst>
         </p:spPr>
@@ -12230,7 +12043,7 @@
           </a:ln>
           <a:extLst>
             <a:ext uri="{C572A759-6A51-4108-AA02-DFA0A04FC94B}">
-              <ma14:wrappingTextBoxFlag xmlns:ma14="http://schemas.microsoft.com/office/mac/drawingml/2011/main" xmlns:a14="http://schemas.microsoft.com/office/drawing/2010/main" xmlns:m="http://schemas.openxmlformats.org/officeDocument/2006/math" xmlns="" val="1"/>
+              <ma14:wrappingTextBoxFlag xmlns="" xmlns:m="http://schemas.openxmlformats.org/officeDocument/2006/math" xmlns:a14="http://schemas.microsoft.com/office/drawing/2010/main" xmlns:ma14="http://schemas.microsoft.com/office/mac/drawingml/2011/main" val="1"/>
             </a:ext>
           </a:extLst>
         </p:spPr>
@@ -12313,7 +12126,7 @@
           </a:ln>
           <a:extLst>
             <a:ext uri="{C572A759-6A51-4108-AA02-DFA0A04FC94B}">
-              <ma14:wrappingTextBoxFlag xmlns:ma14="http://schemas.microsoft.com/office/mac/drawingml/2011/main" xmlns:a14="http://schemas.microsoft.com/office/drawing/2010/main" xmlns:m="http://schemas.openxmlformats.org/officeDocument/2006/math" xmlns="" val="1"/>
+              <ma14:wrappingTextBoxFlag xmlns="" xmlns:m="http://schemas.openxmlformats.org/officeDocument/2006/math" xmlns:a14="http://schemas.microsoft.com/office/drawing/2010/main" xmlns:ma14="http://schemas.microsoft.com/office/mac/drawingml/2011/main" val="1"/>
             </a:ext>
           </a:extLst>
         </p:spPr>
@@ -12406,7 +12219,7 @@
           </a:ln>
           <a:extLst>
             <a:ext uri="{C572A759-6A51-4108-AA02-DFA0A04FC94B}">
-              <ma14:wrappingTextBoxFlag xmlns:ma14="http://schemas.microsoft.com/office/mac/drawingml/2011/main" xmlns:a14="http://schemas.microsoft.com/office/drawing/2010/main" xmlns:m="http://schemas.openxmlformats.org/officeDocument/2006/math" xmlns="" val="1"/>
+              <ma14:wrappingTextBoxFlag xmlns="" xmlns:m="http://schemas.openxmlformats.org/officeDocument/2006/math" xmlns:a14="http://schemas.microsoft.com/office/drawing/2010/main" xmlns:ma14="http://schemas.microsoft.com/office/mac/drawingml/2011/main" val="1"/>
             </a:ext>
           </a:extLst>
         </p:spPr>
@@ -12731,7 +12544,7 @@
           </a:ln>
           <a:extLst>
             <a:ext uri="{C572A759-6A51-4108-AA02-DFA0A04FC94B}">
-              <ma14:wrappingTextBoxFlag xmlns:ma14="http://schemas.microsoft.com/office/mac/drawingml/2011/main" xmlns:a14="http://schemas.microsoft.com/office/drawing/2010/main" xmlns:m="http://schemas.openxmlformats.org/officeDocument/2006/math" xmlns="" val="1"/>
+              <ma14:wrappingTextBoxFlag xmlns="" xmlns:m="http://schemas.openxmlformats.org/officeDocument/2006/math" xmlns:a14="http://schemas.microsoft.com/office/drawing/2010/main" xmlns:ma14="http://schemas.microsoft.com/office/mac/drawingml/2011/main" val="1"/>
             </a:ext>
           </a:extLst>
         </p:spPr>
@@ -12778,7 +12591,7 @@
           </a:ln>
           <a:extLst>
             <a:ext uri="{C572A759-6A51-4108-AA02-DFA0A04FC94B}">
-              <ma14:wrappingTextBoxFlag xmlns:ma14="http://schemas.microsoft.com/office/mac/drawingml/2011/main" xmlns:a14="http://schemas.microsoft.com/office/drawing/2010/main" xmlns:m="http://schemas.openxmlformats.org/officeDocument/2006/math" xmlns="" val="1"/>
+              <ma14:wrappingTextBoxFlag xmlns="" xmlns:m="http://schemas.openxmlformats.org/officeDocument/2006/math" xmlns:a14="http://schemas.microsoft.com/office/drawing/2010/main" xmlns:ma14="http://schemas.microsoft.com/office/mac/drawingml/2011/main" val="1"/>
             </a:ext>
           </a:extLst>
         </p:spPr>
@@ -12851,7 +12664,7 @@
           </a:ln>
           <a:extLst>
             <a:ext uri="{C572A759-6A51-4108-AA02-DFA0A04FC94B}">
-              <ma14:wrappingTextBoxFlag xmlns:ma14="http://schemas.microsoft.com/office/mac/drawingml/2011/main" xmlns:a14="http://schemas.microsoft.com/office/drawing/2010/main" xmlns:m="http://schemas.openxmlformats.org/officeDocument/2006/math" xmlns="" val="1"/>
+              <ma14:wrappingTextBoxFlag xmlns="" xmlns:m="http://schemas.openxmlformats.org/officeDocument/2006/math" xmlns:a14="http://schemas.microsoft.com/office/drawing/2010/main" xmlns:ma14="http://schemas.microsoft.com/office/mac/drawingml/2011/main" val="1"/>
             </a:ext>
           </a:extLst>
         </p:spPr>
@@ -12886,7 +12699,7 @@
           </a:ln>
           <a:extLst>
             <a:ext uri="{C572A759-6A51-4108-AA02-DFA0A04FC94B}">
-              <ma14:wrappingTextBoxFlag xmlns:ma14="http://schemas.microsoft.com/office/mac/drawingml/2011/main" xmlns:a14="http://schemas.microsoft.com/office/drawing/2010/main" xmlns:m="http://schemas.openxmlformats.org/officeDocument/2006/math" xmlns="" val="1"/>
+              <ma14:wrappingTextBoxFlag xmlns="" xmlns:m="http://schemas.openxmlformats.org/officeDocument/2006/math" xmlns:a14="http://schemas.microsoft.com/office/drawing/2010/main" xmlns:ma14="http://schemas.microsoft.com/office/mac/drawingml/2011/main" val="1"/>
             </a:ext>
           </a:extLst>
         </p:spPr>
@@ -12962,7 +12775,7 @@
           </a:ln>
           <a:extLst>
             <a:ext uri="{C572A759-6A51-4108-AA02-DFA0A04FC94B}">
-              <ma14:wrappingTextBoxFlag xmlns:ma14="http://schemas.microsoft.com/office/mac/drawingml/2011/main" xmlns:a14="http://schemas.microsoft.com/office/drawing/2010/main" xmlns:m="http://schemas.openxmlformats.org/officeDocument/2006/math" xmlns="" val="1"/>
+              <ma14:wrappingTextBoxFlag xmlns="" xmlns:m="http://schemas.openxmlformats.org/officeDocument/2006/math" xmlns:a14="http://schemas.microsoft.com/office/drawing/2010/main" xmlns:ma14="http://schemas.microsoft.com/office/mac/drawingml/2011/main" val="1"/>
             </a:ext>
           </a:extLst>
         </p:spPr>
@@ -13393,7 +13206,7 @@
           </a:ln>
           <a:extLst>
             <a:ext uri="{C572A759-6A51-4108-AA02-DFA0A04FC94B}">
-              <ma14:wrappingTextBoxFlag xmlns:ma14="http://schemas.microsoft.com/office/mac/drawingml/2011/main" xmlns:a14="http://schemas.microsoft.com/office/drawing/2010/main" xmlns:m="http://schemas.openxmlformats.org/officeDocument/2006/math" xmlns="" val="1"/>
+              <ma14:wrappingTextBoxFlag xmlns="" xmlns:m="http://schemas.openxmlformats.org/officeDocument/2006/math" xmlns:a14="http://schemas.microsoft.com/office/drawing/2010/main" xmlns:ma14="http://schemas.microsoft.com/office/mac/drawingml/2011/main" val="1"/>
             </a:ext>
           </a:extLst>
         </p:spPr>
@@ -13440,7 +13253,7 @@
           </a:ln>
           <a:extLst>
             <a:ext uri="{C572A759-6A51-4108-AA02-DFA0A04FC94B}">
-              <ma14:wrappingTextBoxFlag xmlns:ma14="http://schemas.microsoft.com/office/mac/drawingml/2011/main" xmlns:a14="http://schemas.microsoft.com/office/drawing/2010/main" xmlns:m="http://schemas.openxmlformats.org/officeDocument/2006/math" xmlns="" val="1"/>
+              <ma14:wrappingTextBoxFlag xmlns="" xmlns:m="http://schemas.openxmlformats.org/officeDocument/2006/math" xmlns:a14="http://schemas.microsoft.com/office/drawing/2010/main" xmlns:ma14="http://schemas.microsoft.com/office/mac/drawingml/2011/main" val="1"/>
             </a:ext>
           </a:extLst>
         </p:spPr>
@@ -13487,7 +13300,7 @@
           </a:ln>
           <a:extLst>
             <a:ext uri="{C572A759-6A51-4108-AA02-DFA0A04FC94B}">
-              <ma14:wrappingTextBoxFlag xmlns:ma14="http://schemas.microsoft.com/office/mac/drawingml/2011/main" xmlns:a14="http://schemas.microsoft.com/office/drawing/2010/main" xmlns:m="http://schemas.openxmlformats.org/officeDocument/2006/math" xmlns="" val="1"/>
+              <ma14:wrappingTextBoxFlag xmlns="" xmlns:m="http://schemas.openxmlformats.org/officeDocument/2006/math" xmlns:a14="http://schemas.microsoft.com/office/drawing/2010/main" xmlns:ma14="http://schemas.microsoft.com/office/mac/drawingml/2011/main" val="1"/>
             </a:ext>
           </a:extLst>
         </p:spPr>
@@ -13563,7 +13376,7 @@
           </a:ln>
           <a:extLst>
             <a:ext uri="{C572A759-6A51-4108-AA02-DFA0A04FC94B}">
-              <ma14:wrappingTextBoxFlag xmlns:ma14="http://schemas.microsoft.com/office/mac/drawingml/2011/main" xmlns:a14="http://schemas.microsoft.com/office/drawing/2010/main" xmlns:m="http://schemas.openxmlformats.org/officeDocument/2006/math" xmlns="" val="1"/>
+              <ma14:wrappingTextBoxFlag xmlns="" xmlns:m="http://schemas.openxmlformats.org/officeDocument/2006/math" xmlns:a14="http://schemas.microsoft.com/office/drawing/2010/main" xmlns:ma14="http://schemas.microsoft.com/office/mac/drawingml/2011/main" val="1"/>
             </a:ext>
           </a:extLst>
         </p:spPr>
@@ -13646,7 +13459,7 @@
           </a:ln>
           <a:extLst>
             <a:ext uri="{C572A759-6A51-4108-AA02-DFA0A04FC94B}">
-              <ma14:wrappingTextBoxFlag xmlns:ma14="http://schemas.microsoft.com/office/mac/drawingml/2011/main" xmlns:a14="http://schemas.microsoft.com/office/drawing/2010/main" xmlns:m="http://schemas.openxmlformats.org/officeDocument/2006/math" xmlns="" val="1"/>
+              <ma14:wrappingTextBoxFlag xmlns="" xmlns:m="http://schemas.openxmlformats.org/officeDocument/2006/math" xmlns:a14="http://schemas.microsoft.com/office/drawing/2010/main" xmlns:ma14="http://schemas.microsoft.com/office/mac/drawingml/2011/main" val="1"/>
             </a:ext>
           </a:extLst>
         </p:spPr>
@@ -13739,7 +13552,7 @@
           </a:ln>
           <a:extLst>
             <a:ext uri="{C572A759-6A51-4108-AA02-DFA0A04FC94B}">
-              <ma14:wrappingTextBoxFlag xmlns:ma14="http://schemas.microsoft.com/office/mac/drawingml/2011/main" xmlns:a14="http://schemas.microsoft.com/office/drawing/2010/main" xmlns:m="http://schemas.openxmlformats.org/officeDocument/2006/math" xmlns="" val="1"/>
+              <ma14:wrappingTextBoxFlag xmlns="" xmlns:m="http://schemas.openxmlformats.org/officeDocument/2006/math" xmlns:a14="http://schemas.microsoft.com/office/drawing/2010/main" xmlns:ma14="http://schemas.microsoft.com/office/mac/drawingml/2011/main" val="1"/>
             </a:ext>
           </a:extLst>
         </p:spPr>
@@ -14064,7 +13877,7 @@
           </a:ln>
           <a:extLst>
             <a:ext uri="{C572A759-6A51-4108-AA02-DFA0A04FC94B}">
-              <ma14:wrappingTextBoxFlag xmlns:ma14="http://schemas.microsoft.com/office/mac/drawingml/2011/main" xmlns:a14="http://schemas.microsoft.com/office/drawing/2010/main" xmlns:m="http://schemas.openxmlformats.org/officeDocument/2006/math" xmlns="" val="1"/>
+              <ma14:wrappingTextBoxFlag xmlns="" xmlns:m="http://schemas.openxmlformats.org/officeDocument/2006/math" xmlns:a14="http://schemas.microsoft.com/office/drawing/2010/main" xmlns:ma14="http://schemas.microsoft.com/office/mac/drawingml/2011/main" val="1"/>
             </a:ext>
           </a:extLst>
         </p:spPr>
@@ -14111,7 +13924,7 @@
           </a:ln>
           <a:extLst>
             <a:ext uri="{C572A759-6A51-4108-AA02-DFA0A04FC94B}">
-              <ma14:wrappingTextBoxFlag xmlns:ma14="http://schemas.microsoft.com/office/mac/drawingml/2011/main" xmlns:a14="http://schemas.microsoft.com/office/drawing/2010/main" xmlns:m="http://schemas.openxmlformats.org/officeDocument/2006/math" xmlns="" val="1"/>
+              <ma14:wrappingTextBoxFlag xmlns="" xmlns:m="http://schemas.openxmlformats.org/officeDocument/2006/math" xmlns:a14="http://schemas.microsoft.com/office/drawing/2010/main" xmlns:ma14="http://schemas.microsoft.com/office/mac/drawingml/2011/main" val="1"/>
             </a:ext>
           </a:extLst>
         </p:spPr>
@@ -14158,7 +13971,7 @@
           </a:ln>
           <a:extLst>
             <a:ext uri="{C572A759-6A51-4108-AA02-DFA0A04FC94B}">
-              <ma14:wrappingTextBoxFlag xmlns:ma14="http://schemas.microsoft.com/office/mac/drawingml/2011/main" xmlns:a14="http://schemas.microsoft.com/office/drawing/2010/main" xmlns:m="http://schemas.openxmlformats.org/officeDocument/2006/math" xmlns="" val="1"/>
+              <ma14:wrappingTextBoxFlag xmlns="" xmlns:m="http://schemas.openxmlformats.org/officeDocument/2006/math" xmlns:a14="http://schemas.microsoft.com/office/drawing/2010/main" xmlns:ma14="http://schemas.microsoft.com/office/mac/drawingml/2011/main" val="1"/>
             </a:ext>
           </a:extLst>
         </p:spPr>
@@ -14260,7 +14073,7 @@
           </a:ln>
           <a:extLst>
             <a:ext uri="{C572A759-6A51-4108-AA02-DFA0A04FC94B}">
-              <ma14:wrappingTextBoxFlag xmlns:ma14="http://schemas.microsoft.com/office/mac/drawingml/2011/main" xmlns:a14="http://schemas.microsoft.com/office/drawing/2010/main" xmlns:m="http://schemas.openxmlformats.org/officeDocument/2006/math" xmlns="" val="1"/>
+              <ma14:wrappingTextBoxFlag xmlns="" xmlns:m="http://schemas.openxmlformats.org/officeDocument/2006/math" xmlns:a14="http://schemas.microsoft.com/office/drawing/2010/main" xmlns:ma14="http://schemas.microsoft.com/office/mac/drawingml/2011/main" val="1"/>
             </a:ext>
           </a:extLst>
         </p:spPr>
@@ -14384,7 +14197,7 @@
           </a:ln>
           <a:extLst>
             <a:ext uri="{C572A759-6A51-4108-AA02-DFA0A04FC94B}">
-              <ma14:wrappingTextBoxFlag xmlns:ma14="http://schemas.microsoft.com/office/mac/drawingml/2011/main" xmlns:a14="http://schemas.microsoft.com/office/drawing/2010/main" xmlns:m="http://schemas.openxmlformats.org/officeDocument/2006/math" xmlns="" val="1"/>
+              <ma14:wrappingTextBoxFlag xmlns="" xmlns:m="http://schemas.openxmlformats.org/officeDocument/2006/math" xmlns:a14="http://schemas.microsoft.com/office/drawing/2010/main" xmlns:ma14="http://schemas.microsoft.com/office/mac/drawingml/2011/main" val="1"/>
             </a:ext>
           </a:extLst>
         </p:spPr>
@@ -14419,7 +14232,7 @@
           </a:ln>
           <a:extLst>
             <a:ext uri="{C572A759-6A51-4108-AA02-DFA0A04FC94B}">
-              <ma14:wrappingTextBoxFlag xmlns:ma14="http://schemas.microsoft.com/office/mac/drawingml/2011/main" xmlns:a14="http://schemas.microsoft.com/office/drawing/2010/main" xmlns:m="http://schemas.openxmlformats.org/officeDocument/2006/math" xmlns="" val="1"/>
+              <ma14:wrappingTextBoxFlag xmlns="" xmlns:m="http://schemas.openxmlformats.org/officeDocument/2006/math" xmlns:a14="http://schemas.microsoft.com/office/drawing/2010/main" xmlns:ma14="http://schemas.microsoft.com/office/mac/drawingml/2011/main" val="1"/>
             </a:ext>
           </a:extLst>
         </p:spPr>
@@ -14495,7 +14308,7 @@
           </a:ln>
           <a:extLst>
             <a:ext uri="{C572A759-6A51-4108-AA02-DFA0A04FC94B}">
-              <ma14:wrappingTextBoxFlag xmlns:ma14="http://schemas.microsoft.com/office/mac/drawingml/2011/main" xmlns:a14="http://schemas.microsoft.com/office/drawing/2010/main" xmlns:m="http://schemas.openxmlformats.org/officeDocument/2006/math" xmlns="" val="1"/>
+              <ma14:wrappingTextBoxFlag xmlns="" xmlns:m="http://schemas.openxmlformats.org/officeDocument/2006/math" xmlns:a14="http://schemas.microsoft.com/office/drawing/2010/main" xmlns:ma14="http://schemas.microsoft.com/office/mac/drawingml/2011/main" val="1"/>
             </a:ext>
           </a:extLst>
         </p:spPr>
@@ -14926,7 +14739,7 @@
           </a:ln>
           <a:extLst>
             <a:ext uri="{C572A759-6A51-4108-AA02-DFA0A04FC94B}">
-              <ma14:wrappingTextBoxFlag xmlns:ma14="http://schemas.microsoft.com/office/mac/drawingml/2011/main" xmlns:a14="http://schemas.microsoft.com/office/drawing/2010/main" xmlns:m="http://schemas.openxmlformats.org/officeDocument/2006/math" xmlns="" val="1"/>
+              <ma14:wrappingTextBoxFlag xmlns="" xmlns:m="http://schemas.openxmlformats.org/officeDocument/2006/math" xmlns:a14="http://schemas.microsoft.com/office/drawing/2010/main" xmlns:ma14="http://schemas.microsoft.com/office/mac/drawingml/2011/main" val="1"/>
             </a:ext>
           </a:extLst>
         </p:spPr>
@@ -14973,7 +14786,7 @@
           </a:ln>
           <a:extLst>
             <a:ext uri="{C572A759-6A51-4108-AA02-DFA0A04FC94B}">
-              <ma14:wrappingTextBoxFlag xmlns:ma14="http://schemas.microsoft.com/office/mac/drawingml/2011/main" xmlns:a14="http://schemas.microsoft.com/office/drawing/2010/main" xmlns:m="http://schemas.openxmlformats.org/officeDocument/2006/math" xmlns="" val="1"/>
+              <ma14:wrappingTextBoxFlag xmlns="" xmlns:m="http://schemas.openxmlformats.org/officeDocument/2006/math" xmlns:a14="http://schemas.microsoft.com/office/drawing/2010/main" xmlns:ma14="http://schemas.microsoft.com/office/mac/drawingml/2011/main" val="1"/>
             </a:ext>
           </a:extLst>
         </p:spPr>
@@ -15020,7 +14833,7 @@
           </a:ln>
           <a:extLst>
             <a:ext uri="{C572A759-6A51-4108-AA02-DFA0A04FC94B}">
-              <ma14:wrappingTextBoxFlag xmlns:ma14="http://schemas.microsoft.com/office/mac/drawingml/2011/main" xmlns:a14="http://schemas.microsoft.com/office/drawing/2010/main" xmlns:m="http://schemas.openxmlformats.org/officeDocument/2006/math" xmlns="" val="1"/>
+              <ma14:wrappingTextBoxFlag xmlns="" xmlns:m="http://schemas.openxmlformats.org/officeDocument/2006/math" xmlns:a14="http://schemas.microsoft.com/office/drawing/2010/main" xmlns:ma14="http://schemas.microsoft.com/office/mac/drawingml/2011/main" val="1"/>
             </a:ext>
           </a:extLst>
         </p:spPr>
@@ -15096,7 +14909,7 @@
           </a:ln>
           <a:extLst>
             <a:ext uri="{C572A759-6A51-4108-AA02-DFA0A04FC94B}">
-              <ma14:wrappingTextBoxFlag xmlns:ma14="http://schemas.microsoft.com/office/mac/drawingml/2011/main" xmlns:a14="http://schemas.microsoft.com/office/drawing/2010/main" xmlns:m="http://schemas.openxmlformats.org/officeDocument/2006/math" xmlns="" val="1"/>
+              <ma14:wrappingTextBoxFlag xmlns="" xmlns:m="http://schemas.openxmlformats.org/officeDocument/2006/math" xmlns:a14="http://schemas.microsoft.com/office/drawing/2010/main" xmlns:ma14="http://schemas.microsoft.com/office/mac/drawingml/2011/main" val="1"/>
             </a:ext>
           </a:extLst>
         </p:spPr>
@@ -15179,7 +14992,7 @@
           </a:ln>
           <a:extLst>
             <a:ext uri="{C572A759-6A51-4108-AA02-DFA0A04FC94B}">
-              <ma14:wrappingTextBoxFlag xmlns:ma14="http://schemas.microsoft.com/office/mac/drawingml/2011/main" xmlns:a14="http://schemas.microsoft.com/office/drawing/2010/main" xmlns:m="http://schemas.openxmlformats.org/officeDocument/2006/math" xmlns="" val="1"/>
+              <ma14:wrappingTextBoxFlag xmlns="" xmlns:m="http://schemas.openxmlformats.org/officeDocument/2006/math" xmlns:a14="http://schemas.microsoft.com/office/drawing/2010/main" xmlns:ma14="http://schemas.microsoft.com/office/mac/drawingml/2011/main" val="1"/>
             </a:ext>
           </a:extLst>
         </p:spPr>
@@ -15272,7 +15085,7 @@
           </a:ln>
           <a:extLst>
             <a:ext uri="{C572A759-6A51-4108-AA02-DFA0A04FC94B}">
-              <ma14:wrappingTextBoxFlag xmlns:ma14="http://schemas.microsoft.com/office/mac/drawingml/2011/main" xmlns:a14="http://schemas.microsoft.com/office/drawing/2010/main" xmlns:m="http://schemas.openxmlformats.org/officeDocument/2006/math" xmlns="" val="1"/>
+              <ma14:wrappingTextBoxFlag xmlns="" xmlns:m="http://schemas.openxmlformats.org/officeDocument/2006/math" xmlns:a14="http://schemas.microsoft.com/office/drawing/2010/main" xmlns:ma14="http://schemas.microsoft.com/office/mac/drawingml/2011/main" val="1"/>
             </a:ext>
           </a:extLst>
         </p:spPr>
@@ -15603,7 +15416,7 @@
           </a:ln>
           <a:extLst>
             <a:ext uri="{C572A759-6A51-4108-AA02-DFA0A04FC94B}">
-              <ma14:wrappingTextBoxFlag xmlns:ma14="http://schemas.microsoft.com/office/mac/drawingml/2011/main" xmlns:a14="http://schemas.microsoft.com/office/drawing/2010/main" xmlns:m="http://schemas.openxmlformats.org/officeDocument/2006/math" xmlns="" val="1"/>
+              <ma14:wrappingTextBoxFlag xmlns="" xmlns:m="http://schemas.openxmlformats.org/officeDocument/2006/math" xmlns:a14="http://schemas.microsoft.com/office/drawing/2010/main" xmlns:ma14="http://schemas.microsoft.com/office/mac/drawingml/2011/main" val="1"/>
             </a:ext>
           </a:extLst>
         </p:spPr>
@@ -15691,7 +15504,7 @@
           </a:ln>
           <a:extLst>
             <a:ext uri="{C572A759-6A51-4108-AA02-DFA0A04FC94B}">
-              <ma14:wrappingTextBoxFlag xmlns:ma14="http://schemas.microsoft.com/office/mac/drawingml/2011/main" xmlns:a14="http://schemas.microsoft.com/office/drawing/2010/main" xmlns:m="http://schemas.openxmlformats.org/officeDocument/2006/math" xmlns="" val="1"/>
+              <ma14:wrappingTextBoxFlag xmlns="" xmlns:m="http://schemas.openxmlformats.org/officeDocument/2006/math" xmlns:a14="http://schemas.microsoft.com/office/drawing/2010/main" xmlns:ma14="http://schemas.microsoft.com/office/mac/drawingml/2011/main" val="1"/>
             </a:ext>
           </a:extLst>
         </p:spPr>
@@ -15773,7 +15586,7 @@
           </a:ln>
           <a:extLst>
             <a:ext uri="{C572A759-6A51-4108-AA02-DFA0A04FC94B}">
-              <ma14:wrappingTextBoxFlag xmlns:ma14="http://schemas.microsoft.com/office/mac/drawingml/2011/main" xmlns:a14="http://schemas.microsoft.com/office/drawing/2010/main" xmlns:m="http://schemas.openxmlformats.org/officeDocument/2006/math" xmlns="" val="1"/>
+              <ma14:wrappingTextBoxFlag xmlns="" xmlns:m="http://schemas.openxmlformats.org/officeDocument/2006/math" xmlns:a14="http://schemas.microsoft.com/office/drawing/2010/main" xmlns:ma14="http://schemas.microsoft.com/office/mac/drawingml/2011/main" val="1"/>
             </a:ext>
           </a:extLst>
         </p:spPr>
@@ -16008,7 +15821,7 @@
           </a:ln>
           <a:extLst>
             <a:ext uri="{C572A759-6A51-4108-AA02-DFA0A04FC94B}">
-              <ma14:wrappingTextBoxFlag xmlns:ma14="http://schemas.microsoft.com/office/mac/drawingml/2011/main" xmlns:a14="http://schemas.microsoft.com/office/drawing/2010/main" xmlns:m="http://schemas.openxmlformats.org/officeDocument/2006/math" xmlns="" val="1"/>
+              <ma14:wrappingTextBoxFlag xmlns="" xmlns:m="http://schemas.openxmlformats.org/officeDocument/2006/math" xmlns:a14="http://schemas.microsoft.com/office/drawing/2010/main" xmlns:ma14="http://schemas.microsoft.com/office/mac/drawingml/2011/main" val="1"/>
             </a:ext>
           </a:extLst>
         </p:spPr>
@@ -16055,7 +15868,7 @@
           </a:ln>
           <a:extLst>
             <a:ext uri="{C572A759-6A51-4108-AA02-DFA0A04FC94B}">
-              <ma14:wrappingTextBoxFlag xmlns:ma14="http://schemas.microsoft.com/office/mac/drawingml/2011/main" xmlns:a14="http://schemas.microsoft.com/office/drawing/2010/main" xmlns:m="http://schemas.openxmlformats.org/officeDocument/2006/math" xmlns="" val="1"/>
+              <ma14:wrappingTextBoxFlag xmlns="" xmlns:m="http://schemas.openxmlformats.org/officeDocument/2006/math" xmlns:a14="http://schemas.microsoft.com/office/drawing/2010/main" xmlns:ma14="http://schemas.microsoft.com/office/mac/drawingml/2011/main" val="1"/>
             </a:ext>
           </a:extLst>
         </p:spPr>
@@ -16102,7 +15915,7 @@
           </a:ln>
           <a:extLst>
             <a:ext uri="{C572A759-6A51-4108-AA02-DFA0A04FC94B}">
-              <ma14:wrappingTextBoxFlag xmlns:ma14="http://schemas.microsoft.com/office/mac/drawingml/2011/main" xmlns:a14="http://schemas.microsoft.com/office/drawing/2010/main" xmlns:m="http://schemas.openxmlformats.org/officeDocument/2006/math" xmlns="" val="1"/>
+              <ma14:wrappingTextBoxFlag xmlns="" xmlns:m="http://schemas.openxmlformats.org/officeDocument/2006/math" xmlns:a14="http://schemas.microsoft.com/office/drawing/2010/main" xmlns:ma14="http://schemas.microsoft.com/office/mac/drawingml/2011/main" val="1"/>
             </a:ext>
           </a:extLst>
         </p:spPr>
@@ -17009,7 +16822,7 @@
           </a:ln>
           <a:extLst>
             <a:ext uri="{C572A759-6A51-4108-AA02-DFA0A04FC94B}">
-              <ma14:wrappingTextBoxFlag xmlns:ma14="http://schemas.microsoft.com/office/mac/drawingml/2011/main" xmlns:a14="http://schemas.microsoft.com/office/drawing/2010/main" xmlns:m="http://schemas.openxmlformats.org/officeDocument/2006/math" xmlns="" val="1"/>
+              <ma14:wrappingTextBoxFlag xmlns="" xmlns:m="http://schemas.openxmlformats.org/officeDocument/2006/math" xmlns:a14="http://schemas.microsoft.com/office/drawing/2010/main" xmlns:ma14="http://schemas.microsoft.com/office/mac/drawingml/2011/main" val="1"/>
             </a:ext>
           </a:extLst>
         </p:spPr>
@@ -17101,7 +16914,7 @@
           </a:ln>
           <a:extLst>
             <a:ext uri="{C572A759-6A51-4108-AA02-DFA0A04FC94B}">
-              <ma14:wrappingTextBoxFlag xmlns:ma14="http://schemas.microsoft.com/office/mac/drawingml/2011/main" xmlns:a14="http://schemas.microsoft.com/office/drawing/2010/main" xmlns:m="http://schemas.openxmlformats.org/officeDocument/2006/math" xmlns="" val="1"/>
+              <ma14:wrappingTextBoxFlag xmlns="" xmlns:m="http://schemas.openxmlformats.org/officeDocument/2006/math" xmlns:a14="http://schemas.microsoft.com/office/drawing/2010/main" xmlns:ma14="http://schemas.microsoft.com/office/mac/drawingml/2011/main" val="1"/>
             </a:ext>
           </a:extLst>
         </p:spPr>
@@ -17193,7 +17006,7 @@
           </a:ln>
           <a:extLst>
             <a:ext uri="{C572A759-6A51-4108-AA02-DFA0A04FC94B}">
-              <ma14:wrappingTextBoxFlag xmlns:ma14="http://schemas.microsoft.com/office/mac/drawingml/2011/main" xmlns:a14="http://schemas.microsoft.com/office/drawing/2010/main" xmlns:m="http://schemas.openxmlformats.org/officeDocument/2006/math" xmlns="" val="1"/>
+              <ma14:wrappingTextBoxFlag xmlns="" xmlns:m="http://schemas.openxmlformats.org/officeDocument/2006/math" xmlns:a14="http://schemas.microsoft.com/office/drawing/2010/main" xmlns:ma14="http://schemas.microsoft.com/office/mac/drawingml/2011/main" val="1"/>
             </a:ext>
           </a:extLst>
         </p:spPr>
@@ -17240,7 +17053,7 @@
           </a:ln>
           <a:extLst>
             <a:ext uri="{C572A759-6A51-4108-AA02-DFA0A04FC94B}">
-              <ma14:wrappingTextBoxFlag xmlns:ma14="http://schemas.microsoft.com/office/mac/drawingml/2011/main" xmlns:a14="http://schemas.microsoft.com/office/drawing/2010/main" xmlns:m="http://schemas.openxmlformats.org/officeDocument/2006/math" xmlns="" val="1"/>
+              <ma14:wrappingTextBoxFlag xmlns="" xmlns:m="http://schemas.openxmlformats.org/officeDocument/2006/math" xmlns:a14="http://schemas.microsoft.com/office/drawing/2010/main" xmlns:ma14="http://schemas.microsoft.com/office/mac/drawingml/2011/main" val="1"/>
             </a:ext>
           </a:extLst>
         </p:spPr>
@@ -17715,7 +17528,7 @@
           </a:ln>
           <a:extLst>
             <a:ext uri="{C572A759-6A51-4108-AA02-DFA0A04FC94B}">
-              <ma14:wrappingTextBoxFlag xmlns:ma14="http://schemas.microsoft.com/office/mac/drawingml/2011/main" xmlns:a14="http://schemas.microsoft.com/office/drawing/2010/main" xmlns:m="http://schemas.openxmlformats.org/officeDocument/2006/math" xmlns="" val="1"/>
+              <ma14:wrappingTextBoxFlag xmlns="" xmlns:m="http://schemas.openxmlformats.org/officeDocument/2006/math" xmlns:a14="http://schemas.microsoft.com/office/drawing/2010/main" xmlns:ma14="http://schemas.microsoft.com/office/mac/drawingml/2011/main" val="1"/>
             </a:ext>
           </a:extLst>
         </p:spPr>
@@ -17763,7 +17576,7 @@
           </a:ln>
           <a:extLst>
             <a:ext uri="{C572A759-6A51-4108-AA02-DFA0A04FC94B}">
-              <ma14:wrappingTextBoxFlag xmlns:ma14="http://schemas.microsoft.com/office/mac/drawingml/2011/main" xmlns:a14="http://schemas.microsoft.com/office/drawing/2010/main" xmlns:m="http://schemas.openxmlformats.org/officeDocument/2006/math" xmlns="" val="1"/>
+              <ma14:wrappingTextBoxFlag xmlns="" xmlns:m="http://schemas.openxmlformats.org/officeDocument/2006/math" xmlns:a14="http://schemas.microsoft.com/office/drawing/2010/main" xmlns:ma14="http://schemas.microsoft.com/office/mac/drawingml/2011/main" val="1"/>
             </a:ext>
           </a:extLst>
         </p:spPr>
@@ -17912,7 +17725,7 @@
           </a:ln>
           <a:extLst>
             <a:ext uri="{C572A759-6A51-4108-AA02-DFA0A04FC94B}">
-              <ma14:wrappingTextBoxFlag xmlns:ma14="http://schemas.microsoft.com/office/mac/drawingml/2011/main" xmlns:a14="http://schemas.microsoft.com/office/drawing/2010/main" xmlns:m="http://schemas.openxmlformats.org/officeDocument/2006/math" xmlns="" val="1"/>
+              <ma14:wrappingTextBoxFlag xmlns="" xmlns:m="http://schemas.openxmlformats.org/officeDocument/2006/math" xmlns:a14="http://schemas.microsoft.com/office/drawing/2010/main" xmlns:ma14="http://schemas.microsoft.com/office/mac/drawingml/2011/main" val="1"/>
             </a:ext>
           </a:extLst>
         </p:spPr>
@@ -18084,7 +17897,7 @@
           </a:ln>
           <a:extLst>
             <a:ext uri="{C572A759-6A51-4108-AA02-DFA0A04FC94B}">
-              <ma14:wrappingTextBoxFlag xmlns:ma14="http://schemas.microsoft.com/office/mac/drawingml/2011/main" xmlns:a14="http://schemas.microsoft.com/office/drawing/2010/main" xmlns:m="http://schemas.openxmlformats.org/officeDocument/2006/math" xmlns="" val="1"/>
+              <ma14:wrappingTextBoxFlag xmlns="" xmlns:m="http://schemas.openxmlformats.org/officeDocument/2006/math" xmlns:a14="http://schemas.microsoft.com/office/drawing/2010/main" xmlns:ma14="http://schemas.microsoft.com/office/mac/drawingml/2011/main" val="1"/>
             </a:ext>
           </a:extLst>
         </p:spPr>
@@ -18360,7 +18173,7 @@
           </a:ln>
           <a:extLst>
             <a:ext uri="{C572A759-6A51-4108-AA02-DFA0A04FC94B}">
-              <ma14:wrappingTextBoxFlag xmlns:ma14="http://schemas.microsoft.com/office/mac/drawingml/2011/main" xmlns:a14="http://schemas.microsoft.com/office/drawing/2010/main" xmlns:m="http://schemas.openxmlformats.org/officeDocument/2006/math" xmlns="" val="1"/>
+              <ma14:wrappingTextBoxFlag xmlns="" xmlns:m="http://schemas.openxmlformats.org/officeDocument/2006/math" xmlns:a14="http://schemas.microsoft.com/office/drawing/2010/main" xmlns:ma14="http://schemas.microsoft.com/office/mac/drawingml/2011/main" val="1"/>
             </a:ext>
           </a:extLst>
         </p:spPr>
@@ -18408,7 +18221,7 @@
           </a:ln>
           <a:extLst>
             <a:ext uri="{C572A759-6A51-4108-AA02-DFA0A04FC94B}">
-              <ma14:wrappingTextBoxFlag xmlns:ma14="http://schemas.microsoft.com/office/mac/drawingml/2011/main" xmlns:a14="http://schemas.microsoft.com/office/drawing/2010/main" xmlns:m="http://schemas.openxmlformats.org/officeDocument/2006/math" xmlns="" val="1"/>
+              <ma14:wrappingTextBoxFlag xmlns="" xmlns:m="http://schemas.openxmlformats.org/officeDocument/2006/math" xmlns:a14="http://schemas.microsoft.com/office/drawing/2010/main" xmlns:ma14="http://schemas.microsoft.com/office/mac/drawingml/2011/main" val="1"/>
             </a:ext>
           </a:extLst>
         </p:spPr>
@@ -18456,7 +18269,7 @@
           </a:ln>
           <a:extLst>
             <a:ext uri="{C572A759-6A51-4108-AA02-DFA0A04FC94B}">
-              <ma14:wrappingTextBoxFlag xmlns:ma14="http://schemas.microsoft.com/office/mac/drawingml/2011/main" xmlns:a14="http://schemas.microsoft.com/office/drawing/2010/main" xmlns:m="http://schemas.openxmlformats.org/officeDocument/2006/math" xmlns="" val="1"/>
+              <ma14:wrappingTextBoxFlag xmlns="" xmlns:m="http://schemas.openxmlformats.org/officeDocument/2006/math" xmlns:a14="http://schemas.microsoft.com/office/drawing/2010/main" xmlns:ma14="http://schemas.microsoft.com/office/mac/drawingml/2011/main" val="1"/>
             </a:ext>
           </a:extLst>
         </p:spPr>
@@ -18504,7 +18317,7 @@
           </a:ln>
           <a:extLst>
             <a:ext uri="{C572A759-6A51-4108-AA02-DFA0A04FC94B}">
-              <ma14:wrappingTextBoxFlag xmlns:ma14="http://schemas.microsoft.com/office/mac/drawingml/2011/main" xmlns:a14="http://schemas.microsoft.com/office/drawing/2010/main" xmlns:m="http://schemas.openxmlformats.org/officeDocument/2006/math" xmlns="" val="1"/>
+              <ma14:wrappingTextBoxFlag xmlns="" xmlns:m="http://schemas.openxmlformats.org/officeDocument/2006/math" xmlns:a14="http://schemas.microsoft.com/office/drawing/2010/main" xmlns:ma14="http://schemas.microsoft.com/office/mac/drawingml/2011/main" val="1"/>
             </a:ext>
           </a:extLst>
         </p:spPr>
@@ -18552,7 +18365,7 @@
           </a:ln>
           <a:extLst>
             <a:ext uri="{C572A759-6A51-4108-AA02-DFA0A04FC94B}">
-              <ma14:wrappingTextBoxFlag xmlns:ma14="http://schemas.microsoft.com/office/mac/drawingml/2011/main" xmlns:a14="http://schemas.microsoft.com/office/drawing/2010/main" xmlns:m="http://schemas.openxmlformats.org/officeDocument/2006/math" xmlns="" val="1"/>
+              <ma14:wrappingTextBoxFlag xmlns="" xmlns:m="http://schemas.openxmlformats.org/officeDocument/2006/math" xmlns:a14="http://schemas.microsoft.com/office/drawing/2010/main" xmlns:ma14="http://schemas.microsoft.com/office/mac/drawingml/2011/main" val="1"/>
             </a:ext>
           </a:extLst>
         </p:spPr>
@@ -18600,7 +18413,7 @@
           </a:ln>
           <a:extLst>
             <a:ext uri="{C572A759-6A51-4108-AA02-DFA0A04FC94B}">
-              <ma14:wrappingTextBoxFlag xmlns:ma14="http://schemas.microsoft.com/office/mac/drawingml/2011/main" xmlns:a14="http://schemas.microsoft.com/office/drawing/2010/main" xmlns:m="http://schemas.openxmlformats.org/officeDocument/2006/math" xmlns="" val="1"/>
+              <ma14:wrappingTextBoxFlag xmlns="" xmlns:m="http://schemas.openxmlformats.org/officeDocument/2006/math" xmlns:a14="http://schemas.microsoft.com/office/drawing/2010/main" xmlns:ma14="http://schemas.microsoft.com/office/mac/drawingml/2011/main" val="1"/>
             </a:ext>
           </a:extLst>
         </p:spPr>
@@ -18648,7 +18461,7 @@
           </a:ln>
           <a:extLst>
             <a:ext uri="{C572A759-6A51-4108-AA02-DFA0A04FC94B}">
-              <ma14:wrappingTextBoxFlag xmlns:ma14="http://schemas.microsoft.com/office/mac/drawingml/2011/main" xmlns:a14="http://schemas.microsoft.com/office/drawing/2010/main" xmlns:m="http://schemas.openxmlformats.org/officeDocument/2006/math" xmlns="" val="1"/>
+              <ma14:wrappingTextBoxFlag xmlns="" xmlns:m="http://schemas.openxmlformats.org/officeDocument/2006/math" xmlns:a14="http://schemas.microsoft.com/office/drawing/2010/main" xmlns:ma14="http://schemas.microsoft.com/office/mac/drawingml/2011/main" val="1"/>
             </a:ext>
           </a:extLst>
         </p:spPr>
@@ -18696,7 +18509,7 @@
           </a:ln>
           <a:extLst>
             <a:ext uri="{C572A759-6A51-4108-AA02-DFA0A04FC94B}">
-              <ma14:wrappingTextBoxFlag xmlns:ma14="http://schemas.microsoft.com/office/mac/drawingml/2011/main" xmlns:a14="http://schemas.microsoft.com/office/drawing/2010/main" xmlns:m="http://schemas.openxmlformats.org/officeDocument/2006/math" xmlns="" val="1"/>
+              <ma14:wrappingTextBoxFlag xmlns="" xmlns:m="http://schemas.openxmlformats.org/officeDocument/2006/math" xmlns:a14="http://schemas.microsoft.com/office/drawing/2010/main" xmlns:ma14="http://schemas.microsoft.com/office/mac/drawingml/2011/main" val="1"/>
             </a:ext>
           </a:extLst>
         </p:spPr>
@@ -18744,7 +18557,7 @@
           </a:ln>
           <a:extLst>
             <a:ext uri="{C572A759-6A51-4108-AA02-DFA0A04FC94B}">
-              <ma14:wrappingTextBoxFlag xmlns:ma14="http://schemas.microsoft.com/office/mac/drawingml/2011/main" xmlns:a14="http://schemas.microsoft.com/office/drawing/2010/main" xmlns:m="http://schemas.openxmlformats.org/officeDocument/2006/math" xmlns="" val="1"/>
+              <ma14:wrappingTextBoxFlag xmlns="" xmlns:m="http://schemas.openxmlformats.org/officeDocument/2006/math" xmlns:a14="http://schemas.microsoft.com/office/drawing/2010/main" xmlns:ma14="http://schemas.microsoft.com/office/mac/drawingml/2011/main" val="1"/>
             </a:ext>
           </a:extLst>
         </p:spPr>
@@ -18792,7 +18605,7 @@
           </a:ln>
           <a:extLst>
             <a:ext uri="{C572A759-6A51-4108-AA02-DFA0A04FC94B}">
-              <ma14:wrappingTextBoxFlag xmlns:ma14="http://schemas.microsoft.com/office/mac/drawingml/2011/main" xmlns:a14="http://schemas.microsoft.com/office/drawing/2010/main" xmlns:m="http://schemas.openxmlformats.org/officeDocument/2006/math" xmlns="" val="1"/>
+              <ma14:wrappingTextBoxFlag xmlns="" xmlns:m="http://schemas.openxmlformats.org/officeDocument/2006/math" xmlns:a14="http://schemas.microsoft.com/office/drawing/2010/main" xmlns:ma14="http://schemas.microsoft.com/office/mac/drawingml/2011/main" val="1"/>
             </a:ext>
           </a:extLst>
         </p:spPr>
@@ -18840,7 +18653,7 @@
           </a:ln>
           <a:extLst>
             <a:ext uri="{C572A759-6A51-4108-AA02-DFA0A04FC94B}">
-              <ma14:wrappingTextBoxFlag xmlns:ma14="http://schemas.microsoft.com/office/mac/drawingml/2011/main" xmlns:a14="http://schemas.microsoft.com/office/drawing/2010/main" xmlns:m="http://schemas.openxmlformats.org/officeDocument/2006/math" xmlns="" val="1"/>
+              <ma14:wrappingTextBoxFlag xmlns="" xmlns:m="http://schemas.openxmlformats.org/officeDocument/2006/math" xmlns:a14="http://schemas.microsoft.com/office/drawing/2010/main" xmlns:ma14="http://schemas.microsoft.com/office/mac/drawingml/2011/main" val="1"/>
             </a:ext>
           </a:extLst>
         </p:spPr>
@@ -18888,7 +18701,7 @@
           </a:ln>
           <a:extLst>
             <a:ext uri="{C572A759-6A51-4108-AA02-DFA0A04FC94B}">
-              <ma14:wrappingTextBoxFlag xmlns:ma14="http://schemas.microsoft.com/office/mac/drawingml/2011/main" xmlns:a14="http://schemas.microsoft.com/office/drawing/2010/main" xmlns:m="http://schemas.openxmlformats.org/officeDocument/2006/math" xmlns="" val="1"/>
+              <ma14:wrappingTextBoxFlag xmlns="" xmlns:m="http://schemas.openxmlformats.org/officeDocument/2006/math" xmlns:a14="http://schemas.microsoft.com/office/drawing/2010/main" xmlns:ma14="http://schemas.microsoft.com/office/mac/drawingml/2011/main" val="1"/>
             </a:ext>
           </a:extLst>
         </p:spPr>
@@ -19119,7 +18932,7 @@
           </a:ln>
           <a:extLst>
             <a:ext uri="{C572A759-6A51-4108-AA02-DFA0A04FC94B}">
-              <ma14:wrappingTextBoxFlag xmlns:ma14="http://schemas.microsoft.com/office/mac/drawingml/2011/main" xmlns:a14="http://schemas.microsoft.com/office/drawing/2010/main" xmlns:m="http://schemas.openxmlformats.org/officeDocument/2006/math" xmlns="" val="1"/>
+              <ma14:wrappingTextBoxFlag xmlns="" xmlns:m="http://schemas.openxmlformats.org/officeDocument/2006/math" xmlns:a14="http://schemas.microsoft.com/office/drawing/2010/main" xmlns:ma14="http://schemas.microsoft.com/office/mac/drawingml/2011/main" val="1"/>
             </a:ext>
           </a:extLst>
         </p:spPr>
@@ -19318,7 +19131,7 @@
           </a:ln>
           <a:extLst>
             <a:ext uri="{C572A759-6A51-4108-AA02-DFA0A04FC94B}">
-              <ma14:wrappingTextBoxFlag xmlns:ma14="http://schemas.microsoft.com/office/mac/drawingml/2011/main" xmlns:a14="http://schemas.microsoft.com/office/drawing/2010/main" xmlns:m="http://schemas.openxmlformats.org/officeDocument/2006/math" xmlns="" val="1"/>
+              <ma14:wrappingTextBoxFlag xmlns="" xmlns:m="http://schemas.openxmlformats.org/officeDocument/2006/math" xmlns:a14="http://schemas.microsoft.com/office/drawing/2010/main" xmlns:ma14="http://schemas.microsoft.com/office/mac/drawingml/2011/main" val="1"/>
             </a:ext>
           </a:extLst>
         </p:spPr>
@@ -19594,7 +19407,7 @@
           </a:ln>
           <a:extLst>
             <a:ext uri="{C572A759-6A51-4108-AA02-DFA0A04FC94B}">
-              <ma14:wrappingTextBoxFlag xmlns:ma14="http://schemas.microsoft.com/office/mac/drawingml/2011/main" xmlns:a14="http://schemas.microsoft.com/office/drawing/2010/main" xmlns:m="http://schemas.openxmlformats.org/officeDocument/2006/math" xmlns="" val="1"/>
+              <ma14:wrappingTextBoxFlag xmlns="" xmlns:m="http://schemas.openxmlformats.org/officeDocument/2006/math" xmlns:a14="http://schemas.microsoft.com/office/drawing/2010/main" xmlns:ma14="http://schemas.microsoft.com/office/mac/drawingml/2011/main" val="1"/>
             </a:ext>
           </a:extLst>
         </p:spPr>
@@ -19642,7 +19455,7 @@
           </a:ln>
           <a:extLst>
             <a:ext uri="{C572A759-6A51-4108-AA02-DFA0A04FC94B}">
-              <ma14:wrappingTextBoxFlag xmlns:ma14="http://schemas.microsoft.com/office/mac/drawingml/2011/main" xmlns:a14="http://schemas.microsoft.com/office/drawing/2010/main" xmlns:m="http://schemas.openxmlformats.org/officeDocument/2006/math" xmlns="" val="1"/>
+              <ma14:wrappingTextBoxFlag xmlns="" xmlns:m="http://schemas.openxmlformats.org/officeDocument/2006/math" xmlns:a14="http://schemas.microsoft.com/office/drawing/2010/main" xmlns:ma14="http://schemas.microsoft.com/office/mac/drawingml/2011/main" val="1"/>
             </a:ext>
           </a:extLst>
         </p:spPr>
@@ -19690,7 +19503,7 @@
           </a:ln>
           <a:extLst>
             <a:ext uri="{C572A759-6A51-4108-AA02-DFA0A04FC94B}">
-              <ma14:wrappingTextBoxFlag xmlns:ma14="http://schemas.microsoft.com/office/mac/drawingml/2011/main" xmlns:a14="http://schemas.microsoft.com/office/drawing/2010/main" xmlns:m="http://schemas.openxmlformats.org/officeDocument/2006/math" xmlns="" val="1"/>
+              <ma14:wrappingTextBoxFlag xmlns="" xmlns:m="http://schemas.openxmlformats.org/officeDocument/2006/math" xmlns:a14="http://schemas.microsoft.com/office/drawing/2010/main" xmlns:ma14="http://schemas.microsoft.com/office/mac/drawingml/2011/main" val="1"/>
             </a:ext>
           </a:extLst>
         </p:spPr>
@@ -19738,7 +19551,7 @@
           </a:ln>
           <a:extLst>
             <a:ext uri="{C572A759-6A51-4108-AA02-DFA0A04FC94B}">
-              <ma14:wrappingTextBoxFlag xmlns:ma14="http://schemas.microsoft.com/office/mac/drawingml/2011/main" xmlns:a14="http://schemas.microsoft.com/office/drawing/2010/main" xmlns:m="http://schemas.openxmlformats.org/officeDocument/2006/math" xmlns="" val="1"/>
+              <ma14:wrappingTextBoxFlag xmlns="" xmlns:m="http://schemas.openxmlformats.org/officeDocument/2006/math" xmlns:a14="http://schemas.microsoft.com/office/drawing/2010/main" xmlns:ma14="http://schemas.microsoft.com/office/mac/drawingml/2011/main" val="1"/>
             </a:ext>
           </a:extLst>
         </p:spPr>
@@ -19786,7 +19599,7 @@
           </a:ln>
           <a:extLst>
             <a:ext uri="{C572A759-6A51-4108-AA02-DFA0A04FC94B}">
-              <ma14:wrappingTextBoxFlag xmlns:ma14="http://schemas.microsoft.com/office/mac/drawingml/2011/main" xmlns:a14="http://schemas.microsoft.com/office/drawing/2010/main" xmlns:m="http://schemas.openxmlformats.org/officeDocument/2006/math" xmlns="" val="1"/>
+              <ma14:wrappingTextBoxFlag xmlns="" xmlns:m="http://schemas.openxmlformats.org/officeDocument/2006/math" xmlns:a14="http://schemas.microsoft.com/office/drawing/2010/main" xmlns:ma14="http://schemas.microsoft.com/office/mac/drawingml/2011/main" val="1"/>
             </a:ext>
           </a:extLst>
         </p:spPr>
@@ -19834,7 +19647,7 @@
           </a:ln>
           <a:extLst>
             <a:ext uri="{C572A759-6A51-4108-AA02-DFA0A04FC94B}">
-              <ma14:wrappingTextBoxFlag xmlns:ma14="http://schemas.microsoft.com/office/mac/drawingml/2011/main" xmlns:a14="http://schemas.microsoft.com/office/drawing/2010/main" xmlns:m="http://schemas.openxmlformats.org/officeDocument/2006/math" xmlns="" val="1"/>
+              <ma14:wrappingTextBoxFlag xmlns="" xmlns:m="http://schemas.openxmlformats.org/officeDocument/2006/math" xmlns:a14="http://schemas.microsoft.com/office/drawing/2010/main" xmlns:ma14="http://schemas.microsoft.com/office/mac/drawingml/2011/main" val="1"/>
             </a:ext>
           </a:extLst>
         </p:spPr>
@@ -19882,7 +19695,7 @@
           </a:ln>
           <a:extLst>
             <a:ext uri="{C572A759-6A51-4108-AA02-DFA0A04FC94B}">
-              <ma14:wrappingTextBoxFlag xmlns:ma14="http://schemas.microsoft.com/office/mac/drawingml/2011/main" xmlns:a14="http://schemas.microsoft.com/office/drawing/2010/main" xmlns:m="http://schemas.openxmlformats.org/officeDocument/2006/math" xmlns="" val="1"/>
+              <ma14:wrappingTextBoxFlag xmlns="" xmlns:m="http://schemas.openxmlformats.org/officeDocument/2006/math" xmlns:a14="http://schemas.microsoft.com/office/drawing/2010/main" xmlns:ma14="http://schemas.microsoft.com/office/mac/drawingml/2011/main" val="1"/>
             </a:ext>
           </a:extLst>
         </p:spPr>
@@ -19930,7 +19743,7 @@
           </a:ln>
           <a:extLst>
             <a:ext uri="{C572A759-6A51-4108-AA02-DFA0A04FC94B}">
-              <ma14:wrappingTextBoxFlag xmlns:ma14="http://schemas.microsoft.com/office/mac/drawingml/2011/main" xmlns:a14="http://schemas.microsoft.com/office/drawing/2010/main" xmlns:m="http://schemas.openxmlformats.org/officeDocument/2006/math" xmlns="" val="1"/>
+              <ma14:wrappingTextBoxFlag xmlns="" xmlns:m="http://schemas.openxmlformats.org/officeDocument/2006/math" xmlns:a14="http://schemas.microsoft.com/office/drawing/2010/main" xmlns:ma14="http://schemas.microsoft.com/office/mac/drawingml/2011/main" val="1"/>
             </a:ext>
           </a:extLst>
         </p:spPr>
@@ -19978,7 +19791,7 @@
           </a:ln>
           <a:extLst>
             <a:ext uri="{C572A759-6A51-4108-AA02-DFA0A04FC94B}">
-              <ma14:wrappingTextBoxFlag xmlns:ma14="http://schemas.microsoft.com/office/mac/drawingml/2011/main" xmlns:a14="http://schemas.microsoft.com/office/drawing/2010/main" xmlns:m="http://schemas.openxmlformats.org/officeDocument/2006/math" xmlns="" val="1"/>
+              <ma14:wrappingTextBoxFlag xmlns="" xmlns:m="http://schemas.openxmlformats.org/officeDocument/2006/math" xmlns:a14="http://schemas.microsoft.com/office/drawing/2010/main" xmlns:ma14="http://schemas.microsoft.com/office/mac/drawingml/2011/main" val="1"/>
             </a:ext>
           </a:extLst>
         </p:spPr>
@@ -20026,7 +19839,7 @@
           </a:ln>
           <a:extLst>
             <a:ext uri="{C572A759-6A51-4108-AA02-DFA0A04FC94B}">
-              <ma14:wrappingTextBoxFlag xmlns:ma14="http://schemas.microsoft.com/office/mac/drawingml/2011/main" xmlns:a14="http://schemas.microsoft.com/office/drawing/2010/main" xmlns:m="http://schemas.openxmlformats.org/officeDocument/2006/math" xmlns="" val="1"/>
+              <ma14:wrappingTextBoxFlag xmlns="" xmlns:m="http://schemas.openxmlformats.org/officeDocument/2006/math" xmlns:a14="http://schemas.microsoft.com/office/drawing/2010/main" xmlns:ma14="http://schemas.microsoft.com/office/mac/drawingml/2011/main" val="1"/>
             </a:ext>
           </a:extLst>
         </p:spPr>
@@ -20074,7 +19887,7 @@
           </a:ln>
           <a:extLst>
             <a:ext uri="{C572A759-6A51-4108-AA02-DFA0A04FC94B}">
-              <ma14:wrappingTextBoxFlag xmlns:ma14="http://schemas.microsoft.com/office/mac/drawingml/2011/main" xmlns:a14="http://schemas.microsoft.com/office/drawing/2010/main" xmlns:m="http://schemas.openxmlformats.org/officeDocument/2006/math" xmlns="" val="1"/>
+              <ma14:wrappingTextBoxFlag xmlns="" xmlns:m="http://schemas.openxmlformats.org/officeDocument/2006/math" xmlns:a14="http://schemas.microsoft.com/office/drawing/2010/main" xmlns:ma14="http://schemas.microsoft.com/office/mac/drawingml/2011/main" val="1"/>
             </a:ext>
           </a:extLst>
         </p:spPr>
@@ -20122,7 +19935,7 @@
           </a:ln>
           <a:extLst>
             <a:ext uri="{C572A759-6A51-4108-AA02-DFA0A04FC94B}">
-              <ma14:wrappingTextBoxFlag xmlns:ma14="http://schemas.microsoft.com/office/mac/drawingml/2011/main" xmlns:a14="http://schemas.microsoft.com/office/drawing/2010/main" xmlns:m="http://schemas.openxmlformats.org/officeDocument/2006/math" xmlns="" val="1"/>
+              <ma14:wrappingTextBoxFlag xmlns="" xmlns:m="http://schemas.openxmlformats.org/officeDocument/2006/math" xmlns:a14="http://schemas.microsoft.com/office/drawing/2010/main" xmlns:ma14="http://schemas.microsoft.com/office/mac/drawingml/2011/main" val="1"/>
             </a:ext>
           </a:extLst>
         </p:spPr>
@@ -20402,7 +20215,7 @@
           </a:ln>
           <a:extLst>
             <a:ext uri="{C572A759-6A51-4108-AA02-DFA0A04FC94B}">
-              <ma14:wrappingTextBoxFlag xmlns:ma14="http://schemas.microsoft.com/office/mac/drawingml/2011/main" xmlns:a14="http://schemas.microsoft.com/office/drawing/2010/main" xmlns:m="http://schemas.openxmlformats.org/officeDocument/2006/math" xmlns="" val="1"/>
+              <ma14:wrappingTextBoxFlag xmlns="" xmlns:m="http://schemas.openxmlformats.org/officeDocument/2006/math" xmlns:a14="http://schemas.microsoft.com/office/drawing/2010/main" xmlns:ma14="http://schemas.microsoft.com/office/mac/drawingml/2011/main" val="1"/>
             </a:ext>
           </a:extLst>
         </p:spPr>
@@ -20497,7 +20310,7 @@
           </a:ln>
           <a:extLst>
             <a:ext uri="{C572A759-6A51-4108-AA02-DFA0A04FC94B}">
-              <ma14:wrappingTextBoxFlag xmlns:ma14="http://schemas.microsoft.com/office/mac/drawingml/2011/main" xmlns:a14="http://schemas.microsoft.com/office/drawing/2010/main" xmlns:m="http://schemas.openxmlformats.org/officeDocument/2006/math" xmlns="" val="1"/>
+              <ma14:wrappingTextBoxFlag xmlns="" xmlns:m="http://schemas.openxmlformats.org/officeDocument/2006/math" xmlns:a14="http://schemas.microsoft.com/office/drawing/2010/main" xmlns:ma14="http://schemas.microsoft.com/office/mac/drawingml/2011/main" val="1"/>
             </a:ext>
           </a:extLst>
         </p:spPr>
@@ -20581,7 +20394,7 @@
           </a:ln>
           <a:extLst>
             <a:ext uri="{C572A759-6A51-4108-AA02-DFA0A04FC94B}">
-              <ma14:wrappingTextBoxFlag xmlns:ma14="http://schemas.microsoft.com/office/mac/drawingml/2011/main" xmlns:a14="http://schemas.microsoft.com/office/drawing/2010/main" xmlns:m="http://schemas.openxmlformats.org/officeDocument/2006/math" xmlns="" val="1"/>
+              <ma14:wrappingTextBoxFlag xmlns="" xmlns:m="http://schemas.openxmlformats.org/officeDocument/2006/math" xmlns:a14="http://schemas.microsoft.com/office/drawing/2010/main" xmlns:ma14="http://schemas.microsoft.com/office/mac/drawingml/2011/main" val="1"/>
             </a:ext>
           </a:extLst>
         </p:spPr>
@@ -20769,7 +20582,7 @@
           </a:ln>
           <a:extLst>
             <a:ext uri="{C572A759-6A51-4108-AA02-DFA0A04FC94B}">
-              <ma14:wrappingTextBoxFlag xmlns:ma14="http://schemas.microsoft.com/office/mac/drawingml/2011/main" xmlns:a14="http://schemas.microsoft.com/office/drawing/2010/main" xmlns:m="http://schemas.openxmlformats.org/officeDocument/2006/math" xmlns="" val="1"/>
+              <ma14:wrappingTextBoxFlag xmlns="" xmlns:m="http://schemas.openxmlformats.org/officeDocument/2006/math" xmlns:a14="http://schemas.microsoft.com/office/drawing/2010/main" xmlns:ma14="http://schemas.microsoft.com/office/mac/drawingml/2011/main" val="1"/>
             </a:ext>
           </a:extLst>
         </p:spPr>
@@ -21045,7 +20858,7 @@
           </a:ln>
           <a:extLst>
             <a:ext uri="{C572A759-6A51-4108-AA02-DFA0A04FC94B}">
-              <ma14:wrappingTextBoxFlag xmlns:ma14="http://schemas.microsoft.com/office/mac/drawingml/2011/main" xmlns:a14="http://schemas.microsoft.com/office/drawing/2010/main" xmlns:m="http://schemas.openxmlformats.org/officeDocument/2006/math" xmlns="" val="1"/>
+              <ma14:wrappingTextBoxFlag xmlns="" xmlns:m="http://schemas.openxmlformats.org/officeDocument/2006/math" xmlns:a14="http://schemas.microsoft.com/office/drawing/2010/main" xmlns:ma14="http://schemas.microsoft.com/office/mac/drawingml/2011/main" val="1"/>
             </a:ext>
           </a:extLst>
         </p:spPr>
@@ -21093,7 +20906,7 @@
           </a:ln>
           <a:extLst>
             <a:ext uri="{C572A759-6A51-4108-AA02-DFA0A04FC94B}">
-              <ma14:wrappingTextBoxFlag xmlns:ma14="http://schemas.microsoft.com/office/mac/drawingml/2011/main" xmlns:a14="http://schemas.microsoft.com/office/drawing/2010/main" xmlns:m="http://schemas.openxmlformats.org/officeDocument/2006/math" xmlns="" val="1"/>
+              <ma14:wrappingTextBoxFlag xmlns="" xmlns:m="http://schemas.openxmlformats.org/officeDocument/2006/math" xmlns:a14="http://schemas.microsoft.com/office/drawing/2010/main" xmlns:ma14="http://schemas.microsoft.com/office/mac/drawingml/2011/main" val="1"/>
             </a:ext>
           </a:extLst>
         </p:spPr>
@@ -21141,7 +20954,7 @@
           </a:ln>
           <a:extLst>
             <a:ext uri="{C572A759-6A51-4108-AA02-DFA0A04FC94B}">
-              <ma14:wrappingTextBoxFlag xmlns:ma14="http://schemas.microsoft.com/office/mac/drawingml/2011/main" xmlns:a14="http://schemas.microsoft.com/office/drawing/2010/main" xmlns:m="http://schemas.openxmlformats.org/officeDocument/2006/math" xmlns="" val="1"/>
+              <ma14:wrappingTextBoxFlag xmlns="" xmlns:m="http://schemas.openxmlformats.org/officeDocument/2006/math" xmlns:a14="http://schemas.microsoft.com/office/drawing/2010/main" xmlns:ma14="http://schemas.microsoft.com/office/mac/drawingml/2011/main" val="1"/>
             </a:ext>
           </a:extLst>
         </p:spPr>
@@ -21189,7 +21002,7 @@
           </a:ln>
           <a:extLst>
             <a:ext uri="{C572A759-6A51-4108-AA02-DFA0A04FC94B}">
-              <ma14:wrappingTextBoxFlag xmlns:ma14="http://schemas.microsoft.com/office/mac/drawingml/2011/main" xmlns:a14="http://schemas.microsoft.com/office/drawing/2010/main" xmlns:m="http://schemas.openxmlformats.org/officeDocument/2006/math" xmlns="" val="1"/>
+              <ma14:wrappingTextBoxFlag xmlns="" xmlns:m="http://schemas.openxmlformats.org/officeDocument/2006/math" xmlns:a14="http://schemas.microsoft.com/office/drawing/2010/main" xmlns:ma14="http://schemas.microsoft.com/office/mac/drawingml/2011/main" val="1"/>
             </a:ext>
           </a:extLst>
         </p:spPr>
@@ -21237,7 +21050,7 @@
           </a:ln>
           <a:extLst>
             <a:ext uri="{C572A759-6A51-4108-AA02-DFA0A04FC94B}">
-              <ma14:wrappingTextBoxFlag xmlns:ma14="http://schemas.microsoft.com/office/mac/drawingml/2011/main" xmlns:a14="http://schemas.microsoft.com/office/drawing/2010/main" xmlns:m="http://schemas.openxmlformats.org/officeDocument/2006/math" xmlns="" val="1"/>
+              <ma14:wrappingTextBoxFlag xmlns="" xmlns:m="http://schemas.openxmlformats.org/officeDocument/2006/math" xmlns:a14="http://schemas.microsoft.com/office/drawing/2010/main" xmlns:ma14="http://schemas.microsoft.com/office/mac/drawingml/2011/main" val="1"/>
             </a:ext>
           </a:extLst>
         </p:spPr>
@@ -21285,7 +21098,7 @@
           </a:ln>
           <a:extLst>
             <a:ext uri="{C572A759-6A51-4108-AA02-DFA0A04FC94B}">
-              <ma14:wrappingTextBoxFlag xmlns:ma14="http://schemas.microsoft.com/office/mac/drawingml/2011/main" xmlns:a14="http://schemas.microsoft.com/office/drawing/2010/main" xmlns:m="http://schemas.openxmlformats.org/officeDocument/2006/math" xmlns="" val="1"/>
+              <ma14:wrappingTextBoxFlag xmlns="" xmlns:m="http://schemas.openxmlformats.org/officeDocument/2006/math" xmlns:a14="http://schemas.microsoft.com/office/drawing/2010/main" xmlns:ma14="http://schemas.microsoft.com/office/mac/drawingml/2011/main" val="1"/>
             </a:ext>
           </a:extLst>
         </p:spPr>
@@ -21333,7 +21146,7 @@
           </a:ln>
           <a:extLst>
             <a:ext uri="{C572A759-6A51-4108-AA02-DFA0A04FC94B}">
-              <ma14:wrappingTextBoxFlag xmlns:ma14="http://schemas.microsoft.com/office/mac/drawingml/2011/main" xmlns:a14="http://schemas.microsoft.com/office/drawing/2010/main" xmlns:m="http://schemas.openxmlformats.org/officeDocument/2006/math" xmlns="" val="1"/>
+              <ma14:wrappingTextBoxFlag xmlns="" xmlns:m="http://schemas.openxmlformats.org/officeDocument/2006/math" xmlns:a14="http://schemas.microsoft.com/office/drawing/2010/main" xmlns:ma14="http://schemas.microsoft.com/office/mac/drawingml/2011/main" val="1"/>
             </a:ext>
           </a:extLst>
         </p:spPr>
@@ -21381,7 +21194,7 @@
           </a:ln>
           <a:extLst>
             <a:ext uri="{C572A759-6A51-4108-AA02-DFA0A04FC94B}">
-              <ma14:wrappingTextBoxFlag xmlns:ma14="http://schemas.microsoft.com/office/mac/drawingml/2011/main" xmlns:a14="http://schemas.microsoft.com/office/drawing/2010/main" xmlns:m="http://schemas.openxmlformats.org/officeDocument/2006/math" xmlns="" val="1"/>
+              <ma14:wrappingTextBoxFlag xmlns="" xmlns:m="http://schemas.openxmlformats.org/officeDocument/2006/math" xmlns:a14="http://schemas.microsoft.com/office/drawing/2010/main" xmlns:ma14="http://schemas.microsoft.com/office/mac/drawingml/2011/main" val="1"/>
             </a:ext>
           </a:extLst>
         </p:spPr>
@@ -21429,7 +21242,7 @@
           </a:ln>
           <a:extLst>
             <a:ext uri="{C572A759-6A51-4108-AA02-DFA0A04FC94B}">
-              <ma14:wrappingTextBoxFlag xmlns:ma14="http://schemas.microsoft.com/office/mac/drawingml/2011/main" xmlns:a14="http://schemas.microsoft.com/office/drawing/2010/main" xmlns:m="http://schemas.openxmlformats.org/officeDocument/2006/math" xmlns="" val="1"/>
+              <ma14:wrappingTextBoxFlag xmlns="" xmlns:m="http://schemas.openxmlformats.org/officeDocument/2006/math" xmlns:a14="http://schemas.microsoft.com/office/drawing/2010/main" xmlns:ma14="http://schemas.microsoft.com/office/mac/drawingml/2011/main" val="1"/>
             </a:ext>
           </a:extLst>
         </p:spPr>
@@ -21477,7 +21290,7 @@
           </a:ln>
           <a:extLst>
             <a:ext uri="{C572A759-6A51-4108-AA02-DFA0A04FC94B}">
-              <ma14:wrappingTextBoxFlag xmlns:ma14="http://schemas.microsoft.com/office/mac/drawingml/2011/main" xmlns:a14="http://schemas.microsoft.com/office/drawing/2010/main" xmlns:m="http://schemas.openxmlformats.org/officeDocument/2006/math" xmlns="" val="1"/>
+              <ma14:wrappingTextBoxFlag xmlns="" xmlns:m="http://schemas.openxmlformats.org/officeDocument/2006/math" xmlns:a14="http://schemas.microsoft.com/office/drawing/2010/main" xmlns:ma14="http://schemas.microsoft.com/office/mac/drawingml/2011/main" val="1"/>
             </a:ext>
           </a:extLst>
         </p:spPr>
@@ -21525,7 +21338,7 @@
           </a:ln>
           <a:extLst>
             <a:ext uri="{C572A759-6A51-4108-AA02-DFA0A04FC94B}">
-              <ma14:wrappingTextBoxFlag xmlns:ma14="http://schemas.microsoft.com/office/mac/drawingml/2011/main" xmlns:a14="http://schemas.microsoft.com/office/drawing/2010/main" xmlns:m="http://schemas.openxmlformats.org/officeDocument/2006/math" xmlns="" val="1"/>
+              <ma14:wrappingTextBoxFlag xmlns="" xmlns:m="http://schemas.openxmlformats.org/officeDocument/2006/math" xmlns:a14="http://schemas.microsoft.com/office/drawing/2010/main" xmlns:ma14="http://schemas.microsoft.com/office/mac/drawingml/2011/main" val="1"/>
             </a:ext>
           </a:extLst>
         </p:spPr>
@@ -21573,7 +21386,7 @@
           </a:ln>
           <a:extLst>
             <a:ext uri="{C572A759-6A51-4108-AA02-DFA0A04FC94B}">
-              <ma14:wrappingTextBoxFlag xmlns:ma14="http://schemas.microsoft.com/office/mac/drawingml/2011/main" xmlns:a14="http://schemas.microsoft.com/office/drawing/2010/main" xmlns:m="http://schemas.openxmlformats.org/officeDocument/2006/math" xmlns="" val="1"/>
+              <ma14:wrappingTextBoxFlag xmlns="" xmlns:m="http://schemas.openxmlformats.org/officeDocument/2006/math" xmlns:a14="http://schemas.microsoft.com/office/drawing/2010/main" xmlns:ma14="http://schemas.microsoft.com/office/mac/drawingml/2011/main" val="1"/>
             </a:ext>
           </a:extLst>
         </p:spPr>
@@ -21856,7 +21669,7 @@
           </a:ln>
           <a:extLst>
             <a:ext uri="{C572A759-6A51-4108-AA02-DFA0A04FC94B}">
-              <ma14:wrappingTextBoxFlag xmlns:ma14="http://schemas.microsoft.com/office/mac/drawingml/2011/main" xmlns:a14="http://schemas.microsoft.com/office/drawing/2010/main" xmlns:m="http://schemas.openxmlformats.org/officeDocument/2006/math" xmlns="" val="1"/>
+              <ma14:wrappingTextBoxFlag xmlns="" xmlns:m="http://schemas.openxmlformats.org/officeDocument/2006/math" xmlns:a14="http://schemas.microsoft.com/office/drawing/2010/main" xmlns:ma14="http://schemas.microsoft.com/office/mac/drawingml/2011/main" val="1"/>
             </a:ext>
           </a:extLst>
         </p:spPr>
@@ -21952,7 +21765,7 @@
           </a:ln>
           <a:extLst>
             <a:ext uri="{C572A759-6A51-4108-AA02-DFA0A04FC94B}">
-              <ma14:wrappingTextBoxFlag xmlns:ma14="http://schemas.microsoft.com/office/mac/drawingml/2011/main" xmlns:a14="http://schemas.microsoft.com/office/drawing/2010/main" xmlns:m="http://schemas.openxmlformats.org/officeDocument/2006/math" xmlns="" val="1"/>
+              <ma14:wrappingTextBoxFlag xmlns="" xmlns:m="http://schemas.openxmlformats.org/officeDocument/2006/math" xmlns:a14="http://schemas.microsoft.com/office/drawing/2010/main" xmlns:ma14="http://schemas.microsoft.com/office/mac/drawingml/2011/main" val="1"/>
             </a:ext>
           </a:extLst>
         </p:spPr>
@@ -22031,7 +21844,7 @@
           </a:ln>
           <a:extLst>
             <a:ext uri="{C572A759-6A51-4108-AA02-DFA0A04FC94B}">
-              <ma14:wrappingTextBoxFlag xmlns:ma14="http://schemas.microsoft.com/office/mac/drawingml/2011/main" xmlns:a14="http://schemas.microsoft.com/office/drawing/2010/main" xmlns:m="http://schemas.openxmlformats.org/officeDocument/2006/math" xmlns="" val="1"/>
+              <ma14:wrappingTextBoxFlag xmlns="" xmlns:m="http://schemas.openxmlformats.org/officeDocument/2006/math" xmlns:a14="http://schemas.microsoft.com/office/drawing/2010/main" xmlns:ma14="http://schemas.microsoft.com/office/mac/drawingml/2011/main" val="1"/>
             </a:ext>
           </a:extLst>
         </p:spPr>
@@ -22278,7 +22091,7 @@
           </a:ln>
           <a:extLst>
             <a:ext uri="{C572A759-6A51-4108-AA02-DFA0A04FC94B}">
-              <ma14:wrappingTextBoxFlag xmlns:ma14="http://schemas.microsoft.com/office/mac/drawingml/2011/main" xmlns:a14="http://schemas.microsoft.com/office/drawing/2010/main" xmlns:m="http://schemas.openxmlformats.org/officeDocument/2006/math" xmlns="" val="1"/>
+              <ma14:wrappingTextBoxFlag xmlns="" xmlns:m="http://schemas.openxmlformats.org/officeDocument/2006/math" xmlns:a14="http://schemas.microsoft.com/office/drawing/2010/main" xmlns:ma14="http://schemas.microsoft.com/office/mac/drawingml/2011/main" val="1"/>
             </a:ext>
           </a:extLst>
         </p:spPr>
@@ -22353,7 +22166,7 @@
           </a:ln>
           <a:extLst>
             <a:ext uri="{C572A759-6A51-4108-AA02-DFA0A04FC94B}">
-              <ma14:wrappingTextBoxFlag xmlns:ma14="http://schemas.microsoft.com/office/mac/drawingml/2011/main" xmlns:a14="http://schemas.microsoft.com/office/drawing/2010/main" xmlns:m="http://schemas.openxmlformats.org/officeDocument/2006/math" xmlns="" val="1"/>
+              <ma14:wrappingTextBoxFlag xmlns="" xmlns:m="http://schemas.openxmlformats.org/officeDocument/2006/math" xmlns:a14="http://schemas.microsoft.com/office/drawing/2010/main" xmlns:ma14="http://schemas.microsoft.com/office/mac/drawingml/2011/main" val="1"/>
             </a:ext>
           </a:extLst>
         </p:spPr>
@@ -22723,7 +22536,7 @@
           </a:ln>
           <a:extLst>
             <a:ext uri="{C572A759-6A51-4108-AA02-DFA0A04FC94B}">
-              <ma14:wrappingTextBoxFlag xmlns:ma14="http://schemas.microsoft.com/office/mac/drawingml/2011/main" xmlns:a14="http://schemas.microsoft.com/office/drawing/2010/main" xmlns:m="http://schemas.openxmlformats.org/officeDocument/2006/math" xmlns="" val="1"/>
+              <ma14:wrappingTextBoxFlag xmlns="" xmlns:m="http://schemas.openxmlformats.org/officeDocument/2006/math" xmlns:a14="http://schemas.microsoft.com/office/drawing/2010/main" xmlns:ma14="http://schemas.microsoft.com/office/mac/drawingml/2011/main" val="1"/>
             </a:ext>
           </a:extLst>
         </p:spPr>
@@ -22999,7 +22812,7 @@
           </a:ln>
           <a:extLst>
             <a:ext uri="{C572A759-6A51-4108-AA02-DFA0A04FC94B}">
-              <ma14:wrappingTextBoxFlag xmlns:ma14="http://schemas.microsoft.com/office/mac/drawingml/2011/main" xmlns:a14="http://schemas.microsoft.com/office/drawing/2010/main" xmlns:m="http://schemas.openxmlformats.org/officeDocument/2006/math" xmlns="" val="1"/>
+              <ma14:wrappingTextBoxFlag xmlns="" xmlns:m="http://schemas.openxmlformats.org/officeDocument/2006/math" xmlns:a14="http://schemas.microsoft.com/office/drawing/2010/main" xmlns:ma14="http://schemas.microsoft.com/office/mac/drawingml/2011/main" val="1"/>
             </a:ext>
           </a:extLst>
         </p:spPr>
@@ -23047,7 +22860,7 @@
           </a:ln>
           <a:extLst>
             <a:ext uri="{C572A759-6A51-4108-AA02-DFA0A04FC94B}">
-              <ma14:wrappingTextBoxFlag xmlns:ma14="http://schemas.microsoft.com/office/mac/drawingml/2011/main" xmlns:a14="http://schemas.microsoft.com/office/drawing/2010/main" xmlns:m="http://schemas.openxmlformats.org/officeDocument/2006/math" xmlns="" val="1"/>
+              <ma14:wrappingTextBoxFlag xmlns="" xmlns:m="http://schemas.openxmlformats.org/officeDocument/2006/math" xmlns:a14="http://schemas.microsoft.com/office/drawing/2010/main" xmlns:ma14="http://schemas.microsoft.com/office/mac/drawingml/2011/main" val="1"/>
             </a:ext>
           </a:extLst>
         </p:spPr>
@@ -23095,7 +22908,7 @@
           </a:ln>
           <a:extLst>
             <a:ext uri="{C572A759-6A51-4108-AA02-DFA0A04FC94B}">
-              <ma14:wrappingTextBoxFlag xmlns:ma14="http://schemas.microsoft.com/office/mac/drawingml/2011/main" xmlns:a14="http://schemas.microsoft.com/office/drawing/2010/main" xmlns:m="http://schemas.openxmlformats.org/officeDocument/2006/math" xmlns="" val="1"/>
+              <ma14:wrappingTextBoxFlag xmlns="" xmlns:m="http://schemas.openxmlformats.org/officeDocument/2006/math" xmlns:a14="http://schemas.microsoft.com/office/drawing/2010/main" xmlns:ma14="http://schemas.microsoft.com/office/mac/drawingml/2011/main" val="1"/>
             </a:ext>
           </a:extLst>
         </p:spPr>
@@ -23143,7 +22956,7 @@
           </a:ln>
           <a:extLst>
             <a:ext uri="{C572A759-6A51-4108-AA02-DFA0A04FC94B}">
-              <ma14:wrappingTextBoxFlag xmlns:ma14="http://schemas.microsoft.com/office/mac/drawingml/2011/main" xmlns:a14="http://schemas.microsoft.com/office/drawing/2010/main" xmlns:m="http://schemas.openxmlformats.org/officeDocument/2006/math" xmlns="" val="1"/>
+              <ma14:wrappingTextBoxFlag xmlns="" xmlns:m="http://schemas.openxmlformats.org/officeDocument/2006/math" xmlns:a14="http://schemas.microsoft.com/office/drawing/2010/main" xmlns:ma14="http://schemas.microsoft.com/office/mac/drawingml/2011/main" val="1"/>
             </a:ext>
           </a:extLst>
         </p:spPr>
@@ -23191,7 +23004,7 @@
           </a:ln>
           <a:extLst>
             <a:ext uri="{C572A759-6A51-4108-AA02-DFA0A04FC94B}">
-              <ma14:wrappingTextBoxFlag xmlns:ma14="http://schemas.microsoft.com/office/mac/drawingml/2011/main" xmlns:a14="http://schemas.microsoft.com/office/drawing/2010/main" xmlns:m="http://schemas.openxmlformats.org/officeDocument/2006/math" xmlns="" val="1"/>
+              <ma14:wrappingTextBoxFlag xmlns="" xmlns:m="http://schemas.openxmlformats.org/officeDocument/2006/math" xmlns:a14="http://schemas.microsoft.com/office/drawing/2010/main" xmlns:ma14="http://schemas.microsoft.com/office/mac/drawingml/2011/main" val="1"/>
             </a:ext>
           </a:extLst>
         </p:spPr>
@@ -23239,7 +23052,7 @@
           </a:ln>
           <a:extLst>
             <a:ext uri="{C572A759-6A51-4108-AA02-DFA0A04FC94B}">
-              <ma14:wrappingTextBoxFlag xmlns:ma14="http://schemas.microsoft.com/office/mac/drawingml/2011/main" xmlns:a14="http://schemas.microsoft.com/office/drawing/2010/main" xmlns:m="http://schemas.openxmlformats.org/officeDocument/2006/math" xmlns="" val="1"/>
+              <ma14:wrappingTextBoxFlag xmlns="" xmlns:m="http://schemas.openxmlformats.org/officeDocument/2006/math" xmlns:a14="http://schemas.microsoft.com/office/drawing/2010/main" xmlns:ma14="http://schemas.microsoft.com/office/mac/drawingml/2011/main" val="1"/>
             </a:ext>
           </a:extLst>
         </p:spPr>
@@ -23287,7 +23100,7 @@
           </a:ln>
           <a:extLst>
             <a:ext uri="{C572A759-6A51-4108-AA02-DFA0A04FC94B}">
-              <ma14:wrappingTextBoxFlag xmlns:ma14="http://schemas.microsoft.com/office/mac/drawingml/2011/main" xmlns:a14="http://schemas.microsoft.com/office/drawing/2010/main" xmlns:m="http://schemas.openxmlformats.org/officeDocument/2006/math" xmlns="" val="1"/>
+              <ma14:wrappingTextBoxFlag xmlns="" xmlns:m="http://schemas.openxmlformats.org/officeDocument/2006/math" xmlns:a14="http://schemas.microsoft.com/office/drawing/2010/main" xmlns:ma14="http://schemas.microsoft.com/office/mac/drawingml/2011/main" val="1"/>
             </a:ext>
           </a:extLst>
         </p:spPr>
@@ -23335,7 +23148,7 @@
           </a:ln>
           <a:extLst>
             <a:ext uri="{C572A759-6A51-4108-AA02-DFA0A04FC94B}">
-              <ma14:wrappingTextBoxFlag xmlns:ma14="http://schemas.microsoft.com/office/mac/drawingml/2011/main" xmlns:a14="http://schemas.microsoft.com/office/drawing/2010/main" xmlns:m="http://schemas.openxmlformats.org/officeDocument/2006/math" xmlns="" val="1"/>
+              <ma14:wrappingTextBoxFlag xmlns="" xmlns:m="http://schemas.openxmlformats.org/officeDocument/2006/math" xmlns:a14="http://schemas.microsoft.com/office/drawing/2010/main" xmlns:ma14="http://schemas.microsoft.com/office/mac/drawingml/2011/main" val="1"/>
             </a:ext>
           </a:extLst>
         </p:spPr>
@@ -23383,7 +23196,7 @@
           </a:ln>
           <a:extLst>
             <a:ext uri="{C572A759-6A51-4108-AA02-DFA0A04FC94B}">
-              <ma14:wrappingTextBoxFlag xmlns:ma14="http://schemas.microsoft.com/office/mac/drawingml/2011/main" xmlns:a14="http://schemas.microsoft.com/office/drawing/2010/main" xmlns:m="http://schemas.openxmlformats.org/officeDocument/2006/math" xmlns="" val="1"/>
+              <ma14:wrappingTextBoxFlag xmlns="" xmlns:m="http://schemas.openxmlformats.org/officeDocument/2006/math" xmlns:a14="http://schemas.microsoft.com/office/drawing/2010/main" xmlns:ma14="http://schemas.microsoft.com/office/mac/drawingml/2011/main" val="1"/>
             </a:ext>
           </a:extLst>
         </p:spPr>
@@ -23431,7 +23244,7 @@
           </a:ln>
           <a:extLst>
             <a:ext uri="{C572A759-6A51-4108-AA02-DFA0A04FC94B}">
-              <ma14:wrappingTextBoxFlag xmlns:ma14="http://schemas.microsoft.com/office/mac/drawingml/2011/main" xmlns:a14="http://schemas.microsoft.com/office/drawing/2010/main" xmlns:m="http://schemas.openxmlformats.org/officeDocument/2006/math" xmlns="" val="1"/>
+              <ma14:wrappingTextBoxFlag xmlns="" xmlns:m="http://schemas.openxmlformats.org/officeDocument/2006/math" xmlns:a14="http://schemas.microsoft.com/office/drawing/2010/main" xmlns:ma14="http://schemas.microsoft.com/office/mac/drawingml/2011/main" val="1"/>
             </a:ext>
           </a:extLst>
         </p:spPr>
@@ -23479,7 +23292,7 @@
           </a:ln>
           <a:extLst>
             <a:ext uri="{C572A759-6A51-4108-AA02-DFA0A04FC94B}">
-              <ma14:wrappingTextBoxFlag xmlns:ma14="http://schemas.microsoft.com/office/mac/drawingml/2011/main" xmlns:a14="http://schemas.microsoft.com/office/drawing/2010/main" xmlns:m="http://schemas.openxmlformats.org/officeDocument/2006/math" xmlns="" val="1"/>
+              <ma14:wrappingTextBoxFlag xmlns="" xmlns:m="http://schemas.openxmlformats.org/officeDocument/2006/math" xmlns:a14="http://schemas.microsoft.com/office/drawing/2010/main" xmlns:ma14="http://schemas.microsoft.com/office/mac/drawingml/2011/main" val="1"/>
             </a:ext>
           </a:extLst>
         </p:spPr>
@@ -23527,7 +23340,7 @@
           </a:ln>
           <a:extLst>
             <a:ext uri="{C572A759-6A51-4108-AA02-DFA0A04FC94B}">
-              <ma14:wrappingTextBoxFlag xmlns:ma14="http://schemas.microsoft.com/office/mac/drawingml/2011/main" xmlns:a14="http://schemas.microsoft.com/office/drawing/2010/main" xmlns:m="http://schemas.openxmlformats.org/officeDocument/2006/math" xmlns="" val="1"/>
+              <ma14:wrappingTextBoxFlag xmlns="" xmlns:m="http://schemas.openxmlformats.org/officeDocument/2006/math" xmlns:a14="http://schemas.microsoft.com/office/drawing/2010/main" xmlns:ma14="http://schemas.microsoft.com/office/mac/drawingml/2011/main" val="1"/>
             </a:ext>
           </a:extLst>
         </p:spPr>
@@ -23967,7 +23780,7 @@
           </a:ln>
           <a:extLst>
             <a:ext uri="{C572A759-6A51-4108-AA02-DFA0A04FC94B}">
-              <ma14:wrappingTextBoxFlag xmlns:ma14="http://schemas.microsoft.com/office/mac/drawingml/2011/main" xmlns:a14="http://schemas.microsoft.com/office/drawing/2010/main" xmlns:m="http://schemas.openxmlformats.org/officeDocument/2006/math" xmlns="" val="1"/>
+              <ma14:wrappingTextBoxFlag xmlns="" xmlns:m="http://schemas.openxmlformats.org/officeDocument/2006/math" xmlns:a14="http://schemas.microsoft.com/office/drawing/2010/main" xmlns:ma14="http://schemas.microsoft.com/office/mac/drawingml/2011/main" val="1"/>
             </a:ext>
           </a:extLst>
         </p:spPr>
@@ -24243,7 +24056,7 @@
           </a:ln>
           <a:extLst>
             <a:ext uri="{C572A759-6A51-4108-AA02-DFA0A04FC94B}">
-              <ma14:wrappingTextBoxFlag xmlns:ma14="http://schemas.microsoft.com/office/mac/drawingml/2011/main" xmlns:a14="http://schemas.microsoft.com/office/drawing/2010/main" xmlns:m="http://schemas.openxmlformats.org/officeDocument/2006/math" xmlns="" val="1"/>
+              <ma14:wrappingTextBoxFlag xmlns="" xmlns:m="http://schemas.openxmlformats.org/officeDocument/2006/math" xmlns:a14="http://schemas.microsoft.com/office/drawing/2010/main" xmlns:ma14="http://schemas.microsoft.com/office/mac/drawingml/2011/main" val="1"/>
             </a:ext>
           </a:extLst>
         </p:spPr>
@@ -24291,7 +24104,7 @@
           </a:ln>
           <a:extLst>
             <a:ext uri="{C572A759-6A51-4108-AA02-DFA0A04FC94B}">
-              <ma14:wrappingTextBoxFlag xmlns:ma14="http://schemas.microsoft.com/office/mac/drawingml/2011/main" xmlns:a14="http://schemas.microsoft.com/office/drawing/2010/main" xmlns:m="http://schemas.openxmlformats.org/officeDocument/2006/math" xmlns="" val="1"/>
+              <ma14:wrappingTextBoxFlag xmlns="" xmlns:m="http://schemas.openxmlformats.org/officeDocument/2006/math" xmlns:a14="http://schemas.microsoft.com/office/drawing/2010/main" xmlns:ma14="http://schemas.microsoft.com/office/mac/drawingml/2011/main" val="1"/>
             </a:ext>
           </a:extLst>
         </p:spPr>
@@ -24339,7 +24152,7 @@
           </a:ln>
           <a:extLst>
             <a:ext uri="{C572A759-6A51-4108-AA02-DFA0A04FC94B}">
-              <ma14:wrappingTextBoxFlag xmlns:ma14="http://schemas.microsoft.com/office/mac/drawingml/2011/main" xmlns:a14="http://schemas.microsoft.com/office/drawing/2010/main" xmlns:m="http://schemas.openxmlformats.org/officeDocument/2006/math" xmlns="" val="1"/>
+              <ma14:wrappingTextBoxFlag xmlns="" xmlns:m="http://schemas.openxmlformats.org/officeDocument/2006/math" xmlns:a14="http://schemas.microsoft.com/office/drawing/2010/main" xmlns:ma14="http://schemas.microsoft.com/office/mac/drawingml/2011/main" val="1"/>
             </a:ext>
           </a:extLst>
         </p:spPr>
@@ -24387,7 +24200,7 @@
           </a:ln>
           <a:extLst>
             <a:ext uri="{C572A759-6A51-4108-AA02-DFA0A04FC94B}">
-              <ma14:wrappingTextBoxFlag xmlns:ma14="http://schemas.microsoft.com/office/mac/drawingml/2011/main" xmlns:a14="http://schemas.microsoft.com/office/drawing/2010/main" xmlns:m="http://schemas.openxmlformats.org/officeDocument/2006/math" xmlns="" val="1"/>
+              <ma14:wrappingTextBoxFlag xmlns="" xmlns:m="http://schemas.openxmlformats.org/officeDocument/2006/math" xmlns:a14="http://schemas.microsoft.com/office/drawing/2010/main" xmlns:ma14="http://schemas.microsoft.com/office/mac/drawingml/2011/main" val="1"/>
             </a:ext>
           </a:extLst>
         </p:spPr>
@@ -24435,7 +24248,7 @@
           </a:ln>
           <a:extLst>
             <a:ext uri="{C572A759-6A51-4108-AA02-DFA0A04FC94B}">
-              <ma14:wrappingTextBoxFlag xmlns:ma14="http://schemas.microsoft.com/office/mac/drawingml/2011/main" xmlns:a14="http://schemas.microsoft.com/office/drawing/2010/main" xmlns:m="http://schemas.openxmlformats.org/officeDocument/2006/math" xmlns="" val="1"/>
+              <ma14:wrappingTextBoxFlag xmlns="" xmlns:m="http://schemas.openxmlformats.org/officeDocument/2006/math" xmlns:a14="http://schemas.microsoft.com/office/drawing/2010/main" xmlns:ma14="http://schemas.microsoft.com/office/mac/drawingml/2011/main" val="1"/>
             </a:ext>
           </a:extLst>
         </p:spPr>
@@ -24483,7 +24296,7 @@
           </a:ln>
           <a:extLst>
             <a:ext uri="{C572A759-6A51-4108-AA02-DFA0A04FC94B}">
-              <ma14:wrappingTextBoxFlag xmlns:ma14="http://schemas.microsoft.com/office/mac/drawingml/2011/main" xmlns:a14="http://schemas.microsoft.com/office/drawing/2010/main" xmlns:m="http://schemas.openxmlformats.org/officeDocument/2006/math" xmlns="" val="1"/>
+              <ma14:wrappingTextBoxFlag xmlns="" xmlns:m="http://schemas.openxmlformats.org/officeDocument/2006/math" xmlns:a14="http://schemas.microsoft.com/office/drawing/2010/main" xmlns:ma14="http://schemas.microsoft.com/office/mac/drawingml/2011/main" val="1"/>
             </a:ext>
           </a:extLst>
         </p:spPr>
@@ -24531,7 +24344,7 @@
           </a:ln>
           <a:extLst>
             <a:ext uri="{C572A759-6A51-4108-AA02-DFA0A04FC94B}">
-              <ma14:wrappingTextBoxFlag xmlns:ma14="http://schemas.microsoft.com/office/mac/drawingml/2011/main" xmlns:a14="http://schemas.microsoft.com/office/drawing/2010/main" xmlns:m="http://schemas.openxmlformats.org/officeDocument/2006/math" xmlns="" val="1"/>
+              <ma14:wrappingTextBoxFlag xmlns="" xmlns:m="http://schemas.openxmlformats.org/officeDocument/2006/math" xmlns:a14="http://schemas.microsoft.com/office/drawing/2010/main" xmlns:ma14="http://schemas.microsoft.com/office/mac/drawingml/2011/main" val="1"/>
             </a:ext>
           </a:extLst>
         </p:spPr>
@@ -24579,7 +24392,7 @@
           </a:ln>
           <a:extLst>
             <a:ext uri="{C572A759-6A51-4108-AA02-DFA0A04FC94B}">
-              <ma14:wrappingTextBoxFlag xmlns:ma14="http://schemas.microsoft.com/office/mac/drawingml/2011/main" xmlns:a14="http://schemas.microsoft.com/office/drawing/2010/main" xmlns:m="http://schemas.openxmlformats.org/officeDocument/2006/math" xmlns="" val="1"/>
+              <ma14:wrappingTextBoxFlag xmlns="" xmlns:m="http://schemas.openxmlformats.org/officeDocument/2006/math" xmlns:a14="http://schemas.microsoft.com/office/drawing/2010/main" xmlns:ma14="http://schemas.microsoft.com/office/mac/drawingml/2011/main" val="1"/>
             </a:ext>
           </a:extLst>
         </p:spPr>
@@ -24627,7 +24440,7 @@
           </a:ln>
           <a:extLst>
             <a:ext uri="{C572A759-6A51-4108-AA02-DFA0A04FC94B}">
-              <ma14:wrappingTextBoxFlag xmlns:ma14="http://schemas.microsoft.com/office/mac/drawingml/2011/main" xmlns:a14="http://schemas.microsoft.com/office/drawing/2010/main" xmlns:m="http://schemas.openxmlformats.org/officeDocument/2006/math" xmlns="" val="1"/>
+              <ma14:wrappingTextBoxFlag xmlns="" xmlns:m="http://schemas.openxmlformats.org/officeDocument/2006/math" xmlns:a14="http://schemas.microsoft.com/office/drawing/2010/main" xmlns:ma14="http://schemas.microsoft.com/office/mac/drawingml/2011/main" val="1"/>
             </a:ext>
           </a:extLst>
         </p:spPr>
@@ -24675,7 +24488,7 @@
           </a:ln>
           <a:extLst>
             <a:ext uri="{C572A759-6A51-4108-AA02-DFA0A04FC94B}">
-              <ma14:wrappingTextBoxFlag xmlns:ma14="http://schemas.microsoft.com/office/mac/drawingml/2011/main" xmlns:a14="http://schemas.microsoft.com/office/drawing/2010/main" xmlns:m="http://schemas.openxmlformats.org/officeDocument/2006/math" xmlns="" val="1"/>
+              <ma14:wrappingTextBoxFlag xmlns="" xmlns:m="http://schemas.openxmlformats.org/officeDocument/2006/math" xmlns:a14="http://schemas.microsoft.com/office/drawing/2010/main" xmlns:ma14="http://schemas.microsoft.com/office/mac/drawingml/2011/main" val="1"/>
             </a:ext>
           </a:extLst>
         </p:spPr>
@@ -24723,7 +24536,7 @@
           </a:ln>
           <a:extLst>
             <a:ext uri="{C572A759-6A51-4108-AA02-DFA0A04FC94B}">
-              <ma14:wrappingTextBoxFlag xmlns:ma14="http://schemas.microsoft.com/office/mac/drawingml/2011/main" xmlns:a14="http://schemas.microsoft.com/office/drawing/2010/main" xmlns:m="http://schemas.openxmlformats.org/officeDocument/2006/math" xmlns="" val="1"/>
+              <ma14:wrappingTextBoxFlag xmlns="" xmlns:m="http://schemas.openxmlformats.org/officeDocument/2006/math" xmlns:a14="http://schemas.microsoft.com/office/drawing/2010/main" xmlns:ma14="http://schemas.microsoft.com/office/mac/drawingml/2011/main" val="1"/>
             </a:ext>
           </a:extLst>
         </p:spPr>
@@ -24771,7 +24584,7 @@
           </a:ln>
           <a:extLst>
             <a:ext uri="{C572A759-6A51-4108-AA02-DFA0A04FC94B}">
-              <ma14:wrappingTextBoxFlag xmlns:ma14="http://schemas.microsoft.com/office/mac/drawingml/2011/main" xmlns:a14="http://schemas.microsoft.com/office/drawing/2010/main" xmlns:m="http://schemas.openxmlformats.org/officeDocument/2006/math" xmlns="" val="1"/>
+              <ma14:wrappingTextBoxFlag xmlns="" xmlns:m="http://schemas.openxmlformats.org/officeDocument/2006/math" xmlns:a14="http://schemas.microsoft.com/office/drawing/2010/main" xmlns:ma14="http://schemas.microsoft.com/office/mac/drawingml/2011/main" val="1"/>
             </a:ext>
           </a:extLst>
         </p:spPr>
@@ -25089,7 +24902,7 @@
           </a:ln>
           <a:extLst>
             <a:ext uri="{C572A759-6A51-4108-AA02-DFA0A04FC94B}">
-              <ma14:wrappingTextBoxFlag xmlns:ma14="http://schemas.microsoft.com/office/mac/drawingml/2011/main" xmlns:a14="http://schemas.microsoft.com/office/drawing/2010/main" xmlns:m="http://schemas.openxmlformats.org/officeDocument/2006/math" xmlns="" val="1"/>
+              <ma14:wrappingTextBoxFlag xmlns="" xmlns:m="http://schemas.openxmlformats.org/officeDocument/2006/math" xmlns:a14="http://schemas.microsoft.com/office/drawing/2010/main" xmlns:ma14="http://schemas.microsoft.com/office/mac/drawingml/2011/main" val="1"/>
             </a:ext>
           </a:extLst>
         </p:spPr>
@@ -25230,7 +25043,7 @@
           </a:ln>
           <a:extLst>
             <a:ext uri="{C572A759-6A51-4108-AA02-DFA0A04FC94B}">
-              <ma14:wrappingTextBoxFlag xmlns:ma14="http://schemas.microsoft.com/office/mac/drawingml/2011/main" xmlns:a14="http://schemas.microsoft.com/office/drawing/2010/main" xmlns:m="http://schemas.openxmlformats.org/officeDocument/2006/math" xmlns="" val="1"/>
+              <ma14:wrappingTextBoxFlag xmlns="" xmlns:m="http://schemas.openxmlformats.org/officeDocument/2006/math" xmlns:a14="http://schemas.microsoft.com/office/drawing/2010/main" xmlns:ma14="http://schemas.microsoft.com/office/mac/drawingml/2011/main" val="1"/>
             </a:ext>
           </a:extLst>
         </p:spPr>
@@ -25430,7 +25243,7 @@
           </a:ln>
           <a:extLst>
             <a:ext uri="{C572A759-6A51-4108-AA02-DFA0A04FC94B}">
-              <ma14:wrappingTextBoxFlag xmlns:ma14="http://schemas.microsoft.com/office/mac/drawingml/2011/main" xmlns:a14="http://schemas.microsoft.com/office/drawing/2010/main" xmlns:m="http://schemas.openxmlformats.org/officeDocument/2006/math" xmlns="" val="1"/>
+              <ma14:wrappingTextBoxFlag xmlns="" xmlns:m="http://schemas.openxmlformats.org/officeDocument/2006/math" xmlns:a14="http://schemas.microsoft.com/office/drawing/2010/main" xmlns:ma14="http://schemas.microsoft.com/office/mac/drawingml/2011/main" val="1"/>
             </a:ext>
           </a:extLst>
         </p:spPr>
@@ -25706,7 +25519,7 @@
           </a:ln>
           <a:extLst>
             <a:ext uri="{C572A759-6A51-4108-AA02-DFA0A04FC94B}">
-              <ma14:wrappingTextBoxFlag xmlns:ma14="http://schemas.microsoft.com/office/mac/drawingml/2011/main" xmlns:a14="http://schemas.microsoft.com/office/drawing/2010/main" xmlns:m="http://schemas.openxmlformats.org/officeDocument/2006/math" xmlns="" val="1"/>
+              <ma14:wrappingTextBoxFlag xmlns="" xmlns:m="http://schemas.openxmlformats.org/officeDocument/2006/math" xmlns:a14="http://schemas.microsoft.com/office/drawing/2010/main" xmlns:ma14="http://schemas.microsoft.com/office/mac/drawingml/2011/main" val="1"/>
             </a:ext>
           </a:extLst>
         </p:spPr>
@@ -25754,7 +25567,7 @@
           </a:ln>
           <a:extLst>
             <a:ext uri="{C572A759-6A51-4108-AA02-DFA0A04FC94B}">
-              <ma14:wrappingTextBoxFlag xmlns:ma14="http://schemas.microsoft.com/office/mac/drawingml/2011/main" xmlns:a14="http://schemas.microsoft.com/office/drawing/2010/main" xmlns:m="http://schemas.openxmlformats.org/officeDocument/2006/math" xmlns="" val="1"/>
+              <ma14:wrappingTextBoxFlag xmlns="" xmlns:m="http://schemas.openxmlformats.org/officeDocument/2006/math" xmlns:a14="http://schemas.microsoft.com/office/drawing/2010/main" xmlns:ma14="http://schemas.microsoft.com/office/mac/drawingml/2011/main" val="1"/>
             </a:ext>
           </a:extLst>
         </p:spPr>
@@ -25802,7 +25615,7 @@
           </a:ln>
           <a:extLst>
             <a:ext uri="{C572A759-6A51-4108-AA02-DFA0A04FC94B}">
-              <ma14:wrappingTextBoxFlag xmlns:ma14="http://schemas.microsoft.com/office/mac/drawingml/2011/main" xmlns:a14="http://schemas.microsoft.com/office/drawing/2010/main" xmlns:m="http://schemas.openxmlformats.org/officeDocument/2006/math" xmlns="" val="1"/>
+              <ma14:wrappingTextBoxFlag xmlns="" xmlns:m="http://schemas.openxmlformats.org/officeDocument/2006/math" xmlns:a14="http://schemas.microsoft.com/office/drawing/2010/main" xmlns:ma14="http://schemas.microsoft.com/office/mac/drawingml/2011/main" val="1"/>
             </a:ext>
           </a:extLst>
         </p:spPr>
@@ -25850,7 +25663,7 @@
           </a:ln>
           <a:extLst>
             <a:ext uri="{C572A759-6A51-4108-AA02-DFA0A04FC94B}">
-              <ma14:wrappingTextBoxFlag xmlns:ma14="http://schemas.microsoft.com/office/mac/drawingml/2011/main" xmlns:a14="http://schemas.microsoft.com/office/drawing/2010/main" xmlns:m="http://schemas.openxmlformats.org/officeDocument/2006/math" xmlns="" val="1"/>
+              <ma14:wrappingTextBoxFlag xmlns="" xmlns:m="http://schemas.openxmlformats.org/officeDocument/2006/math" xmlns:a14="http://schemas.microsoft.com/office/drawing/2010/main" xmlns:ma14="http://schemas.microsoft.com/office/mac/drawingml/2011/main" val="1"/>
             </a:ext>
           </a:extLst>
         </p:spPr>
@@ -25898,7 +25711,7 @@
           </a:ln>
           <a:extLst>
             <a:ext uri="{C572A759-6A51-4108-AA02-DFA0A04FC94B}">
-              <ma14:wrappingTextBoxFlag xmlns:ma14="http://schemas.microsoft.com/office/mac/drawingml/2011/main" xmlns:a14="http://schemas.microsoft.com/office/drawing/2010/main" xmlns:m="http://schemas.openxmlformats.org/officeDocument/2006/math" xmlns="" val="1"/>
+              <ma14:wrappingTextBoxFlag xmlns="" xmlns:m="http://schemas.openxmlformats.org/officeDocument/2006/math" xmlns:a14="http://schemas.microsoft.com/office/drawing/2010/main" xmlns:ma14="http://schemas.microsoft.com/office/mac/drawingml/2011/main" val="1"/>
             </a:ext>
           </a:extLst>
         </p:spPr>
@@ -25946,7 +25759,7 @@
           </a:ln>
           <a:extLst>
             <a:ext uri="{C572A759-6A51-4108-AA02-DFA0A04FC94B}">
-              <ma14:wrappingTextBoxFlag xmlns:ma14="http://schemas.microsoft.com/office/mac/drawingml/2011/main" xmlns:a14="http://schemas.microsoft.com/office/drawing/2010/main" xmlns:m="http://schemas.openxmlformats.org/officeDocument/2006/math" xmlns="" val="1"/>
+              <ma14:wrappingTextBoxFlag xmlns="" xmlns:m="http://schemas.openxmlformats.org/officeDocument/2006/math" xmlns:a14="http://schemas.microsoft.com/office/drawing/2010/main" xmlns:ma14="http://schemas.microsoft.com/office/mac/drawingml/2011/main" val="1"/>
             </a:ext>
           </a:extLst>
         </p:spPr>
@@ -25994,7 +25807,7 @@
           </a:ln>
           <a:extLst>
             <a:ext uri="{C572A759-6A51-4108-AA02-DFA0A04FC94B}">
-              <ma14:wrappingTextBoxFlag xmlns:ma14="http://schemas.microsoft.com/office/mac/drawingml/2011/main" xmlns:a14="http://schemas.microsoft.com/office/drawing/2010/main" xmlns:m="http://schemas.openxmlformats.org/officeDocument/2006/math" xmlns="" val="1"/>
+              <ma14:wrappingTextBoxFlag xmlns="" xmlns:m="http://schemas.openxmlformats.org/officeDocument/2006/math" xmlns:a14="http://schemas.microsoft.com/office/drawing/2010/main" xmlns:ma14="http://schemas.microsoft.com/office/mac/drawingml/2011/main" val="1"/>
             </a:ext>
           </a:extLst>
         </p:spPr>
@@ -26042,7 +25855,7 @@
           </a:ln>
           <a:extLst>
             <a:ext uri="{C572A759-6A51-4108-AA02-DFA0A04FC94B}">
-              <ma14:wrappingTextBoxFlag xmlns:ma14="http://schemas.microsoft.com/office/mac/drawingml/2011/main" xmlns:a14="http://schemas.microsoft.com/office/drawing/2010/main" xmlns:m="http://schemas.openxmlformats.org/officeDocument/2006/math" xmlns="" val="1"/>
+              <ma14:wrappingTextBoxFlag xmlns="" xmlns:m="http://schemas.openxmlformats.org/officeDocument/2006/math" xmlns:a14="http://schemas.microsoft.com/office/drawing/2010/main" xmlns:ma14="http://schemas.microsoft.com/office/mac/drawingml/2011/main" val="1"/>
             </a:ext>
           </a:extLst>
         </p:spPr>
@@ -26090,7 +25903,7 @@
           </a:ln>
           <a:extLst>
             <a:ext uri="{C572A759-6A51-4108-AA02-DFA0A04FC94B}">
-              <ma14:wrappingTextBoxFlag xmlns:ma14="http://schemas.microsoft.com/office/mac/drawingml/2011/main" xmlns:a14="http://schemas.microsoft.com/office/drawing/2010/main" xmlns:m="http://schemas.openxmlformats.org/officeDocument/2006/math" xmlns="" val="1"/>
+              <ma14:wrappingTextBoxFlag xmlns="" xmlns:m="http://schemas.openxmlformats.org/officeDocument/2006/math" xmlns:a14="http://schemas.microsoft.com/office/drawing/2010/main" xmlns:ma14="http://schemas.microsoft.com/office/mac/drawingml/2011/main" val="1"/>
             </a:ext>
           </a:extLst>
         </p:spPr>
@@ -26138,7 +25951,7 @@
           </a:ln>
           <a:extLst>
             <a:ext uri="{C572A759-6A51-4108-AA02-DFA0A04FC94B}">
-              <ma14:wrappingTextBoxFlag xmlns:ma14="http://schemas.microsoft.com/office/mac/drawingml/2011/main" xmlns:a14="http://schemas.microsoft.com/office/drawing/2010/main" xmlns:m="http://schemas.openxmlformats.org/officeDocument/2006/math" xmlns="" val="1"/>
+              <ma14:wrappingTextBoxFlag xmlns="" xmlns:m="http://schemas.openxmlformats.org/officeDocument/2006/math" xmlns:a14="http://schemas.microsoft.com/office/drawing/2010/main" xmlns:ma14="http://schemas.microsoft.com/office/mac/drawingml/2011/main" val="1"/>
             </a:ext>
           </a:extLst>
         </p:spPr>
@@ -26186,7 +25999,7 @@
           </a:ln>
           <a:extLst>
             <a:ext uri="{C572A759-6A51-4108-AA02-DFA0A04FC94B}">
-              <ma14:wrappingTextBoxFlag xmlns:ma14="http://schemas.microsoft.com/office/mac/drawingml/2011/main" xmlns:a14="http://schemas.microsoft.com/office/drawing/2010/main" xmlns:m="http://schemas.openxmlformats.org/officeDocument/2006/math" xmlns="" val="1"/>
+              <ma14:wrappingTextBoxFlag xmlns="" xmlns:m="http://schemas.openxmlformats.org/officeDocument/2006/math" xmlns:a14="http://schemas.microsoft.com/office/drawing/2010/main" xmlns:ma14="http://schemas.microsoft.com/office/mac/drawingml/2011/main" val="1"/>
             </a:ext>
           </a:extLst>
         </p:spPr>
@@ -26234,7 +26047,7 @@
           </a:ln>
           <a:extLst>
             <a:ext uri="{C572A759-6A51-4108-AA02-DFA0A04FC94B}">
-              <ma14:wrappingTextBoxFlag xmlns:ma14="http://schemas.microsoft.com/office/mac/drawingml/2011/main" xmlns:a14="http://schemas.microsoft.com/office/drawing/2010/main" xmlns:m="http://schemas.openxmlformats.org/officeDocument/2006/math" xmlns="" val="1"/>
+              <ma14:wrappingTextBoxFlag xmlns="" xmlns:m="http://schemas.openxmlformats.org/officeDocument/2006/math" xmlns:a14="http://schemas.microsoft.com/office/drawing/2010/main" xmlns:ma14="http://schemas.microsoft.com/office/mac/drawingml/2011/main" val="1"/>
             </a:ext>
           </a:extLst>
         </p:spPr>
@@ -26552,7 +26365,7 @@
           </a:ln>
           <a:extLst>
             <a:ext uri="{C572A759-6A51-4108-AA02-DFA0A04FC94B}">
-              <ma14:wrappingTextBoxFlag xmlns:ma14="http://schemas.microsoft.com/office/mac/drawingml/2011/main" xmlns:a14="http://schemas.microsoft.com/office/drawing/2010/main" xmlns:m="http://schemas.openxmlformats.org/officeDocument/2006/math" xmlns="" val="1"/>
+              <ma14:wrappingTextBoxFlag xmlns="" xmlns:m="http://schemas.openxmlformats.org/officeDocument/2006/math" xmlns:a14="http://schemas.microsoft.com/office/drawing/2010/main" xmlns:ma14="http://schemas.microsoft.com/office/mac/drawingml/2011/main" val="1"/>
             </a:ext>
           </a:extLst>
         </p:spPr>
@@ -26693,7 +26506,7 @@
           </a:ln>
           <a:extLst>
             <a:ext uri="{C572A759-6A51-4108-AA02-DFA0A04FC94B}">
-              <ma14:wrappingTextBoxFlag xmlns:ma14="http://schemas.microsoft.com/office/mac/drawingml/2011/main" xmlns:a14="http://schemas.microsoft.com/office/drawing/2010/main" xmlns:m="http://schemas.openxmlformats.org/officeDocument/2006/math" xmlns="" val="1"/>
+              <ma14:wrappingTextBoxFlag xmlns="" xmlns:m="http://schemas.openxmlformats.org/officeDocument/2006/math" xmlns:a14="http://schemas.microsoft.com/office/drawing/2010/main" xmlns:ma14="http://schemas.microsoft.com/office/mac/drawingml/2011/main" val="1"/>
             </a:ext>
           </a:extLst>
         </p:spPr>
@@ -26771,7 +26584,7 @@
           </a:ln>
           <a:extLst>
             <a:ext uri="{C572A759-6A51-4108-AA02-DFA0A04FC94B}">
-              <ma14:wrappingTextBoxFlag xmlns:ma14="http://schemas.microsoft.com/office/mac/drawingml/2011/main" xmlns:a14="http://schemas.microsoft.com/office/drawing/2010/main" xmlns:m="http://schemas.openxmlformats.org/officeDocument/2006/math" xmlns="" val="1"/>
+              <ma14:wrappingTextBoxFlag xmlns="" xmlns:m="http://schemas.openxmlformats.org/officeDocument/2006/math" xmlns:a14="http://schemas.microsoft.com/office/drawing/2010/main" xmlns:ma14="http://schemas.microsoft.com/office/mac/drawingml/2011/main" val="1"/>
             </a:ext>
           </a:extLst>
         </p:spPr>
@@ -26971,7 +26784,7 @@
           </a:ln>
           <a:extLst>
             <a:ext uri="{C572A759-6A51-4108-AA02-DFA0A04FC94B}">
-              <ma14:wrappingTextBoxFlag xmlns:ma14="http://schemas.microsoft.com/office/mac/drawingml/2011/main" xmlns:a14="http://schemas.microsoft.com/office/drawing/2010/main" xmlns:m="http://schemas.openxmlformats.org/officeDocument/2006/math" xmlns="" val="1"/>
+              <ma14:wrappingTextBoxFlag xmlns="" xmlns:m="http://schemas.openxmlformats.org/officeDocument/2006/math" xmlns:a14="http://schemas.microsoft.com/office/drawing/2010/main" xmlns:ma14="http://schemas.microsoft.com/office/mac/drawingml/2011/main" val="1"/>
             </a:ext>
           </a:extLst>
         </p:spPr>
@@ -27247,7 +27060,7 @@
           </a:ln>
           <a:extLst>
             <a:ext uri="{C572A759-6A51-4108-AA02-DFA0A04FC94B}">
-              <ma14:wrappingTextBoxFlag xmlns:ma14="http://schemas.microsoft.com/office/mac/drawingml/2011/main" xmlns:a14="http://schemas.microsoft.com/office/drawing/2010/main" xmlns:m="http://schemas.openxmlformats.org/officeDocument/2006/math" xmlns="" val="1"/>
+              <ma14:wrappingTextBoxFlag xmlns="" xmlns:m="http://schemas.openxmlformats.org/officeDocument/2006/math" xmlns:a14="http://schemas.microsoft.com/office/drawing/2010/main" xmlns:ma14="http://schemas.microsoft.com/office/mac/drawingml/2011/main" val="1"/>
             </a:ext>
           </a:extLst>
         </p:spPr>
@@ -27295,7 +27108,7 @@
           </a:ln>
           <a:extLst>
             <a:ext uri="{C572A759-6A51-4108-AA02-DFA0A04FC94B}">
-              <ma14:wrappingTextBoxFlag xmlns:ma14="http://schemas.microsoft.com/office/mac/drawingml/2011/main" xmlns:a14="http://schemas.microsoft.com/office/drawing/2010/main" xmlns:m="http://schemas.openxmlformats.org/officeDocument/2006/math" xmlns="" val="1"/>
+              <ma14:wrappingTextBoxFlag xmlns="" xmlns:m="http://schemas.openxmlformats.org/officeDocument/2006/math" xmlns:a14="http://schemas.microsoft.com/office/drawing/2010/main" xmlns:ma14="http://schemas.microsoft.com/office/mac/drawingml/2011/main" val="1"/>
             </a:ext>
           </a:extLst>
         </p:spPr>
@@ -27343,7 +27156,7 @@
           </a:ln>
           <a:extLst>
             <a:ext uri="{C572A759-6A51-4108-AA02-DFA0A04FC94B}">
-              <ma14:wrappingTextBoxFlag xmlns:ma14="http://schemas.microsoft.com/office/mac/drawingml/2011/main" xmlns:a14="http://schemas.microsoft.com/office/drawing/2010/main" xmlns:m="http://schemas.openxmlformats.org/officeDocument/2006/math" xmlns="" val="1"/>
+              <ma14:wrappingTextBoxFlag xmlns="" xmlns:m="http://schemas.openxmlformats.org/officeDocument/2006/math" xmlns:a14="http://schemas.microsoft.com/office/drawing/2010/main" xmlns:ma14="http://schemas.microsoft.com/office/mac/drawingml/2011/main" val="1"/>
             </a:ext>
           </a:extLst>
         </p:spPr>
@@ -27391,7 +27204,7 @@
           </a:ln>
           <a:extLst>
             <a:ext uri="{C572A759-6A51-4108-AA02-DFA0A04FC94B}">
-              <ma14:wrappingTextBoxFlag xmlns:ma14="http://schemas.microsoft.com/office/mac/drawingml/2011/main" xmlns:a14="http://schemas.microsoft.com/office/drawing/2010/main" xmlns:m="http://schemas.openxmlformats.org/officeDocument/2006/math" xmlns="" val="1"/>
+              <ma14:wrappingTextBoxFlag xmlns="" xmlns:m="http://schemas.openxmlformats.org/officeDocument/2006/math" xmlns:a14="http://schemas.microsoft.com/office/drawing/2010/main" xmlns:ma14="http://schemas.microsoft.com/office/mac/drawingml/2011/main" val="1"/>
             </a:ext>
           </a:extLst>
         </p:spPr>
@@ -27439,7 +27252,7 @@
           </a:ln>
           <a:extLst>
             <a:ext uri="{C572A759-6A51-4108-AA02-DFA0A04FC94B}">
-              <ma14:wrappingTextBoxFlag xmlns:ma14="http://schemas.microsoft.com/office/mac/drawingml/2011/main" xmlns:a14="http://schemas.microsoft.com/office/drawing/2010/main" xmlns:m="http://schemas.openxmlformats.org/officeDocument/2006/math" xmlns="" val="1"/>
+              <ma14:wrappingTextBoxFlag xmlns="" xmlns:m="http://schemas.openxmlformats.org/officeDocument/2006/math" xmlns:a14="http://schemas.microsoft.com/office/drawing/2010/main" xmlns:ma14="http://schemas.microsoft.com/office/mac/drawingml/2011/main" val="1"/>
             </a:ext>
           </a:extLst>
         </p:spPr>
@@ -27487,7 +27300,7 @@
           </a:ln>
           <a:extLst>
             <a:ext uri="{C572A759-6A51-4108-AA02-DFA0A04FC94B}">
-              <ma14:wrappingTextBoxFlag xmlns:ma14="http://schemas.microsoft.com/office/mac/drawingml/2011/main" xmlns:a14="http://schemas.microsoft.com/office/drawing/2010/main" xmlns:m="http://schemas.openxmlformats.org/officeDocument/2006/math" xmlns="" val="1"/>
+              <ma14:wrappingTextBoxFlag xmlns="" xmlns:m="http://schemas.openxmlformats.org/officeDocument/2006/math" xmlns:a14="http://schemas.microsoft.com/office/drawing/2010/main" xmlns:ma14="http://schemas.microsoft.com/office/mac/drawingml/2011/main" val="1"/>
             </a:ext>
           </a:extLst>
         </p:spPr>
@@ -27535,7 +27348,7 @@
           </a:ln>
           <a:extLst>
             <a:ext uri="{C572A759-6A51-4108-AA02-DFA0A04FC94B}">
-              <ma14:wrappingTextBoxFlag xmlns:ma14="http://schemas.microsoft.com/office/mac/drawingml/2011/main" xmlns:a14="http://schemas.microsoft.com/office/drawing/2010/main" xmlns:m="http://schemas.openxmlformats.org/officeDocument/2006/math" xmlns="" val="1"/>
+              <ma14:wrappingTextBoxFlag xmlns="" xmlns:m="http://schemas.openxmlformats.org/officeDocument/2006/math" xmlns:a14="http://schemas.microsoft.com/office/drawing/2010/main" xmlns:ma14="http://schemas.microsoft.com/office/mac/drawingml/2011/main" val="1"/>
             </a:ext>
           </a:extLst>
         </p:spPr>
@@ -27583,7 +27396,7 @@
           </a:ln>
           <a:extLst>
             <a:ext uri="{C572A759-6A51-4108-AA02-DFA0A04FC94B}">
-              <ma14:wrappingTextBoxFlag xmlns:ma14="http://schemas.microsoft.com/office/mac/drawingml/2011/main" xmlns:a14="http://schemas.microsoft.com/office/drawing/2010/main" xmlns:m="http://schemas.openxmlformats.org/officeDocument/2006/math" xmlns="" val="1"/>
+              <ma14:wrappingTextBoxFlag xmlns="" xmlns:m="http://schemas.openxmlformats.org/officeDocument/2006/math" xmlns:a14="http://schemas.microsoft.com/office/drawing/2010/main" xmlns:ma14="http://schemas.microsoft.com/office/mac/drawingml/2011/main" val="1"/>
             </a:ext>
           </a:extLst>
         </p:spPr>
@@ -27631,7 +27444,7 @@
           </a:ln>
           <a:extLst>
             <a:ext uri="{C572A759-6A51-4108-AA02-DFA0A04FC94B}">
-              <ma14:wrappingTextBoxFlag xmlns:ma14="http://schemas.microsoft.com/office/mac/drawingml/2011/main" xmlns:a14="http://schemas.microsoft.com/office/drawing/2010/main" xmlns:m="http://schemas.openxmlformats.org/officeDocument/2006/math" xmlns="" val="1"/>
+              <ma14:wrappingTextBoxFlag xmlns="" xmlns:m="http://schemas.openxmlformats.org/officeDocument/2006/math" xmlns:a14="http://schemas.microsoft.com/office/drawing/2010/main" xmlns:ma14="http://schemas.microsoft.com/office/mac/drawingml/2011/main" val="1"/>
             </a:ext>
           </a:extLst>
         </p:spPr>
@@ -27679,7 +27492,7 @@
           </a:ln>
           <a:extLst>
             <a:ext uri="{C572A759-6A51-4108-AA02-DFA0A04FC94B}">
-              <ma14:wrappingTextBoxFlag xmlns:ma14="http://schemas.microsoft.com/office/mac/drawingml/2011/main" xmlns:a14="http://schemas.microsoft.com/office/drawing/2010/main" xmlns:m="http://schemas.openxmlformats.org/officeDocument/2006/math" xmlns="" val="1"/>
+              <ma14:wrappingTextBoxFlag xmlns="" xmlns:m="http://schemas.openxmlformats.org/officeDocument/2006/math" xmlns:a14="http://schemas.microsoft.com/office/drawing/2010/main" xmlns:ma14="http://schemas.microsoft.com/office/mac/drawingml/2011/main" val="1"/>
             </a:ext>
           </a:extLst>
         </p:spPr>
@@ -27727,7 +27540,7 @@
           </a:ln>
           <a:extLst>
             <a:ext uri="{C572A759-6A51-4108-AA02-DFA0A04FC94B}">
-              <ma14:wrappingTextBoxFlag xmlns:ma14="http://schemas.microsoft.com/office/mac/drawingml/2011/main" xmlns:a14="http://schemas.microsoft.com/office/drawing/2010/main" xmlns:m="http://schemas.openxmlformats.org/officeDocument/2006/math" xmlns="" val="1"/>
+              <ma14:wrappingTextBoxFlag xmlns="" xmlns:m="http://schemas.openxmlformats.org/officeDocument/2006/math" xmlns:a14="http://schemas.microsoft.com/office/drawing/2010/main" xmlns:ma14="http://schemas.microsoft.com/office/mac/drawingml/2011/main" val="1"/>
             </a:ext>
           </a:extLst>
         </p:spPr>
@@ -27775,7 +27588,7 @@
           </a:ln>
           <a:extLst>
             <a:ext uri="{C572A759-6A51-4108-AA02-DFA0A04FC94B}">
-              <ma14:wrappingTextBoxFlag xmlns:ma14="http://schemas.microsoft.com/office/mac/drawingml/2011/main" xmlns:a14="http://schemas.microsoft.com/office/drawing/2010/main" xmlns:m="http://schemas.openxmlformats.org/officeDocument/2006/math" xmlns="" val="1"/>
+              <ma14:wrappingTextBoxFlag xmlns="" xmlns:m="http://schemas.openxmlformats.org/officeDocument/2006/math" xmlns:a14="http://schemas.microsoft.com/office/drawing/2010/main" xmlns:ma14="http://schemas.microsoft.com/office/mac/drawingml/2011/main" val="1"/>
             </a:ext>
           </a:extLst>
         </p:spPr>
@@ -28093,7 +27906,7 @@
           </a:ln>
           <a:extLst>
             <a:ext uri="{C572A759-6A51-4108-AA02-DFA0A04FC94B}">
-              <ma14:wrappingTextBoxFlag xmlns:ma14="http://schemas.microsoft.com/office/mac/drawingml/2011/main" xmlns:a14="http://schemas.microsoft.com/office/drawing/2010/main" xmlns:m="http://schemas.openxmlformats.org/officeDocument/2006/math" xmlns="" val="1"/>
+              <ma14:wrappingTextBoxFlag xmlns="" xmlns:m="http://schemas.openxmlformats.org/officeDocument/2006/math" xmlns:a14="http://schemas.microsoft.com/office/drawing/2010/main" xmlns:ma14="http://schemas.microsoft.com/office/mac/drawingml/2011/main" val="1"/>
             </a:ext>
           </a:extLst>
         </p:spPr>
@@ -28234,7 +28047,7 @@
           </a:ln>
           <a:extLst>
             <a:ext uri="{C572A759-6A51-4108-AA02-DFA0A04FC94B}">
-              <ma14:wrappingTextBoxFlag xmlns:ma14="http://schemas.microsoft.com/office/mac/drawingml/2011/main" xmlns:a14="http://schemas.microsoft.com/office/drawing/2010/main" xmlns:m="http://schemas.openxmlformats.org/officeDocument/2006/math" xmlns="" val="1"/>
+              <ma14:wrappingTextBoxFlag xmlns="" xmlns:m="http://schemas.openxmlformats.org/officeDocument/2006/math" xmlns:a14="http://schemas.microsoft.com/office/drawing/2010/main" xmlns:ma14="http://schemas.microsoft.com/office/mac/drawingml/2011/main" val="1"/>
             </a:ext>
           </a:extLst>
         </p:spPr>
@@ -28275,7 +28088,7 @@
           </a:ln>
           <a:extLst>
             <a:ext uri="{C572A759-6A51-4108-AA02-DFA0A04FC94B}">
-              <ma14:wrappingTextBoxFlag xmlns:ma14="http://schemas.microsoft.com/office/mac/drawingml/2011/main" xmlns:a14="http://schemas.microsoft.com/office/drawing/2010/main" xmlns:m="http://schemas.openxmlformats.org/officeDocument/2006/math" xmlns="" val="1"/>
+              <ma14:wrappingTextBoxFlag xmlns="" xmlns:m="http://schemas.openxmlformats.org/officeDocument/2006/math" xmlns:a14="http://schemas.microsoft.com/office/drawing/2010/main" xmlns:ma14="http://schemas.microsoft.com/office/mac/drawingml/2011/main" val="1"/>
             </a:ext>
           </a:extLst>
         </p:spPr>
@@ -28439,7 +28252,7 @@
           </a:ln>
           <a:extLst>
             <a:ext uri="{C572A759-6A51-4108-AA02-DFA0A04FC94B}">
-              <ma14:wrappingTextBoxFlag xmlns:ma14="http://schemas.microsoft.com/office/mac/drawingml/2011/main" xmlns:a14="http://schemas.microsoft.com/office/drawing/2010/main" xmlns:m="http://schemas.openxmlformats.org/officeDocument/2006/math" xmlns="" val="1"/>
+              <ma14:wrappingTextBoxFlag xmlns="" xmlns:m="http://schemas.openxmlformats.org/officeDocument/2006/math" xmlns:a14="http://schemas.microsoft.com/office/drawing/2010/main" xmlns:ma14="http://schemas.microsoft.com/office/mac/drawingml/2011/main" val="1"/>
             </a:ext>
           </a:extLst>
         </p:spPr>
@@ -28715,7 +28528,7 @@
           </a:ln>
           <a:extLst>
             <a:ext uri="{C572A759-6A51-4108-AA02-DFA0A04FC94B}">
-              <ma14:wrappingTextBoxFlag xmlns:ma14="http://schemas.microsoft.com/office/mac/drawingml/2011/main" xmlns:a14="http://schemas.microsoft.com/office/drawing/2010/main" xmlns:m="http://schemas.openxmlformats.org/officeDocument/2006/math" xmlns="" val="1"/>
+              <ma14:wrappingTextBoxFlag xmlns="" xmlns:m="http://schemas.openxmlformats.org/officeDocument/2006/math" xmlns:a14="http://schemas.microsoft.com/office/drawing/2010/main" xmlns:ma14="http://schemas.microsoft.com/office/mac/drawingml/2011/main" val="1"/>
             </a:ext>
           </a:extLst>
         </p:spPr>
@@ -28763,7 +28576,7 @@
           </a:ln>
           <a:extLst>
             <a:ext uri="{C572A759-6A51-4108-AA02-DFA0A04FC94B}">
-              <ma14:wrappingTextBoxFlag xmlns:ma14="http://schemas.microsoft.com/office/mac/drawingml/2011/main" xmlns:a14="http://schemas.microsoft.com/office/drawing/2010/main" xmlns:m="http://schemas.openxmlformats.org/officeDocument/2006/math" xmlns="" val="1"/>
+              <ma14:wrappingTextBoxFlag xmlns="" xmlns:m="http://schemas.openxmlformats.org/officeDocument/2006/math" xmlns:a14="http://schemas.microsoft.com/office/drawing/2010/main" xmlns:ma14="http://schemas.microsoft.com/office/mac/drawingml/2011/main" val="1"/>
             </a:ext>
           </a:extLst>
         </p:spPr>
@@ -28811,7 +28624,7 @@
           </a:ln>
           <a:extLst>
             <a:ext uri="{C572A759-6A51-4108-AA02-DFA0A04FC94B}">
-              <ma14:wrappingTextBoxFlag xmlns:ma14="http://schemas.microsoft.com/office/mac/drawingml/2011/main" xmlns:a14="http://schemas.microsoft.com/office/drawing/2010/main" xmlns:m="http://schemas.openxmlformats.org/officeDocument/2006/math" xmlns="" val="1"/>
+              <ma14:wrappingTextBoxFlag xmlns="" xmlns:m="http://schemas.openxmlformats.org/officeDocument/2006/math" xmlns:a14="http://schemas.microsoft.com/office/drawing/2010/main" xmlns:ma14="http://schemas.microsoft.com/office/mac/drawingml/2011/main" val="1"/>
             </a:ext>
           </a:extLst>
         </p:spPr>
@@ -28859,7 +28672,7 @@
           </a:ln>
           <a:extLst>
             <a:ext uri="{C572A759-6A51-4108-AA02-DFA0A04FC94B}">
-              <ma14:wrappingTextBoxFlag xmlns:ma14="http://schemas.microsoft.com/office/mac/drawingml/2011/main" xmlns:a14="http://schemas.microsoft.com/office/drawing/2010/main" xmlns:m="http://schemas.openxmlformats.org/officeDocument/2006/math" xmlns="" val="1"/>
+              <ma14:wrappingTextBoxFlag xmlns="" xmlns:m="http://schemas.openxmlformats.org/officeDocument/2006/math" xmlns:a14="http://schemas.microsoft.com/office/drawing/2010/main" xmlns:ma14="http://schemas.microsoft.com/office/mac/drawingml/2011/main" val="1"/>
             </a:ext>
           </a:extLst>
         </p:spPr>
@@ -28907,7 +28720,7 @@
           </a:ln>
           <a:extLst>
             <a:ext uri="{C572A759-6A51-4108-AA02-DFA0A04FC94B}">
-              <ma14:wrappingTextBoxFlag xmlns:ma14="http://schemas.microsoft.com/office/mac/drawingml/2011/main" xmlns:a14="http://schemas.microsoft.com/office/drawing/2010/main" xmlns:m="http://schemas.openxmlformats.org/officeDocument/2006/math" xmlns="" val="1"/>
+              <ma14:wrappingTextBoxFlag xmlns="" xmlns:m="http://schemas.openxmlformats.org/officeDocument/2006/math" xmlns:a14="http://schemas.microsoft.com/office/drawing/2010/main" xmlns:ma14="http://schemas.microsoft.com/office/mac/drawingml/2011/main" val="1"/>
             </a:ext>
           </a:extLst>
         </p:spPr>
@@ -28955,7 +28768,7 @@
           </a:ln>
           <a:extLst>
             <a:ext uri="{C572A759-6A51-4108-AA02-DFA0A04FC94B}">
-              <ma14:wrappingTextBoxFlag xmlns:ma14="http://schemas.microsoft.com/office/mac/drawingml/2011/main" xmlns:a14="http://schemas.microsoft.com/office/drawing/2010/main" xmlns:m="http://schemas.openxmlformats.org/officeDocument/2006/math" xmlns="" val="1"/>
+              <ma14:wrappingTextBoxFlag xmlns="" xmlns:m="http://schemas.openxmlformats.org/officeDocument/2006/math" xmlns:a14="http://schemas.microsoft.com/office/drawing/2010/main" xmlns:ma14="http://schemas.microsoft.com/office/mac/drawingml/2011/main" val="1"/>
             </a:ext>
           </a:extLst>
         </p:spPr>
@@ -29003,7 +28816,7 @@
           </a:ln>
           <a:extLst>
             <a:ext uri="{C572A759-6A51-4108-AA02-DFA0A04FC94B}">
-              <ma14:wrappingTextBoxFlag xmlns:ma14="http://schemas.microsoft.com/office/mac/drawingml/2011/main" xmlns:a14="http://schemas.microsoft.com/office/drawing/2010/main" xmlns:m="http://schemas.openxmlformats.org/officeDocument/2006/math" xmlns="" val="1"/>
+              <ma14:wrappingTextBoxFlag xmlns="" xmlns:m="http://schemas.openxmlformats.org/officeDocument/2006/math" xmlns:a14="http://schemas.microsoft.com/office/drawing/2010/main" xmlns:ma14="http://schemas.microsoft.com/office/mac/drawingml/2011/main" val="1"/>
             </a:ext>
           </a:extLst>
         </p:spPr>
@@ -29051,7 +28864,7 @@
           </a:ln>
           <a:extLst>
             <a:ext uri="{C572A759-6A51-4108-AA02-DFA0A04FC94B}">
-              <ma14:wrappingTextBoxFlag xmlns:ma14="http://schemas.microsoft.com/office/mac/drawingml/2011/main" xmlns:a14="http://schemas.microsoft.com/office/drawing/2010/main" xmlns:m="http://schemas.openxmlformats.org/officeDocument/2006/math" xmlns="" val="1"/>
+              <ma14:wrappingTextBoxFlag xmlns="" xmlns:m="http://schemas.openxmlformats.org/officeDocument/2006/math" xmlns:a14="http://schemas.microsoft.com/office/drawing/2010/main" xmlns:ma14="http://schemas.microsoft.com/office/mac/drawingml/2011/main" val="1"/>
             </a:ext>
           </a:extLst>
         </p:spPr>
@@ -29099,7 +28912,7 @@
           </a:ln>
           <a:extLst>
             <a:ext uri="{C572A759-6A51-4108-AA02-DFA0A04FC94B}">
-              <ma14:wrappingTextBoxFlag xmlns:ma14="http://schemas.microsoft.com/office/mac/drawingml/2011/main" xmlns:a14="http://schemas.microsoft.com/office/drawing/2010/main" xmlns:m="http://schemas.openxmlformats.org/officeDocument/2006/math" xmlns="" val="1"/>
+              <ma14:wrappingTextBoxFlag xmlns="" xmlns:m="http://schemas.openxmlformats.org/officeDocument/2006/math" xmlns:a14="http://schemas.microsoft.com/office/drawing/2010/main" xmlns:ma14="http://schemas.microsoft.com/office/mac/drawingml/2011/main" val="1"/>
             </a:ext>
           </a:extLst>
         </p:spPr>
@@ -29147,7 +28960,7 @@
           </a:ln>
           <a:extLst>
             <a:ext uri="{C572A759-6A51-4108-AA02-DFA0A04FC94B}">
-              <ma14:wrappingTextBoxFlag xmlns:ma14="http://schemas.microsoft.com/office/mac/drawingml/2011/main" xmlns:a14="http://schemas.microsoft.com/office/drawing/2010/main" xmlns:m="http://schemas.openxmlformats.org/officeDocument/2006/math" xmlns="" val="1"/>
+              <ma14:wrappingTextBoxFlag xmlns="" xmlns:m="http://schemas.openxmlformats.org/officeDocument/2006/math" xmlns:a14="http://schemas.microsoft.com/office/drawing/2010/main" xmlns:ma14="http://schemas.microsoft.com/office/mac/drawingml/2011/main" val="1"/>
             </a:ext>
           </a:extLst>
         </p:spPr>
@@ -29195,7 +29008,7 @@
           </a:ln>
           <a:extLst>
             <a:ext uri="{C572A759-6A51-4108-AA02-DFA0A04FC94B}">
-              <ma14:wrappingTextBoxFlag xmlns:ma14="http://schemas.microsoft.com/office/mac/drawingml/2011/main" xmlns:a14="http://schemas.microsoft.com/office/drawing/2010/main" xmlns:m="http://schemas.openxmlformats.org/officeDocument/2006/math" xmlns="" val="1"/>
+              <ma14:wrappingTextBoxFlag xmlns="" xmlns:m="http://schemas.openxmlformats.org/officeDocument/2006/math" xmlns:a14="http://schemas.microsoft.com/office/drawing/2010/main" xmlns:ma14="http://schemas.microsoft.com/office/mac/drawingml/2011/main" val="1"/>
             </a:ext>
           </a:extLst>
         </p:spPr>
@@ -29243,7 +29056,7 @@
           </a:ln>
           <a:extLst>
             <a:ext uri="{C572A759-6A51-4108-AA02-DFA0A04FC94B}">
-              <ma14:wrappingTextBoxFlag xmlns:ma14="http://schemas.microsoft.com/office/mac/drawingml/2011/main" xmlns:a14="http://schemas.microsoft.com/office/drawing/2010/main" xmlns:m="http://schemas.openxmlformats.org/officeDocument/2006/math" xmlns="" val="1"/>
+              <ma14:wrappingTextBoxFlag xmlns="" xmlns:m="http://schemas.openxmlformats.org/officeDocument/2006/math" xmlns:a14="http://schemas.microsoft.com/office/drawing/2010/main" xmlns:ma14="http://schemas.microsoft.com/office/mac/drawingml/2011/main" val="1"/>
             </a:ext>
           </a:extLst>
         </p:spPr>
@@ -29561,7 +29374,7 @@
           </a:ln>
           <a:extLst>
             <a:ext uri="{C572A759-6A51-4108-AA02-DFA0A04FC94B}">
-              <ma14:wrappingTextBoxFlag xmlns:ma14="http://schemas.microsoft.com/office/mac/drawingml/2011/main" xmlns:a14="http://schemas.microsoft.com/office/drawing/2010/main" xmlns:m="http://schemas.openxmlformats.org/officeDocument/2006/math" xmlns="" val="1"/>
+              <ma14:wrappingTextBoxFlag xmlns="" xmlns:m="http://schemas.openxmlformats.org/officeDocument/2006/math" xmlns:a14="http://schemas.microsoft.com/office/drawing/2010/main" xmlns:ma14="http://schemas.microsoft.com/office/mac/drawingml/2011/main" val="1"/>
             </a:ext>
           </a:extLst>
         </p:spPr>
@@ -29644,7 +29457,7 @@
           </a:ln>
           <a:extLst>
             <a:ext uri="{C572A759-6A51-4108-AA02-DFA0A04FC94B}">
-              <ma14:wrappingTextBoxFlag xmlns:ma14="http://schemas.microsoft.com/office/mac/drawingml/2011/main" xmlns:a14="http://schemas.microsoft.com/office/drawing/2010/main" xmlns:m="http://schemas.openxmlformats.org/officeDocument/2006/math" xmlns="" val="1"/>
+              <ma14:wrappingTextBoxFlag xmlns="" xmlns:m="http://schemas.openxmlformats.org/officeDocument/2006/math" xmlns:a14="http://schemas.microsoft.com/office/drawing/2010/main" xmlns:ma14="http://schemas.microsoft.com/office/mac/drawingml/2011/main" val="1"/>
             </a:ext>
           </a:extLst>
         </p:spPr>
@@ -29690,7 +29503,7 @@
           </a:ln>
           <a:extLst>
             <a:ext uri="{C572A759-6A51-4108-AA02-DFA0A04FC94B}">
-              <ma14:wrappingTextBoxFlag xmlns:ma14="http://schemas.microsoft.com/office/mac/drawingml/2011/main" xmlns:a14="http://schemas.microsoft.com/office/drawing/2010/main" xmlns:m="http://schemas.openxmlformats.org/officeDocument/2006/math" xmlns="" val="1"/>
+              <ma14:wrappingTextBoxFlag xmlns="" xmlns:m="http://schemas.openxmlformats.org/officeDocument/2006/math" xmlns:a14="http://schemas.microsoft.com/office/drawing/2010/main" xmlns:ma14="http://schemas.microsoft.com/office/mac/drawingml/2011/main" val="1"/>
             </a:ext>
           </a:extLst>
         </p:spPr>
@@ -29735,7 +29548,7 @@
           </a:ln>
           <a:extLst>
             <a:ext uri="{C572A759-6A51-4108-AA02-DFA0A04FC94B}">
-              <ma14:wrappingTextBoxFlag xmlns:ma14="http://schemas.microsoft.com/office/mac/drawingml/2011/main" xmlns:a14="http://schemas.microsoft.com/office/drawing/2010/main" xmlns:m="http://schemas.openxmlformats.org/officeDocument/2006/math" xmlns="" val="1"/>
+              <ma14:wrappingTextBoxFlag xmlns="" xmlns:m="http://schemas.openxmlformats.org/officeDocument/2006/math" xmlns:a14="http://schemas.microsoft.com/office/drawing/2010/main" xmlns:ma14="http://schemas.microsoft.com/office/mac/drawingml/2011/main" val="1"/>
             </a:ext>
           </a:extLst>
         </p:spPr>
@@ -29776,7 +29589,7 @@
           </a:ln>
           <a:extLst>
             <a:ext uri="{C572A759-6A51-4108-AA02-DFA0A04FC94B}">
-              <ma14:wrappingTextBoxFlag xmlns:ma14="http://schemas.microsoft.com/office/mac/drawingml/2011/main" xmlns:a14="http://schemas.microsoft.com/office/drawing/2010/main" xmlns:m="http://schemas.openxmlformats.org/officeDocument/2006/math" xmlns="" val="1"/>
+              <ma14:wrappingTextBoxFlag xmlns="" xmlns:m="http://schemas.openxmlformats.org/officeDocument/2006/math" xmlns:a14="http://schemas.microsoft.com/office/drawing/2010/main" xmlns:ma14="http://schemas.microsoft.com/office/mac/drawingml/2011/main" val="1"/>
             </a:ext>
           </a:extLst>
         </p:spPr>
@@ -30012,7 +29825,7 @@
           </a:ln>
           <a:extLst>
             <a:ext uri="{C572A759-6A51-4108-AA02-DFA0A04FC94B}">
-              <ma14:wrappingTextBoxFlag xmlns:ma14="http://schemas.microsoft.com/office/mac/drawingml/2011/main" xmlns:a14="http://schemas.microsoft.com/office/drawing/2010/main" xmlns:m="http://schemas.openxmlformats.org/officeDocument/2006/math" xmlns="" val="1"/>
+              <ma14:wrappingTextBoxFlag xmlns="" xmlns:m="http://schemas.openxmlformats.org/officeDocument/2006/math" xmlns:a14="http://schemas.microsoft.com/office/drawing/2010/main" xmlns:ma14="http://schemas.microsoft.com/office/mac/drawingml/2011/main" val="1"/>
             </a:ext>
           </a:extLst>
         </p:spPr>
@@ -30288,7 +30101,7 @@
           </a:ln>
           <a:extLst>
             <a:ext uri="{C572A759-6A51-4108-AA02-DFA0A04FC94B}">
-              <ma14:wrappingTextBoxFlag xmlns:ma14="http://schemas.microsoft.com/office/mac/drawingml/2011/main" xmlns:a14="http://schemas.microsoft.com/office/drawing/2010/main" xmlns:m="http://schemas.openxmlformats.org/officeDocument/2006/math" xmlns="" val="1"/>
+              <ma14:wrappingTextBoxFlag xmlns="" xmlns:m="http://schemas.openxmlformats.org/officeDocument/2006/math" xmlns:a14="http://schemas.microsoft.com/office/drawing/2010/main" xmlns:ma14="http://schemas.microsoft.com/office/mac/drawingml/2011/main" val="1"/>
             </a:ext>
           </a:extLst>
         </p:spPr>
@@ -30336,7 +30149,7 @@
           </a:ln>
           <a:extLst>
             <a:ext uri="{C572A759-6A51-4108-AA02-DFA0A04FC94B}">
-              <ma14:wrappingTextBoxFlag xmlns:ma14="http://schemas.microsoft.com/office/mac/drawingml/2011/main" xmlns:a14="http://schemas.microsoft.com/office/drawing/2010/main" xmlns:m="http://schemas.openxmlformats.org/officeDocument/2006/math" xmlns="" val="1"/>
+              <ma14:wrappingTextBoxFlag xmlns="" xmlns:m="http://schemas.openxmlformats.org/officeDocument/2006/math" xmlns:a14="http://schemas.microsoft.com/office/drawing/2010/main" xmlns:ma14="http://schemas.microsoft.com/office/mac/drawingml/2011/main" val="1"/>
             </a:ext>
           </a:extLst>
         </p:spPr>
@@ -30384,7 +30197,7 @@
           </a:ln>
           <a:extLst>
             <a:ext uri="{C572A759-6A51-4108-AA02-DFA0A04FC94B}">
-              <ma14:wrappingTextBoxFlag xmlns:ma14="http://schemas.microsoft.com/office/mac/drawingml/2011/main" xmlns:a14="http://schemas.microsoft.com/office/drawing/2010/main" xmlns:m="http://schemas.openxmlformats.org/officeDocument/2006/math" xmlns="" val="1"/>
+              <ma14:wrappingTextBoxFlag xmlns="" xmlns:m="http://schemas.openxmlformats.org/officeDocument/2006/math" xmlns:a14="http://schemas.microsoft.com/office/drawing/2010/main" xmlns:ma14="http://schemas.microsoft.com/office/mac/drawingml/2011/main" val="1"/>
             </a:ext>
           </a:extLst>
         </p:spPr>
@@ -30432,7 +30245,7 @@
           </a:ln>
           <a:extLst>
             <a:ext uri="{C572A759-6A51-4108-AA02-DFA0A04FC94B}">
-              <ma14:wrappingTextBoxFlag xmlns:ma14="http://schemas.microsoft.com/office/mac/drawingml/2011/main" xmlns:a14="http://schemas.microsoft.com/office/drawing/2010/main" xmlns:m="http://schemas.openxmlformats.org/officeDocument/2006/math" xmlns="" val="1"/>
+              <ma14:wrappingTextBoxFlag xmlns="" xmlns:m="http://schemas.openxmlformats.org/officeDocument/2006/math" xmlns:a14="http://schemas.microsoft.com/office/drawing/2010/main" xmlns:ma14="http://schemas.microsoft.com/office/mac/drawingml/2011/main" val="1"/>
             </a:ext>
           </a:extLst>
         </p:spPr>
@@ -30480,7 +30293,7 @@
           </a:ln>
           <a:extLst>
             <a:ext uri="{C572A759-6A51-4108-AA02-DFA0A04FC94B}">
-              <ma14:wrappingTextBoxFlag xmlns:ma14="http://schemas.microsoft.com/office/mac/drawingml/2011/main" xmlns:a14="http://schemas.microsoft.com/office/drawing/2010/main" xmlns:m="http://schemas.openxmlformats.org/officeDocument/2006/math" xmlns="" val="1"/>
+              <ma14:wrappingTextBoxFlag xmlns="" xmlns:m="http://schemas.openxmlformats.org/officeDocument/2006/math" xmlns:a14="http://schemas.microsoft.com/office/drawing/2010/main" xmlns:ma14="http://schemas.microsoft.com/office/mac/drawingml/2011/main" val="1"/>
             </a:ext>
           </a:extLst>
         </p:spPr>
@@ -30528,7 +30341,7 @@
           </a:ln>
           <a:extLst>
             <a:ext uri="{C572A759-6A51-4108-AA02-DFA0A04FC94B}">
-              <ma14:wrappingTextBoxFlag xmlns:ma14="http://schemas.microsoft.com/office/mac/drawingml/2011/main" xmlns:a14="http://schemas.microsoft.com/office/drawing/2010/main" xmlns:m="http://schemas.openxmlformats.org/officeDocument/2006/math" xmlns="" val="1"/>
+              <ma14:wrappingTextBoxFlag xmlns="" xmlns:m="http://schemas.openxmlformats.org/officeDocument/2006/math" xmlns:a14="http://schemas.microsoft.com/office/drawing/2010/main" xmlns:ma14="http://schemas.microsoft.com/office/mac/drawingml/2011/main" val="1"/>
             </a:ext>
           </a:extLst>
         </p:spPr>
@@ -30576,7 +30389,7 @@
           </a:ln>
           <a:extLst>
             <a:ext uri="{C572A759-6A51-4108-AA02-DFA0A04FC94B}">
-              <ma14:wrappingTextBoxFlag xmlns:ma14="http://schemas.microsoft.com/office/mac/drawingml/2011/main" xmlns:a14="http://schemas.microsoft.com/office/drawing/2010/main" xmlns:m="http://schemas.openxmlformats.org/officeDocument/2006/math" xmlns="" val="1"/>
+              <ma14:wrappingTextBoxFlag xmlns="" xmlns:m="http://schemas.openxmlformats.org/officeDocument/2006/math" xmlns:a14="http://schemas.microsoft.com/office/drawing/2010/main" xmlns:ma14="http://schemas.microsoft.com/office/mac/drawingml/2011/main" val="1"/>
             </a:ext>
           </a:extLst>
         </p:spPr>
@@ -30624,7 +30437,7 @@
           </a:ln>
           <a:extLst>
             <a:ext uri="{C572A759-6A51-4108-AA02-DFA0A04FC94B}">
-              <ma14:wrappingTextBoxFlag xmlns:ma14="http://schemas.microsoft.com/office/mac/drawingml/2011/main" xmlns:a14="http://schemas.microsoft.com/office/drawing/2010/main" xmlns:m="http://schemas.openxmlformats.org/officeDocument/2006/math" xmlns="" val="1"/>
+              <ma14:wrappingTextBoxFlag xmlns="" xmlns:m="http://schemas.openxmlformats.org/officeDocument/2006/math" xmlns:a14="http://schemas.microsoft.com/office/drawing/2010/main" xmlns:ma14="http://schemas.microsoft.com/office/mac/drawingml/2011/main" val="1"/>
             </a:ext>
           </a:extLst>
         </p:spPr>
@@ -30672,7 +30485,7 @@
           </a:ln>
           <a:extLst>
             <a:ext uri="{C572A759-6A51-4108-AA02-DFA0A04FC94B}">
-              <ma14:wrappingTextBoxFlag xmlns:ma14="http://schemas.microsoft.com/office/mac/drawingml/2011/main" xmlns:a14="http://schemas.microsoft.com/office/drawing/2010/main" xmlns:m="http://schemas.openxmlformats.org/officeDocument/2006/math" xmlns="" val="1"/>
+              <ma14:wrappingTextBoxFlag xmlns="" xmlns:m="http://schemas.openxmlformats.org/officeDocument/2006/math" xmlns:a14="http://schemas.microsoft.com/office/drawing/2010/main" xmlns:ma14="http://schemas.microsoft.com/office/mac/drawingml/2011/main" val="1"/>
             </a:ext>
           </a:extLst>
         </p:spPr>
@@ -30720,7 +30533,7 @@
           </a:ln>
           <a:extLst>
             <a:ext uri="{C572A759-6A51-4108-AA02-DFA0A04FC94B}">
-              <ma14:wrappingTextBoxFlag xmlns:ma14="http://schemas.microsoft.com/office/mac/drawingml/2011/main" xmlns:a14="http://schemas.microsoft.com/office/drawing/2010/main" xmlns:m="http://schemas.openxmlformats.org/officeDocument/2006/math" xmlns="" val="1"/>
+              <ma14:wrappingTextBoxFlag xmlns="" xmlns:m="http://schemas.openxmlformats.org/officeDocument/2006/math" xmlns:a14="http://schemas.microsoft.com/office/drawing/2010/main" xmlns:ma14="http://schemas.microsoft.com/office/mac/drawingml/2011/main" val="1"/>
             </a:ext>
           </a:extLst>
         </p:spPr>
@@ -30768,7 +30581,7 @@
           </a:ln>
           <a:extLst>
             <a:ext uri="{C572A759-6A51-4108-AA02-DFA0A04FC94B}">
-              <ma14:wrappingTextBoxFlag xmlns:ma14="http://schemas.microsoft.com/office/mac/drawingml/2011/main" xmlns:a14="http://schemas.microsoft.com/office/drawing/2010/main" xmlns:m="http://schemas.openxmlformats.org/officeDocument/2006/math" xmlns="" val="1"/>
+              <ma14:wrappingTextBoxFlag xmlns="" xmlns:m="http://schemas.openxmlformats.org/officeDocument/2006/math" xmlns:a14="http://schemas.microsoft.com/office/drawing/2010/main" xmlns:ma14="http://schemas.microsoft.com/office/mac/drawingml/2011/main" val="1"/>
             </a:ext>
           </a:extLst>
         </p:spPr>
@@ -30816,7 +30629,7 @@
           </a:ln>
           <a:extLst>
             <a:ext uri="{C572A759-6A51-4108-AA02-DFA0A04FC94B}">
-              <ma14:wrappingTextBoxFlag xmlns:ma14="http://schemas.microsoft.com/office/mac/drawingml/2011/main" xmlns:a14="http://schemas.microsoft.com/office/drawing/2010/main" xmlns:m="http://schemas.openxmlformats.org/officeDocument/2006/math" xmlns="" val="1"/>
+              <ma14:wrappingTextBoxFlag xmlns="" xmlns:m="http://schemas.openxmlformats.org/officeDocument/2006/math" xmlns:a14="http://schemas.microsoft.com/office/drawing/2010/main" xmlns:ma14="http://schemas.microsoft.com/office/mac/drawingml/2011/main" val="1"/>
             </a:ext>
           </a:extLst>
         </p:spPr>
@@ -31096,7 +30909,7 @@
           </a:ln>
           <a:extLst>
             <a:ext uri="{C572A759-6A51-4108-AA02-DFA0A04FC94B}">
-              <ma14:wrappingTextBoxFlag xmlns:ma14="http://schemas.microsoft.com/office/mac/drawingml/2011/main" xmlns:a14="http://schemas.microsoft.com/office/drawing/2010/main" xmlns:m="http://schemas.openxmlformats.org/officeDocument/2006/math" xmlns="" val="1"/>
+              <ma14:wrappingTextBoxFlag xmlns="" xmlns:m="http://schemas.openxmlformats.org/officeDocument/2006/math" xmlns:a14="http://schemas.microsoft.com/office/drawing/2010/main" xmlns:ma14="http://schemas.microsoft.com/office/mac/drawingml/2011/main" val="1"/>
             </a:ext>
           </a:extLst>
         </p:spPr>
@@ -31192,7 +31005,7 @@
           </a:ln>
           <a:extLst>
             <a:ext uri="{C572A759-6A51-4108-AA02-DFA0A04FC94B}">
-              <ma14:wrappingTextBoxFlag xmlns:ma14="http://schemas.microsoft.com/office/mac/drawingml/2011/main" xmlns:a14="http://schemas.microsoft.com/office/drawing/2010/main" xmlns:m="http://schemas.openxmlformats.org/officeDocument/2006/math" xmlns="" val="1"/>
+              <ma14:wrappingTextBoxFlag xmlns="" xmlns:m="http://schemas.openxmlformats.org/officeDocument/2006/math" xmlns:a14="http://schemas.microsoft.com/office/drawing/2010/main" xmlns:ma14="http://schemas.microsoft.com/office/mac/drawingml/2011/main" val="1"/>
             </a:ext>
           </a:extLst>
         </p:spPr>
@@ -31274,7 +31087,7 @@
           </a:ln>
           <a:extLst>
             <a:ext uri="{C572A759-6A51-4108-AA02-DFA0A04FC94B}">
-              <ma14:wrappingTextBoxFlag xmlns:ma14="http://schemas.microsoft.com/office/mac/drawingml/2011/main" xmlns:a14="http://schemas.microsoft.com/office/drawing/2010/main" xmlns:m="http://schemas.openxmlformats.org/officeDocument/2006/math" xmlns="" val="1"/>
+              <ma14:wrappingTextBoxFlag xmlns="" xmlns:m="http://schemas.openxmlformats.org/officeDocument/2006/math" xmlns:a14="http://schemas.microsoft.com/office/drawing/2010/main" xmlns:ma14="http://schemas.microsoft.com/office/mac/drawingml/2011/main" val="1"/>
             </a:ext>
           </a:extLst>
         </p:spPr>
@@ -31721,7 +31534,7 @@
           </a:ln>
           <a:extLst>
             <a:ext uri="{C572A759-6A51-4108-AA02-DFA0A04FC94B}">
-              <ma14:wrappingTextBoxFlag xmlns:ma14="http://schemas.microsoft.com/office/mac/drawingml/2011/main" xmlns:a14="http://schemas.microsoft.com/office/drawing/2010/main" xmlns:m="http://schemas.openxmlformats.org/officeDocument/2006/math" xmlns="" val="1"/>
+              <ma14:wrappingTextBoxFlag xmlns="" xmlns:m="http://schemas.openxmlformats.org/officeDocument/2006/math" xmlns:a14="http://schemas.microsoft.com/office/drawing/2010/main" xmlns:ma14="http://schemas.microsoft.com/office/mac/drawingml/2011/main" val="1"/>
             </a:ext>
           </a:extLst>
         </p:spPr>
@@ -31997,7 +31810,7 @@
           </a:ln>
           <a:extLst>
             <a:ext uri="{C572A759-6A51-4108-AA02-DFA0A04FC94B}">
-              <ma14:wrappingTextBoxFlag xmlns:ma14="http://schemas.microsoft.com/office/mac/drawingml/2011/main" xmlns:a14="http://schemas.microsoft.com/office/drawing/2010/main" xmlns:m="http://schemas.openxmlformats.org/officeDocument/2006/math" xmlns="" val="1"/>
+              <ma14:wrappingTextBoxFlag xmlns="" xmlns:m="http://schemas.openxmlformats.org/officeDocument/2006/math" xmlns:a14="http://schemas.microsoft.com/office/drawing/2010/main" xmlns:ma14="http://schemas.microsoft.com/office/mac/drawingml/2011/main" val="1"/>
             </a:ext>
           </a:extLst>
         </p:spPr>
@@ -32045,7 +31858,7 @@
           </a:ln>
           <a:extLst>
             <a:ext uri="{C572A759-6A51-4108-AA02-DFA0A04FC94B}">
-              <ma14:wrappingTextBoxFlag xmlns:ma14="http://schemas.microsoft.com/office/mac/drawingml/2011/main" xmlns:a14="http://schemas.microsoft.com/office/drawing/2010/main" xmlns:m="http://schemas.openxmlformats.org/officeDocument/2006/math" xmlns="" val="1"/>
+              <ma14:wrappingTextBoxFlag xmlns="" xmlns:m="http://schemas.openxmlformats.org/officeDocument/2006/math" xmlns:a14="http://schemas.microsoft.com/office/drawing/2010/main" xmlns:ma14="http://schemas.microsoft.com/office/mac/drawingml/2011/main" val="1"/>
             </a:ext>
           </a:extLst>
         </p:spPr>
@@ -32093,7 +31906,7 @@
           </a:ln>
           <a:extLst>
             <a:ext uri="{C572A759-6A51-4108-AA02-DFA0A04FC94B}">
-              <ma14:wrappingTextBoxFlag xmlns:ma14="http://schemas.microsoft.com/office/mac/drawingml/2011/main" xmlns:a14="http://schemas.microsoft.com/office/drawing/2010/main" xmlns:m="http://schemas.openxmlformats.org/officeDocument/2006/math" xmlns="" val="1"/>
+              <ma14:wrappingTextBoxFlag xmlns="" xmlns:m="http://schemas.openxmlformats.org/officeDocument/2006/math" xmlns:a14="http://schemas.microsoft.com/office/drawing/2010/main" xmlns:ma14="http://schemas.microsoft.com/office/mac/drawingml/2011/main" val="1"/>
             </a:ext>
           </a:extLst>
         </p:spPr>
@@ -32141,7 +31954,7 @@
           </a:ln>
           <a:extLst>
             <a:ext uri="{C572A759-6A51-4108-AA02-DFA0A04FC94B}">
-              <ma14:wrappingTextBoxFlag xmlns:ma14="http://schemas.microsoft.com/office/mac/drawingml/2011/main" xmlns:a14="http://schemas.microsoft.com/office/drawing/2010/main" xmlns:m="http://schemas.openxmlformats.org/officeDocument/2006/math" xmlns="" val="1"/>
+              <ma14:wrappingTextBoxFlag xmlns="" xmlns:m="http://schemas.openxmlformats.org/officeDocument/2006/math" xmlns:a14="http://schemas.microsoft.com/office/drawing/2010/main" xmlns:ma14="http://schemas.microsoft.com/office/mac/drawingml/2011/main" val="1"/>
             </a:ext>
           </a:extLst>
         </p:spPr>
@@ -32189,7 +32002,7 @@
           </a:ln>
           <a:extLst>
             <a:ext uri="{C572A759-6A51-4108-AA02-DFA0A04FC94B}">
-              <ma14:wrappingTextBoxFlag xmlns:ma14="http://schemas.microsoft.com/office/mac/drawingml/2011/main" xmlns:a14="http://schemas.microsoft.com/office/drawing/2010/main" xmlns:m="http://schemas.openxmlformats.org/officeDocument/2006/math" xmlns="" val="1"/>
+              <ma14:wrappingTextBoxFlag xmlns="" xmlns:m="http://schemas.openxmlformats.org/officeDocument/2006/math" xmlns:a14="http://schemas.microsoft.com/office/drawing/2010/main" xmlns:ma14="http://schemas.microsoft.com/office/mac/drawingml/2011/main" val="1"/>
             </a:ext>
           </a:extLst>
         </p:spPr>
@@ -32237,7 +32050,7 @@
           </a:ln>
           <a:extLst>
             <a:ext uri="{C572A759-6A51-4108-AA02-DFA0A04FC94B}">
-              <ma14:wrappingTextBoxFlag xmlns:ma14="http://schemas.microsoft.com/office/mac/drawingml/2011/main" xmlns:a14="http://schemas.microsoft.com/office/drawing/2010/main" xmlns:m="http://schemas.openxmlformats.org/officeDocument/2006/math" xmlns="" val="1"/>
+              <ma14:wrappingTextBoxFlag xmlns="" xmlns:m="http://schemas.openxmlformats.org/officeDocument/2006/math" xmlns:a14="http://schemas.microsoft.com/office/drawing/2010/main" xmlns:ma14="http://schemas.microsoft.com/office/mac/drawingml/2011/main" val="1"/>
             </a:ext>
           </a:extLst>
         </p:spPr>
@@ -32285,7 +32098,7 @@
           </a:ln>
           <a:extLst>
             <a:ext uri="{C572A759-6A51-4108-AA02-DFA0A04FC94B}">
-              <ma14:wrappingTextBoxFlag xmlns:ma14="http://schemas.microsoft.com/office/mac/drawingml/2011/main" xmlns:a14="http://schemas.microsoft.com/office/drawing/2010/main" xmlns:m="http://schemas.openxmlformats.org/officeDocument/2006/math" xmlns="" val="1"/>
+              <ma14:wrappingTextBoxFlag xmlns="" xmlns:m="http://schemas.openxmlformats.org/officeDocument/2006/math" xmlns:a14="http://schemas.microsoft.com/office/drawing/2010/main" xmlns:ma14="http://schemas.microsoft.com/office/mac/drawingml/2011/main" val="1"/>
             </a:ext>
           </a:extLst>
         </p:spPr>
@@ -32333,7 +32146,7 @@
           </a:ln>
           <a:extLst>
             <a:ext uri="{C572A759-6A51-4108-AA02-DFA0A04FC94B}">
-              <ma14:wrappingTextBoxFlag xmlns:ma14="http://schemas.microsoft.com/office/mac/drawingml/2011/main" xmlns:a14="http://schemas.microsoft.com/office/drawing/2010/main" xmlns:m="http://schemas.openxmlformats.org/officeDocument/2006/math" xmlns="" val="1"/>
+              <ma14:wrappingTextBoxFlag xmlns="" xmlns:m="http://schemas.openxmlformats.org/officeDocument/2006/math" xmlns:a14="http://schemas.microsoft.com/office/drawing/2010/main" xmlns:ma14="http://schemas.microsoft.com/office/mac/drawingml/2011/main" val="1"/>
             </a:ext>
           </a:extLst>
         </p:spPr>
@@ -32381,7 +32194,7 @@
           </a:ln>
           <a:extLst>
             <a:ext uri="{C572A759-6A51-4108-AA02-DFA0A04FC94B}">
-              <ma14:wrappingTextBoxFlag xmlns:ma14="http://schemas.microsoft.com/office/mac/drawingml/2011/main" xmlns:a14="http://schemas.microsoft.com/office/drawing/2010/main" xmlns:m="http://schemas.openxmlformats.org/officeDocument/2006/math" xmlns="" val="1"/>
+              <ma14:wrappingTextBoxFlag xmlns="" xmlns:m="http://schemas.openxmlformats.org/officeDocument/2006/math" xmlns:a14="http://schemas.microsoft.com/office/drawing/2010/main" xmlns:ma14="http://schemas.microsoft.com/office/mac/drawingml/2011/main" val="1"/>
             </a:ext>
           </a:extLst>
         </p:spPr>
@@ -32429,7 +32242,7 @@
           </a:ln>
           <a:extLst>
             <a:ext uri="{C572A759-6A51-4108-AA02-DFA0A04FC94B}">
-              <ma14:wrappingTextBoxFlag xmlns:ma14="http://schemas.microsoft.com/office/mac/drawingml/2011/main" xmlns:a14="http://schemas.microsoft.com/office/drawing/2010/main" xmlns:m="http://schemas.openxmlformats.org/officeDocument/2006/math" xmlns="" val="1"/>
+              <ma14:wrappingTextBoxFlag xmlns="" xmlns:m="http://schemas.openxmlformats.org/officeDocument/2006/math" xmlns:a14="http://schemas.microsoft.com/office/drawing/2010/main" xmlns:ma14="http://schemas.microsoft.com/office/mac/drawingml/2011/main" val="1"/>
             </a:ext>
           </a:extLst>
         </p:spPr>
@@ -32477,7 +32290,7 @@
           </a:ln>
           <a:extLst>
             <a:ext uri="{C572A759-6A51-4108-AA02-DFA0A04FC94B}">
-              <ma14:wrappingTextBoxFlag xmlns:ma14="http://schemas.microsoft.com/office/mac/drawingml/2011/main" xmlns:a14="http://schemas.microsoft.com/office/drawing/2010/main" xmlns:m="http://schemas.openxmlformats.org/officeDocument/2006/math" xmlns="" val="1"/>
+              <ma14:wrappingTextBoxFlag xmlns="" xmlns:m="http://schemas.openxmlformats.org/officeDocument/2006/math" xmlns:a14="http://schemas.microsoft.com/office/drawing/2010/main" xmlns:ma14="http://schemas.microsoft.com/office/mac/drawingml/2011/main" val="1"/>
             </a:ext>
           </a:extLst>
         </p:spPr>
@@ -32525,7 +32338,7 @@
           </a:ln>
           <a:extLst>
             <a:ext uri="{C572A759-6A51-4108-AA02-DFA0A04FC94B}">
-              <ma14:wrappingTextBoxFlag xmlns:ma14="http://schemas.microsoft.com/office/mac/drawingml/2011/main" xmlns:a14="http://schemas.microsoft.com/office/drawing/2010/main" xmlns:m="http://schemas.openxmlformats.org/officeDocument/2006/math" xmlns="" val="1"/>
+              <ma14:wrappingTextBoxFlag xmlns="" xmlns:m="http://schemas.openxmlformats.org/officeDocument/2006/math" xmlns:a14="http://schemas.microsoft.com/office/drawing/2010/main" xmlns:ma14="http://schemas.microsoft.com/office/mac/drawingml/2011/main" val="1"/>
             </a:ext>
           </a:extLst>
         </p:spPr>
@@ -32984,7 +32797,7 @@
           </a:ln>
           <a:extLst>
             <a:ext uri="{C572A759-6A51-4108-AA02-DFA0A04FC94B}">
-              <ma14:wrappingTextBoxFlag xmlns:ma14="http://schemas.microsoft.com/office/mac/drawingml/2011/main" xmlns:a14="http://schemas.microsoft.com/office/drawing/2010/main" xmlns:m="http://schemas.openxmlformats.org/officeDocument/2006/math" xmlns="" val="1"/>
+              <ma14:wrappingTextBoxFlag xmlns="" xmlns:m="http://schemas.openxmlformats.org/officeDocument/2006/math" xmlns:a14="http://schemas.microsoft.com/office/drawing/2010/main" xmlns:ma14="http://schemas.microsoft.com/office/mac/drawingml/2011/main" val="1"/>
             </a:ext>
           </a:extLst>
         </p:spPr>
@@ -33260,7 +33073,7 @@
           </a:ln>
           <a:extLst>
             <a:ext uri="{C572A759-6A51-4108-AA02-DFA0A04FC94B}">
-              <ma14:wrappingTextBoxFlag xmlns:ma14="http://schemas.microsoft.com/office/mac/drawingml/2011/main" xmlns:a14="http://schemas.microsoft.com/office/drawing/2010/main" xmlns:m="http://schemas.openxmlformats.org/officeDocument/2006/math" xmlns="" val="1"/>
+              <ma14:wrappingTextBoxFlag xmlns="" xmlns:m="http://schemas.openxmlformats.org/officeDocument/2006/math" xmlns:a14="http://schemas.microsoft.com/office/drawing/2010/main" xmlns:ma14="http://schemas.microsoft.com/office/mac/drawingml/2011/main" val="1"/>
             </a:ext>
           </a:extLst>
         </p:spPr>
@@ -33308,7 +33121,7 @@
           </a:ln>
           <a:extLst>
             <a:ext uri="{C572A759-6A51-4108-AA02-DFA0A04FC94B}">
-              <ma14:wrappingTextBoxFlag xmlns:ma14="http://schemas.microsoft.com/office/mac/drawingml/2011/main" xmlns:a14="http://schemas.microsoft.com/office/drawing/2010/main" xmlns:m="http://schemas.openxmlformats.org/officeDocument/2006/math" xmlns="" val="1"/>
+              <ma14:wrappingTextBoxFlag xmlns="" xmlns:m="http://schemas.openxmlformats.org/officeDocument/2006/math" xmlns:a14="http://schemas.microsoft.com/office/drawing/2010/main" xmlns:ma14="http://schemas.microsoft.com/office/mac/drawingml/2011/main" val="1"/>
             </a:ext>
           </a:extLst>
         </p:spPr>
@@ -33356,7 +33169,7 @@
           </a:ln>
           <a:extLst>
             <a:ext uri="{C572A759-6A51-4108-AA02-DFA0A04FC94B}">
-              <ma14:wrappingTextBoxFlag xmlns:ma14="http://schemas.microsoft.com/office/mac/drawingml/2011/main" xmlns:a14="http://schemas.microsoft.com/office/drawing/2010/main" xmlns:m="http://schemas.openxmlformats.org/officeDocument/2006/math" xmlns="" val="1"/>
+              <ma14:wrappingTextBoxFlag xmlns="" xmlns:m="http://schemas.openxmlformats.org/officeDocument/2006/math" xmlns:a14="http://schemas.microsoft.com/office/drawing/2010/main" xmlns:ma14="http://schemas.microsoft.com/office/mac/drawingml/2011/main" val="1"/>
             </a:ext>
           </a:extLst>
         </p:spPr>
@@ -33404,7 +33217,7 @@
           </a:ln>
           <a:extLst>
             <a:ext uri="{C572A759-6A51-4108-AA02-DFA0A04FC94B}">
-              <ma14:wrappingTextBoxFlag xmlns:ma14="http://schemas.microsoft.com/office/mac/drawingml/2011/main" xmlns:a14="http://schemas.microsoft.com/office/drawing/2010/main" xmlns:m="http://schemas.openxmlformats.org/officeDocument/2006/math" xmlns="" val="1"/>
+              <ma14:wrappingTextBoxFlag xmlns="" xmlns:m="http://schemas.openxmlformats.org/officeDocument/2006/math" xmlns:a14="http://schemas.microsoft.com/office/drawing/2010/main" xmlns:ma14="http://schemas.microsoft.com/office/mac/drawingml/2011/main" val="1"/>
             </a:ext>
           </a:extLst>
         </p:spPr>
@@ -33452,7 +33265,7 @@
           </a:ln>
           <a:extLst>
             <a:ext uri="{C572A759-6A51-4108-AA02-DFA0A04FC94B}">
-              <ma14:wrappingTextBoxFlag xmlns:ma14="http://schemas.microsoft.com/office/mac/drawingml/2011/main" xmlns:a14="http://schemas.microsoft.com/office/drawing/2010/main" xmlns:m="http://schemas.openxmlformats.org/officeDocument/2006/math" xmlns="" val="1"/>
+              <ma14:wrappingTextBoxFlag xmlns="" xmlns:m="http://schemas.openxmlformats.org/officeDocument/2006/math" xmlns:a14="http://schemas.microsoft.com/office/drawing/2010/main" xmlns:ma14="http://schemas.microsoft.com/office/mac/drawingml/2011/main" val="1"/>
             </a:ext>
           </a:extLst>
         </p:spPr>
@@ -33500,7 +33313,7 @@
           </a:ln>
           <a:extLst>
             <a:ext uri="{C572A759-6A51-4108-AA02-DFA0A04FC94B}">
-              <ma14:wrappingTextBoxFlag xmlns:ma14="http://schemas.microsoft.com/office/mac/drawingml/2011/main" xmlns:a14="http://schemas.microsoft.com/office/drawing/2010/main" xmlns:m="http://schemas.openxmlformats.org/officeDocument/2006/math" xmlns="" val="1"/>
+              <ma14:wrappingTextBoxFlag xmlns="" xmlns:m="http://schemas.openxmlformats.org/officeDocument/2006/math" xmlns:a14="http://schemas.microsoft.com/office/drawing/2010/main" xmlns:ma14="http://schemas.microsoft.com/office/mac/drawingml/2011/main" val="1"/>
             </a:ext>
           </a:extLst>
         </p:spPr>
@@ -33548,7 +33361,7 @@
           </a:ln>
           <a:extLst>
             <a:ext uri="{C572A759-6A51-4108-AA02-DFA0A04FC94B}">
-              <ma14:wrappingTextBoxFlag xmlns:ma14="http://schemas.microsoft.com/office/mac/drawingml/2011/main" xmlns:a14="http://schemas.microsoft.com/office/drawing/2010/main" xmlns:m="http://schemas.openxmlformats.org/officeDocument/2006/math" xmlns="" val="1"/>
+              <ma14:wrappingTextBoxFlag xmlns="" xmlns:m="http://schemas.openxmlformats.org/officeDocument/2006/math" xmlns:a14="http://schemas.microsoft.com/office/drawing/2010/main" xmlns:ma14="http://schemas.microsoft.com/office/mac/drawingml/2011/main" val="1"/>
             </a:ext>
           </a:extLst>
         </p:spPr>
@@ -33596,7 +33409,7 @@
           </a:ln>
           <a:extLst>
             <a:ext uri="{C572A759-6A51-4108-AA02-DFA0A04FC94B}">
-              <ma14:wrappingTextBoxFlag xmlns:ma14="http://schemas.microsoft.com/office/mac/drawingml/2011/main" xmlns:a14="http://schemas.microsoft.com/office/drawing/2010/main" xmlns:m="http://schemas.openxmlformats.org/officeDocument/2006/math" xmlns="" val="1"/>
+              <ma14:wrappingTextBoxFlag xmlns="" xmlns:m="http://schemas.openxmlformats.org/officeDocument/2006/math" xmlns:a14="http://schemas.microsoft.com/office/drawing/2010/main" xmlns:ma14="http://schemas.microsoft.com/office/mac/drawingml/2011/main" val="1"/>
             </a:ext>
           </a:extLst>
         </p:spPr>
@@ -33644,7 +33457,7 @@
           </a:ln>
           <a:extLst>
             <a:ext uri="{C572A759-6A51-4108-AA02-DFA0A04FC94B}">
-              <ma14:wrappingTextBoxFlag xmlns:ma14="http://schemas.microsoft.com/office/mac/drawingml/2011/main" xmlns:a14="http://schemas.microsoft.com/office/drawing/2010/main" xmlns:m="http://schemas.openxmlformats.org/officeDocument/2006/math" xmlns="" val="1"/>
+              <ma14:wrappingTextBoxFlag xmlns="" xmlns:m="http://schemas.openxmlformats.org/officeDocument/2006/math" xmlns:a14="http://schemas.microsoft.com/office/drawing/2010/main" xmlns:ma14="http://schemas.microsoft.com/office/mac/drawingml/2011/main" val="1"/>
             </a:ext>
           </a:extLst>
         </p:spPr>
@@ -33692,7 +33505,7 @@
           </a:ln>
           <a:extLst>
             <a:ext uri="{C572A759-6A51-4108-AA02-DFA0A04FC94B}">
-              <ma14:wrappingTextBoxFlag xmlns:ma14="http://schemas.microsoft.com/office/mac/drawingml/2011/main" xmlns:a14="http://schemas.microsoft.com/office/drawing/2010/main" xmlns:m="http://schemas.openxmlformats.org/officeDocument/2006/math" xmlns="" val="1"/>
+              <ma14:wrappingTextBoxFlag xmlns="" xmlns:m="http://schemas.openxmlformats.org/officeDocument/2006/math" xmlns:a14="http://schemas.microsoft.com/office/drawing/2010/main" xmlns:ma14="http://schemas.microsoft.com/office/mac/drawingml/2011/main" val="1"/>
             </a:ext>
           </a:extLst>
         </p:spPr>
@@ -33740,7 +33553,7 @@
           </a:ln>
           <a:extLst>
             <a:ext uri="{C572A759-6A51-4108-AA02-DFA0A04FC94B}">
-              <ma14:wrappingTextBoxFlag xmlns:ma14="http://schemas.microsoft.com/office/mac/drawingml/2011/main" xmlns:a14="http://schemas.microsoft.com/office/drawing/2010/main" xmlns:m="http://schemas.openxmlformats.org/officeDocument/2006/math" xmlns="" val="1"/>
+              <ma14:wrappingTextBoxFlag xmlns="" xmlns:m="http://schemas.openxmlformats.org/officeDocument/2006/math" xmlns:a14="http://schemas.microsoft.com/office/drawing/2010/main" xmlns:ma14="http://schemas.microsoft.com/office/mac/drawingml/2011/main" val="1"/>
             </a:ext>
           </a:extLst>
         </p:spPr>
@@ -33788,7 +33601,7 @@
           </a:ln>
           <a:extLst>
             <a:ext uri="{C572A759-6A51-4108-AA02-DFA0A04FC94B}">
-              <ma14:wrappingTextBoxFlag xmlns:ma14="http://schemas.microsoft.com/office/mac/drawingml/2011/main" xmlns:a14="http://schemas.microsoft.com/office/drawing/2010/main" xmlns:m="http://schemas.openxmlformats.org/officeDocument/2006/math" xmlns="" val="1"/>
+              <ma14:wrappingTextBoxFlag xmlns="" xmlns:m="http://schemas.openxmlformats.org/officeDocument/2006/math" xmlns:a14="http://schemas.microsoft.com/office/drawing/2010/main" xmlns:ma14="http://schemas.microsoft.com/office/mac/drawingml/2011/main" val="1"/>
             </a:ext>
           </a:extLst>
         </p:spPr>
@@ -34106,7 +33919,7 @@
           </a:ln>
           <a:extLst>
             <a:ext uri="{C572A759-6A51-4108-AA02-DFA0A04FC94B}">
-              <ma14:wrappingTextBoxFlag xmlns:ma14="http://schemas.microsoft.com/office/mac/drawingml/2011/main" xmlns:a14="http://schemas.microsoft.com/office/drawing/2010/main" xmlns:m="http://schemas.openxmlformats.org/officeDocument/2006/math" xmlns="" val="1"/>
+              <ma14:wrappingTextBoxFlag xmlns="" xmlns:m="http://schemas.openxmlformats.org/officeDocument/2006/math" xmlns:a14="http://schemas.microsoft.com/office/drawing/2010/main" xmlns:ma14="http://schemas.microsoft.com/office/mac/drawingml/2011/main" val="1"/>
             </a:ext>
           </a:extLst>
         </p:spPr>
@@ -34247,7 +34060,7 @@
           </a:ln>
           <a:extLst>
             <a:ext uri="{C572A759-6A51-4108-AA02-DFA0A04FC94B}">
-              <ma14:wrappingTextBoxFlag xmlns:ma14="http://schemas.microsoft.com/office/mac/drawingml/2011/main" xmlns:a14="http://schemas.microsoft.com/office/drawing/2010/main" xmlns:m="http://schemas.openxmlformats.org/officeDocument/2006/math" xmlns="" val="1"/>
+              <ma14:wrappingTextBoxFlag xmlns="" xmlns:m="http://schemas.openxmlformats.org/officeDocument/2006/math" xmlns:a14="http://schemas.microsoft.com/office/drawing/2010/main" xmlns:ma14="http://schemas.microsoft.com/office/mac/drawingml/2011/main" val="1"/>
             </a:ext>
           </a:extLst>
         </p:spPr>
@@ -34611,7 +34424,7 @@
           </a:ln>
           <a:extLst>
             <a:ext uri="{C572A759-6A51-4108-AA02-DFA0A04FC94B}">
-              <ma14:wrappingTextBoxFlag xmlns:ma14="http://schemas.microsoft.com/office/mac/drawingml/2011/main" xmlns:a14="http://schemas.microsoft.com/office/drawing/2010/main" xmlns:m="http://schemas.openxmlformats.org/officeDocument/2006/math" xmlns="" val="1"/>
+              <ma14:wrappingTextBoxFlag xmlns="" xmlns:m="http://schemas.openxmlformats.org/officeDocument/2006/math" xmlns:a14="http://schemas.microsoft.com/office/drawing/2010/main" xmlns:ma14="http://schemas.microsoft.com/office/mac/drawingml/2011/main" val="1"/>
             </a:ext>
           </a:extLst>
         </p:spPr>
@@ -34887,7 +34700,7 @@
           </a:ln>
           <a:extLst>
             <a:ext uri="{C572A759-6A51-4108-AA02-DFA0A04FC94B}">
-              <ma14:wrappingTextBoxFlag xmlns:ma14="http://schemas.microsoft.com/office/mac/drawingml/2011/main" xmlns:a14="http://schemas.microsoft.com/office/drawing/2010/main" xmlns:m="http://schemas.openxmlformats.org/officeDocument/2006/math" xmlns="" val="1"/>
+              <ma14:wrappingTextBoxFlag xmlns="" xmlns:m="http://schemas.openxmlformats.org/officeDocument/2006/math" xmlns:a14="http://schemas.microsoft.com/office/drawing/2010/main" xmlns:ma14="http://schemas.microsoft.com/office/mac/drawingml/2011/main" val="1"/>
             </a:ext>
           </a:extLst>
         </p:spPr>
@@ -34935,7 +34748,7 @@
           </a:ln>
           <a:extLst>
             <a:ext uri="{C572A759-6A51-4108-AA02-DFA0A04FC94B}">
-              <ma14:wrappingTextBoxFlag xmlns:ma14="http://schemas.microsoft.com/office/mac/drawingml/2011/main" xmlns:a14="http://schemas.microsoft.com/office/drawing/2010/main" xmlns:m="http://schemas.openxmlformats.org/officeDocument/2006/math" xmlns="" val="1"/>
+              <ma14:wrappingTextBoxFlag xmlns="" xmlns:m="http://schemas.openxmlformats.org/officeDocument/2006/math" xmlns:a14="http://schemas.microsoft.com/office/drawing/2010/main" xmlns:ma14="http://schemas.microsoft.com/office/mac/drawingml/2011/main" val="1"/>
             </a:ext>
           </a:extLst>
         </p:spPr>
@@ -34983,7 +34796,7 @@
           </a:ln>
           <a:extLst>
             <a:ext uri="{C572A759-6A51-4108-AA02-DFA0A04FC94B}">
-              <ma14:wrappingTextBoxFlag xmlns:ma14="http://schemas.microsoft.com/office/mac/drawingml/2011/main" xmlns:a14="http://schemas.microsoft.com/office/drawing/2010/main" xmlns:m="http://schemas.openxmlformats.org/officeDocument/2006/math" xmlns="" val="1"/>
+              <ma14:wrappingTextBoxFlag xmlns="" xmlns:m="http://schemas.openxmlformats.org/officeDocument/2006/math" xmlns:a14="http://schemas.microsoft.com/office/drawing/2010/main" xmlns:ma14="http://schemas.microsoft.com/office/mac/drawingml/2011/main" val="1"/>
             </a:ext>
           </a:extLst>
         </p:spPr>
@@ -35031,7 +34844,7 @@
           </a:ln>
           <a:extLst>
             <a:ext uri="{C572A759-6A51-4108-AA02-DFA0A04FC94B}">
-              <ma14:wrappingTextBoxFlag xmlns:ma14="http://schemas.microsoft.com/office/mac/drawingml/2011/main" xmlns:a14="http://schemas.microsoft.com/office/drawing/2010/main" xmlns:m="http://schemas.openxmlformats.org/officeDocument/2006/math" xmlns="" val="1"/>
+              <ma14:wrappingTextBoxFlag xmlns="" xmlns:m="http://schemas.openxmlformats.org/officeDocument/2006/math" xmlns:a14="http://schemas.microsoft.com/office/drawing/2010/main" xmlns:ma14="http://schemas.microsoft.com/office/mac/drawingml/2011/main" val="1"/>
             </a:ext>
           </a:extLst>
         </p:spPr>
@@ -35079,7 +34892,7 @@
           </a:ln>
           <a:extLst>
             <a:ext uri="{C572A759-6A51-4108-AA02-DFA0A04FC94B}">
-              <ma14:wrappingTextBoxFlag xmlns:ma14="http://schemas.microsoft.com/office/mac/drawingml/2011/main" xmlns:a14="http://schemas.microsoft.com/office/drawing/2010/main" xmlns:m="http://schemas.openxmlformats.org/officeDocument/2006/math" xmlns="" val="1"/>
+              <ma14:wrappingTextBoxFlag xmlns="" xmlns:m="http://schemas.openxmlformats.org/officeDocument/2006/math" xmlns:a14="http://schemas.microsoft.com/office/drawing/2010/main" xmlns:ma14="http://schemas.microsoft.com/office/mac/drawingml/2011/main" val="1"/>
             </a:ext>
           </a:extLst>
         </p:spPr>
@@ -35127,7 +34940,7 @@
           </a:ln>
           <a:extLst>
             <a:ext uri="{C572A759-6A51-4108-AA02-DFA0A04FC94B}">
-              <ma14:wrappingTextBoxFlag xmlns:ma14="http://schemas.microsoft.com/office/mac/drawingml/2011/main" xmlns:a14="http://schemas.microsoft.com/office/drawing/2010/main" xmlns:m="http://schemas.openxmlformats.org/officeDocument/2006/math" xmlns="" val="1"/>
+              <ma14:wrappingTextBoxFlag xmlns="" xmlns:m="http://schemas.openxmlformats.org/officeDocument/2006/math" xmlns:a14="http://schemas.microsoft.com/office/drawing/2010/main" xmlns:ma14="http://schemas.microsoft.com/office/mac/drawingml/2011/main" val="1"/>
             </a:ext>
           </a:extLst>
         </p:spPr>
@@ -35175,7 +34988,7 @@
           </a:ln>
           <a:extLst>
             <a:ext uri="{C572A759-6A51-4108-AA02-DFA0A04FC94B}">
-              <ma14:wrappingTextBoxFlag xmlns:ma14="http://schemas.microsoft.com/office/mac/drawingml/2011/main" xmlns:a14="http://schemas.microsoft.com/office/drawing/2010/main" xmlns:m="http://schemas.openxmlformats.org/officeDocument/2006/math" xmlns="" val="1"/>
+              <ma14:wrappingTextBoxFlag xmlns="" xmlns:m="http://schemas.openxmlformats.org/officeDocument/2006/math" xmlns:a14="http://schemas.microsoft.com/office/drawing/2010/main" xmlns:ma14="http://schemas.microsoft.com/office/mac/drawingml/2011/main" val="1"/>
             </a:ext>
           </a:extLst>
         </p:spPr>
@@ -35223,7 +35036,7 @@
           </a:ln>
           <a:extLst>
             <a:ext uri="{C572A759-6A51-4108-AA02-DFA0A04FC94B}">
-              <ma14:wrappingTextBoxFlag xmlns:ma14="http://schemas.microsoft.com/office/mac/drawingml/2011/main" xmlns:a14="http://schemas.microsoft.com/office/drawing/2010/main" xmlns:m="http://schemas.openxmlformats.org/officeDocument/2006/math" xmlns="" val="1"/>
+              <ma14:wrappingTextBoxFlag xmlns="" xmlns:m="http://schemas.openxmlformats.org/officeDocument/2006/math" xmlns:a14="http://schemas.microsoft.com/office/drawing/2010/main" xmlns:ma14="http://schemas.microsoft.com/office/mac/drawingml/2011/main" val="1"/>
             </a:ext>
           </a:extLst>
         </p:spPr>
@@ -35271,7 +35084,7 @@
           </a:ln>
           <a:extLst>
             <a:ext uri="{C572A759-6A51-4108-AA02-DFA0A04FC94B}">
-              <ma14:wrappingTextBoxFlag xmlns:ma14="http://schemas.microsoft.com/office/mac/drawingml/2011/main" xmlns:a14="http://schemas.microsoft.com/office/drawing/2010/main" xmlns:m="http://schemas.openxmlformats.org/officeDocument/2006/math" xmlns="" val="1"/>
+              <ma14:wrappingTextBoxFlag xmlns="" xmlns:m="http://schemas.openxmlformats.org/officeDocument/2006/math" xmlns:a14="http://schemas.microsoft.com/office/drawing/2010/main" xmlns:ma14="http://schemas.microsoft.com/office/mac/drawingml/2011/main" val="1"/>
             </a:ext>
           </a:extLst>
         </p:spPr>
@@ -35319,7 +35132,7 @@
           </a:ln>
           <a:extLst>
             <a:ext uri="{C572A759-6A51-4108-AA02-DFA0A04FC94B}">
-              <ma14:wrappingTextBoxFlag xmlns:ma14="http://schemas.microsoft.com/office/mac/drawingml/2011/main" xmlns:a14="http://schemas.microsoft.com/office/drawing/2010/main" xmlns:m="http://schemas.openxmlformats.org/officeDocument/2006/math" xmlns="" val="1"/>
+              <ma14:wrappingTextBoxFlag xmlns="" xmlns:m="http://schemas.openxmlformats.org/officeDocument/2006/math" xmlns:a14="http://schemas.microsoft.com/office/drawing/2010/main" xmlns:ma14="http://schemas.microsoft.com/office/mac/drawingml/2011/main" val="1"/>
             </a:ext>
           </a:extLst>
         </p:spPr>
@@ -35367,7 +35180,7 @@
           </a:ln>
           <a:extLst>
             <a:ext uri="{C572A759-6A51-4108-AA02-DFA0A04FC94B}">
-              <ma14:wrappingTextBoxFlag xmlns:ma14="http://schemas.microsoft.com/office/mac/drawingml/2011/main" xmlns:a14="http://schemas.microsoft.com/office/drawing/2010/main" xmlns:m="http://schemas.openxmlformats.org/officeDocument/2006/math" xmlns="" val="1"/>
+              <ma14:wrappingTextBoxFlag xmlns="" xmlns:m="http://schemas.openxmlformats.org/officeDocument/2006/math" xmlns:a14="http://schemas.microsoft.com/office/drawing/2010/main" xmlns:ma14="http://schemas.microsoft.com/office/mac/drawingml/2011/main" val="1"/>
             </a:ext>
           </a:extLst>
         </p:spPr>
@@ -35415,7 +35228,7 @@
           </a:ln>
           <a:extLst>
             <a:ext uri="{C572A759-6A51-4108-AA02-DFA0A04FC94B}">
-              <ma14:wrappingTextBoxFlag xmlns:ma14="http://schemas.microsoft.com/office/mac/drawingml/2011/main" xmlns:a14="http://schemas.microsoft.com/office/drawing/2010/main" xmlns:m="http://schemas.openxmlformats.org/officeDocument/2006/math" xmlns="" val="1"/>
+              <ma14:wrappingTextBoxFlag xmlns="" xmlns:m="http://schemas.openxmlformats.org/officeDocument/2006/math" xmlns:a14="http://schemas.microsoft.com/office/drawing/2010/main" xmlns:ma14="http://schemas.microsoft.com/office/mac/drawingml/2011/main" val="1"/>
             </a:ext>
           </a:extLst>
         </p:spPr>
@@ -35733,7 +35546,7 @@
           </a:ln>
           <a:extLst>
             <a:ext uri="{C572A759-6A51-4108-AA02-DFA0A04FC94B}">
-              <ma14:wrappingTextBoxFlag xmlns:ma14="http://schemas.microsoft.com/office/mac/drawingml/2011/main" xmlns:a14="http://schemas.microsoft.com/office/drawing/2010/main" xmlns:m="http://schemas.openxmlformats.org/officeDocument/2006/math" xmlns="" val="1"/>
+              <ma14:wrappingTextBoxFlag xmlns="" xmlns:m="http://schemas.openxmlformats.org/officeDocument/2006/math" xmlns:a14="http://schemas.microsoft.com/office/drawing/2010/main" xmlns:ma14="http://schemas.microsoft.com/office/mac/drawingml/2011/main" val="1"/>
             </a:ext>
           </a:extLst>
         </p:spPr>
@@ -35874,7 +35687,7 @@
           </a:ln>
           <a:extLst>
             <a:ext uri="{C572A759-6A51-4108-AA02-DFA0A04FC94B}">
-              <ma14:wrappingTextBoxFlag xmlns:ma14="http://schemas.microsoft.com/office/mac/drawingml/2011/main" xmlns:a14="http://schemas.microsoft.com/office/drawing/2010/main" xmlns:m="http://schemas.openxmlformats.org/officeDocument/2006/math" xmlns="" val="1"/>
+              <ma14:wrappingTextBoxFlag xmlns="" xmlns:m="http://schemas.openxmlformats.org/officeDocument/2006/math" xmlns:a14="http://schemas.microsoft.com/office/drawing/2010/main" xmlns:ma14="http://schemas.microsoft.com/office/mac/drawingml/2011/main" val="1"/>
             </a:ext>
           </a:extLst>
         </p:spPr>
@@ -36077,7 +35890,7 @@
           </a:ln>
           <a:extLst>
             <a:ext uri="{C572A759-6A51-4108-AA02-DFA0A04FC94B}">
-              <ma14:wrappingTextBoxFlag xmlns:ma14="http://schemas.microsoft.com/office/mac/drawingml/2011/main" xmlns:a14="http://schemas.microsoft.com/office/drawing/2010/main" xmlns:m="http://schemas.openxmlformats.org/officeDocument/2006/math" xmlns="" val="1"/>
+              <ma14:wrappingTextBoxFlag xmlns="" xmlns:m="http://schemas.openxmlformats.org/officeDocument/2006/math" xmlns:a14="http://schemas.microsoft.com/office/drawing/2010/main" xmlns:ma14="http://schemas.microsoft.com/office/mac/drawingml/2011/main" val="1"/>
             </a:ext>
           </a:extLst>
         </p:spPr>
@@ -36353,7 +36166,7 @@
           </a:ln>
           <a:extLst>
             <a:ext uri="{C572A759-6A51-4108-AA02-DFA0A04FC94B}">
-              <ma14:wrappingTextBoxFlag xmlns:ma14="http://schemas.microsoft.com/office/mac/drawingml/2011/main" xmlns:a14="http://schemas.microsoft.com/office/drawing/2010/main" xmlns:m="http://schemas.openxmlformats.org/officeDocument/2006/math" xmlns="" val="1"/>
+              <ma14:wrappingTextBoxFlag xmlns="" xmlns:m="http://schemas.openxmlformats.org/officeDocument/2006/math" xmlns:a14="http://schemas.microsoft.com/office/drawing/2010/main" xmlns:ma14="http://schemas.microsoft.com/office/mac/drawingml/2011/main" val="1"/>
             </a:ext>
           </a:extLst>
         </p:spPr>
@@ -36401,7 +36214,7 @@
           </a:ln>
           <a:extLst>
             <a:ext uri="{C572A759-6A51-4108-AA02-DFA0A04FC94B}">
-              <ma14:wrappingTextBoxFlag xmlns:ma14="http://schemas.microsoft.com/office/mac/drawingml/2011/main" xmlns:a14="http://schemas.microsoft.com/office/drawing/2010/main" xmlns:m="http://schemas.openxmlformats.org/officeDocument/2006/math" xmlns="" val="1"/>
+              <ma14:wrappingTextBoxFlag xmlns="" xmlns:m="http://schemas.openxmlformats.org/officeDocument/2006/math" xmlns:a14="http://schemas.microsoft.com/office/drawing/2010/main" xmlns:ma14="http://schemas.microsoft.com/office/mac/drawingml/2011/main" val="1"/>
             </a:ext>
           </a:extLst>
         </p:spPr>
@@ -36449,7 +36262,7 @@
           </a:ln>
           <a:extLst>
             <a:ext uri="{C572A759-6A51-4108-AA02-DFA0A04FC94B}">
-              <ma14:wrappingTextBoxFlag xmlns:ma14="http://schemas.microsoft.com/office/mac/drawingml/2011/main" xmlns:a14="http://schemas.microsoft.com/office/drawing/2010/main" xmlns:m="http://schemas.openxmlformats.org/officeDocument/2006/math" xmlns="" val="1"/>
+              <ma14:wrappingTextBoxFlag xmlns="" xmlns:m="http://schemas.openxmlformats.org/officeDocument/2006/math" xmlns:a14="http://schemas.microsoft.com/office/drawing/2010/main" xmlns:ma14="http://schemas.microsoft.com/office/mac/drawingml/2011/main" val="1"/>
             </a:ext>
           </a:extLst>
         </p:spPr>
@@ -36497,7 +36310,7 @@
           </a:ln>
           <a:extLst>
             <a:ext uri="{C572A759-6A51-4108-AA02-DFA0A04FC94B}">
-              <ma14:wrappingTextBoxFlag xmlns:ma14="http://schemas.microsoft.com/office/mac/drawingml/2011/main" xmlns:a14="http://schemas.microsoft.com/office/drawing/2010/main" xmlns:m="http://schemas.openxmlformats.org/officeDocument/2006/math" xmlns="" val="1"/>
+              <ma14:wrappingTextBoxFlag xmlns="" xmlns:m="http://schemas.openxmlformats.org/officeDocument/2006/math" xmlns:a14="http://schemas.microsoft.com/office/drawing/2010/main" xmlns:ma14="http://schemas.microsoft.com/office/mac/drawingml/2011/main" val="1"/>
             </a:ext>
           </a:extLst>
         </p:spPr>
@@ -36545,7 +36358,7 @@
           </a:ln>
           <a:extLst>
             <a:ext uri="{C572A759-6A51-4108-AA02-DFA0A04FC94B}">
-              <ma14:wrappingTextBoxFlag xmlns:ma14="http://schemas.microsoft.com/office/mac/drawingml/2011/main" xmlns:a14="http://schemas.microsoft.com/office/drawing/2010/main" xmlns:m="http://schemas.openxmlformats.org/officeDocument/2006/math" xmlns="" val="1"/>
+              <ma14:wrappingTextBoxFlag xmlns="" xmlns:m="http://schemas.openxmlformats.org/officeDocument/2006/math" xmlns:a14="http://schemas.microsoft.com/office/drawing/2010/main" xmlns:ma14="http://schemas.microsoft.com/office/mac/drawingml/2011/main" val="1"/>
             </a:ext>
           </a:extLst>
         </p:spPr>
@@ -36593,7 +36406,7 @@
           </a:ln>
           <a:extLst>
             <a:ext uri="{C572A759-6A51-4108-AA02-DFA0A04FC94B}">
-              <ma14:wrappingTextBoxFlag xmlns:ma14="http://schemas.microsoft.com/office/mac/drawingml/2011/main" xmlns:a14="http://schemas.microsoft.com/office/drawing/2010/main" xmlns:m="http://schemas.openxmlformats.org/officeDocument/2006/math" xmlns="" val="1"/>
+              <ma14:wrappingTextBoxFlag xmlns="" xmlns:m="http://schemas.openxmlformats.org/officeDocument/2006/math" xmlns:a14="http://schemas.microsoft.com/office/drawing/2010/main" xmlns:ma14="http://schemas.microsoft.com/office/mac/drawingml/2011/main" val="1"/>
             </a:ext>
           </a:extLst>
         </p:spPr>
@@ -36641,7 +36454,7 @@
           </a:ln>
           <a:extLst>
             <a:ext uri="{C572A759-6A51-4108-AA02-DFA0A04FC94B}">
-              <ma14:wrappingTextBoxFlag xmlns:ma14="http://schemas.microsoft.com/office/mac/drawingml/2011/main" xmlns:a14="http://schemas.microsoft.com/office/drawing/2010/main" xmlns:m="http://schemas.openxmlformats.org/officeDocument/2006/math" xmlns="" val="1"/>
+              <ma14:wrappingTextBoxFlag xmlns="" xmlns:m="http://schemas.openxmlformats.org/officeDocument/2006/math" xmlns:a14="http://schemas.microsoft.com/office/drawing/2010/main" xmlns:ma14="http://schemas.microsoft.com/office/mac/drawingml/2011/main" val="1"/>
             </a:ext>
           </a:extLst>
         </p:spPr>
@@ -36689,7 +36502,7 @@
           </a:ln>
           <a:extLst>
             <a:ext uri="{C572A759-6A51-4108-AA02-DFA0A04FC94B}">
-              <ma14:wrappingTextBoxFlag xmlns:ma14="http://schemas.microsoft.com/office/mac/drawingml/2011/main" xmlns:a14="http://schemas.microsoft.com/office/drawing/2010/main" xmlns:m="http://schemas.openxmlformats.org/officeDocument/2006/math" xmlns="" val="1"/>
+              <ma14:wrappingTextBoxFlag xmlns="" xmlns:m="http://schemas.openxmlformats.org/officeDocument/2006/math" xmlns:a14="http://schemas.microsoft.com/office/drawing/2010/main" xmlns:ma14="http://schemas.microsoft.com/office/mac/drawingml/2011/main" val="1"/>
             </a:ext>
           </a:extLst>
         </p:spPr>
@@ -36737,7 +36550,7 @@
           </a:ln>
           <a:extLst>
             <a:ext uri="{C572A759-6A51-4108-AA02-DFA0A04FC94B}">
-              <ma14:wrappingTextBoxFlag xmlns:ma14="http://schemas.microsoft.com/office/mac/drawingml/2011/main" xmlns:a14="http://schemas.microsoft.com/office/drawing/2010/main" xmlns:m="http://schemas.openxmlformats.org/officeDocument/2006/math" xmlns="" val="1"/>
+              <ma14:wrappingTextBoxFlag xmlns="" xmlns:m="http://schemas.openxmlformats.org/officeDocument/2006/math" xmlns:a14="http://schemas.microsoft.com/office/drawing/2010/main" xmlns:ma14="http://schemas.microsoft.com/office/mac/drawingml/2011/main" val="1"/>
             </a:ext>
           </a:extLst>
         </p:spPr>
@@ -36785,7 +36598,7 @@
           </a:ln>
           <a:extLst>
             <a:ext uri="{C572A759-6A51-4108-AA02-DFA0A04FC94B}">
-              <ma14:wrappingTextBoxFlag xmlns:ma14="http://schemas.microsoft.com/office/mac/drawingml/2011/main" xmlns:a14="http://schemas.microsoft.com/office/drawing/2010/main" xmlns:m="http://schemas.openxmlformats.org/officeDocument/2006/math" xmlns="" val="1"/>
+              <ma14:wrappingTextBoxFlag xmlns="" xmlns:m="http://schemas.openxmlformats.org/officeDocument/2006/math" xmlns:a14="http://schemas.microsoft.com/office/drawing/2010/main" xmlns:ma14="http://schemas.microsoft.com/office/mac/drawingml/2011/main" val="1"/>
             </a:ext>
           </a:extLst>
         </p:spPr>
@@ -36833,7 +36646,7 @@
           </a:ln>
           <a:extLst>
             <a:ext uri="{C572A759-6A51-4108-AA02-DFA0A04FC94B}">
-              <ma14:wrappingTextBoxFlag xmlns:ma14="http://schemas.microsoft.com/office/mac/drawingml/2011/main" xmlns:a14="http://schemas.microsoft.com/office/drawing/2010/main" xmlns:m="http://schemas.openxmlformats.org/officeDocument/2006/math" xmlns="" val="1"/>
+              <ma14:wrappingTextBoxFlag xmlns="" xmlns:m="http://schemas.openxmlformats.org/officeDocument/2006/math" xmlns:a14="http://schemas.microsoft.com/office/drawing/2010/main" xmlns:ma14="http://schemas.microsoft.com/office/mac/drawingml/2011/main" val="1"/>
             </a:ext>
           </a:extLst>
         </p:spPr>
@@ -36881,7 +36694,7 @@
           </a:ln>
           <a:extLst>
             <a:ext uri="{C572A759-6A51-4108-AA02-DFA0A04FC94B}">
-              <ma14:wrappingTextBoxFlag xmlns:ma14="http://schemas.microsoft.com/office/mac/drawingml/2011/main" xmlns:a14="http://schemas.microsoft.com/office/drawing/2010/main" xmlns:m="http://schemas.openxmlformats.org/officeDocument/2006/math" xmlns="" val="1"/>
+              <ma14:wrappingTextBoxFlag xmlns="" xmlns:m="http://schemas.openxmlformats.org/officeDocument/2006/math" xmlns:a14="http://schemas.microsoft.com/office/drawing/2010/main" xmlns:ma14="http://schemas.microsoft.com/office/mac/drawingml/2011/main" val="1"/>
             </a:ext>
           </a:extLst>
         </p:spPr>
@@ -37152,7 +36965,7 @@
           </a:ln>
           <a:extLst>
             <a:ext uri="{C572A759-6A51-4108-AA02-DFA0A04FC94B}">
-              <ma14:wrappingTextBoxFlag xmlns:ma14="http://schemas.microsoft.com/office/mac/drawingml/2011/main" xmlns:a14="http://schemas.microsoft.com/office/drawing/2010/main" xmlns:m="http://schemas.openxmlformats.org/officeDocument/2006/math" xmlns="" val="1"/>
+              <ma14:wrappingTextBoxFlag xmlns="" xmlns:m="http://schemas.openxmlformats.org/officeDocument/2006/math" xmlns:a14="http://schemas.microsoft.com/office/drawing/2010/main" xmlns:ma14="http://schemas.microsoft.com/office/mac/drawingml/2011/main" val="1"/>
             </a:ext>
           </a:extLst>
         </p:spPr>
@@ -37469,7 +37282,7 @@
           </a:ln>
           <a:extLst>
             <a:ext uri="{C572A759-6A51-4108-AA02-DFA0A04FC94B}">
-              <ma14:wrappingTextBoxFlag xmlns:ma14="http://schemas.microsoft.com/office/mac/drawingml/2011/main" xmlns:a14="http://schemas.microsoft.com/office/drawing/2010/main" xmlns:m="http://schemas.openxmlformats.org/officeDocument/2006/math" xmlns="" val="1"/>
+              <ma14:wrappingTextBoxFlag xmlns="" xmlns:m="http://schemas.openxmlformats.org/officeDocument/2006/math" xmlns:a14="http://schemas.microsoft.com/office/drawing/2010/main" xmlns:ma14="http://schemas.microsoft.com/office/mac/drawingml/2011/main" val="1"/>
             </a:ext>
           </a:extLst>
         </p:spPr>
@@ -37657,7 +37470,7 @@
           </a:ln>
           <a:extLst>
             <a:ext uri="{C572A759-6A51-4108-AA02-DFA0A04FC94B}">
-              <ma14:wrappingTextBoxFlag xmlns:ma14="http://schemas.microsoft.com/office/mac/drawingml/2011/main" xmlns:a14="http://schemas.microsoft.com/office/drawing/2010/main" xmlns:m="http://schemas.openxmlformats.org/officeDocument/2006/math" xmlns="" val="1"/>
+              <ma14:wrappingTextBoxFlag xmlns="" xmlns:m="http://schemas.openxmlformats.org/officeDocument/2006/math" xmlns:a14="http://schemas.microsoft.com/office/drawing/2010/main" xmlns:ma14="http://schemas.microsoft.com/office/mac/drawingml/2011/main" val="1"/>
             </a:ext>
           </a:extLst>
         </p:spPr>
@@ -37933,7 +37746,7 @@
           </a:ln>
           <a:extLst>
             <a:ext uri="{C572A759-6A51-4108-AA02-DFA0A04FC94B}">
-              <ma14:wrappingTextBoxFlag xmlns:ma14="http://schemas.microsoft.com/office/mac/drawingml/2011/main" xmlns:a14="http://schemas.microsoft.com/office/drawing/2010/main" xmlns:m="http://schemas.openxmlformats.org/officeDocument/2006/math" xmlns="" val="1"/>
+              <ma14:wrappingTextBoxFlag xmlns="" xmlns:m="http://schemas.openxmlformats.org/officeDocument/2006/math" xmlns:a14="http://schemas.microsoft.com/office/drawing/2010/main" xmlns:ma14="http://schemas.microsoft.com/office/mac/drawingml/2011/main" val="1"/>
             </a:ext>
           </a:extLst>
         </p:spPr>
@@ -37981,7 +37794,7 @@
           </a:ln>
           <a:extLst>
             <a:ext uri="{C572A759-6A51-4108-AA02-DFA0A04FC94B}">
-              <ma14:wrappingTextBoxFlag xmlns:ma14="http://schemas.microsoft.com/office/mac/drawingml/2011/main" xmlns:a14="http://schemas.microsoft.com/office/drawing/2010/main" xmlns:m="http://schemas.openxmlformats.org/officeDocument/2006/math" xmlns="" val="1"/>
+              <ma14:wrappingTextBoxFlag xmlns="" xmlns:m="http://schemas.openxmlformats.org/officeDocument/2006/math" xmlns:a14="http://schemas.microsoft.com/office/drawing/2010/main" xmlns:ma14="http://schemas.microsoft.com/office/mac/drawingml/2011/main" val="1"/>
             </a:ext>
           </a:extLst>
         </p:spPr>
@@ -38029,7 +37842,7 @@
           </a:ln>
           <a:extLst>
             <a:ext uri="{C572A759-6A51-4108-AA02-DFA0A04FC94B}">
-              <ma14:wrappingTextBoxFlag xmlns:ma14="http://schemas.microsoft.com/office/mac/drawingml/2011/main" xmlns:a14="http://schemas.microsoft.com/office/drawing/2010/main" xmlns:m="http://schemas.openxmlformats.org/officeDocument/2006/math" xmlns="" val="1"/>
+              <ma14:wrappingTextBoxFlag xmlns="" xmlns:m="http://schemas.openxmlformats.org/officeDocument/2006/math" xmlns:a14="http://schemas.microsoft.com/office/drawing/2010/main" xmlns:ma14="http://schemas.microsoft.com/office/mac/drawingml/2011/main" val="1"/>
             </a:ext>
           </a:extLst>
         </p:spPr>
@@ -38077,7 +37890,7 @@
           </a:ln>
           <a:extLst>
             <a:ext uri="{C572A759-6A51-4108-AA02-DFA0A04FC94B}">
-              <ma14:wrappingTextBoxFlag xmlns:ma14="http://schemas.microsoft.com/office/mac/drawingml/2011/main" xmlns:a14="http://schemas.microsoft.com/office/drawing/2010/main" xmlns:m="http://schemas.openxmlformats.org/officeDocument/2006/math" xmlns="" val="1"/>
+              <ma14:wrappingTextBoxFlag xmlns="" xmlns:m="http://schemas.openxmlformats.org/officeDocument/2006/math" xmlns:a14="http://schemas.microsoft.com/office/drawing/2010/main" xmlns:ma14="http://schemas.microsoft.com/office/mac/drawingml/2011/main" val="1"/>
             </a:ext>
           </a:extLst>
         </p:spPr>
@@ -38125,7 +37938,7 @@
           </a:ln>
           <a:extLst>
             <a:ext uri="{C572A759-6A51-4108-AA02-DFA0A04FC94B}">
-              <ma14:wrappingTextBoxFlag xmlns:ma14="http://schemas.microsoft.com/office/mac/drawingml/2011/main" xmlns:a14="http://schemas.microsoft.com/office/drawing/2010/main" xmlns:m="http://schemas.openxmlformats.org/officeDocument/2006/math" xmlns="" val="1"/>
+              <ma14:wrappingTextBoxFlag xmlns="" xmlns:m="http://schemas.openxmlformats.org/officeDocument/2006/math" xmlns:a14="http://schemas.microsoft.com/office/drawing/2010/main" xmlns:ma14="http://schemas.microsoft.com/office/mac/drawingml/2011/main" val="1"/>
             </a:ext>
           </a:extLst>
         </p:spPr>
@@ -38173,7 +37986,7 @@
           </a:ln>
           <a:extLst>
             <a:ext uri="{C572A759-6A51-4108-AA02-DFA0A04FC94B}">
-              <ma14:wrappingTextBoxFlag xmlns:ma14="http://schemas.microsoft.com/office/mac/drawingml/2011/main" xmlns:a14="http://schemas.microsoft.com/office/drawing/2010/main" xmlns:m="http://schemas.openxmlformats.org/officeDocument/2006/math" xmlns="" val="1"/>
+              <ma14:wrappingTextBoxFlag xmlns="" xmlns:m="http://schemas.openxmlformats.org/officeDocument/2006/math" xmlns:a14="http://schemas.microsoft.com/office/drawing/2010/main" xmlns:ma14="http://schemas.microsoft.com/office/mac/drawingml/2011/main" val="1"/>
             </a:ext>
           </a:extLst>
         </p:spPr>
@@ -38221,7 +38034,7 @@
           </a:ln>
           <a:extLst>
             <a:ext uri="{C572A759-6A51-4108-AA02-DFA0A04FC94B}">
-              <ma14:wrappingTextBoxFlag xmlns:ma14="http://schemas.microsoft.com/office/mac/drawingml/2011/main" xmlns:a14="http://schemas.microsoft.com/office/drawing/2010/main" xmlns:m="http://schemas.openxmlformats.org/officeDocument/2006/math" xmlns="" val="1"/>
+              <ma14:wrappingTextBoxFlag xmlns="" xmlns:m="http://schemas.openxmlformats.org/officeDocument/2006/math" xmlns:a14="http://schemas.microsoft.com/office/drawing/2010/main" xmlns:ma14="http://schemas.microsoft.com/office/mac/drawingml/2011/main" val="1"/>
             </a:ext>
           </a:extLst>
         </p:spPr>
@@ -38269,7 +38082,7 @@
           </a:ln>
           <a:extLst>
             <a:ext uri="{C572A759-6A51-4108-AA02-DFA0A04FC94B}">
-              <ma14:wrappingTextBoxFlag xmlns:ma14="http://schemas.microsoft.com/office/mac/drawingml/2011/main" xmlns:a14="http://schemas.microsoft.com/office/drawing/2010/main" xmlns:m="http://schemas.openxmlformats.org/officeDocument/2006/math" xmlns="" val="1"/>
+              <ma14:wrappingTextBoxFlag xmlns="" xmlns:m="http://schemas.openxmlformats.org/officeDocument/2006/math" xmlns:a14="http://schemas.microsoft.com/office/drawing/2010/main" xmlns:ma14="http://schemas.microsoft.com/office/mac/drawingml/2011/main" val="1"/>
             </a:ext>
           </a:extLst>
         </p:spPr>
@@ -38317,7 +38130,7 @@
           </a:ln>
           <a:extLst>
             <a:ext uri="{C572A759-6A51-4108-AA02-DFA0A04FC94B}">
-              <ma14:wrappingTextBoxFlag xmlns:ma14="http://schemas.microsoft.com/office/mac/drawingml/2011/main" xmlns:a14="http://schemas.microsoft.com/office/drawing/2010/main" xmlns:m="http://schemas.openxmlformats.org/officeDocument/2006/math" xmlns="" val="1"/>
+              <ma14:wrappingTextBoxFlag xmlns="" xmlns:m="http://schemas.openxmlformats.org/officeDocument/2006/math" xmlns:a14="http://schemas.microsoft.com/office/drawing/2010/main" xmlns:ma14="http://schemas.microsoft.com/office/mac/drawingml/2011/main" val="1"/>
             </a:ext>
           </a:extLst>
         </p:spPr>
@@ -38365,7 +38178,7 @@
           </a:ln>
           <a:extLst>
             <a:ext uri="{C572A759-6A51-4108-AA02-DFA0A04FC94B}">
-              <ma14:wrappingTextBoxFlag xmlns:ma14="http://schemas.microsoft.com/office/mac/drawingml/2011/main" xmlns:a14="http://schemas.microsoft.com/office/drawing/2010/main" xmlns:m="http://schemas.openxmlformats.org/officeDocument/2006/math" xmlns="" val="1"/>
+              <ma14:wrappingTextBoxFlag xmlns="" xmlns:m="http://schemas.openxmlformats.org/officeDocument/2006/math" xmlns:a14="http://schemas.microsoft.com/office/drawing/2010/main" xmlns:ma14="http://schemas.microsoft.com/office/mac/drawingml/2011/main" val="1"/>
             </a:ext>
           </a:extLst>
         </p:spPr>
@@ -38413,7 +38226,7 @@
           </a:ln>
           <a:extLst>
             <a:ext uri="{C572A759-6A51-4108-AA02-DFA0A04FC94B}">
-              <ma14:wrappingTextBoxFlag xmlns:ma14="http://schemas.microsoft.com/office/mac/drawingml/2011/main" xmlns:a14="http://schemas.microsoft.com/office/drawing/2010/main" xmlns:m="http://schemas.openxmlformats.org/officeDocument/2006/math" xmlns="" val="1"/>
+              <ma14:wrappingTextBoxFlag xmlns="" xmlns:m="http://schemas.openxmlformats.org/officeDocument/2006/math" xmlns:a14="http://schemas.microsoft.com/office/drawing/2010/main" xmlns:ma14="http://schemas.microsoft.com/office/mac/drawingml/2011/main" val="1"/>
             </a:ext>
           </a:extLst>
         </p:spPr>
@@ -38461,7 +38274,7 @@
           </a:ln>
           <a:extLst>
             <a:ext uri="{C572A759-6A51-4108-AA02-DFA0A04FC94B}">
-              <ma14:wrappingTextBoxFlag xmlns:ma14="http://schemas.microsoft.com/office/mac/drawingml/2011/main" xmlns:a14="http://schemas.microsoft.com/office/drawing/2010/main" xmlns:m="http://schemas.openxmlformats.org/officeDocument/2006/math" xmlns="" val="1"/>
+              <ma14:wrappingTextBoxFlag xmlns="" xmlns:m="http://schemas.openxmlformats.org/officeDocument/2006/math" xmlns:a14="http://schemas.microsoft.com/office/drawing/2010/main" xmlns:ma14="http://schemas.microsoft.com/office/mac/drawingml/2011/main" val="1"/>
             </a:ext>
           </a:extLst>
         </p:spPr>
@@ -38779,7 +38592,7 @@
           </a:ln>
           <a:extLst>
             <a:ext uri="{C572A759-6A51-4108-AA02-DFA0A04FC94B}">
-              <ma14:wrappingTextBoxFlag xmlns:ma14="http://schemas.microsoft.com/office/mac/drawingml/2011/main" xmlns:a14="http://schemas.microsoft.com/office/drawing/2010/main" xmlns:m="http://schemas.openxmlformats.org/officeDocument/2006/math" xmlns="" val="1"/>
+              <ma14:wrappingTextBoxFlag xmlns="" xmlns:m="http://schemas.openxmlformats.org/officeDocument/2006/math" xmlns:a14="http://schemas.microsoft.com/office/drawing/2010/main" xmlns:ma14="http://schemas.microsoft.com/office/mac/drawingml/2011/main" val="1"/>
             </a:ext>
           </a:extLst>
         </p:spPr>
@@ -39234,7 +39047,7 @@
           </a:ln>
           <a:extLst>
             <a:ext uri="{C572A759-6A51-4108-AA02-DFA0A04FC94B}">
-              <ma14:wrappingTextBoxFlag xmlns:ma14="http://schemas.microsoft.com/office/mac/drawingml/2011/main" xmlns:a14="http://schemas.microsoft.com/office/drawing/2010/main" xmlns:m="http://schemas.openxmlformats.org/officeDocument/2006/math" xmlns="" val="1"/>
+              <ma14:wrappingTextBoxFlag xmlns="" xmlns:m="http://schemas.openxmlformats.org/officeDocument/2006/math" xmlns:a14="http://schemas.microsoft.com/office/drawing/2010/main" xmlns:ma14="http://schemas.microsoft.com/office/mac/drawingml/2011/main" val="1"/>
             </a:ext>
           </a:extLst>
         </p:spPr>
@@ -39296,7 +39109,7 @@
           </a:ln>
           <a:extLst>
             <a:ext uri="{C572A759-6A51-4108-AA02-DFA0A04FC94B}">
-              <ma14:wrappingTextBoxFlag xmlns:ma14="http://schemas.microsoft.com/office/mac/drawingml/2011/main" xmlns:a14="http://schemas.microsoft.com/office/drawing/2010/main" xmlns:m="http://schemas.openxmlformats.org/officeDocument/2006/math" xmlns="" val="1"/>
+              <ma14:wrappingTextBoxFlag xmlns="" xmlns:m="http://schemas.openxmlformats.org/officeDocument/2006/math" xmlns:a14="http://schemas.microsoft.com/office/drawing/2010/main" xmlns:ma14="http://schemas.microsoft.com/office/mac/drawingml/2011/main" val="1"/>
             </a:ext>
           </a:extLst>
         </p:spPr>
@@ -39483,7 +39296,7 @@
           </a:ln>
           <a:extLst>
             <a:ext uri="{C572A759-6A51-4108-AA02-DFA0A04FC94B}">
-              <ma14:wrappingTextBoxFlag xmlns:ma14="http://schemas.microsoft.com/office/mac/drawingml/2011/main" xmlns:a14="http://schemas.microsoft.com/office/drawing/2010/main" xmlns:m="http://schemas.openxmlformats.org/officeDocument/2006/math" xmlns="" val="1"/>
+              <ma14:wrappingTextBoxFlag xmlns="" xmlns:m="http://schemas.openxmlformats.org/officeDocument/2006/math" xmlns:a14="http://schemas.microsoft.com/office/drawing/2010/main" xmlns:ma14="http://schemas.microsoft.com/office/mac/drawingml/2011/main" val="1"/>
             </a:ext>
           </a:extLst>
         </p:spPr>
@@ -39759,7 +39572,7 @@
           </a:ln>
           <a:extLst>
             <a:ext uri="{C572A759-6A51-4108-AA02-DFA0A04FC94B}">
-              <ma14:wrappingTextBoxFlag xmlns:ma14="http://schemas.microsoft.com/office/mac/drawingml/2011/main" xmlns:a14="http://schemas.microsoft.com/office/drawing/2010/main" xmlns:m="http://schemas.openxmlformats.org/officeDocument/2006/math" xmlns="" val="1"/>
+              <ma14:wrappingTextBoxFlag xmlns="" xmlns:m="http://schemas.openxmlformats.org/officeDocument/2006/math" xmlns:a14="http://schemas.microsoft.com/office/drawing/2010/main" xmlns:ma14="http://schemas.microsoft.com/office/mac/drawingml/2011/main" val="1"/>
             </a:ext>
           </a:extLst>
         </p:spPr>
@@ -39807,7 +39620,7 @@
           </a:ln>
           <a:extLst>
             <a:ext uri="{C572A759-6A51-4108-AA02-DFA0A04FC94B}">
-              <ma14:wrappingTextBoxFlag xmlns:ma14="http://schemas.microsoft.com/office/mac/drawingml/2011/main" xmlns:a14="http://schemas.microsoft.com/office/drawing/2010/main" xmlns:m="http://schemas.openxmlformats.org/officeDocument/2006/math" xmlns="" val="1"/>
+              <ma14:wrappingTextBoxFlag xmlns="" xmlns:m="http://schemas.openxmlformats.org/officeDocument/2006/math" xmlns:a14="http://schemas.microsoft.com/office/drawing/2010/main" xmlns:ma14="http://schemas.microsoft.com/office/mac/drawingml/2011/main" val="1"/>
             </a:ext>
           </a:extLst>
         </p:spPr>
@@ -39855,7 +39668,7 @@
           </a:ln>
           <a:extLst>
             <a:ext uri="{C572A759-6A51-4108-AA02-DFA0A04FC94B}">
-              <ma14:wrappingTextBoxFlag xmlns:ma14="http://schemas.microsoft.com/office/mac/drawingml/2011/main" xmlns:a14="http://schemas.microsoft.com/office/drawing/2010/main" xmlns:m="http://schemas.openxmlformats.org/officeDocument/2006/math" xmlns="" val="1"/>
+              <ma14:wrappingTextBoxFlag xmlns="" xmlns:m="http://schemas.openxmlformats.org/officeDocument/2006/math" xmlns:a14="http://schemas.microsoft.com/office/drawing/2010/main" xmlns:ma14="http://schemas.microsoft.com/office/mac/drawingml/2011/main" val="1"/>
             </a:ext>
           </a:extLst>
         </p:spPr>
@@ -39903,7 +39716,7 @@
           </a:ln>
           <a:extLst>
             <a:ext uri="{C572A759-6A51-4108-AA02-DFA0A04FC94B}">
-              <ma14:wrappingTextBoxFlag xmlns:ma14="http://schemas.microsoft.com/office/mac/drawingml/2011/main" xmlns:a14="http://schemas.microsoft.com/office/drawing/2010/main" xmlns:m="http://schemas.openxmlformats.org/officeDocument/2006/math" xmlns="" val="1"/>
+              <ma14:wrappingTextBoxFlag xmlns="" xmlns:m="http://schemas.openxmlformats.org/officeDocument/2006/math" xmlns:a14="http://schemas.microsoft.com/office/drawing/2010/main" xmlns:ma14="http://schemas.microsoft.com/office/mac/drawingml/2011/main" val="1"/>
             </a:ext>
           </a:extLst>
         </p:spPr>
@@ -39951,7 +39764,7 @@
           </a:ln>
           <a:extLst>
             <a:ext uri="{C572A759-6A51-4108-AA02-DFA0A04FC94B}">
-              <ma14:wrappingTextBoxFlag xmlns:ma14="http://schemas.microsoft.com/office/mac/drawingml/2011/main" xmlns:a14="http://schemas.microsoft.com/office/drawing/2010/main" xmlns:m="http://schemas.openxmlformats.org/officeDocument/2006/math" xmlns="" val="1"/>
+              <ma14:wrappingTextBoxFlag xmlns="" xmlns:m="http://schemas.openxmlformats.org/officeDocument/2006/math" xmlns:a14="http://schemas.microsoft.com/office/drawing/2010/main" xmlns:ma14="http://schemas.microsoft.com/office/mac/drawingml/2011/main" val="1"/>
             </a:ext>
           </a:extLst>
         </p:spPr>
@@ -39999,7 +39812,7 @@
           </a:ln>
           <a:extLst>
             <a:ext uri="{C572A759-6A51-4108-AA02-DFA0A04FC94B}">
-              <ma14:wrappingTextBoxFlag xmlns:ma14="http://schemas.microsoft.com/office/mac/drawingml/2011/main" xmlns:a14="http://schemas.microsoft.com/office/drawing/2010/main" xmlns:m="http://schemas.openxmlformats.org/officeDocument/2006/math" xmlns="" val="1"/>
+              <ma14:wrappingTextBoxFlag xmlns="" xmlns:m="http://schemas.openxmlformats.org/officeDocument/2006/math" xmlns:a14="http://schemas.microsoft.com/office/drawing/2010/main" xmlns:ma14="http://schemas.microsoft.com/office/mac/drawingml/2011/main" val="1"/>
             </a:ext>
           </a:extLst>
         </p:spPr>
@@ -40047,7 +39860,7 @@
           </a:ln>
           <a:extLst>
             <a:ext uri="{C572A759-6A51-4108-AA02-DFA0A04FC94B}">
-              <ma14:wrappingTextBoxFlag xmlns:ma14="http://schemas.microsoft.com/office/mac/drawingml/2011/main" xmlns:a14="http://schemas.microsoft.com/office/drawing/2010/main" xmlns:m="http://schemas.openxmlformats.org/officeDocument/2006/math" xmlns="" val="1"/>
+              <ma14:wrappingTextBoxFlag xmlns="" xmlns:m="http://schemas.openxmlformats.org/officeDocument/2006/math" xmlns:a14="http://schemas.microsoft.com/office/drawing/2010/main" xmlns:ma14="http://schemas.microsoft.com/office/mac/drawingml/2011/main" val="1"/>
             </a:ext>
           </a:extLst>
         </p:spPr>
@@ -40095,7 +39908,7 @@
           </a:ln>
           <a:extLst>
             <a:ext uri="{C572A759-6A51-4108-AA02-DFA0A04FC94B}">
-              <ma14:wrappingTextBoxFlag xmlns:ma14="http://schemas.microsoft.com/office/mac/drawingml/2011/main" xmlns:a14="http://schemas.microsoft.com/office/drawing/2010/main" xmlns:m="http://schemas.openxmlformats.org/officeDocument/2006/math" xmlns="" val="1"/>
+              <ma14:wrappingTextBoxFlag xmlns="" xmlns:m="http://schemas.openxmlformats.org/officeDocument/2006/math" xmlns:a14="http://schemas.microsoft.com/office/drawing/2010/main" xmlns:ma14="http://schemas.microsoft.com/office/mac/drawingml/2011/main" val="1"/>
             </a:ext>
           </a:extLst>
         </p:spPr>
@@ -40143,7 +39956,7 @@
           </a:ln>
           <a:extLst>
             <a:ext uri="{C572A759-6A51-4108-AA02-DFA0A04FC94B}">
-              <ma14:wrappingTextBoxFlag xmlns:ma14="http://schemas.microsoft.com/office/mac/drawingml/2011/main" xmlns:a14="http://schemas.microsoft.com/office/drawing/2010/main" xmlns:m="http://schemas.openxmlformats.org/officeDocument/2006/math" xmlns="" val="1"/>
+              <ma14:wrappingTextBoxFlag xmlns="" xmlns:m="http://schemas.openxmlformats.org/officeDocument/2006/math" xmlns:a14="http://schemas.microsoft.com/office/drawing/2010/main" xmlns:ma14="http://schemas.microsoft.com/office/mac/drawingml/2011/main" val="1"/>
             </a:ext>
           </a:extLst>
         </p:spPr>
@@ -40191,7 +40004,7 @@
           </a:ln>
           <a:extLst>
             <a:ext uri="{C572A759-6A51-4108-AA02-DFA0A04FC94B}">
-              <ma14:wrappingTextBoxFlag xmlns:ma14="http://schemas.microsoft.com/office/mac/drawingml/2011/main" xmlns:a14="http://schemas.microsoft.com/office/drawing/2010/main" xmlns:m="http://schemas.openxmlformats.org/officeDocument/2006/math" xmlns="" val="1"/>
+              <ma14:wrappingTextBoxFlag xmlns="" xmlns:m="http://schemas.openxmlformats.org/officeDocument/2006/math" xmlns:a14="http://schemas.microsoft.com/office/drawing/2010/main" xmlns:ma14="http://schemas.microsoft.com/office/mac/drawingml/2011/main" val="1"/>
             </a:ext>
           </a:extLst>
         </p:spPr>
@@ -40239,7 +40052,7 @@
           </a:ln>
           <a:extLst>
             <a:ext uri="{C572A759-6A51-4108-AA02-DFA0A04FC94B}">
-              <ma14:wrappingTextBoxFlag xmlns:ma14="http://schemas.microsoft.com/office/mac/drawingml/2011/main" xmlns:a14="http://schemas.microsoft.com/office/drawing/2010/main" xmlns:m="http://schemas.openxmlformats.org/officeDocument/2006/math" xmlns="" val="1"/>
+              <ma14:wrappingTextBoxFlag xmlns="" xmlns:m="http://schemas.openxmlformats.org/officeDocument/2006/math" xmlns:a14="http://schemas.microsoft.com/office/drawing/2010/main" xmlns:ma14="http://schemas.microsoft.com/office/mac/drawingml/2011/main" val="1"/>
             </a:ext>
           </a:extLst>
         </p:spPr>
@@ -40287,7 +40100,7 @@
           </a:ln>
           <a:extLst>
             <a:ext uri="{C572A759-6A51-4108-AA02-DFA0A04FC94B}">
-              <ma14:wrappingTextBoxFlag xmlns:ma14="http://schemas.microsoft.com/office/mac/drawingml/2011/main" xmlns:a14="http://schemas.microsoft.com/office/drawing/2010/main" xmlns:m="http://schemas.openxmlformats.org/officeDocument/2006/math" xmlns="" val="1"/>
+              <ma14:wrappingTextBoxFlag xmlns="" xmlns:m="http://schemas.openxmlformats.org/officeDocument/2006/math" xmlns:a14="http://schemas.microsoft.com/office/drawing/2010/main" xmlns:ma14="http://schemas.microsoft.com/office/mac/drawingml/2011/main" val="1"/>
             </a:ext>
           </a:extLst>
         </p:spPr>
@@ -40605,7 +40418,7 @@
           </a:ln>
           <a:extLst>
             <a:ext uri="{C572A759-6A51-4108-AA02-DFA0A04FC94B}">
-              <ma14:wrappingTextBoxFlag xmlns:ma14="http://schemas.microsoft.com/office/mac/drawingml/2011/main" xmlns:a14="http://schemas.microsoft.com/office/drawing/2010/main" xmlns:m="http://schemas.openxmlformats.org/officeDocument/2006/math" xmlns="" val="1"/>
+              <ma14:wrappingTextBoxFlag xmlns="" xmlns:m="http://schemas.openxmlformats.org/officeDocument/2006/math" xmlns:a14="http://schemas.microsoft.com/office/drawing/2010/main" xmlns:ma14="http://schemas.microsoft.com/office/mac/drawingml/2011/main" val="1"/>
             </a:ext>
           </a:extLst>
         </p:spPr>
@@ -41060,7 +40873,7 @@
           </a:ln>
           <a:extLst>
             <a:ext uri="{C572A759-6A51-4108-AA02-DFA0A04FC94B}">
-              <ma14:wrappingTextBoxFlag xmlns:ma14="http://schemas.microsoft.com/office/mac/drawingml/2011/main" xmlns:a14="http://schemas.microsoft.com/office/drawing/2010/main" xmlns:m="http://schemas.openxmlformats.org/officeDocument/2006/math" xmlns="" val="1"/>
+              <ma14:wrappingTextBoxFlag xmlns="" xmlns:m="http://schemas.openxmlformats.org/officeDocument/2006/math" xmlns:a14="http://schemas.microsoft.com/office/drawing/2010/main" xmlns:ma14="http://schemas.microsoft.com/office/mac/drawingml/2011/main" val="1"/>
             </a:ext>
           </a:extLst>
         </p:spPr>
@@ -41122,7 +40935,7 @@
           </a:ln>
           <a:extLst>
             <a:ext uri="{C572A759-6A51-4108-AA02-DFA0A04FC94B}">
-              <ma14:wrappingTextBoxFlag xmlns:ma14="http://schemas.microsoft.com/office/mac/drawingml/2011/main" xmlns:a14="http://schemas.microsoft.com/office/drawing/2010/main" xmlns:m="http://schemas.openxmlformats.org/officeDocument/2006/math" xmlns="" val="1"/>
+              <ma14:wrappingTextBoxFlag xmlns="" xmlns:m="http://schemas.openxmlformats.org/officeDocument/2006/math" xmlns:a14="http://schemas.microsoft.com/office/drawing/2010/main" xmlns:ma14="http://schemas.microsoft.com/office/mac/drawingml/2011/main" val="1"/>
             </a:ext>
           </a:extLst>
         </p:spPr>
@@ -41309,7 +41122,7 @@
           </a:ln>
           <a:extLst>
             <a:ext uri="{C572A759-6A51-4108-AA02-DFA0A04FC94B}">
-              <ma14:wrappingTextBoxFlag xmlns:ma14="http://schemas.microsoft.com/office/mac/drawingml/2011/main" xmlns:a14="http://schemas.microsoft.com/office/drawing/2010/main" xmlns:m="http://schemas.openxmlformats.org/officeDocument/2006/math" xmlns="" val="1"/>
+              <ma14:wrappingTextBoxFlag xmlns="" xmlns:m="http://schemas.openxmlformats.org/officeDocument/2006/math" xmlns:a14="http://schemas.microsoft.com/office/drawing/2010/main" xmlns:ma14="http://schemas.microsoft.com/office/mac/drawingml/2011/main" val="1"/>
             </a:ext>
           </a:extLst>
         </p:spPr>
@@ -41585,7 +41398,7 @@
           </a:ln>
           <a:extLst>
             <a:ext uri="{C572A759-6A51-4108-AA02-DFA0A04FC94B}">
-              <ma14:wrappingTextBoxFlag xmlns:ma14="http://schemas.microsoft.com/office/mac/drawingml/2011/main" xmlns:a14="http://schemas.microsoft.com/office/drawing/2010/main" xmlns:m="http://schemas.openxmlformats.org/officeDocument/2006/math" xmlns="" val="1"/>
+              <ma14:wrappingTextBoxFlag xmlns="" xmlns:m="http://schemas.openxmlformats.org/officeDocument/2006/math" xmlns:a14="http://schemas.microsoft.com/office/drawing/2010/main" xmlns:ma14="http://schemas.microsoft.com/office/mac/drawingml/2011/main" val="1"/>
             </a:ext>
           </a:extLst>
         </p:spPr>
@@ -41633,7 +41446,7 @@
           </a:ln>
           <a:extLst>
             <a:ext uri="{C572A759-6A51-4108-AA02-DFA0A04FC94B}">
-              <ma14:wrappingTextBoxFlag xmlns:ma14="http://schemas.microsoft.com/office/mac/drawingml/2011/main" xmlns:a14="http://schemas.microsoft.com/office/drawing/2010/main" xmlns:m="http://schemas.openxmlformats.org/officeDocument/2006/math" xmlns="" val="1"/>
+              <ma14:wrappingTextBoxFlag xmlns="" xmlns:m="http://schemas.openxmlformats.org/officeDocument/2006/math" xmlns:a14="http://schemas.microsoft.com/office/drawing/2010/main" xmlns:ma14="http://schemas.microsoft.com/office/mac/drawingml/2011/main" val="1"/>
             </a:ext>
           </a:extLst>
         </p:spPr>
@@ -41681,7 +41494,7 @@
           </a:ln>
           <a:extLst>
             <a:ext uri="{C572A759-6A51-4108-AA02-DFA0A04FC94B}">
-              <ma14:wrappingTextBoxFlag xmlns:ma14="http://schemas.microsoft.com/office/mac/drawingml/2011/main" xmlns:a14="http://schemas.microsoft.com/office/drawing/2010/main" xmlns:m="http://schemas.openxmlformats.org/officeDocument/2006/math" xmlns="" val="1"/>
+              <ma14:wrappingTextBoxFlag xmlns="" xmlns:m="http://schemas.openxmlformats.org/officeDocument/2006/math" xmlns:a14="http://schemas.microsoft.com/office/drawing/2010/main" xmlns:ma14="http://schemas.microsoft.com/office/mac/drawingml/2011/main" val="1"/>
             </a:ext>
           </a:extLst>
         </p:spPr>
@@ -41729,7 +41542,7 @@
           </a:ln>
           <a:extLst>
             <a:ext uri="{C572A759-6A51-4108-AA02-DFA0A04FC94B}">
-              <ma14:wrappingTextBoxFlag xmlns:ma14="http://schemas.microsoft.com/office/mac/drawingml/2011/main" xmlns:a14="http://schemas.microsoft.com/office/drawing/2010/main" xmlns:m="http://schemas.openxmlformats.org/officeDocument/2006/math" xmlns="" val="1"/>
+              <ma14:wrappingTextBoxFlag xmlns="" xmlns:m="http://schemas.openxmlformats.org/officeDocument/2006/math" xmlns:a14="http://schemas.microsoft.com/office/drawing/2010/main" xmlns:ma14="http://schemas.microsoft.com/office/mac/drawingml/2011/main" val="1"/>
             </a:ext>
           </a:extLst>
         </p:spPr>
@@ -41777,7 +41590,7 @@
           </a:ln>
           <a:extLst>
             <a:ext uri="{C572A759-6A51-4108-AA02-DFA0A04FC94B}">
-              <ma14:wrappingTextBoxFlag xmlns:ma14="http://schemas.microsoft.com/office/mac/drawingml/2011/main" xmlns:a14="http://schemas.microsoft.com/office/drawing/2010/main" xmlns:m="http://schemas.openxmlformats.org/officeDocument/2006/math" xmlns="" val="1"/>
+              <ma14:wrappingTextBoxFlag xmlns="" xmlns:m="http://schemas.openxmlformats.org/officeDocument/2006/math" xmlns:a14="http://schemas.microsoft.com/office/drawing/2010/main" xmlns:ma14="http://schemas.microsoft.com/office/mac/drawingml/2011/main" val="1"/>
             </a:ext>
           </a:extLst>
         </p:spPr>
@@ -41825,7 +41638,7 @@
           </a:ln>
           <a:extLst>
             <a:ext uri="{C572A759-6A51-4108-AA02-DFA0A04FC94B}">
-              <ma14:wrappingTextBoxFlag xmlns:ma14="http://schemas.microsoft.com/office/mac/drawingml/2011/main" xmlns:a14="http://schemas.microsoft.com/office/drawing/2010/main" xmlns:m="http://schemas.openxmlformats.org/officeDocument/2006/math" xmlns="" val="1"/>
+              <ma14:wrappingTextBoxFlag xmlns="" xmlns:m="http://schemas.openxmlformats.org/officeDocument/2006/math" xmlns:a14="http://schemas.microsoft.com/office/drawing/2010/main" xmlns:ma14="http://schemas.microsoft.com/office/mac/drawingml/2011/main" val="1"/>
             </a:ext>
           </a:extLst>
         </p:spPr>
@@ -41873,7 +41686,7 @@
           </a:ln>
           <a:extLst>
             <a:ext uri="{C572A759-6A51-4108-AA02-DFA0A04FC94B}">
-              <ma14:wrappingTextBoxFlag xmlns:ma14="http://schemas.microsoft.com/office/mac/drawingml/2011/main" xmlns:a14="http://schemas.microsoft.com/office/drawing/2010/main" xmlns:m="http://schemas.openxmlformats.org/officeDocument/2006/math" xmlns="" val="1"/>
+              <ma14:wrappingTextBoxFlag xmlns="" xmlns:m="http://schemas.openxmlformats.org/officeDocument/2006/math" xmlns:a14="http://schemas.microsoft.com/office/drawing/2010/main" xmlns:ma14="http://schemas.microsoft.com/office/mac/drawingml/2011/main" val="1"/>
             </a:ext>
           </a:extLst>
         </p:spPr>
@@ -41921,7 +41734,7 @@
           </a:ln>
           <a:extLst>
             <a:ext uri="{C572A759-6A51-4108-AA02-DFA0A04FC94B}">
-              <ma14:wrappingTextBoxFlag xmlns:ma14="http://schemas.microsoft.com/office/mac/drawingml/2011/main" xmlns:a14="http://schemas.microsoft.com/office/drawing/2010/main" xmlns:m="http://schemas.openxmlformats.org/officeDocument/2006/math" xmlns="" val="1"/>
+              <ma14:wrappingTextBoxFlag xmlns="" xmlns:m="http://schemas.openxmlformats.org/officeDocument/2006/math" xmlns:a14="http://schemas.microsoft.com/office/drawing/2010/main" xmlns:ma14="http://schemas.microsoft.com/office/mac/drawingml/2011/main" val="1"/>
             </a:ext>
           </a:extLst>
         </p:spPr>
@@ -41969,7 +41782,7 @@
           </a:ln>
           <a:extLst>
             <a:ext uri="{C572A759-6A51-4108-AA02-DFA0A04FC94B}">
-              <ma14:wrappingTextBoxFlag xmlns:ma14="http://schemas.microsoft.com/office/mac/drawingml/2011/main" xmlns:a14="http://schemas.microsoft.com/office/drawing/2010/main" xmlns:m="http://schemas.openxmlformats.org/officeDocument/2006/math" xmlns="" val="1"/>
+              <ma14:wrappingTextBoxFlag xmlns="" xmlns:m="http://schemas.openxmlformats.org/officeDocument/2006/math" xmlns:a14="http://schemas.microsoft.com/office/drawing/2010/main" xmlns:ma14="http://schemas.microsoft.com/office/mac/drawingml/2011/main" val="1"/>
             </a:ext>
           </a:extLst>
         </p:spPr>
@@ -42017,7 +41830,7 @@
           </a:ln>
           <a:extLst>
             <a:ext uri="{C572A759-6A51-4108-AA02-DFA0A04FC94B}">
-              <ma14:wrappingTextBoxFlag xmlns:ma14="http://schemas.microsoft.com/office/mac/drawingml/2011/main" xmlns:a14="http://schemas.microsoft.com/office/drawing/2010/main" xmlns:m="http://schemas.openxmlformats.org/officeDocument/2006/math" xmlns="" val="1"/>
+              <ma14:wrappingTextBoxFlag xmlns="" xmlns:m="http://schemas.openxmlformats.org/officeDocument/2006/math" xmlns:a14="http://schemas.microsoft.com/office/drawing/2010/main" xmlns:ma14="http://schemas.microsoft.com/office/mac/drawingml/2011/main" val="1"/>
             </a:ext>
           </a:extLst>
         </p:spPr>
@@ -42065,7 +41878,7 @@
           </a:ln>
           <a:extLst>
             <a:ext uri="{C572A759-6A51-4108-AA02-DFA0A04FC94B}">
-              <ma14:wrappingTextBoxFlag xmlns:ma14="http://schemas.microsoft.com/office/mac/drawingml/2011/main" xmlns:a14="http://schemas.microsoft.com/office/drawing/2010/main" xmlns:m="http://schemas.openxmlformats.org/officeDocument/2006/math" xmlns="" val="1"/>
+              <ma14:wrappingTextBoxFlag xmlns="" xmlns:m="http://schemas.openxmlformats.org/officeDocument/2006/math" xmlns:a14="http://schemas.microsoft.com/office/drawing/2010/main" xmlns:ma14="http://schemas.microsoft.com/office/mac/drawingml/2011/main" val="1"/>
             </a:ext>
           </a:extLst>
         </p:spPr>
@@ -42113,7 +41926,7 @@
           </a:ln>
           <a:extLst>
             <a:ext uri="{C572A759-6A51-4108-AA02-DFA0A04FC94B}">
-              <ma14:wrappingTextBoxFlag xmlns:ma14="http://schemas.microsoft.com/office/mac/drawingml/2011/main" xmlns:a14="http://schemas.microsoft.com/office/drawing/2010/main" xmlns:m="http://schemas.openxmlformats.org/officeDocument/2006/math" xmlns="" val="1"/>
+              <ma14:wrappingTextBoxFlag xmlns="" xmlns:m="http://schemas.openxmlformats.org/officeDocument/2006/math" xmlns:a14="http://schemas.microsoft.com/office/drawing/2010/main" xmlns:ma14="http://schemas.microsoft.com/office/mac/drawingml/2011/main" val="1"/>
             </a:ext>
           </a:extLst>
         </p:spPr>
@@ -42431,7 +42244,7 @@
           </a:ln>
           <a:extLst>
             <a:ext uri="{C572A759-6A51-4108-AA02-DFA0A04FC94B}">
-              <ma14:wrappingTextBoxFlag xmlns:ma14="http://schemas.microsoft.com/office/mac/drawingml/2011/main" xmlns:a14="http://schemas.microsoft.com/office/drawing/2010/main" xmlns:m="http://schemas.openxmlformats.org/officeDocument/2006/math" xmlns="" val="1"/>
+              <ma14:wrappingTextBoxFlag xmlns="" xmlns:m="http://schemas.openxmlformats.org/officeDocument/2006/math" xmlns:a14="http://schemas.microsoft.com/office/drawing/2010/main" xmlns:ma14="http://schemas.microsoft.com/office/mac/drawingml/2011/main" val="1"/>
             </a:ext>
           </a:extLst>
         </p:spPr>
@@ -42886,7 +42699,7 @@
           </a:ln>
           <a:extLst>
             <a:ext uri="{C572A759-6A51-4108-AA02-DFA0A04FC94B}">
-              <ma14:wrappingTextBoxFlag xmlns:ma14="http://schemas.microsoft.com/office/mac/drawingml/2011/main" xmlns:a14="http://schemas.microsoft.com/office/drawing/2010/main" xmlns:m="http://schemas.openxmlformats.org/officeDocument/2006/math" xmlns="" val="1"/>
+              <ma14:wrappingTextBoxFlag xmlns="" xmlns:m="http://schemas.openxmlformats.org/officeDocument/2006/math" xmlns:a14="http://schemas.microsoft.com/office/drawing/2010/main" xmlns:ma14="http://schemas.microsoft.com/office/mac/drawingml/2011/main" val="1"/>
             </a:ext>
           </a:extLst>
         </p:spPr>
@@ -42991,7 +42804,7 @@
           </a:ln>
           <a:extLst>
             <a:ext uri="{C572A759-6A51-4108-AA02-DFA0A04FC94B}">
-              <ma14:wrappingTextBoxFlag xmlns:ma14="http://schemas.microsoft.com/office/mac/drawingml/2011/main" xmlns:a14="http://schemas.microsoft.com/office/drawing/2010/main" xmlns:m="http://schemas.openxmlformats.org/officeDocument/2006/math" xmlns="" val="1"/>
+              <ma14:wrappingTextBoxFlag xmlns="" xmlns:m="http://schemas.openxmlformats.org/officeDocument/2006/math" xmlns:a14="http://schemas.microsoft.com/office/drawing/2010/main" xmlns:ma14="http://schemas.microsoft.com/office/mac/drawingml/2011/main" val="1"/>
             </a:ext>
           </a:extLst>
         </p:spPr>
@@ -43150,7 +42963,7 @@
           </a:ln>
           <a:extLst>
             <a:ext uri="{C572A759-6A51-4108-AA02-DFA0A04FC94B}">
-              <ma14:wrappingTextBoxFlag xmlns:ma14="http://schemas.microsoft.com/office/mac/drawingml/2011/main" xmlns:a14="http://schemas.microsoft.com/office/drawing/2010/main" xmlns:m="http://schemas.openxmlformats.org/officeDocument/2006/math" xmlns="" val="1"/>
+              <ma14:wrappingTextBoxFlag xmlns="" xmlns:m="http://schemas.openxmlformats.org/officeDocument/2006/math" xmlns:a14="http://schemas.microsoft.com/office/drawing/2010/main" xmlns:ma14="http://schemas.microsoft.com/office/mac/drawingml/2011/main" val="1"/>
             </a:ext>
           </a:extLst>
         </p:spPr>
@@ -43426,7 +43239,7 @@
           </a:ln>
           <a:extLst>
             <a:ext uri="{C572A759-6A51-4108-AA02-DFA0A04FC94B}">
-              <ma14:wrappingTextBoxFlag xmlns:ma14="http://schemas.microsoft.com/office/mac/drawingml/2011/main" xmlns:a14="http://schemas.microsoft.com/office/drawing/2010/main" xmlns:m="http://schemas.openxmlformats.org/officeDocument/2006/math" xmlns="" val="1"/>
+              <ma14:wrappingTextBoxFlag xmlns="" xmlns:m="http://schemas.openxmlformats.org/officeDocument/2006/math" xmlns:a14="http://schemas.microsoft.com/office/drawing/2010/main" xmlns:ma14="http://schemas.microsoft.com/office/mac/drawingml/2011/main" val="1"/>
             </a:ext>
           </a:extLst>
         </p:spPr>
@@ -43474,7 +43287,7 @@
           </a:ln>
           <a:extLst>
             <a:ext uri="{C572A759-6A51-4108-AA02-DFA0A04FC94B}">
-              <ma14:wrappingTextBoxFlag xmlns:ma14="http://schemas.microsoft.com/office/mac/drawingml/2011/main" xmlns:a14="http://schemas.microsoft.com/office/drawing/2010/main" xmlns:m="http://schemas.openxmlformats.org/officeDocument/2006/math" xmlns="" val="1"/>
+              <ma14:wrappingTextBoxFlag xmlns="" xmlns:m="http://schemas.openxmlformats.org/officeDocument/2006/math" xmlns:a14="http://schemas.microsoft.com/office/drawing/2010/main" xmlns:ma14="http://schemas.microsoft.com/office/mac/drawingml/2011/main" val="1"/>
             </a:ext>
           </a:extLst>
         </p:spPr>
@@ -43522,7 +43335,7 @@
           </a:ln>
           <a:extLst>
             <a:ext uri="{C572A759-6A51-4108-AA02-DFA0A04FC94B}">
-              <ma14:wrappingTextBoxFlag xmlns:ma14="http://schemas.microsoft.com/office/mac/drawingml/2011/main" xmlns:a14="http://schemas.microsoft.com/office/drawing/2010/main" xmlns:m="http://schemas.openxmlformats.org/officeDocument/2006/math" xmlns="" val="1"/>
+              <ma14:wrappingTextBoxFlag xmlns="" xmlns:m="http://schemas.openxmlformats.org/officeDocument/2006/math" xmlns:a14="http://schemas.microsoft.com/office/drawing/2010/main" xmlns:ma14="http://schemas.microsoft.com/office/mac/drawingml/2011/main" val="1"/>
             </a:ext>
           </a:extLst>
         </p:spPr>
@@ -43570,7 +43383,7 @@
           </a:ln>
           <a:extLst>
             <a:ext uri="{C572A759-6A51-4108-AA02-DFA0A04FC94B}">
-              <ma14:wrappingTextBoxFlag xmlns:ma14="http://schemas.microsoft.com/office/mac/drawingml/2011/main" xmlns:a14="http://schemas.microsoft.com/office/drawing/2010/main" xmlns:m="http://schemas.openxmlformats.org/officeDocument/2006/math" xmlns="" val="1"/>
+              <ma14:wrappingTextBoxFlag xmlns="" xmlns:m="http://schemas.openxmlformats.org/officeDocument/2006/math" xmlns:a14="http://schemas.microsoft.com/office/drawing/2010/main" xmlns:ma14="http://schemas.microsoft.com/office/mac/drawingml/2011/main" val="1"/>
             </a:ext>
           </a:extLst>
         </p:spPr>
@@ -43618,7 +43431,7 @@
           </a:ln>
           <a:extLst>
             <a:ext uri="{C572A759-6A51-4108-AA02-DFA0A04FC94B}">
-              <ma14:wrappingTextBoxFlag xmlns:ma14="http://schemas.microsoft.com/office/mac/drawingml/2011/main" xmlns:a14="http://schemas.microsoft.com/office/drawing/2010/main" xmlns:m="http://schemas.openxmlformats.org/officeDocument/2006/math" xmlns="" val="1"/>
+              <ma14:wrappingTextBoxFlag xmlns="" xmlns:m="http://schemas.openxmlformats.org/officeDocument/2006/math" xmlns:a14="http://schemas.microsoft.com/office/drawing/2010/main" xmlns:ma14="http://schemas.microsoft.com/office/mac/drawingml/2011/main" val="1"/>
             </a:ext>
           </a:extLst>
         </p:spPr>
@@ -43666,7 +43479,7 @@
           </a:ln>
           <a:extLst>
             <a:ext uri="{C572A759-6A51-4108-AA02-DFA0A04FC94B}">
-              <ma14:wrappingTextBoxFlag xmlns:ma14="http://schemas.microsoft.com/office/mac/drawingml/2011/main" xmlns:a14="http://schemas.microsoft.com/office/drawing/2010/main" xmlns:m="http://schemas.openxmlformats.org/officeDocument/2006/math" xmlns="" val="1"/>
+              <ma14:wrappingTextBoxFlag xmlns="" xmlns:m="http://schemas.openxmlformats.org/officeDocument/2006/math" xmlns:a14="http://schemas.microsoft.com/office/drawing/2010/main" xmlns:ma14="http://schemas.microsoft.com/office/mac/drawingml/2011/main" val="1"/>
             </a:ext>
           </a:extLst>
         </p:spPr>
@@ -43714,7 +43527,7 @@
           </a:ln>
           <a:extLst>
             <a:ext uri="{C572A759-6A51-4108-AA02-DFA0A04FC94B}">
-              <ma14:wrappingTextBoxFlag xmlns:ma14="http://schemas.microsoft.com/office/mac/drawingml/2011/main" xmlns:a14="http://schemas.microsoft.com/office/drawing/2010/main" xmlns:m="http://schemas.openxmlformats.org/officeDocument/2006/math" xmlns="" val="1"/>
+              <ma14:wrappingTextBoxFlag xmlns="" xmlns:m="http://schemas.openxmlformats.org/officeDocument/2006/math" xmlns:a14="http://schemas.microsoft.com/office/drawing/2010/main" xmlns:ma14="http://schemas.microsoft.com/office/mac/drawingml/2011/main" val="1"/>
             </a:ext>
           </a:extLst>
         </p:spPr>
@@ -43762,7 +43575,7 @@
           </a:ln>
           <a:extLst>
             <a:ext uri="{C572A759-6A51-4108-AA02-DFA0A04FC94B}">
-              <ma14:wrappingTextBoxFlag xmlns:ma14="http://schemas.microsoft.com/office/mac/drawingml/2011/main" xmlns:a14="http://schemas.microsoft.com/office/drawing/2010/main" xmlns:m="http://schemas.openxmlformats.org/officeDocument/2006/math" xmlns="" val="1"/>
+              <ma14:wrappingTextBoxFlag xmlns="" xmlns:m="http://schemas.openxmlformats.org/officeDocument/2006/math" xmlns:a14="http://schemas.microsoft.com/office/drawing/2010/main" xmlns:ma14="http://schemas.microsoft.com/office/mac/drawingml/2011/main" val="1"/>
             </a:ext>
           </a:extLst>
         </p:spPr>
@@ -43810,7 +43623,7 @@
           </a:ln>
           <a:extLst>
             <a:ext uri="{C572A759-6A51-4108-AA02-DFA0A04FC94B}">
-              <ma14:wrappingTextBoxFlag xmlns:ma14="http://schemas.microsoft.com/office/mac/drawingml/2011/main" xmlns:a14="http://schemas.microsoft.com/office/drawing/2010/main" xmlns:m="http://schemas.openxmlformats.org/officeDocument/2006/math" xmlns="" val="1"/>
+              <ma14:wrappingTextBoxFlag xmlns="" xmlns:m="http://schemas.openxmlformats.org/officeDocument/2006/math" xmlns:a14="http://schemas.microsoft.com/office/drawing/2010/main" xmlns:ma14="http://schemas.microsoft.com/office/mac/drawingml/2011/main" val="1"/>
             </a:ext>
           </a:extLst>
         </p:spPr>
@@ -43858,7 +43671,7 @@
           </a:ln>
           <a:extLst>
             <a:ext uri="{C572A759-6A51-4108-AA02-DFA0A04FC94B}">
-              <ma14:wrappingTextBoxFlag xmlns:ma14="http://schemas.microsoft.com/office/mac/drawingml/2011/main" xmlns:a14="http://schemas.microsoft.com/office/drawing/2010/main" xmlns:m="http://schemas.openxmlformats.org/officeDocument/2006/math" xmlns="" val="1"/>
+              <ma14:wrappingTextBoxFlag xmlns="" xmlns:m="http://schemas.openxmlformats.org/officeDocument/2006/math" xmlns:a14="http://schemas.microsoft.com/office/drawing/2010/main" xmlns:ma14="http://schemas.microsoft.com/office/mac/drawingml/2011/main" val="1"/>
             </a:ext>
           </a:extLst>
         </p:spPr>
@@ -43906,7 +43719,7 @@
           </a:ln>
           <a:extLst>
             <a:ext uri="{C572A759-6A51-4108-AA02-DFA0A04FC94B}">
-              <ma14:wrappingTextBoxFlag xmlns:ma14="http://schemas.microsoft.com/office/mac/drawingml/2011/main" xmlns:a14="http://schemas.microsoft.com/office/drawing/2010/main" xmlns:m="http://schemas.openxmlformats.org/officeDocument/2006/math" xmlns="" val="1"/>
+              <ma14:wrappingTextBoxFlag xmlns="" xmlns:m="http://schemas.openxmlformats.org/officeDocument/2006/math" xmlns:a14="http://schemas.microsoft.com/office/drawing/2010/main" xmlns:ma14="http://schemas.microsoft.com/office/mac/drawingml/2011/main" val="1"/>
             </a:ext>
           </a:extLst>
         </p:spPr>
@@ -43954,7 +43767,7 @@
           </a:ln>
           <a:extLst>
             <a:ext uri="{C572A759-6A51-4108-AA02-DFA0A04FC94B}">
-              <ma14:wrappingTextBoxFlag xmlns:ma14="http://schemas.microsoft.com/office/mac/drawingml/2011/main" xmlns:a14="http://schemas.microsoft.com/office/drawing/2010/main" xmlns:m="http://schemas.openxmlformats.org/officeDocument/2006/math" xmlns="" val="1"/>
+              <ma14:wrappingTextBoxFlag xmlns="" xmlns:m="http://schemas.openxmlformats.org/officeDocument/2006/math" xmlns:a14="http://schemas.microsoft.com/office/drawing/2010/main" xmlns:ma14="http://schemas.microsoft.com/office/mac/drawingml/2011/main" val="1"/>
             </a:ext>
           </a:extLst>
         </p:spPr>
@@ -44234,7 +44047,7 @@
           </a:ln>
           <a:extLst>
             <a:ext uri="{C572A759-6A51-4108-AA02-DFA0A04FC94B}">
-              <ma14:wrappingTextBoxFlag xmlns:ma14="http://schemas.microsoft.com/office/mac/drawingml/2011/main" xmlns:a14="http://schemas.microsoft.com/office/drawing/2010/main" xmlns:m="http://schemas.openxmlformats.org/officeDocument/2006/math" xmlns="" val="1"/>
+              <ma14:wrappingTextBoxFlag xmlns="" xmlns:m="http://schemas.openxmlformats.org/officeDocument/2006/math" xmlns:a14="http://schemas.microsoft.com/office/drawing/2010/main" xmlns:ma14="http://schemas.microsoft.com/office/mac/drawingml/2011/main" val="1"/>
             </a:ext>
           </a:extLst>
         </p:spPr>
@@ -44333,7 +44146,7 @@
           </a:ln>
           <a:extLst>
             <a:ext uri="{C572A759-6A51-4108-AA02-DFA0A04FC94B}">
-              <ma14:wrappingTextBoxFlag xmlns:ma14="http://schemas.microsoft.com/office/mac/drawingml/2011/main" xmlns:a14="http://schemas.microsoft.com/office/drawing/2010/main" xmlns:m="http://schemas.openxmlformats.org/officeDocument/2006/math" xmlns="" val="1"/>
+              <ma14:wrappingTextBoxFlag xmlns="" xmlns:m="http://schemas.openxmlformats.org/officeDocument/2006/math" xmlns:a14="http://schemas.microsoft.com/office/drawing/2010/main" xmlns:ma14="http://schemas.microsoft.com/office/mac/drawingml/2011/main" val="1"/>
             </a:ext>
           </a:extLst>
         </p:spPr>
@@ -44412,7 +44225,7 @@
           </a:ln>
           <a:extLst>
             <a:ext uri="{C572A759-6A51-4108-AA02-DFA0A04FC94B}">
-              <ma14:wrappingTextBoxFlag xmlns:ma14="http://schemas.microsoft.com/office/mac/drawingml/2011/main" xmlns:a14="http://schemas.microsoft.com/office/drawing/2010/main" xmlns:m="http://schemas.openxmlformats.org/officeDocument/2006/math" xmlns="" val="1"/>
+              <ma14:wrappingTextBoxFlag xmlns="" xmlns:m="http://schemas.openxmlformats.org/officeDocument/2006/math" xmlns:a14="http://schemas.microsoft.com/office/drawing/2010/main" xmlns:ma14="http://schemas.microsoft.com/office/mac/drawingml/2011/main" val="1"/>
             </a:ext>
           </a:extLst>
         </p:spPr>
@@ -44866,7 +44679,7 @@
           </a:ln>
           <a:extLst>
             <a:ext uri="{C572A759-6A51-4108-AA02-DFA0A04FC94B}">
-              <ma14:wrappingTextBoxFlag xmlns:ma14="http://schemas.microsoft.com/office/mac/drawingml/2011/main" xmlns:a14="http://schemas.microsoft.com/office/drawing/2010/main" xmlns:m="http://schemas.openxmlformats.org/officeDocument/2006/math" xmlns="" val="1"/>
+              <ma14:wrappingTextBoxFlag xmlns="" xmlns:m="http://schemas.openxmlformats.org/officeDocument/2006/math" xmlns:a14="http://schemas.microsoft.com/office/drawing/2010/main" xmlns:ma14="http://schemas.microsoft.com/office/mac/drawingml/2011/main" val="1"/>
             </a:ext>
           </a:extLst>
         </p:spPr>
@@ -45142,7 +44955,7 @@
           </a:ln>
           <a:extLst>
             <a:ext uri="{C572A759-6A51-4108-AA02-DFA0A04FC94B}">
-              <ma14:wrappingTextBoxFlag xmlns:ma14="http://schemas.microsoft.com/office/mac/drawingml/2011/main" xmlns:a14="http://schemas.microsoft.com/office/drawing/2010/main" xmlns:m="http://schemas.openxmlformats.org/officeDocument/2006/math" xmlns="" val="1"/>
+              <ma14:wrappingTextBoxFlag xmlns="" xmlns:m="http://schemas.openxmlformats.org/officeDocument/2006/math" xmlns:a14="http://schemas.microsoft.com/office/drawing/2010/main" xmlns:ma14="http://schemas.microsoft.com/office/mac/drawingml/2011/main" val="1"/>
             </a:ext>
           </a:extLst>
         </p:spPr>
@@ -45190,7 +45003,7 @@
           </a:ln>
           <a:extLst>
             <a:ext uri="{C572A759-6A51-4108-AA02-DFA0A04FC94B}">
-              <ma14:wrappingTextBoxFlag xmlns:ma14="http://schemas.microsoft.com/office/mac/drawingml/2011/main" xmlns:a14="http://schemas.microsoft.com/office/drawing/2010/main" xmlns:m="http://schemas.openxmlformats.org/officeDocument/2006/math" xmlns="" val="1"/>
+              <ma14:wrappingTextBoxFlag xmlns="" xmlns:m="http://schemas.openxmlformats.org/officeDocument/2006/math" xmlns:a14="http://schemas.microsoft.com/office/drawing/2010/main" xmlns:ma14="http://schemas.microsoft.com/office/mac/drawingml/2011/main" val="1"/>
             </a:ext>
           </a:extLst>
         </p:spPr>
@@ -45238,7 +45051,7 @@
           </a:ln>
           <a:extLst>
             <a:ext uri="{C572A759-6A51-4108-AA02-DFA0A04FC94B}">
-              <ma14:wrappingTextBoxFlag xmlns:ma14="http://schemas.microsoft.com/office/mac/drawingml/2011/main" xmlns:a14="http://schemas.microsoft.com/office/drawing/2010/main" xmlns:m="http://schemas.openxmlformats.org/officeDocument/2006/math" xmlns="" val="1"/>
+              <ma14:wrappingTextBoxFlag xmlns="" xmlns:m="http://schemas.openxmlformats.org/officeDocument/2006/math" xmlns:a14="http://schemas.microsoft.com/office/drawing/2010/main" xmlns:ma14="http://schemas.microsoft.com/office/mac/drawingml/2011/main" val="1"/>
             </a:ext>
           </a:extLst>
         </p:spPr>
@@ -45286,7 +45099,7 @@
           </a:ln>
           <a:extLst>
             <a:ext uri="{C572A759-6A51-4108-AA02-DFA0A04FC94B}">
-              <ma14:wrappingTextBoxFlag xmlns:ma14="http://schemas.microsoft.com/office/mac/drawingml/2011/main" xmlns:a14="http://schemas.microsoft.com/office/drawing/2010/main" xmlns:m="http://schemas.openxmlformats.org/officeDocument/2006/math" xmlns="" val="1"/>
+              <ma14:wrappingTextBoxFlag xmlns="" xmlns:m="http://schemas.openxmlformats.org/officeDocument/2006/math" xmlns:a14="http://schemas.microsoft.com/office/drawing/2010/main" xmlns:ma14="http://schemas.microsoft.com/office/mac/drawingml/2011/main" val="1"/>
             </a:ext>
           </a:extLst>
         </p:spPr>
@@ -45334,7 +45147,7 @@
           </a:ln>
           <a:extLst>
             <a:ext uri="{C572A759-6A51-4108-AA02-DFA0A04FC94B}">
-              <ma14:wrappingTextBoxFlag xmlns:ma14="http://schemas.microsoft.com/office/mac/drawingml/2011/main" xmlns:a14="http://schemas.microsoft.com/office/drawing/2010/main" xmlns:m="http://schemas.openxmlformats.org/officeDocument/2006/math" xmlns="" val="1"/>
+              <ma14:wrappingTextBoxFlag xmlns="" xmlns:m="http://schemas.openxmlformats.org/officeDocument/2006/math" xmlns:a14="http://schemas.microsoft.com/office/drawing/2010/main" xmlns:ma14="http://schemas.microsoft.com/office/mac/drawingml/2011/main" val="1"/>
             </a:ext>
           </a:extLst>
         </p:spPr>
@@ -45382,7 +45195,7 @@
           </a:ln>
           <a:extLst>
             <a:ext uri="{C572A759-6A51-4108-AA02-DFA0A04FC94B}">
-              <ma14:wrappingTextBoxFlag xmlns:ma14="http://schemas.microsoft.com/office/mac/drawingml/2011/main" xmlns:a14="http://schemas.microsoft.com/office/drawing/2010/main" xmlns:m="http://schemas.openxmlformats.org/officeDocument/2006/math" xmlns="" val="1"/>
+              <ma14:wrappingTextBoxFlag xmlns="" xmlns:m="http://schemas.openxmlformats.org/officeDocument/2006/math" xmlns:a14="http://schemas.microsoft.com/office/drawing/2010/main" xmlns:ma14="http://schemas.microsoft.com/office/mac/drawingml/2011/main" val="1"/>
             </a:ext>
           </a:extLst>
         </p:spPr>
@@ -45430,7 +45243,7 @@
           </a:ln>
           <a:extLst>
             <a:ext uri="{C572A759-6A51-4108-AA02-DFA0A04FC94B}">
-              <ma14:wrappingTextBoxFlag xmlns:ma14="http://schemas.microsoft.com/office/mac/drawingml/2011/main" xmlns:a14="http://schemas.microsoft.com/office/drawing/2010/main" xmlns:m="http://schemas.openxmlformats.org/officeDocument/2006/math" xmlns="" val="1"/>
+              <ma14:wrappingTextBoxFlag xmlns="" xmlns:m="http://schemas.openxmlformats.org/officeDocument/2006/math" xmlns:a14="http://schemas.microsoft.com/office/drawing/2010/main" xmlns:ma14="http://schemas.microsoft.com/office/mac/drawingml/2011/main" val="1"/>
             </a:ext>
           </a:extLst>
         </p:spPr>
@@ -45478,7 +45291,7 @@
           </a:ln>
           <a:extLst>
             <a:ext uri="{C572A759-6A51-4108-AA02-DFA0A04FC94B}">
-              <ma14:wrappingTextBoxFlag xmlns:ma14="http://schemas.microsoft.com/office/mac/drawingml/2011/main" xmlns:a14="http://schemas.microsoft.com/office/drawing/2010/main" xmlns:m="http://schemas.openxmlformats.org/officeDocument/2006/math" xmlns="" val="1"/>
+              <ma14:wrappingTextBoxFlag xmlns="" xmlns:m="http://schemas.openxmlformats.org/officeDocument/2006/math" xmlns:a14="http://schemas.microsoft.com/office/drawing/2010/main" xmlns:ma14="http://schemas.microsoft.com/office/mac/drawingml/2011/main" val="1"/>
             </a:ext>
           </a:extLst>
         </p:spPr>
@@ -45526,7 +45339,7 @@
           </a:ln>
           <a:extLst>
             <a:ext uri="{C572A759-6A51-4108-AA02-DFA0A04FC94B}">
-              <ma14:wrappingTextBoxFlag xmlns:ma14="http://schemas.microsoft.com/office/mac/drawingml/2011/main" xmlns:a14="http://schemas.microsoft.com/office/drawing/2010/main" xmlns:m="http://schemas.openxmlformats.org/officeDocument/2006/math" xmlns="" val="1"/>
+              <ma14:wrappingTextBoxFlag xmlns="" xmlns:m="http://schemas.openxmlformats.org/officeDocument/2006/math" xmlns:a14="http://schemas.microsoft.com/office/drawing/2010/main" xmlns:ma14="http://schemas.microsoft.com/office/mac/drawingml/2011/main" val="1"/>
             </a:ext>
           </a:extLst>
         </p:spPr>
@@ -45574,7 +45387,7 @@
           </a:ln>
           <a:extLst>
             <a:ext uri="{C572A759-6A51-4108-AA02-DFA0A04FC94B}">
-              <ma14:wrappingTextBoxFlag xmlns:ma14="http://schemas.microsoft.com/office/mac/drawingml/2011/main" xmlns:a14="http://schemas.microsoft.com/office/drawing/2010/main" xmlns:m="http://schemas.openxmlformats.org/officeDocument/2006/math" xmlns="" val="1"/>
+              <ma14:wrappingTextBoxFlag xmlns="" xmlns:m="http://schemas.openxmlformats.org/officeDocument/2006/math" xmlns:a14="http://schemas.microsoft.com/office/drawing/2010/main" xmlns:ma14="http://schemas.microsoft.com/office/mac/drawingml/2011/main" val="1"/>
             </a:ext>
           </a:extLst>
         </p:spPr>
@@ -45622,7 +45435,7 @@
           </a:ln>
           <a:extLst>
             <a:ext uri="{C572A759-6A51-4108-AA02-DFA0A04FC94B}">
-              <ma14:wrappingTextBoxFlag xmlns:ma14="http://schemas.microsoft.com/office/mac/drawingml/2011/main" xmlns:a14="http://schemas.microsoft.com/office/drawing/2010/main" xmlns:m="http://schemas.openxmlformats.org/officeDocument/2006/math" xmlns="" val="1"/>
+              <ma14:wrappingTextBoxFlag xmlns="" xmlns:m="http://schemas.openxmlformats.org/officeDocument/2006/math" xmlns:a14="http://schemas.microsoft.com/office/drawing/2010/main" xmlns:ma14="http://schemas.microsoft.com/office/mac/drawingml/2011/main" val="1"/>
             </a:ext>
           </a:extLst>
         </p:spPr>
@@ -45670,7 +45483,7 @@
           </a:ln>
           <a:extLst>
             <a:ext uri="{C572A759-6A51-4108-AA02-DFA0A04FC94B}">
-              <ma14:wrappingTextBoxFlag xmlns:ma14="http://schemas.microsoft.com/office/mac/drawingml/2011/main" xmlns:a14="http://schemas.microsoft.com/office/drawing/2010/main" xmlns:m="http://schemas.openxmlformats.org/officeDocument/2006/math" xmlns="" val="1"/>
+              <ma14:wrappingTextBoxFlag xmlns="" xmlns:m="http://schemas.openxmlformats.org/officeDocument/2006/math" xmlns:a14="http://schemas.microsoft.com/office/drawing/2010/main" xmlns:ma14="http://schemas.microsoft.com/office/mac/drawingml/2011/main" val="1"/>
             </a:ext>
           </a:extLst>
         </p:spPr>
@@ -46089,7 +45902,7 @@
           </a:ln>
           <a:extLst>
             <a:ext uri="{C572A759-6A51-4108-AA02-DFA0A04FC94B}">
-              <ma14:wrappingTextBoxFlag xmlns:ma14="http://schemas.microsoft.com/office/mac/drawingml/2011/main" xmlns:a14="http://schemas.microsoft.com/office/drawing/2010/main" xmlns:m="http://schemas.openxmlformats.org/officeDocument/2006/math" xmlns="" val="1"/>
+              <ma14:wrappingTextBoxFlag xmlns="" xmlns:m="http://schemas.openxmlformats.org/officeDocument/2006/math" xmlns:a14="http://schemas.microsoft.com/office/drawing/2010/main" xmlns:ma14="http://schemas.microsoft.com/office/mac/drawingml/2011/main" val="1"/>
             </a:ext>
           </a:extLst>
         </p:spPr>
@@ -46365,7 +46178,7 @@
           </a:ln>
           <a:extLst>
             <a:ext uri="{C572A759-6A51-4108-AA02-DFA0A04FC94B}">
-              <ma14:wrappingTextBoxFlag xmlns:ma14="http://schemas.microsoft.com/office/mac/drawingml/2011/main" xmlns:a14="http://schemas.microsoft.com/office/drawing/2010/main" xmlns:m="http://schemas.openxmlformats.org/officeDocument/2006/math" xmlns="" val="1"/>
+              <ma14:wrappingTextBoxFlag xmlns="" xmlns:m="http://schemas.openxmlformats.org/officeDocument/2006/math" xmlns:a14="http://schemas.microsoft.com/office/drawing/2010/main" xmlns:ma14="http://schemas.microsoft.com/office/mac/drawingml/2011/main" val="1"/>
             </a:ext>
           </a:extLst>
         </p:spPr>
@@ -46413,7 +46226,7 @@
           </a:ln>
           <a:extLst>
             <a:ext uri="{C572A759-6A51-4108-AA02-DFA0A04FC94B}">
-              <ma14:wrappingTextBoxFlag xmlns:ma14="http://schemas.microsoft.com/office/mac/drawingml/2011/main" xmlns:a14="http://schemas.microsoft.com/office/drawing/2010/main" xmlns:m="http://schemas.openxmlformats.org/officeDocument/2006/math" xmlns="" val="1"/>
+              <ma14:wrappingTextBoxFlag xmlns="" xmlns:m="http://schemas.openxmlformats.org/officeDocument/2006/math" xmlns:a14="http://schemas.microsoft.com/office/drawing/2010/main" xmlns:ma14="http://schemas.microsoft.com/office/mac/drawingml/2011/main" val="1"/>
             </a:ext>
           </a:extLst>
         </p:spPr>
@@ -46461,7 +46274,7 @@
           </a:ln>
           <a:extLst>
             <a:ext uri="{C572A759-6A51-4108-AA02-DFA0A04FC94B}">
-              <ma14:wrappingTextBoxFlag xmlns:ma14="http://schemas.microsoft.com/office/mac/drawingml/2011/main" xmlns:a14="http://schemas.microsoft.com/office/drawing/2010/main" xmlns:m="http://schemas.openxmlformats.org/officeDocument/2006/math" xmlns="" val="1"/>
+              <ma14:wrappingTextBoxFlag xmlns="" xmlns:m="http://schemas.openxmlformats.org/officeDocument/2006/math" xmlns:a14="http://schemas.microsoft.com/office/drawing/2010/main" xmlns:ma14="http://schemas.microsoft.com/office/mac/drawingml/2011/main" val="1"/>
             </a:ext>
           </a:extLst>
         </p:spPr>
@@ -46509,7 +46322,7 @@
           </a:ln>
           <a:extLst>
             <a:ext uri="{C572A759-6A51-4108-AA02-DFA0A04FC94B}">
-              <ma14:wrappingTextBoxFlag xmlns:ma14="http://schemas.microsoft.com/office/mac/drawingml/2011/main" xmlns:a14="http://schemas.microsoft.com/office/drawing/2010/main" xmlns:m="http://schemas.openxmlformats.org/officeDocument/2006/math" xmlns="" val="1"/>
+              <ma14:wrappingTextBoxFlag xmlns="" xmlns:m="http://schemas.openxmlformats.org/officeDocument/2006/math" xmlns:a14="http://schemas.microsoft.com/office/drawing/2010/main" xmlns:ma14="http://schemas.microsoft.com/office/mac/drawingml/2011/main" val="1"/>
             </a:ext>
           </a:extLst>
         </p:spPr>
@@ -46557,7 +46370,7 @@
           </a:ln>
           <a:extLst>
             <a:ext uri="{C572A759-6A51-4108-AA02-DFA0A04FC94B}">
-              <ma14:wrappingTextBoxFlag xmlns:ma14="http://schemas.microsoft.com/office/mac/drawingml/2011/main" xmlns:a14="http://schemas.microsoft.com/office/drawing/2010/main" xmlns:m="http://schemas.openxmlformats.org/officeDocument/2006/math" xmlns="" val="1"/>
+              <ma14:wrappingTextBoxFlag xmlns="" xmlns:m="http://schemas.openxmlformats.org/officeDocument/2006/math" xmlns:a14="http://schemas.microsoft.com/office/drawing/2010/main" xmlns:ma14="http://schemas.microsoft.com/office/mac/drawingml/2011/main" val="1"/>
             </a:ext>
           </a:extLst>
         </p:spPr>
@@ -46605,7 +46418,7 @@
           </a:ln>
           <a:extLst>
             <a:ext uri="{C572A759-6A51-4108-AA02-DFA0A04FC94B}">
-              <ma14:wrappingTextBoxFlag xmlns:ma14="http://schemas.microsoft.com/office/mac/drawingml/2011/main" xmlns:a14="http://schemas.microsoft.com/office/drawing/2010/main" xmlns:m="http://schemas.openxmlformats.org/officeDocument/2006/math" xmlns="" val="1"/>
+              <ma14:wrappingTextBoxFlag xmlns="" xmlns:m="http://schemas.openxmlformats.org/officeDocument/2006/math" xmlns:a14="http://schemas.microsoft.com/office/drawing/2010/main" xmlns:ma14="http://schemas.microsoft.com/office/mac/drawingml/2011/main" val="1"/>
             </a:ext>
           </a:extLst>
         </p:spPr>
@@ -46653,7 +46466,7 @@
           </a:ln>
           <a:extLst>
             <a:ext uri="{C572A759-6A51-4108-AA02-DFA0A04FC94B}">
-              <ma14:wrappingTextBoxFlag xmlns:ma14="http://schemas.microsoft.com/office/mac/drawingml/2011/main" xmlns:a14="http://schemas.microsoft.com/office/drawing/2010/main" xmlns:m="http://schemas.openxmlformats.org/officeDocument/2006/math" xmlns="" val="1"/>
+              <ma14:wrappingTextBoxFlag xmlns="" xmlns:m="http://schemas.openxmlformats.org/officeDocument/2006/math" xmlns:a14="http://schemas.microsoft.com/office/drawing/2010/main" xmlns:ma14="http://schemas.microsoft.com/office/mac/drawingml/2011/main" val="1"/>
             </a:ext>
           </a:extLst>
         </p:spPr>
@@ -46701,7 +46514,7 @@
           </a:ln>
           <a:extLst>
             <a:ext uri="{C572A759-6A51-4108-AA02-DFA0A04FC94B}">
-              <ma14:wrappingTextBoxFlag xmlns:ma14="http://schemas.microsoft.com/office/mac/drawingml/2011/main" xmlns:a14="http://schemas.microsoft.com/office/drawing/2010/main" xmlns:m="http://schemas.openxmlformats.org/officeDocument/2006/math" xmlns="" val="1"/>
+              <ma14:wrappingTextBoxFlag xmlns="" xmlns:m="http://schemas.openxmlformats.org/officeDocument/2006/math" xmlns:a14="http://schemas.microsoft.com/office/drawing/2010/main" xmlns:ma14="http://schemas.microsoft.com/office/mac/drawingml/2011/main" val="1"/>
             </a:ext>
           </a:extLst>
         </p:spPr>
@@ -46749,7 +46562,7 @@
           </a:ln>
           <a:extLst>
             <a:ext uri="{C572A759-6A51-4108-AA02-DFA0A04FC94B}">
-              <ma14:wrappingTextBoxFlag xmlns:ma14="http://schemas.microsoft.com/office/mac/drawingml/2011/main" xmlns:a14="http://schemas.microsoft.com/office/drawing/2010/main" xmlns:m="http://schemas.openxmlformats.org/officeDocument/2006/math" xmlns="" val="1"/>
+              <ma14:wrappingTextBoxFlag xmlns="" xmlns:m="http://schemas.openxmlformats.org/officeDocument/2006/math" xmlns:a14="http://schemas.microsoft.com/office/drawing/2010/main" xmlns:ma14="http://schemas.microsoft.com/office/mac/drawingml/2011/main" val="1"/>
             </a:ext>
           </a:extLst>
         </p:spPr>
@@ -46797,7 +46610,7 @@
           </a:ln>
           <a:extLst>
             <a:ext uri="{C572A759-6A51-4108-AA02-DFA0A04FC94B}">
-              <ma14:wrappingTextBoxFlag xmlns:ma14="http://schemas.microsoft.com/office/mac/drawingml/2011/main" xmlns:a14="http://schemas.microsoft.com/office/drawing/2010/main" xmlns:m="http://schemas.openxmlformats.org/officeDocument/2006/math" xmlns="" val="1"/>
+              <ma14:wrappingTextBoxFlag xmlns="" xmlns:m="http://schemas.openxmlformats.org/officeDocument/2006/math" xmlns:a14="http://schemas.microsoft.com/office/drawing/2010/main" xmlns:ma14="http://schemas.microsoft.com/office/mac/drawingml/2011/main" val="1"/>
             </a:ext>
           </a:extLst>
         </p:spPr>
@@ -46845,7 +46658,7 @@
           </a:ln>
           <a:extLst>
             <a:ext uri="{C572A759-6A51-4108-AA02-DFA0A04FC94B}">
-              <ma14:wrappingTextBoxFlag xmlns:ma14="http://schemas.microsoft.com/office/mac/drawingml/2011/main" xmlns:a14="http://schemas.microsoft.com/office/drawing/2010/main" xmlns:m="http://schemas.openxmlformats.org/officeDocument/2006/math" xmlns="" val="1"/>
+              <ma14:wrappingTextBoxFlag xmlns="" xmlns:m="http://schemas.openxmlformats.org/officeDocument/2006/math" xmlns:a14="http://schemas.microsoft.com/office/drawing/2010/main" xmlns:ma14="http://schemas.microsoft.com/office/mac/drawingml/2011/main" val="1"/>
             </a:ext>
           </a:extLst>
         </p:spPr>
@@ -46893,7 +46706,7 @@
           </a:ln>
           <a:extLst>
             <a:ext uri="{C572A759-6A51-4108-AA02-DFA0A04FC94B}">
-              <ma14:wrappingTextBoxFlag xmlns:ma14="http://schemas.microsoft.com/office/mac/drawingml/2011/main" xmlns:a14="http://schemas.microsoft.com/office/drawing/2010/main" xmlns:m="http://schemas.openxmlformats.org/officeDocument/2006/math" xmlns="" val="1"/>
+              <ma14:wrappingTextBoxFlag xmlns="" xmlns:m="http://schemas.openxmlformats.org/officeDocument/2006/math" xmlns:a14="http://schemas.microsoft.com/office/drawing/2010/main" xmlns:ma14="http://schemas.microsoft.com/office/mac/drawingml/2011/main" val="1"/>
             </a:ext>
           </a:extLst>
         </p:spPr>
@@ -47124,7 +46937,7 @@
           </a:ln>
           <a:extLst>
             <a:ext uri="{C572A759-6A51-4108-AA02-DFA0A04FC94B}">
-              <ma14:wrappingTextBoxFlag xmlns:ma14="http://schemas.microsoft.com/office/mac/drawingml/2011/main" xmlns:a14="http://schemas.microsoft.com/office/drawing/2010/main" xmlns:m="http://schemas.openxmlformats.org/officeDocument/2006/math" xmlns="" val="1"/>
+              <ma14:wrappingTextBoxFlag xmlns="" xmlns:m="http://schemas.openxmlformats.org/officeDocument/2006/math" xmlns:a14="http://schemas.microsoft.com/office/drawing/2010/main" xmlns:ma14="http://schemas.microsoft.com/office/mac/drawingml/2011/main" val="1"/>
             </a:ext>
           </a:extLst>
         </p:spPr>
@@ -47396,7 +47209,7 @@
           </a:ln>
           <a:extLst>
             <a:ext uri="{C572A759-6A51-4108-AA02-DFA0A04FC94B}">
-              <ma14:wrappingTextBoxFlag xmlns:ma14="http://schemas.microsoft.com/office/mac/drawingml/2011/main" xmlns:a14="http://schemas.microsoft.com/office/drawing/2010/main" xmlns:m="http://schemas.openxmlformats.org/officeDocument/2006/math" xmlns="" val="1"/>
+              <ma14:wrappingTextBoxFlag xmlns="" xmlns:m="http://schemas.openxmlformats.org/officeDocument/2006/math" xmlns:a14="http://schemas.microsoft.com/office/drawing/2010/main" xmlns:ma14="http://schemas.microsoft.com/office/mac/drawingml/2011/main" val="1"/>
             </a:ext>
           </a:extLst>
         </p:spPr>
@@ -47646,7 +47459,7 @@
           </a:ln>
           <a:extLst>
             <a:ext uri="{C572A759-6A51-4108-AA02-DFA0A04FC94B}">
-              <ma14:wrappingTextBoxFlag xmlns:ma14="http://schemas.microsoft.com/office/mac/drawingml/2011/main" xmlns:a14="http://schemas.microsoft.com/office/drawing/2010/main" xmlns:m="http://schemas.openxmlformats.org/officeDocument/2006/math" xmlns="" val="1"/>
+              <ma14:wrappingTextBoxFlag xmlns="" xmlns:m="http://schemas.openxmlformats.org/officeDocument/2006/math" xmlns:a14="http://schemas.microsoft.com/office/drawing/2010/main" xmlns:ma14="http://schemas.microsoft.com/office/mac/drawingml/2011/main" val="1"/>
             </a:ext>
           </a:extLst>
         </p:spPr>
@@ -47922,7 +47735,7 @@
           </a:ln>
           <a:extLst>
             <a:ext uri="{C572A759-6A51-4108-AA02-DFA0A04FC94B}">
-              <ma14:wrappingTextBoxFlag xmlns:ma14="http://schemas.microsoft.com/office/mac/drawingml/2011/main" xmlns:a14="http://schemas.microsoft.com/office/drawing/2010/main" xmlns:m="http://schemas.openxmlformats.org/officeDocument/2006/math" xmlns="" val="1"/>
+              <ma14:wrappingTextBoxFlag xmlns="" xmlns:m="http://schemas.openxmlformats.org/officeDocument/2006/math" xmlns:a14="http://schemas.microsoft.com/office/drawing/2010/main" xmlns:ma14="http://schemas.microsoft.com/office/mac/drawingml/2011/main" val="1"/>
             </a:ext>
           </a:extLst>
         </p:spPr>
@@ -47970,7 +47783,7 @@
           </a:ln>
           <a:extLst>
             <a:ext uri="{C572A759-6A51-4108-AA02-DFA0A04FC94B}">
-              <ma14:wrappingTextBoxFlag xmlns:ma14="http://schemas.microsoft.com/office/mac/drawingml/2011/main" xmlns:a14="http://schemas.microsoft.com/office/drawing/2010/main" xmlns:m="http://schemas.openxmlformats.org/officeDocument/2006/math" xmlns="" val="1"/>
+              <ma14:wrappingTextBoxFlag xmlns="" xmlns:m="http://schemas.openxmlformats.org/officeDocument/2006/math" xmlns:a14="http://schemas.microsoft.com/office/drawing/2010/main" xmlns:ma14="http://schemas.microsoft.com/office/mac/drawingml/2011/main" val="1"/>
             </a:ext>
           </a:extLst>
         </p:spPr>
@@ -48018,7 +47831,7 @@
           </a:ln>
           <a:extLst>
             <a:ext uri="{C572A759-6A51-4108-AA02-DFA0A04FC94B}">
-              <ma14:wrappingTextBoxFlag xmlns:ma14="http://schemas.microsoft.com/office/mac/drawingml/2011/main" xmlns:a14="http://schemas.microsoft.com/office/drawing/2010/main" xmlns:m="http://schemas.openxmlformats.org/officeDocument/2006/math" xmlns="" val="1"/>
+              <ma14:wrappingTextBoxFlag xmlns="" xmlns:m="http://schemas.openxmlformats.org/officeDocument/2006/math" xmlns:a14="http://schemas.microsoft.com/office/drawing/2010/main" xmlns:ma14="http://schemas.microsoft.com/office/mac/drawingml/2011/main" val="1"/>
             </a:ext>
           </a:extLst>
         </p:spPr>
@@ -48066,7 +47879,7 @@
           </a:ln>
           <a:extLst>
             <a:ext uri="{C572A759-6A51-4108-AA02-DFA0A04FC94B}">
-              <ma14:wrappingTextBoxFlag xmlns:ma14="http://schemas.microsoft.com/office/mac/drawingml/2011/main" xmlns:a14="http://schemas.microsoft.com/office/drawing/2010/main" xmlns:m="http://schemas.openxmlformats.org/officeDocument/2006/math" xmlns="" val="1"/>
+              <ma14:wrappingTextBoxFlag xmlns="" xmlns:m="http://schemas.openxmlformats.org/officeDocument/2006/math" xmlns:a14="http://schemas.microsoft.com/office/drawing/2010/main" xmlns:ma14="http://schemas.microsoft.com/office/mac/drawingml/2011/main" val="1"/>
             </a:ext>
           </a:extLst>
         </p:spPr>
@@ -48114,7 +47927,7 @@
           </a:ln>
           <a:extLst>
             <a:ext uri="{C572A759-6A51-4108-AA02-DFA0A04FC94B}">
-              <ma14:wrappingTextBoxFlag xmlns:ma14="http://schemas.microsoft.com/office/mac/drawingml/2011/main" xmlns:a14="http://schemas.microsoft.com/office/drawing/2010/main" xmlns:m="http://schemas.openxmlformats.org/officeDocument/2006/math" xmlns="" val="1"/>
+              <ma14:wrappingTextBoxFlag xmlns="" xmlns:m="http://schemas.openxmlformats.org/officeDocument/2006/math" xmlns:a14="http://schemas.microsoft.com/office/drawing/2010/main" xmlns:ma14="http://schemas.microsoft.com/office/mac/drawingml/2011/main" val="1"/>
             </a:ext>
           </a:extLst>
         </p:spPr>
@@ -48162,7 +47975,7 @@
           </a:ln>
           <a:extLst>
             <a:ext uri="{C572A759-6A51-4108-AA02-DFA0A04FC94B}">
-              <ma14:wrappingTextBoxFlag xmlns:ma14="http://schemas.microsoft.com/office/mac/drawingml/2011/main" xmlns:a14="http://schemas.microsoft.com/office/drawing/2010/main" xmlns:m="http://schemas.openxmlformats.org/officeDocument/2006/math" xmlns="" val="1"/>
+              <ma14:wrappingTextBoxFlag xmlns="" xmlns:m="http://schemas.openxmlformats.org/officeDocument/2006/math" xmlns:a14="http://schemas.microsoft.com/office/drawing/2010/main" xmlns:ma14="http://schemas.microsoft.com/office/mac/drawingml/2011/main" val="1"/>
             </a:ext>
           </a:extLst>
         </p:spPr>
@@ -48210,7 +48023,7 @@
           </a:ln>
           <a:extLst>
             <a:ext uri="{C572A759-6A51-4108-AA02-DFA0A04FC94B}">
-              <ma14:wrappingTextBoxFlag xmlns:ma14="http://schemas.microsoft.com/office/mac/drawingml/2011/main" xmlns:a14="http://schemas.microsoft.com/office/drawing/2010/main" xmlns:m="http://schemas.openxmlformats.org/officeDocument/2006/math" xmlns="" val="1"/>
+              <ma14:wrappingTextBoxFlag xmlns="" xmlns:m="http://schemas.openxmlformats.org/officeDocument/2006/math" xmlns:a14="http://schemas.microsoft.com/office/drawing/2010/main" xmlns:ma14="http://schemas.microsoft.com/office/mac/drawingml/2011/main" val="1"/>
             </a:ext>
           </a:extLst>
         </p:spPr>
@@ -48258,7 +48071,7 @@
           </a:ln>
           <a:extLst>
             <a:ext uri="{C572A759-6A51-4108-AA02-DFA0A04FC94B}">
-              <ma14:wrappingTextBoxFlag xmlns:ma14="http://schemas.microsoft.com/office/mac/drawingml/2011/main" xmlns:a14="http://schemas.microsoft.com/office/drawing/2010/main" xmlns:m="http://schemas.openxmlformats.org/officeDocument/2006/math" xmlns="" val="1"/>
+              <ma14:wrappingTextBoxFlag xmlns="" xmlns:m="http://schemas.openxmlformats.org/officeDocument/2006/math" xmlns:a14="http://schemas.microsoft.com/office/drawing/2010/main" xmlns:ma14="http://schemas.microsoft.com/office/mac/drawingml/2011/main" val="1"/>
             </a:ext>
           </a:extLst>
         </p:spPr>
@@ -48306,7 +48119,7 @@
           </a:ln>
           <a:extLst>
             <a:ext uri="{C572A759-6A51-4108-AA02-DFA0A04FC94B}">
-              <ma14:wrappingTextBoxFlag xmlns:ma14="http://schemas.microsoft.com/office/mac/drawingml/2011/main" xmlns:a14="http://schemas.microsoft.com/office/drawing/2010/main" xmlns:m="http://schemas.openxmlformats.org/officeDocument/2006/math" xmlns="" val="1"/>
+              <ma14:wrappingTextBoxFlag xmlns="" xmlns:m="http://schemas.openxmlformats.org/officeDocument/2006/math" xmlns:a14="http://schemas.microsoft.com/office/drawing/2010/main" xmlns:ma14="http://schemas.microsoft.com/office/mac/drawingml/2011/main" val="1"/>
             </a:ext>
           </a:extLst>
         </p:spPr>
@@ -48354,7 +48167,7 @@
           </a:ln>
           <a:extLst>
             <a:ext uri="{C572A759-6A51-4108-AA02-DFA0A04FC94B}">
-              <ma14:wrappingTextBoxFlag xmlns:ma14="http://schemas.microsoft.com/office/mac/drawingml/2011/main" xmlns:a14="http://schemas.microsoft.com/office/drawing/2010/main" xmlns:m="http://schemas.openxmlformats.org/officeDocument/2006/math" xmlns="" val="1"/>
+              <ma14:wrappingTextBoxFlag xmlns="" xmlns:m="http://schemas.openxmlformats.org/officeDocument/2006/math" xmlns:a14="http://schemas.microsoft.com/office/drawing/2010/main" xmlns:ma14="http://schemas.microsoft.com/office/mac/drawingml/2011/main" val="1"/>
             </a:ext>
           </a:extLst>
         </p:spPr>
@@ -48402,7 +48215,7 @@
           </a:ln>
           <a:extLst>
             <a:ext uri="{C572A759-6A51-4108-AA02-DFA0A04FC94B}">
-              <ma14:wrappingTextBoxFlag xmlns:ma14="http://schemas.microsoft.com/office/mac/drawingml/2011/main" xmlns:a14="http://schemas.microsoft.com/office/drawing/2010/main" xmlns:m="http://schemas.openxmlformats.org/officeDocument/2006/math" xmlns="" val="1"/>
+              <ma14:wrappingTextBoxFlag xmlns="" xmlns:m="http://schemas.openxmlformats.org/officeDocument/2006/math" xmlns:a14="http://schemas.microsoft.com/office/drawing/2010/main" xmlns:ma14="http://schemas.microsoft.com/office/mac/drawingml/2011/main" val="1"/>
             </a:ext>
           </a:extLst>
         </p:spPr>
@@ -48450,7 +48263,7 @@
           </a:ln>
           <a:extLst>
             <a:ext uri="{C572A759-6A51-4108-AA02-DFA0A04FC94B}">
-              <ma14:wrappingTextBoxFlag xmlns:ma14="http://schemas.microsoft.com/office/mac/drawingml/2011/main" xmlns:a14="http://schemas.microsoft.com/office/drawing/2010/main" xmlns:m="http://schemas.openxmlformats.org/officeDocument/2006/math" xmlns="" val="1"/>
+              <ma14:wrappingTextBoxFlag xmlns="" xmlns:m="http://schemas.openxmlformats.org/officeDocument/2006/math" xmlns:a14="http://schemas.microsoft.com/office/drawing/2010/main" xmlns:ma14="http://schemas.microsoft.com/office/mac/drawingml/2011/main" val="1"/>
             </a:ext>
           </a:extLst>
         </p:spPr>
@@ -48681,7 +48494,7 @@
           </a:ln>
           <a:extLst>
             <a:ext uri="{C572A759-6A51-4108-AA02-DFA0A04FC94B}">
-              <ma14:wrappingTextBoxFlag xmlns:ma14="http://schemas.microsoft.com/office/mac/drawingml/2011/main" xmlns:a14="http://schemas.microsoft.com/office/drawing/2010/main" xmlns:m="http://schemas.openxmlformats.org/officeDocument/2006/math" xmlns="" val="1"/>
+              <ma14:wrappingTextBoxFlag xmlns="" xmlns:m="http://schemas.openxmlformats.org/officeDocument/2006/math" xmlns:a14="http://schemas.microsoft.com/office/drawing/2010/main" xmlns:ma14="http://schemas.microsoft.com/office/mac/drawingml/2011/main" val="1"/>
             </a:ext>
           </a:extLst>
         </p:spPr>
@@ -48959,7 +48772,7 @@
           </a:ln>
           <a:extLst>
             <a:ext uri="{C572A759-6A51-4108-AA02-DFA0A04FC94B}">
-              <ma14:wrappingTextBoxFlag xmlns:ma14="http://schemas.microsoft.com/office/mac/drawingml/2011/main" xmlns:a14="http://schemas.microsoft.com/office/drawing/2010/main" xmlns:m="http://schemas.openxmlformats.org/officeDocument/2006/math" xmlns="" val="1"/>
+              <ma14:wrappingTextBoxFlag xmlns="" xmlns:m="http://schemas.openxmlformats.org/officeDocument/2006/math" xmlns:a14="http://schemas.microsoft.com/office/drawing/2010/main" xmlns:ma14="http://schemas.microsoft.com/office/mac/drawingml/2011/main" val="1"/>
             </a:ext>
           </a:extLst>
         </p:spPr>
@@ -49007,7 +48820,7 @@
           </a:ln>
           <a:extLst>
             <a:ext uri="{C572A759-6A51-4108-AA02-DFA0A04FC94B}">
-              <ma14:wrappingTextBoxFlag xmlns:ma14="http://schemas.microsoft.com/office/mac/drawingml/2011/main" xmlns:a14="http://schemas.microsoft.com/office/drawing/2010/main" xmlns:m="http://schemas.openxmlformats.org/officeDocument/2006/math" xmlns="" val="1"/>
+              <ma14:wrappingTextBoxFlag xmlns="" xmlns:m="http://schemas.openxmlformats.org/officeDocument/2006/math" xmlns:a14="http://schemas.microsoft.com/office/drawing/2010/main" xmlns:ma14="http://schemas.microsoft.com/office/mac/drawingml/2011/main" val="1"/>
             </a:ext>
           </a:extLst>
         </p:spPr>
@@ -49055,7 +48868,7 @@
           </a:ln>
           <a:extLst>
             <a:ext uri="{C572A759-6A51-4108-AA02-DFA0A04FC94B}">
-              <ma14:wrappingTextBoxFlag xmlns:ma14="http://schemas.microsoft.com/office/mac/drawingml/2011/main" xmlns:a14="http://schemas.microsoft.com/office/drawing/2010/main" xmlns:m="http://schemas.openxmlformats.org/officeDocument/2006/math" xmlns="" val="1"/>
+              <ma14:wrappingTextBoxFlag xmlns="" xmlns:m="http://schemas.openxmlformats.org/officeDocument/2006/math" xmlns:a14="http://schemas.microsoft.com/office/drawing/2010/main" xmlns:ma14="http://schemas.microsoft.com/office/mac/drawingml/2011/main" val="1"/>
             </a:ext>
           </a:extLst>
         </p:spPr>
@@ -49103,7 +48916,7 @@
           </a:ln>
           <a:extLst>
             <a:ext uri="{C572A759-6A51-4108-AA02-DFA0A04FC94B}">
-              <ma14:wrappingTextBoxFlag xmlns:ma14="http://schemas.microsoft.com/office/mac/drawingml/2011/main" xmlns:a14="http://schemas.microsoft.com/office/drawing/2010/main" xmlns:m="http://schemas.openxmlformats.org/officeDocument/2006/math" xmlns="" val="1"/>
+              <ma14:wrappingTextBoxFlag xmlns="" xmlns:m="http://schemas.openxmlformats.org/officeDocument/2006/math" xmlns:a14="http://schemas.microsoft.com/office/drawing/2010/main" xmlns:ma14="http://schemas.microsoft.com/office/mac/drawingml/2011/main" val="1"/>
             </a:ext>
           </a:extLst>
         </p:spPr>
@@ -49151,7 +48964,7 @@
           </a:ln>
           <a:extLst>
             <a:ext uri="{C572A759-6A51-4108-AA02-DFA0A04FC94B}">
-              <ma14:wrappingTextBoxFlag xmlns:ma14="http://schemas.microsoft.com/office/mac/drawingml/2011/main" xmlns:a14="http://schemas.microsoft.com/office/drawing/2010/main" xmlns:m="http://schemas.openxmlformats.org/officeDocument/2006/math" xmlns="" val="1"/>
+              <ma14:wrappingTextBoxFlag xmlns="" xmlns:m="http://schemas.openxmlformats.org/officeDocument/2006/math" xmlns:a14="http://schemas.microsoft.com/office/drawing/2010/main" xmlns:ma14="http://schemas.microsoft.com/office/mac/drawingml/2011/main" val="1"/>
             </a:ext>
           </a:extLst>
         </p:spPr>
@@ -49199,7 +49012,7 @@
           </a:ln>
           <a:extLst>
             <a:ext uri="{C572A759-6A51-4108-AA02-DFA0A04FC94B}">
-              <ma14:wrappingTextBoxFlag xmlns:ma14="http://schemas.microsoft.com/office/mac/drawingml/2011/main" xmlns:a14="http://schemas.microsoft.com/office/drawing/2010/main" xmlns:m="http://schemas.openxmlformats.org/officeDocument/2006/math" xmlns="" val="1"/>
+              <ma14:wrappingTextBoxFlag xmlns="" xmlns:m="http://schemas.openxmlformats.org/officeDocument/2006/math" xmlns:a14="http://schemas.microsoft.com/office/drawing/2010/main" xmlns:ma14="http://schemas.microsoft.com/office/mac/drawingml/2011/main" val="1"/>
             </a:ext>
           </a:extLst>
         </p:spPr>
@@ -49247,7 +49060,7 @@
           </a:ln>
           <a:extLst>
             <a:ext uri="{C572A759-6A51-4108-AA02-DFA0A04FC94B}">
-              <ma14:wrappingTextBoxFlag xmlns:ma14="http://schemas.microsoft.com/office/mac/drawingml/2011/main" xmlns:a14="http://schemas.microsoft.com/office/drawing/2010/main" xmlns:m="http://schemas.openxmlformats.org/officeDocument/2006/math" xmlns="" val="1"/>
+              <ma14:wrappingTextBoxFlag xmlns="" xmlns:m="http://schemas.openxmlformats.org/officeDocument/2006/math" xmlns:a14="http://schemas.microsoft.com/office/drawing/2010/main" xmlns:ma14="http://schemas.microsoft.com/office/mac/drawingml/2011/main" val="1"/>
             </a:ext>
           </a:extLst>
         </p:spPr>
@@ -49295,7 +49108,7 @@
           </a:ln>
           <a:extLst>
             <a:ext uri="{C572A759-6A51-4108-AA02-DFA0A04FC94B}">
-              <ma14:wrappingTextBoxFlag xmlns:ma14="http://schemas.microsoft.com/office/mac/drawingml/2011/main" xmlns:a14="http://schemas.microsoft.com/office/drawing/2010/main" xmlns:m="http://schemas.openxmlformats.org/officeDocument/2006/math" xmlns="" val="1"/>
+              <ma14:wrappingTextBoxFlag xmlns="" xmlns:m="http://schemas.openxmlformats.org/officeDocument/2006/math" xmlns:a14="http://schemas.microsoft.com/office/drawing/2010/main" xmlns:ma14="http://schemas.microsoft.com/office/mac/drawingml/2011/main" val="1"/>
             </a:ext>
           </a:extLst>
         </p:spPr>
@@ -49343,7 +49156,7 @@
           </a:ln>
           <a:extLst>
             <a:ext uri="{C572A759-6A51-4108-AA02-DFA0A04FC94B}">
-              <ma14:wrappingTextBoxFlag xmlns:ma14="http://schemas.microsoft.com/office/mac/drawingml/2011/main" xmlns:a14="http://schemas.microsoft.com/office/drawing/2010/main" xmlns:m="http://schemas.openxmlformats.org/officeDocument/2006/math" xmlns="" val="1"/>
+              <ma14:wrappingTextBoxFlag xmlns="" xmlns:m="http://schemas.openxmlformats.org/officeDocument/2006/math" xmlns:a14="http://schemas.microsoft.com/office/drawing/2010/main" xmlns:ma14="http://schemas.microsoft.com/office/mac/drawingml/2011/main" val="1"/>
             </a:ext>
           </a:extLst>
         </p:spPr>
@@ -49391,7 +49204,7 @@
           </a:ln>
           <a:extLst>
             <a:ext uri="{C572A759-6A51-4108-AA02-DFA0A04FC94B}">
-              <ma14:wrappingTextBoxFlag xmlns:ma14="http://schemas.microsoft.com/office/mac/drawingml/2011/main" xmlns:a14="http://schemas.microsoft.com/office/drawing/2010/main" xmlns:m="http://schemas.openxmlformats.org/officeDocument/2006/math" xmlns="" val="1"/>
+              <ma14:wrappingTextBoxFlag xmlns="" xmlns:m="http://schemas.openxmlformats.org/officeDocument/2006/math" xmlns:a14="http://schemas.microsoft.com/office/drawing/2010/main" xmlns:ma14="http://schemas.microsoft.com/office/mac/drawingml/2011/main" val="1"/>
             </a:ext>
           </a:extLst>
         </p:spPr>
@@ -49439,7 +49252,7 @@
           </a:ln>
           <a:extLst>
             <a:ext uri="{C572A759-6A51-4108-AA02-DFA0A04FC94B}">
-              <ma14:wrappingTextBoxFlag xmlns:ma14="http://schemas.microsoft.com/office/mac/drawingml/2011/main" xmlns:a14="http://schemas.microsoft.com/office/drawing/2010/main" xmlns:m="http://schemas.openxmlformats.org/officeDocument/2006/math" xmlns="" val="1"/>
+              <ma14:wrappingTextBoxFlag xmlns="" xmlns:m="http://schemas.openxmlformats.org/officeDocument/2006/math" xmlns:a14="http://schemas.microsoft.com/office/drawing/2010/main" xmlns:ma14="http://schemas.microsoft.com/office/mac/drawingml/2011/main" val="1"/>
             </a:ext>
           </a:extLst>
         </p:spPr>
@@ -49487,7 +49300,7 @@
           </a:ln>
           <a:extLst>
             <a:ext uri="{C572A759-6A51-4108-AA02-DFA0A04FC94B}">
-              <ma14:wrappingTextBoxFlag xmlns:ma14="http://schemas.microsoft.com/office/mac/drawingml/2011/main" xmlns:a14="http://schemas.microsoft.com/office/drawing/2010/main" xmlns:m="http://schemas.openxmlformats.org/officeDocument/2006/math" xmlns="" val="1"/>
+              <ma14:wrappingTextBoxFlag xmlns="" xmlns:m="http://schemas.openxmlformats.org/officeDocument/2006/math" xmlns:a14="http://schemas.microsoft.com/office/drawing/2010/main" xmlns:ma14="http://schemas.microsoft.com/office/mac/drawingml/2011/main" val="1"/>
             </a:ext>
           </a:extLst>
         </p:spPr>
@@ -49718,7 +49531,7 @@
           </a:ln>
           <a:extLst>
             <a:ext uri="{C572A759-6A51-4108-AA02-DFA0A04FC94B}">
-              <ma14:wrappingTextBoxFlag xmlns:ma14="http://schemas.microsoft.com/office/mac/drawingml/2011/main" xmlns:a14="http://schemas.microsoft.com/office/drawing/2010/main" xmlns:m="http://schemas.openxmlformats.org/officeDocument/2006/math" xmlns="" val="1"/>
+              <ma14:wrappingTextBoxFlag xmlns="" xmlns:m="http://schemas.openxmlformats.org/officeDocument/2006/math" xmlns:a14="http://schemas.microsoft.com/office/drawing/2010/main" xmlns:ma14="http://schemas.microsoft.com/office/mac/drawingml/2011/main" val="1"/>
             </a:ext>
           </a:extLst>
         </p:spPr>
@@ -50027,7 +49840,7 @@
           </a:ln>
           <a:extLst>
             <a:ext uri="{C572A759-6A51-4108-AA02-DFA0A04FC94B}">
-              <ma14:wrappingTextBoxFlag xmlns:ma14="http://schemas.microsoft.com/office/mac/drawingml/2011/main" xmlns:a14="http://schemas.microsoft.com/office/drawing/2010/main" xmlns:m="http://schemas.openxmlformats.org/officeDocument/2006/math" xmlns="" val="1"/>
+              <ma14:wrappingTextBoxFlag xmlns="" xmlns:m="http://schemas.openxmlformats.org/officeDocument/2006/math" xmlns:a14="http://schemas.microsoft.com/office/drawing/2010/main" xmlns:ma14="http://schemas.microsoft.com/office/mac/drawingml/2011/main" val="1"/>
             </a:ext>
           </a:extLst>
         </p:spPr>
@@ -50303,7 +50116,7 @@
           </a:ln>
           <a:extLst>
             <a:ext uri="{C572A759-6A51-4108-AA02-DFA0A04FC94B}">
-              <ma14:wrappingTextBoxFlag xmlns:ma14="http://schemas.microsoft.com/office/mac/drawingml/2011/main" xmlns:a14="http://schemas.microsoft.com/office/drawing/2010/main" xmlns:m="http://schemas.openxmlformats.org/officeDocument/2006/math" xmlns="" val="1"/>
+              <ma14:wrappingTextBoxFlag xmlns="" xmlns:m="http://schemas.openxmlformats.org/officeDocument/2006/math" xmlns:a14="http://schemas.microsoft.com/office/drawing/2010/main" xmlns:ma14="http://schemas.microsoft.com/office/mac/drawingml/2011/main" val="1"/>
             </a:ext>
           </a:extLst>
         </p:spPr>
@@ -50351,7 +50164,7 @@
           </a:ln>
           <a:extLst>
             <a:ext uri="{C572A759-6A51-4108-AA02-DFA0A04FC94B}">
-              <ma14:wrappingTextBoxFlag xmlns:ma14="http://schemas.microsoft.com/office/mac/drawingml/2011/main" xmlns:a14="http://schemas.microsoft.com/office/drawing/2010/main" xmlns:m="http://schemas.openxmlformats.org/officeDocument/2006/math" xmlns="" val="1"/>
+              <ma14:wrappingTextBoxFlag xmlns="" xmlns:m="http://schemas.openxmlformats.org/officeDocument/2006/math" xmlns:a14="http://schemas.microsoft.com/office/drawing/2010/main" xmlns:ma14="http://schemas.microsoft.com/office/mac/drawingml/2011/main" val="1"/>
             </a:ext>
           </a:extLst>
         </p:spPr>
@@ -50399,7 +50212,7 @@
           </a:ln>
           <a:extLst>
             <a:ext uri="{C572A759-6A51-4108-AA02-DFA0A04FC94B}">
-              <ma14:wrappingTextBoxFlag xmlns:ma14="http://schemas.microsoft.com/office/mac/drawingml/2011/main" xmlns:a14="http://schemas.microsoft.com/office/drawing/2010/main" xmlns:m="http://schemas.openxmlformats.org/officeDocument/2006/math" xmlns="" val="1"/>
+              <ma14:wrappingTextBoxFlag xmlns="" xmlns:m="http://schemas.openxmlformats.org/officeDocument/2006/math" xmlns:a14="http://schemas.microsoft.com/office/drawing/2010/main" xmlns:ma14="http://schemas.microsoft.com/office/mac/drawingml/2011/main" val="1"/>
             </a:ext>
           </a:extLst>
         </p:spPr>
@@ -50447,7 +50260,7 @@
           </a:ln>
           <a:extLst>
             <a:ext uri="{C572A759-6A51-4108-AA02-DFA0A04FC94B}">
-              <ma14:wrappingTextBoxFlag xmlns:ma14="http://schemas.microsoft.com/office/mac/drawingml/2011/main" xmlns:a14="http://schemas.microsoft.com/office/drawing/2010/main" xmlns:m="http://schemas.openxmlformats.org/officeDocument/2006/math" xmlns="" val="1"/>
+              <ma14:wrappingTextBoxFlag xmlns="" xmlns:m="http://schemas.openxmlformats.org/officeDocument/2006/math" xmlns:a14="http://schemas.microsoft.com/office/drawing/2010/main" xmlns:ma14="http://schemas.microsoft.com/office/mac/drawingml/2011/main" val="1"/>
             </a:ext>
           </a:extLst>
         </p:spPr>
@@ -50495,7 +50308,7 @@
           </a:ln>
           <a:extLst>
             <a:ext uri="{C572A759-6A51-4108-AA02-DFA0A04FC94B}">
-              <ma14:wrappingTextBoxFlag xmlns:ma14="http://schemas.microsoft.com/office/mac/drawingml/2011/main" xmlns:a14="http://schemas.microsoft.com/office/drawing/2010/main" xmlns:m="http://schemas.openxmlformats.org/officeDocument/2006/math" xmlns="" val="1"/>
+              <ma14:wrappingTextBoxFlag xmlns="" xmlns:m="http://schemas.openxmlformats.org/officeDocument/2006/math" xmlns:a14="http://schemas.microsoft.com/office/drawing/2010/main" xmlns:ma14="http://schemas.microsoft.com/office/mac/drawingml/2011/main" val="1"/>
             </a:ext>
           </a:extLst>
         </p:spPr>
@@ -50543,7 +50356,7 @@
           </a:ln>
           <a:extLst>
             <a:ext uri="{C572A759-6A51-4108-AA02-DFA0A04FC94B}">
-              <ma14:wrappingTextBoxFlag xmlns:ma14="http://schemas.microsoft.com/office/mac/drawingml/2011/main" xmlns:a14="http://schemas.microsoft.com/office/drawing/2010/main" xmlns:m="http://schemas.openxmlformats.org/officeDocument/2006/math" xmlns="" val="1"/>
+              <ma14:wrappingTextBoxFlag xmlns="" xmlns:m="http://schemas.openxmlformats.org/officeDocument/2006/math" xmlns:a14="http://schemas.microsoft.com/office/drawing/2010/main" xmlns:ma14="http://schemas.microsoft.com/office/mac/drawingml/2011/main" val="1"/>
             </a:ext>
           </a:extLst>
         </p:spPr>
@@ -50591,7 +50404,7 @@
           </a:ln>
           <a:extLst>
             <a:ext uri="{C572A759-6A51-4108-AA02-DFA0A04FC94B}">
-              <ma14:wrappingTextBoxFlag xmlns:ma14="http://schemas.microsoft.com/office/mac/drawingml/2011/main" xmlns:a14="http://schemas.microsoft.com/office/drawing/2010/main" xmlns:m="http://schemas.openxmlformats.org/officeDocument/2006/math" xmlns="" val="1"/>
+              <ma14:wrappingTextBoxFlag xmlns="" xmlns:m="http://schemas.openxmlformats.org/officeDocument/2006/math" xmlns:a14="http://schemas.microsoft.com/office/drawing/2010/main" xmlns:ma14="http://schemas.microsoft.com/office/mac/drawingml/2011/main" val="1"/>
             </a:ext>
           </a:extLst>
         </p:spPr>
@@ -50639,7 +50452,7 @@
           </a:ln>
           <a:extLst>
             <a:ext uri="{C572A759-6A51-4108-AA02-DFA0A04FC94B}">
-              <ma14:wrappingTextBoxFlag xmlns:ma14="http://schemas.microsoft.com/office/mac/drawingml/2011/main" xmlns:a14="http://schemas.microsoft.com/office/drawing/2010/main" xmlns:m="http://schemas.openxmlformats.org/officeDocument/2006/math" xmlns="" val="1"/>
+              <ma14:wrappingTextBoxFlag xmlns="" xmlns:m="http://schemas.openxmlformats.org/officeDocument/2006/math" xmlns:a14="http://schemas.microsoft.com/office/drawing/2010/main" xmlns:ma14="http://schemas.microsoft.com/office/mac/drawingml/2011/main" val="1"/>
             </a:ext>
           </a:extLst>
         </p:spPr>
@@ -50687,7 +50500,7 @@
           </a:ln>
           <a:extLst>
             <a:ext uri="{C572A759-6A51-4108-AA02-DFA0A04FC94B}">
-              <ma14:wrappingTextBoxFlag xmlns:ma14="http://schemas.microsoft.com/office/mac/drawingml/2011/main" xmlns:a14="http://schemas.microsoft.com/office/drawing/2010/main" xmlns:m="http://schemas.openxmlformats.org/officeDocument/2006/math" xmlns="" val="1"/>
+              <ma14:wrappingTextBoxFlag xmlns="" xmlns:m="http://schemas.openxmlformats.org/officeDocument/2006/math" xmlns:a14="http://schemas.microsoft.com/office/drawing/2010/main" xmlns:ma14="http://schemas.microsoft.com/office/mac/drawingml/2011/main" val="1"/>
             </a:ext>
           </a:extLst>
         </p:spPr>
@@ -50735,7 +50548,7 @@
           </a:ln>
           <a:extLst>
             <a:ext uri="{C572A759-6A51-4108-AA02-DFA0A04FC94B}">
-              <ma14:wrappingTextBoxFlag xmlns:ma14="http://schemas.microsoft.com/office/mac/drawingml/2011/main" xmlns:a14="http://schemas.microsoft.com/office/drawing/2010/main" xmlns:m="http://schemas.openxmlformats.org/officeDocument/2006/math" xmlns="" val="1"/>
+              <ma14:wrappingTextBoxFlag xmlns="" xmlns:m="http://schemas.openxmlformats.org/officeDocument/2006/math" xmlns:a14="http://schemas.microsoft.com/office/drawing/2010/main" xmlns:ma14="http://schemas.microsoft.com/office/mac/drawingml/2011/main" val="1"/>
             </a:ext>
           </a:extLst>
         </p:spPr>
@@ -50783,7 +50596,7 @@
           </a:ln>
           <a:extLst>
             <a:ext uri="{C572A759-6A51-4108-AA02-DFA0A04FC94B}">
-              <ma14:wrappingTextBoxFlag xmlns:ma14="http://schemas.microsoft.com/office/mac/drawingml/2011/main" xmlns:a14="http://schemas.microsoft.com/office/drawing/2010/main" xmlns:m="http://schemas.openxmlformats.org/officeDocument/2006/math" xmlns="" val="1"/>
+              <ma14:wrappingTextBoxFlag xmlns="" xmlns:m="http://schemas.openxmlformats.org/officeDocument/2006/math" xmlns:a14="http://schemas.microsoft.com/office/drawing/2010/main" xmlns:ma14="http://schemas.microsoft.com/office/mac/drawingml/2011/main" val="1"/>
             </a:ext>
           </a:extLst>
         </p:spPr>
@@ -50831,7 +50644,7 @@
           </a:ln>
           <a:extLst>
             <a:ext uri="{C572A759-6A51-4108-AA02-DFA0A04FC94B}">
-              <ma14:wrappingTextBoxFlag xmlns:ma14="http://schemas.microsoft.com/office/mac/drawingml/2011/main" xmlns:a14="http://schemas.microsoft.com/office/drawing/2010/main" xmlns:m="http://schemas.openxmlformats.org/officeDocument/2006/math" xmlns="" val="1"/>
+              <ma14:wrappingTextBoxFlag xmlns="" xmlns:m="http://schemas.openxmlformats.org/officeDocument/2006/math" xmlns:a14="http://schemas.microsoft.com/office/drawing/2010/main" xmlns:ma14="http://schemas.microsoft.com/office/mac/drawingml/2011/main" val="1"/>
             </a:ext>
           </a:extLst>
         </p:spPr>
@@ -51062,7 +50875,7 @@
           </a:ln>
           <a:extLst>
             <a:ext uri="{C572A759-6A51-4108-AA02-DFA0A04FC94B}">
-              <ma14:wrappingTextBoxFlag xmlns:ma14="http://schemas.microsoft.com/office/mac/drawingml/2011/main" xmlns:a14="http://schemas.microsoft.com/office/drawing/2010/main" xmlns:m="http://schemas.openxmlformats.org/officeDocument/2006/math" xmlns="" val="1"/>
+              <ma14:wrappingTextBoxFlag xmlns="" xmlns:m="http://schemas.openxmlformats.org/officeDocument/2006/math" xmlns:a14="http://schemas.microsoft.com/office/drawing/2010/main" xmlns:ma14="http://schemas.microsoft.com/office/mac/drawingml/2011/main" val="1"/>
             </a:ext>
           </a:extLst>
         </p:spPr>
@@ -51340,7 +51153,7 @@
           </a:ln>
           <a:extLst>
             <a:ext uri="{C572A759-6A51-4108-AA02-DFA0A04FC94B}">
-              <ma14:wrappingTextBoxFlag xmlns:ma14="http://schemas.microsoft.com/office/mac/drawingml/2011/main" xmlns:a14="http://schemas.microsoft.com/office/drawing/2010/main" xmlns:m="http://schemas.openxmlformats.org/officeDocument/2006/math" xmlns="" val="1"/>
+              <ma14:wrappingTextBoxFlag xmlns="" xmlns:m="http://schemas.openxmlformats.org/officeDocument/2006/math" xmlns:a14="http://schemas.microsoft.com/office/drawing/2010/main" xmlns:ma14="http://schemas.microsoft.com/office/mac/drawingml/2011/main" val="1"/>
             </a:ext>
           </a:extLst>
         </p:spPr>
@@ -51388,7 +51201,7 @@
           </a:ln>
           <a:extLst>
             <a:ext uri="{C572A759-6A51-4108-AA02-DFA0A04FC94B}">
-              <ma14:wrappingTextBoxFlag xmlns:ma14="http://schemas.microsoft.com/office/mac/drawingml/2011/main" xmlns:a14="http://schemas.microsoft.com/office/drawing/2010/main" xmlns:m="http://schemas.openxmlformats.org/officeDocument/2006/math" xmlns="" val="1"/>
+              <ma14:wrappingTextBoxFlag xmlns="" xmlns:m="http://schemas.openxmlformats.org/officeDocument/2006/math" xmlns:a14="http://schemas.microsoft.com/office/drawing/2010/main" xmlns:ma14="http://schemas.microsoft.com/office/mac/drawingml/2011/main" val="1"/>
             </a:ext>
           </a:extLst>
         </p:spPr>
@@ -51436,7 +51249,7 @@
           </a:ln>
           <a:extLst>
             <a:ext uri="{C572A759-6A51-4108-AA02-DFA0A04FC94B}">
-              <ma14:wrappingTextBoxFlag xmlns:ma14="http://schemas.microsoft.com/office/mac/drawingml/2011/main" xmlns:a14="http://schemas.microsoft.com/office/drawing/2010/main" xmlns:m="http://schemas.openxmlformats.org/officeDocument/2006/math" xmlns="" val="1"/>
+              <ma14:wrappingTextBoxFlag xmlns="" xmlns:m="http://schemas.openxmlformats.org/officeDocument/2006/math" xmlns:a14="http://schemas.microsoft.com/office/drawing/2010/main" xmlns:ma14="http://schemas.microsoft.com/office/mac/drawingml/2011/main" val="1"/>
             </a:ext>
           </a:extLst>
         </p:spPr>
@@ -51484,7 +51297,7 @@
           </a:ln>
           <a:extLst>
             <a:ext uri="{C572A759-6A51-4108-AA02-DFA0A04FC94B}">
-              <ma14:wrappingTextBoxFlag xmlns:ma14="http://schemas.microsoft.com/office/mac/drawingml/2011/main" xmlns:a14="http://schemas.microsoft.com/office/drawing/2010/main" xmlns:m="http://schemas.openxmlformats.org/officeDocument/2006/math" xmlns="" val="1"/>
+              <ma14:wrappingTextBoxFlag xmlns="" xmlns:m="http://schemas.openxmlformats.org/officeDocument/2006/math" xmlns:a14="http://schemas.microsoft.com/office/drawing/2010/main" xmlns:ma14="http://schemas.microsoft.com/office/mac/drawingml/2011/main" val="1"/>
             </a:ext>
           </a:extLst>
         </p:spPr>
@@ -51532,7 +51345,7 @@
           </a:ln>
           <a:extLst>
             <a:ext uri="{C572A759-6A51-4108-AA02-DFA0A04FC94B}">
-              <ma14:wrappingTextBoxFlag xmlns:ma14="http://schemas.microsoft.com/office/mac/drawingml/2011/main" xmlns:a14="http://schemas.microsoft.com/office/drawing/2010/main" xmlns:m="http://schemas.openxmlformats.org/officeDocument/2006/math" xmlns="" val="1"/>
+              <ma14:wrappingTextBoxFlag xmlns="" xmlns:m="http://schemas.openxmlformats.org/officeDocument/2006/math" xmlns:a14="http://schemas.microsoft.com/office/drawing/2010/main" xmlns:ma14="http://schemas.microsoft.com/office/mac/drawingml/2011/main" val="1"/>
             </a:ext>
           </a:extLst>
         </p:spPr>
@@ -51580,7 +51393,7 @@
           </a:ln>
           <a:extLst>
             <a:ext uri="{C572A759-6A51-4108-AA02-DFA0A04FC94B}">
-              <ma14:wrappingTextBoxFlag xmlns:ma14="http://schemas.microsoft.com/office/mac/drawingml/2011/main" xmlns:a14="http://schemas.microsoft.com/office/drawing/2010/main" xmlns:m="http://schemas.openxmlformats.org/officeDocument/2006/math" xmlns="" val="1"/>
+              <ma14:wrappingTextBoxFlag xmlns="" xmlns:m="http://schemas.openxmlformats.org/officeDocument/2006/math" xmlns:a14="http://schemas.microsoft.com/office/drawing/2010/main" xmlns:ma14="http://schemas.microsoft.com/office/mac/drawingml/2011/main" val="1"/>
             </a:ext>
           </a:extLst>
         </p:spPr>
@@ -51628,7 +51441,7 @@
           </a:ln>
           <a:extLst>
             <a:ext uri="{C572A759-6A51-4108-AA02-DFA0A04FC94B}">
-              <ma14:wrappingTextBoxFlag xmlns:ma14="http://schemas.microsoft.com/office/mac/drawingml/2011/main" xmlns:a14="http://schemas.microsoft.com/office/drawing/2010/main" xmlns:m="http://schemas.openxmlformats.org/officeDocument/2006/math" xmlns="" val="1"/>
+              <ma14:wrappingTextBoxFlag xmlns="" xmlns:m="http://schemas.openxmlformats.org/officeDocument/2006/math" xmlns:a14="http://schemas.microsoft.com/office/drawing/2010/main" xmlns:ma14="http://schemas.microsoft.com/office/mac/drawingml/2011/main" val="1"/>
             </a:ext>
           </a:extLst>
         </p:spPr>
@@ -51676,7 +51489,7 @@
           </a:ln>
           <a:extLst>
             <a:ext uri="{C572A759-6A51-4108-AA02-DFA0A04FC94B}">
-              <ma14:wrappingTextBoxFlag xmlns:ma14="http://schemas.microsoft.com/office/mac/drawingml/2011/main" xmlns:a14="http://schemas.microsoft.com/office/drawing/2010/main" xmlns:m="http://schemas.openxmlformats.org/officeDocument/2006/math" xmlns="" val="1"/>
+              <ma14:wrappingTextBoxFlag xmlns="" xmlns:m="http://schemas.openxmlformats.org/officeDocument/2006/math" xmlns:a14="http://schemas.microsoft.com/office/drawing/2010/main" xmlns:ma14="http://schemas.microsoft.com/office/mac/drawingml/2011/main" val="1"/>
             </a:ext>
           </a:extLst>
         </p:spPr>
@@ -51724,7 +51537,7 @@
           </a:ln>
           <a:extLst>
             <a:ext uri="{C572A759-6A51-4108-AA02-DFA0A04FC94B}">
-              <ma14:wrappingTextBoxFlag xmlns:ma14="http://schemas.microsoft.com/office/mac/drawingml/2011/main" xmlns:a14="http://schemas.microsoft.com/office/drawing/2010/main" xmlns:m="http://schemas.openxmlformats.org/officeDocument/2006/math" xmlns="" val="1"/>
+              <ma14:wrappingTextBoxFlag xmlns="" xmlns:m="http://schemas.openxmlformats.org/officeDocument/2006/math" xmlns:a14="http://schemas.microsoft.com/office/drawing/2010/main" xmlns:ma14="http://schemas.microsoft.com/office/mac/drawingml/2011/main" val="1"/>
             </a:ext>
           </a:extLst>
         </p:spPr>
@@ -51772,7 +51585,7 @@
           </a:ln>
           <a:extLst>
             <a:ext uri="{C572A759-6A51-4108-AA02-DFA0A04FC94B}">
-              <ma14:wrappingTextBoxFlag xmlns:ma14="http://schemas.microsoft.com/office/mac/drawingml/2011/main" xmlns:a14="http://schemas.microsoft.com/office/drawing/2010/main" xmlns:m="http://schemas.openxmlformats.org/officeDocument/2006/math" xmlns="" val="1"/>
+              <ma14:wrappingTextBoxFlag xmlns="" xmlns:m="http://schemas.openxmlformats.org/officeDocument/2006/math" xmlns:a14="http://schemas.microsoft.com/office/drawing/2010/main" xmlns:ma14="http://schemas.microsoft.com/office/mac/drawingml/2011/main" val="1"/>
             </a:ext>
           </a:extLst>
         </p:spPr>
@@ -51820,7 +51633,7 @@
           </a:ln>
           <a:extLst>
             <a:ext uri="{C572A759-6A51-4108-AA02-DFA0A04FC94B}">
-              <ma14:wrappingTextBoxFlag xmlns:ma14="http://schemas.microsoft.com/office/mac/drawingml/2011/main" xmlns:a14="http://schemas.microsoft.com/office/drawing/2010/main" xmlns:m="http://schemas.openxmlformats.org/officeDocument/2006/math" xmlns="" val="1"/>
+              <ma14:wrappingTextBoxFlag xmlns="" xmlns:m="http://schemas.openxmlformats.org/officeDocument/2006/math" xmlns:a14="http://schemas.microsoft.com/office/drawing/2010/main" xmlns:ma14="http://schemas.microsoft.com/office/mac/drawingml/2011/main" val="1"/>
             </a:ext>
           </a:extLst>
         </p:spPr>
@@ -51868,7 +51681,7 @@
           </a:ln>
           <a:extLst>
             <a:ext uri="{C572A759-6A51-4108-AA02-DFA0A04FC94B}">
-              <ma14:wrappingTextBoxFlag xmlns:ma14="http://schemas.microsoft.com/office/mac/drawingml/2011/main" xmlns:a14="http://schemas.microsoft.com/office/drawing/2010/main" xmlns:m="http://schemas.openxmlformats.org/officeDocument/2006/math" xmlns="" val="1"/>
+              <ma14:wrappingTextBoxFlag xmlns="" xmlns:m="http://schemas.openxmlformats.org/officeDocument/2006/math" xmlns:a14="http://schemas.microsoft.com/office/drawing/2010/main" xmlns:ma14="http://schemas.microsoft.com/office/mac/drawingml/2011/main" val="1"/>
             </a:ext>
           </a:extLst>
         </p:spPr>
@@ -52367,7 +52180,7 @@
           </a:ln>
           <a:extLst>
             <a:ext uri="{C572A759-6A51-4108-AA02-DFA0A04FC94B}">
-              <ma14:wrappingTextBoxFlag xmlns:ma14="http://schemas.microsoft.com/office/mac/drawingml/2011/main" xmlns:a14="http://schemas.microsoft.com/office/drawing/2010/main" xmlns:m="http://schemas.openxmlformats.org/officeDocument/2006/math" xmlns="" val="1"/>
+              <ma14:wrappingTextBoxFlag xmlns="" xmlns:m="http://schemas.openxmlformats.org/officeDocument/2006/math" xmlns:a14="http://schemas.microsoft.com/office/drawing/2010/main" xmlns:ma14="http://schemas.microsoft.com/office/mac/drawingml/2011/main" val="1"/>
             </a:ext>
           </a:extLst>
         </p:spPr>
@@ -52643,7 +52456,7 @@
           </a:ln>
           <a:extLst>
             <a:ext uri="{C572A759-6A51-4108-AA02-DFA0A04FC94B}">
-              <ma14:wrappingTextBoxFlag xmlns:ma14="http://schemas.microsoft.com/office/mac/drawingml/2011/main" xmlns:a14="http://schemas.microsoft.com/office/drawing/2010/main" xmlns:m="http://schemas.openxmlformats.org/officeDocument/2006/math" xmlns="" val="1"/>
+              <ma14:wrappingTextBoxFlag xmlns="" xmlns:m="http://schemas.openxmlformats.org/officeDocument/2006/math" xmlns:a14="http://schemas.microsoft.com/office/drawing/2010/main" xmlns:ma14="http://schemas.microsoft.com/office/mac/drawingml/2011/main" val="1"/>
             </a:ext>
           </a:extLst>
         </p:spPr>
@@ -52691,7 +52504,7 @@
           </a:ln>
           <a:extLst>
             <a:ext uri="{C572A759-6A51-4108-AA02-DFA0A04FC94B}">
-              <ma14:wrappingTextBoxFlag xmlns:ma14="http://schemas.microsoft.com/office/mac/drawingml/2011/main" xmlns:a14="http://schemas.microsoft.com/office/drawing/2010/main" xmlns:m="http://schemas.openxmlformats.org/officeDocument/2006/math" xmlns="" val="1"/>
+              <ma14:wrappingTextBoxFlag xmlns="" xmlns:m="http://schemas.openxmlformats.org/officeDocument/2006/math" xmlns:a14="http://schemas.microsoft.com/office/drawing/2010/main" xmlns:ma14="http://schemas.microsoft.com/office/mac/drawingml/2011/main" val="1"/>
             </a:ext>
           </a:extLst>
         </p:spPr>
@@ -52739,7 +52552,7 @@
           </a:ln>
           <a:extLst>
             <a:ext uri="{C572A759-6A51-4108-AA02-DFA0A04FC94B}">
-              <ma14:wrappingTextBoxFlag xmlns:ma14="http://schemas.microsoft.com/office/mac/drawingml/2011/main" xmlns:a14="http://schemas.microsoft.com/office/drawing/2010/main" xmlns:m="http://schemas.openxmlformats.org/officeDocument/2006/math" xmlns="" val="1"/>
+              <ma14:wrappingTextBoxFlag xmlns="" xmlns:m="http://schemas.openxmlformats.org/officeDocument/2006/math" xmlns:a14="http://schemas.microsoft.com/office/drawing/2010/main" xmlns:ma14="http://schemas.microsoft.com/office/mac/drawingml/2011/main" val="1"/>
             </a:ext>
           </a:extLst>
         </p:spPr>
@@ -52787,7 +52600,7 @@
           </a:ln>
           <a:extLst>
             <a:ext uri="{C572A759-6A51-4108-AA02-DFA0A04FC94B}">
-              <ma14:wrappingTextBoxFlag xmlns:ma14="http://schemas.microsoft.com/office/mac/drawingml/2011/main" xmlns:a14="http://schemas.microsoft.com/office/drawing/2010/main" xmlns:m="http://schemas.openxmlformats.org/officeDocument/2006/math" xmlns="" val="1"/>
+              <ma14:wrappingTextBoxFlag xmlns="" xmlns:m="http://schemas.openxmlformats.org/officeDocument/2006/math" xmlns:a14="http://schemas.microsoft.com/office/drawing/2010/main" xmlns:ma14="http://schemas.microsoft.com/office/mac/drawingml/2011/main" val="1"/>
             </a:ext>
           </a:extLst>
         </p:spPr>
@@ -52835,7 +52648,7 @@
           </a:ln>
           <a:extLst>
             <a:ext uri="{C572A759-6A51-4108-AA02-DFA0A04FC94B}">
-              <ma14:wrappingTextBoxFlag xmlns:ma14="http://schemas.microsoft.com/office/mac/drawingml/2011/main" xmlns:a14="http://schemas.microsoft.com/office/drawing/2010/main" xmlns:m="http://schemas.openxmlformats.org/officeDocument/2006/math" xmlns="" val="1"/>
+              <ma14:wrappingTextBoxFlag xmlns="" xmlns:m="http://schemas.openxmlformats.org/officeDocument/2006/math" xmlns:a14="http://schemas.microsoft.com/office/drawing/2010/main" xmlns:ma14="http://schemas.microsoft.com/office/mac/drawingml/2011/main" val="1"/>
             </a:ext>
           </a:extLst>
         </p:spPr>
@@ -52883,7 +52696,7 @@
           </a:ln>
           <a:extLst>
             <a:ext uri="{C572A759-6A51-4108-AA02-DFA0A04FC94B}">
-              <ma14:wrappingTextBoxFlag xmlns:ma14="http://schemas.microsoft.com/office/mac/drawingml/2011/main" xmlns:a14="http://schemas.microsoft.com/office/drawing/2010/main" xmlns:m="http://schemas.openxmlformats.org/officeDocument/2006/math" xmlns="" val="1"/>
+              <ma14:wrappingTextBoxFlag xmlns="" xmlns:m="http://schemas.openxmlformats.org/officeDocument/2006/math" xmlns:a14="http://schemas.microsoft.com/office/drawing/2010/main" xmlns:ma14="http://schemas.microsoft.com/office/mac/drawingml/2011/main" val="1"/>
             </a:ext>
           </a:extLst>
         </p:spPr>
@@ -52931,7 +52744,7 @@
           </a:ln>
           <a:extLst>
             <a:ext uri="{C572A759-6A51-4108-AA02-DFA0A04FC94B}">
-              <ma14:wrappingTextBoxFlag xmlns:ma14="http://schemas.microsoft.com/office/mac/drawingml/2011/main" xmlns:a14="http://schemas.microsoft.com/office/drawing/2010/main" xmlns:m="http://schemas.openxmlformats.org/officeDocument/2006/math" xmlns="" val="1"/>
+              <ma14:wrappingTextBoxFlag xmlns="" xmlns:m="http://schemas.openxmlformats.org/officeDocument/2006/math" xmlns:a14="http://schemas.microsoft.com/office/drawing/2010/main" xmlns:ma14="http://schemas.microsoft.com/office/mac/drawingml/2011/main" val="1"/>
             </a:ext>
           </a:extLst>
         </p:spPr>
@@ -52979,7 +52792,7 @@
           </a:ln>
           <a:extLst>
             <a:ext uri="{C572A759-6A51-4108-AA02-DFA0A04FC94B}">
-              <ma14:wrappingTextBoxFlag xmlns:ma14="http://schemas.microsoft.com/office/mac/drawingml/2011/main" xmlns:a14="http://schemas.microsoft.com/office/drawing/2010/main" xmlns:m="http://schemas.openxmlformats.org/officeDocument/2006/math" xmlns="" val="1"/>
+              <ma14:wrappingTextBoxFlag xmlns="" xmlns:m="http://schemas.openxmlformats.org/officeDocument/2006/math" xmlns:a14="http://schemas.microsoft.com/office/drawing/2010/main" xmlns:ma14="http://schemas.microsoft.com/office/mac/drawingml/2011/main" val="1"/>
             </a:ext>
           </a:extLst>
         </p:spPr>
@@ -53027,7 +52840,7 @@
           </a:ln>
           <a:extLst>
             <a:ext uri="{C572A759-6A51-4108-AA02-DFA0A04FC94B}">
-              <ma14:wrappingTextBoxFlag xmlns:ma14="http://schemas.microsoft.com/office/mac/drawingml/2011/main" xmlns:a14="http://schemas.microsoft.com/office/drawing/2010/main" xmlns:m="http://schemas.openxmlformats.org/officeDocument/2006/math" xmlns="" val="1"/>
+              <ma14:wrappingTextBoxFlag xmlns="" xmlns:m="http://schemas.openxmlformats.org/officeDocument/2006/math" xmlns:a14="http://schemas.microsoft.com/office/drawing/2010/main" xmlns:ma14="http://schemas.microsoft.com/office/mac/drawingml/2011/main" val="1"/>
             </a:ext>
           </a:extLst>
         </p:spPr>
@@ -53075,7 +52888,7 @@
           </a:ln>
           <a:extLst>
             <a:ext uri="{C572A759-6A51-4108-AA02-DFA0A04FC94B}">
-              <ma14:wrappingTextBoxFlag xmlns:ma14="http://schemas.microsoft.com/office/mac/drawingml/2011/main" xmlns:a14="http://schemas.microsoft.com/office/drawing/2010/main" xmlns:m="http://schemas.openxmlformats.org/officeDocument/2006/math" xmlns="" val="1"/>
+              <ma14:wrappingTextBoxFlag xmlns="" xmlns:m="http://schemas.openxmlformats.org/officeDocument/2006/math" xmlns:a14="http://schemas.microsoft.com/office/drawing/2010/main" xmlns:ma14="http://schemas.microsoft.com/office/mac/drawingml/2011/main" val="1"/>
             </a:ext>
           </a:extLst>
         </p:spPr>
@@ -53123,7 +52936,7 @@
           </a:ln>
           <a:extLst>
             <a:ext uri="{C572A759-6A51-4108-AA02-DFA0A04FC94B}">
-              <ma14:wrappingTextBoxFlag xmlns:ma14="http://schemas.microsoft.com/office/mac/drawingml/2011/main" xmlns:a14="http://schemas.microsoft.com/office/drawing/2010/main" xmlns:m="http://schemas.openxmlformats.org/officeDocument/2006/math" xmlns="" val="1"/>
+              <ma14:wrappingTextBoxFlag xmlns="" xmlns:m="http://schemas.openxmlformats.org/officeDocument/2006/math" xmlns:a14="http://schemas.microsoft.com/office/drawing/2010/main" xmlns:ma14="http://schemas.microsoft.com/office/mac/drawingml/2011/main" val="1"/>
             </a:ext>
           </a:extLst>
         </p:spPr>
@@ -53171,7 +52984,7 @@
           </a:ln>
           <a:extLst>
             <a:ext uri="{C572A759-6A51-4108-AA02-DFA0A04FC94B}">
-              <ma14:wrappingTextBoxFlag xmlns:ma14="http://schemas.microsoft.com/office/mac/drawingml/2011/main" xmlns:a14="http://schemas.microsoft.com/office/drawing/2010/main" xmlns:m="http://schemas.openxmlformats.org/officeDocument/2006/math" xmlns="" val="1"/>
+              <ma14:wrappingTextBoxFlag xmlns="" xmlns:m="http://schemas.openxmlformats.org/officeDocument/2006/math" xmlns:a14="http://schemas.microsoft.com/office/drawing/2010/main" xmlns:ma14="http://schemas.microsoft.com/office/mac/drawingml/2011/main" val="1"/>
             </a:ext>
           </a:extLst>
         </p:spPr>
@@ -53402,7 +53215,7 @@
           </a:ln>
           <a:extLst>
             <a:ext uri="{C572A759-6A51-4108-AA02-DFA0A04FC94B}">
-              <ma14:wrappingTextBoxFlag xmlns:ma14="http://schemas.microsoft.com/office/mac/drawingml/2011/main" xmlns:a14="http://schemas.microsoft.com/office/drawing/2010/main" xmlns:m="http://schemas.openxmlformats.org/officeDocument/2006/math" xmlns="" val="1"/>
+              <ma14:wrappingTextBoxFlag xmlns="" xmlns:m="http://schemas.openxmlformats.org/officeDocument/2006/math" xmlns:a14="http://schemas.microsoft.com/office/drawing/2010/main" xmlns:ma14="http://schemas.microsoft.com/office/mac/drawingml/2011/main" val="1"/>
             </a:ext>
           </a:extLst>
         </p:spPr>
@@ -53680,7 +53493,7 @@
           </a:ln>
           <a:extLst>
             <a:ext uri="{C572A759-6A51-4108-AA02-DFA0A04FC94B}">
-              <ma14:wrappingTextBoxFlag xmlns:ma14="http://schemas.microsoft.com/office/mac/drawingml/2011/main" xmlns:a14="http://schemas.microsoft.com/office/drawing/2010/main" xmlns:m="http://schemas.openxmlformats.org/officeDocument/2006/math" xmlns="" val="1"/>
+              <ma14:wrappingTextBoxFlag xmlns="" xmlns:m="http://schemas.openxmlformats.org/officeDocument/2006/math" xmlns:a14="http://schemas.microsoft.com/office/drawing/2010/main" xmlns:ma14="http://schemas.microsoft.com/office/mac/drawingml/2011/main" val="1"/>
             </a:ext>
           </a:extLst>
         </p:spPr>
@@ -53728,7 +53541,7 @@
           </a:ln>
           <a:extLst>
             <a:ext uri="{C572A759-6A51-4108-AA02-DFA0A04FC94B}">
-              <ma14:wrappingTextBoxFlag xmlns:ma14="http://schemas.microsoft.com/office/mac/drawingml/2011/main" xmlns:a14="http://schemas.microsoft.com/office/drawing/2010/main" xmlns:m="http://schemas.openxmlformats.org/officeDocument/2006/math" xmlns="" val="1"/>
+              <ma14:wrappingTextBoxFlag xmlns="" xmlns:m="http://schemas.openxmlformats.org/officeDocument/2006/math" xmlns:a14="http://schemas.microsoft.com/office/drawing/2010/main" xmlns:ma14="http://schemas.microsoft.com/office/mac/drawingml/2011/main" val="1"/>
             </a:ext>
           </a:extLst>
         </p:spPr>
@@ -53776,7 +53589,7 @@
           </a:ln>
           <a:extLst>
             <a:ext uri="{C572A759-6A51-4108-AA02-DFA0A04FC94B}">
-              <ma14:wrappingTextBoxFlag xmlns:ma14="http://schemas.microsoft.com/office/mac/drawingml/2011/main" xmlns:a14="http://schemas.microsoft.com/office/drawing/2010/main" xmlns:m="http://schemas.openxmlformats.org/officeDocument/2006/math" xmlns="" val="1"/>
+              <ma14:wrappingTextBoxFlag xmlns="" xmlns:m="http://schemas.openxmlformats.org/officeDocument/2006/math" xmlns:a14="http://schemas.microsoft.com/office/drawing/2010/main" xmlns:ma14="http://schemas.microsoft.com/office/mac/drawingml/2011/main" val="1"/>
             </a:ext>
           </a:extLst>
         </p:spPr>
@@ -53824,7 +53637,7 @@
           </a:ln>
           <a:extLst>
             <a:ext uri="{C572A759-6A51-4108-AA02-DFA0A04FC94B}">
-              <ma14:wrappingTextBoxFlag xmlns:ma14="http://schemas.microsoft.com/office/mac/drawingml/2011/main" xmlns:a14="http://schemas.microsoft.com/office/drawing/2010/main" xmlns:m="http://schemas.openxmlformats.org/officeDocument/2006/math" xmlns="" val="1"/>
+              <ma14:wrappingTextBoxFlag xmlns="" xmlns:m="http://schemas.openxmlformats.org/officeDocument/2006/math" xmlns:a14="http://schemas.microsoft.com/office/drawing/2010/main" xmlns:ma14="http://schemas.microsoft.com/office/mac/drawingml/2011/main" val="1"/>
             </a:ext>
           </a:extLst>
         </p:spPr>
@@ -53872,7 +53685,7 @@
           </a:ln>
           <a:extLst>
             <a:ext uri="{C572A759-6A51-4108-AA02-DFA0A04FC94B}">
-              <ma14:wrappingTextBoxFlag xmlns:ma14="http://schemas.microsoft.com/office/mac/drawingml/2011/main" xmlns:a14="http://schemas.microsoft.com/office/drawing/2010/main" xmlns:m="http://schemas.openxmlformats.org/officeDocument/2006/math" xmlns="" val="1"/>
+              <ma14:wrappingTextBoxFlag xmlns="" xmlns:m="http://schemas.openxmlformats.org/officeDocument/2006/math" xmlns:a14="http://schemas.microsoft.com/office/drawing/2010/main" xmlns:ma14="http://schemas.microsoft.com/office/mac/drawingml/2011/main" val="1"/>
             </a:ext>
           </a:extLst>
         </p:spPr>
@@ -53920,7 +53733,7 @@
           </a:ln>
           <a:extLst>
             <a:ext uri="{C572A759-6A51-4108-AA02-DFA0A04FC94B}">
-              <ma14:wrappingTextBoxFlag xmlns:ma14="http://schemas.microsoft.com/office/mac/drawingml/2011/main" xmlns:a14="http://schemas.microsoft.com/office/drawing/2010/main" xmlns:m="http://schemas.openxmlformats.org/officeDocument/2006/math" xmlns="" val="1"/>
+              <ma14:wrappingTextBoxFlag xmlns="" xmlns:m="http://schemas.openxmlformats.org/officeDocument/2006/math" xmlns:a14="http://schemas.microsoft.com/office/drawing/2010/main" xmlns:ma14="http://schemas.microsoft.com/office/mac/drawingml/2011/main" val="1"/>
             </a:ext>
           </a:extLst>
         </p:spPr>
@@ -53968,7 +53781,7 @@
           </a:ln>
           <a:extLst>
             <a:ext uri="{C572A759-6A51-4108-AA02-DFA0A04FC94B}">
-              <ma14:wrappingTextBoxFlag xmlns:ma14="http://schemas.microsoft.com/office/mac/drawingml/2011/main" xmlns:a14="http://schemas.microsoft.com/office/drawing/2010/main" xmlns:m="http://schemas.openxmlformats.org/officeDocument/2006/math" xmlns="" val="1"/>
+              <ma14:wrappingTextBoxFlag xmlns="" xmlns:m="http://schemas.openxmlformats.org/officeDocument/2006/math" xmlns:a14="http://schemas.microsoft.com/office/drawing/2010/main" xmlns:ma14="http://schemas.microsoft.com/office/mac/drawingml/2011/main" val="1"/>
             </a:ext>
           </a:extLst>
         </p:spPr>
@@ -54016,7 +53829,7 @@
           </a:ln>
           <a:extLst>
             <a:ext uri="{C572A759-6A51-4108-AA02-DFA0A04FC94B}">
-              <ma14:wrappingTextBoxFlag xmlns:ma14="http://schemas.microsoft.com/office/mac/drawingml/2011/main" xmlns:a14="http://schemas.microsoft.com/office/drawing/2010/main" xmlns:m="http://schemas.openxmlformats.org/officeDocument/2006/math" xmlns="" val="1"/>
+              <ma14:wrappingTextBoxFlag xmlns="" xmlns:m="http://schemas.openxmlformats.org/officeDocument/2006/math" xmlns:a14="http://schemas.microsoft.com/office/drawing/2010/main" xmlns:ma14="http://schemas.microsoft.com/office/mac/drawingml/2011/main" val="1"/>
             </a:ext>
           </a:extLst>
         </p:spPr>
@@ -54064,7 +53877,7 @@
           </a:ln>
           <a:extLst>
             <a:ext uri="{C572A759-6A51-4108-AA02-DFA0A04FC94B}">
-              <ma14:wrappingTextBoxFlag xmlns:ma14="http://schemas.microsoft.com/office/mac/drawingml/2011/main" xmlns:a14="http://schemas.microsoft.com/office/drawing/2010/main" xmlns:m="http://schemas.openxmlformats.org/officeDocument/2006/math" xmlns="" val="1"/>
+              <ma14:wrappingTextBoxFlag xmlns="" xmlns:m="http://schemas.openxmlformats.org/officeDocument/2006/math" xmlns:a14="http://schemas.microsoft.com/office/drawing/2010/main" xmlns:ma14="http://schemas.microsoft.com/office/mac/drawingml/2011/main" val="1"/>
             </a:ext>
           </a:extLst>
         </p:spPr>
@@ -54112,7 +53925,7 @@
           </a:ln>
           <a:extLst>
             <a:ext uri="{C572A759-6A51-4108-AA02-DFA0A04FC94B}">
-              <ma14:wrappingTextBoxFlag xmlns:ma14="http://schemas.microsoft.com/office/mac/drawingml/2011/main" xmlns:a14="http://schemas.microsoft.com/office/drawing/2010/main" xmlns:m="http://schemas.openxmlformats.org/officeDocument/2006/math" xmlns="" val="1"/>
+              <ma14:wrappingTextBoxFlag xmlns="" xmlns:m="http://schemas.openxmlformats.org/officeDocument/2006/math" xmlns:a14="http://schemas.microsoft.com/office/drawing/2010/main" xmlns:ma14="http://schemas.microsoft.com/office/mac/drawingml/2011/main" val="1"/>
             </a:ext>
           </a:extLst>
         </p:spPr>
@@ -54160,7 +53973,7 @@
           </a:ln>
           <a:extLst>
             <a:ext uri="{C572A759-6A51-4108-AA02-DFA0A04FC94B}">
-              <ma14:wrappingTextBoxFlag xmlns:ma14="http://schemas.microsoft.com/office/mac/drawingml/2011/main" xmlns:a14="http://schemas.microsoft.com/office/drawing/2010/main" xmlns:m="http://schemas.openxmlformats.org/officeDocument/2006/math" xmlns="" val="1"/>
+              <ma14:wrappingTextBoxFlag xmlns="" xmlns:m="http://schemas.openxmlformats.org/officeDocument/2006/math" xmlns:a14="http://schemas.microsoft.com/office/drawing/2010/main" xmlns:ma14="http://schemas.microsoft.com/office/mac/drawingml/2011/main" val="1"/>
             </a:ext>
           </a:extLst>
         </p:spPr>
@@ -54208,7 +54021,7 @@
           </a:ln>
           <a:extLst>
             <a:ext uri="{C572A759-6A51-4108-AA02-DFA0A04FC94B}">
-              <ma14:wrappingTextBoxFlag xmlns:ma14="http://schemas.microsoft.com/office/mac/drawingml/2011/main" xmlns:a14="http://schemas.microsoft.com/office/drawing/2010/main" xmlns:m="http://schemas.openxmlformats.org/officeDocument/2006/math" xmlns="" val="1"/>
+              <ma14:wrappingTextBoxFlag xmlns="" xmlns:m="http://schemas.openxmlformats.org/officeDocument/2006/math" xmlns:a14="http://schemas.microsoft.com/office/drawing/2010/main" xmlns:ma14="http://schemas.microsoft.com/office/mac/drawingml/2011/main" val="1"/>
             </a:ext>
           </a:extLst>
         </p:spPr>
@@ -54439,7 +54252,7 @@
           </a:ln>
           <a:extLst>
             <a:ext uri="{C572A759-6A51-4108-AA02-DFA0A04FC94B}">
-              <ma14:wrappingTextBoxFlag xmlns:ma14="http://schemas.microsoft.com/office/mac/drawingml/2011/main" xmlns:a14="http://schemas.microsoft.com/office/drawing/2010/main" xmlns:m="http://schemas.openxmlformats.org/officeDocument/2006/math" xmlns="" val="1"/>
+              <ma14:wrappingTextBoxFlag xmlns="" xmlns:m="http://schemas.openxmlformats.org/officeDocument/2006/math" xmlns:a14="http://schemas.microsoft.com/office/drawing/2010/main" xmlns:ma14="http://schemas.microsoft.com/office/mac/drawingml/2011/main" val="1"/>
             </a:ext>
           </a:extLst>
         </p:spPr>
@@ -55096,7 +54909,7 @@
           </a:ln>
           <a:extLst>
             <a:ext uri="{C572A759-6A51-4108-AA02-DFA0A04FC94B}">
-              <ma14:wrappingTextBoxFlag xmlns:ma14="http://schemas.microsoft.com/office/mac/drawingml/2011/main" xmlns:a14="http://schemas.microsoft.com/office/drawing/2010/main" xmlns:m="http://schemas.openxmlformats.org/officeDocument/2006/math" xmlns="" val="1"/>
+              <ma14:wrappingTextBoxFlag xmlns="" xmlns:m="http://schemas.openxmlformats.org/officeDocument/2006/math" xmlns:a14="http://schemas.microsoft.com/office/drawing/2010/main" xmlns:ma14="http://schemas.microsoft.com/office/mac/drawingml/2011/main" val="1"/>
             </a:ext>
           </a:extLst>
         </p:spPr>
@@ -55131,7 +54944,7 @@
           </a:ln>
           <a:extLst>
             <a:ext uri="{C572A759-6A51-4108-AA02-DFA0A04FC94B}">
-              <ma14:wrappingTextBoxFlag xmlns:ma14="http://schemas.microsoft.com/office/mac/drawingml/2011/main" xmlns:a14="http://schemas.microsoft.com/office/drawing/2010/main" xmlns:m="http://schemas.openxmlformats.org/officeDocument/2006/math" xmlns="" val="1"/>
+              <ma14:wrappingTextBoxFlag xmlns="" xmlns:m="http://schemas.openxmlformats.org/officeDocument/2006/math" xmlns:a14="http://schemas.microsoft.com/office/drawing/2010/main" xmlns:ma14="http://schemas.microsoft.com/office/mac/drawingml/2011/main" val="1"/>
             </a:ext>
           </a:extLst>
         </p:spPr>
@@ -55258,7 +55071,7 @@
           </a:ln>
           <a:extLst>
             <a:ext uri="{C572A759-6A51-4108-AA02-DFA0A04FC94B}">
-              <ma14:wrappingTextBoxFlag xmlns:ma14="http://schemas.microsoft.com/office/mac/drawingml/2011/main" xmlns:a14="http://schemas.microsoft.com/office/drawing/2010/main" xmlns:m="http://schemas.openxmlformats.org/officeDocument/2006/math" xmlns="" val="1"/>
+              <ma14:wrappingTextBoxFlag xmlns="" xmlns:m="http://schemas.openxmlformats.org/officeDocument/2006/math" xmlns:a14="http://schemas.microsoft.com/office/drawing/2010/main" xmlns:ma14="http://schemas.microsoft.com/office/mac/drawingml/2011/main" val="1"/>
             </a:ext>
           </a:extLst>
         </p:spPr>
@@ -55306,7 +55119,7 @@
           </a:ln>
           <a:extLst>
             <a:ext uri="{C572A759-6A51-4108-AA02-DFA0A04FC94B}">
-              <ma14:wrappingTextBoxFlag xmlns:ma14="http://schemas.microsoft.com/office/mac/drawingml/2011/main" xmlns:a14="http://schemas.microsoft.com/office/drawing/2010/main" xmlns:m="http://schemas.openxmlformats.org/officeDocument/2006/math" xmlns="" val="1"/>
+              <ma14:wrappingTextBoxFlag xmlns="" xmlns:m="http://schemas.openxmlformats.org/officeDocument/2006/math" xmlns:a14="http://schemas.microsoft.com/office/drawing/2010/main" xmlns:ma14="http://schemas.microsoft.com/office/mac/drawingml/2011/main" val="1"/>
             </a:ext>
           </a:extLst>
         </p:spPr>
@@ -55354,7 +55167,7 @@
           </a:ln>
           <a:extLst>
             <a:ext uri="{C572A759-6A51-4108-AA02-DFA0A04FC94B}">
-              <ma14:wrappingTextBoxFlag xmlns:ma14="http://schemas.microsoft.com/office/mac/drawingml/2011/main" xmlns:a14="http://schemas.microsoft.com/office/drawing/2010/main" xmlns:m="http://schemas.openxmlformats.org/officeDocument/2006/math" xmlns="" val="1"/>
+              <ma14:wrappingTextBoxFlag xmlns="" xmlns:m="http://schemas.openxmlformats.org/officeDocument/2006/math" xmlns:a14="http://schemas.microsoft.com/office/drawing/2010/main" xmlns:ma14="http://schemas.microsoft.com/office/mac/drawingml/2011/main" val="1"/>
             </a:ext>
           </a:extLst>
         </p:spPr>
@@ -55478,7 +55291,7 @@
           </a:ln>
           <a:extLst>
             <a:ext uri="{C572A759-6A51-4108-AA02-DFA0A04FC94B}">
-              <ma14:wrappingTextBoxFlag xmlns:ma14="http://schemas.microsoft.com/office/mac/drawingml/2011/main" xmlns:a14="http://schemas.microsoft.com/office/drawing/2010/main" xmlns:m="http://schemas.openxmlformats.org/officeDocument/2006/math" xmlns="" val="1"/>
+              <ma14:wrappingTextBoxFlag xmlns="" xmlns:m="http://schemas.openxmlformats.org/officeDocument/2006/math" xmlns:a14="http://schemas.microsoft.com/office/drawing/2010/main" xmlns:ma14="http://schemas.microsoft.com/office/mac/drawingml/2011/main" val="1"/>
             </a:ext>
           </a:extLst>
         </p:spPr>
@@ -55525,7 +55338,7 @@
           </a:ln>
           <a:extLst>
             <a:ext uri="{C572A759-6A51-4108-AA02-DFA0A04FC94B}">
-              <ma14:wrappingTextBoxFlag xmlns:ma14="http://schemas.microsoft.com/office/mac/drawingml/2011/main" xmlns:a14="http://schemas.microsoft.com/office/drawing/2010/main" xmlns:m="http://schemas.openxmlformats.org/officeDocument/2006/math" xmlns="" val="1"/>
+              <ma14:wrappingTextBoxFlag xmlns="" xmlns:m="http://schemas.openxmlformats.org/officeDocument/2006/math" xmlns:a14="http://schemas.microsoft.com/office/drawing/2010/main" xmlns:ma14="http://schemas.microsoft.com/office/mac/drawingml/2011/main" val="1"/>
             </a:ext>
           </a:extLst>
         </p:spPr>
@@ -55742,7 +55555,7 @@
           </a:ln>
           <a:extLst>
             <a:ext uri="{C572A759-6A51-4108-AA02-DFA0A04FC94B}">
-              <ma14:wrappingTextBoxFlag xmlns:ma14="http://schemas.microsoft.com/office/mac/drawingml/2011/main" xmlns:a14="http://schemas.microsoft.com/office/drawing/2010/main" xmlns:m="http://schemas.openxmlformats.org/officeDocument/2006/math" xmlns="" val="1"/>
+              <ma14:wrappingTextBoxFlag xmlns="" xmlns:m="http://schemas.openxmlformats.org/officeDocument/2006/math" xmlns:a14="http://schemas.microsoft.com/office/drawing/2010/main" xmlns:ma14="http://schemas.microsoft.com/office/mac/drawingml/2011/main" val="1"/>
             </a:ext>
           </a:extLst>
         </p:spPr>
@@ -55777,7 +55590,7 @@
           </a:ln>
           <a:extLst>
             <a:ext uri="{C572A759-6A51-4108-AA02-DFA0A04FC94B}">
-              <ma14:wrappingTextBoxFlag xmlns:ma14="http://schemas.microsoft.com/office/mac/drawingml/2011/main" xmlns:a14="http://schemas.microsoft.com/office/drawing/2010/main" xmlns:m="http://schemas.openxmlformats.org/officeDocument/2006/math" xmlns="" val="1"/>
+              <ma14:wrappingTextBoxFlag xmlns="" xmlns:m="http://schemas.openxmlformats.org/officeDocument/2006/math" xmlns:a14="http://schemas.microsoft.com/office/drawing/2010/main" xmlns:ma14="http://schemas.microsoft.com/office/mac/drawingml/2011/main" val="1"/>
             </a:ext>
           </a:extLst>
         </p:spPr>
@@ -55904,7 +55717,7 @@
           </a:ln>
           <a:extLst>
             <a:ext uri="{C572A759-6A51-4108-AA02-DFA0A04FC94B}">
-              <ma14:wrappingTextBoxFlag xmlns:ma14="http://schemas.microsoft.com/office/mac/drawingml/2011/main" xmlns:a14="http://schemas.microsoft.com/office/drawing/2010/main" xmlns:m="http://schemas.openxmlformats.org/officeDocument/2006/math" xmlns="" val="1"/>
+              <ma14:wrappingTextBoxFlag xmlns="" xmlns:m="http://schemas.openxmlformats.org/officeDocument/2006/math" xmlns:a14="http://schemas.microsoft.com/office/drawing/2010/main" xmlns:ma14="http://schemas.microsoft.com/office/mac/drawingml/2011/main" val="1"/>
             </a:ext>
           </a:extLst>
         </p:spPr>
@@ -55952,7 +55765,7 @@
           </a:ln>
           <a:extLst>
             <a:ext uri="{C572A759-6A51-4108-AA02-DFA0A04FC94B}">
-              <ma14:wrappingTextBoxFlag xmlns:ma14="http://schemas.microsoft.com/office/mac/drawingml/2011/main" xmlns:a14="http://schemas.microsoft.com/office/drawing/2010/main" xmlns:m="http://schemas.openxmlformats.org/officeDocument/2006/math" xmlns="" val="1"/>
+              <ma14:wrappingTextBoxFlag xmlns="" xmlns:m="http://schemas.openxmlformats.org/officeDocument/2006/math" xmlns:a14="http://schemas.microsoft.com/office/drawing/2010/main" xmlns:ma14="http://schemas.microsoft.com/office/mac/drawingml/2011/main" val="1"/>
             </a:ext>
           </a:extLst>
         </p:spPr>
@@ -56000,7 +55813,7 @@
           </a:ln>
           <a:extLst>
             <a:ext uri="{C572A759-6A51-4108-AA02-DFA0A04FC94B}">
-              <ma14:wrappingTextBoxFlag xmlns:ma14="http://schemas.microsoft.com/office/mac/drawingml/2011/main" xmlns:a14="http://schemas.microsoft.com/office/drawing/2010/main" xmlns:m="http://schemas.openxmlformats.org/officeDocument/2006/math" xmlns="" val="1"/>
+              <ma14:wrappingTextBoxFlag xmlns="" xmlns:m="http://schemas.openxmlformats.org/officeDocument/2006/math" xmlns:a14="http://schemas.microsoft.com/office/drawing/2010/main" xmlns:ma14="http://schemas.microsoft.com/office/mac/drawingml/2011/main" val="1"/>
             </a:ext>
           </a:extLst>
         </p:spPr>
@@ -56124,7 +55937,7 @@
           </a:ln>
           <a:extLst>
             <a:ext uri="{C572A759-6A51-4108-AA02-DFA0A04FC94B}">
-              <ma14:wrappingTextBoxFlag xmlns:ma14="http://schemas.microsoft.com/office/mac/drawingml/2011/main" xmlns:a14="http://schemas.microsoft.com/office/drawing/2010/main" xmlns:m="http://schemas.openxmlformats.org/officeDocument/2006/math" xmlns="" val="1"/>
+              <ma14:wrappingTextBoxFlag xmlns="" xmlns:m="http://schemas.openxmlformats.org/officeDocument/2006/math" xmlns:a14="http://schemas.microsoft.com/office/drawing/2010/main" xmlns:ma14="http://schemas.microsoft.com/office/mac/drawingml/2011/main" val="1"/>
             </a:ext>
           </a:extLst>
         </p:spPr>
@@ -56171,7 +55984,7 @@
           </a:ln>
           <a:extLst>
             <a:ext uri="{C572A759-6A51-4108-AA02-DFA0A04FC94B}">
-              <ma14:wrappingTextBoxFlag xmlns:ma14="http://schemas.microsoft.com/office/mac/drawingml/2011/main" xmlns:a14="http://schemas.microsoft.com/office/drawing/2010/main" xmlns:m="http://schemas.openxmlformats.org/officeDocument/2006/math" xmlns="" val="1"/>
+              <ma14:wrappingTextBoxFlag xmlns="" xmlns:m="http://schemas.openxmlformats.org/officeDocument/2006/math" xmlns:a14="http://schemas.microsoft.com/office/drawing/2010/main" xmlns:ma14="http://schemas.microsoft.com/office/mac/drawingml/2011/main" val="1"/>
             </a:ext>
           </a:extLst>
         </p:spPr>
@@ -56206,7 +56019,7 @@
           </a:ln>
           <a:extLst>
             <a:ext uri="{C572A759-6A51-4108-AA02-DFA0A04FC94B}">
-              <ma14:wrappingTextBoxFlag xmlns:ma14="http://schemas.microsoft.com/office/mac/drawingml/2011/main" xmlns:a14="http://schemas.microsoft.com/office/drawing/2010/main" xmlns:m="http://schemas.openxmlformats.org/officeDocument/2006/math" xmlns="" val="1"/>
+              <ma14:wrappingTextBoxFlag xmlns="" xmlns:m="http://schemas.openxmlformats.org/officeDocument/2006/math" xmlns:a14="http://schemas.microsoft.com/office/drawing/2010/main" xmlns:ma14="http://schemas.microsoft.com/office/mac/drawingml/2011/main" val="1"/>
             </a:ext>
           </a:extLst>
         </p:spPr>
@@ -56333,7 +56146,7 @@
           </a:ln>
           <a:extLst>
             <a:ext uri="{C572A759-6A51-4108-AA02-DFA0A04FC94B}">
-              <ma14:wrappingTextBoxFlag xmlns:ma14="http://schemas.microsoft.com/office/mac/drawingml/2011/main" xmlns:a14="http://schemas.microsoft.com/office/drawing/2010/main" xmlns:m="http://schemas.openxmlformats.org/officeDocument/2006/math" xmlns="" val="1"/>
+              <ma14:wrappingTextBoxFlag xmlns="" xmlns:m="http://schemas.openxmlformats.org/officeDocument/2006/math" xmlns:a14="http://schemas.microsoft.com/office/drawing/2010/main" xmlns:ma14="http://schemas.microsoft.com/office/mac/drawingml/2011/main" val="1"/>
             </a:ext>
           </a:extLst>
         </p:spPr>
@@ -56381,7 +56194,7 @@
           </a:ln>
           <a:extLst>
             <a:ext uri="{C572A759-6A51-4108-AA02-DFA0A04FC94B}">
-              <ma14:wrappingTextBoxFlag xmlns:ma14="http://schemas.microsoft.com/office/mac/drawingml/2011/main" xmlns:a14="http://schemas.microsoft.com/office/drawing/2010/main" xmlns:m="http://schemas.openxmlformats.org/officeDocument/2006/math" xmlns="" val="1"/>
+              <ma14:wrappingTextBoxFlag xmlns="" xmlns:m="http://schemas.openxmlformats.org/officeDocument/2006/math" xmlns:a14="http://schemas.microsoft.com/office/drawing/2010/main" xmlns:ma14="http://schemas.microsoft.com/office/mac/drawingml/2011/main" val="1"/>
             </a:ext>
           </a:extLst>
         </p:spPr>
@@ -56429,7 +56242,7 @@
           </a:ln>
           <a:extLst>
             <a:ext uri="{C572A759-6A51-4108-AA02-DFA0A04FC94B}">
-              <ma14:wrappingTextBoxFlag xmlns:ma14="http://schemas.microsoft.com/office/mac/drawingml/2011/main" xmlns:a14="http://schemas.microsoft.com/office/drawing/2010/main" xmlns:m="http://schemas.openxmlformats.org/officeDocument/2006/math" xmlns="" val="1"/>
+              <ma14:wrappingTextBoxFlag xmlns="" xmlns:m="http://schemas.openxmlformats.org/officeDocument/2006/math" xmlns:a14="http://schemas.microsoft.com/office/drawing/2010/main" xmlns:ma14="http://schemas.microsoft.com/office/mac/drawingml/2011/main" val="1"/>
             </a:ext>
           </a:extLst>
         </p:spPr>
@@ -56512,7 +56325,7 @@
           </a:ln>
           <a:extLst>
             <a:ext uri="{C572A759-6A51-4108-AA02-DFA0A04FC94B}">
-              <ma14:wrappingTextBoxFlag xmlns:ma14="http://schemas.microsoft.com/office/mac/drawingml/2011/main" xmlns:a14="http://schemas.microsoft.com/office/drawing/2010/main" xmlns:m="http://schemas.openxmlformats.org/officeDocument/2006/math" xmlns="" val="1"/>
+              <ma14:wrappingTextBoxFlag xmlns="" xmlns:m="http://schemas.openxmlformats.org/officeDocument/2006/math" xmlns:a14="http://schemas.microsoft.com/office/drawing/2010/main" xmlns:ma14="http://schemas.microsoft.com/office/mac/drawingml/2011/main" val="1"/>
             </a:ext>
           </a:extLst>
         </p:spPr>
@@ -56559,7 +56372,7 @@
           </a:ln>
           <a:extLst>
             <a:ext uri="{C572A759-6A51-4108-AA02-DFA0A04FC94B}">
-              <ma14:wrappingTextBoxFlag xmlns:ma14="http://schemas.microsoft.com/office/mac/drawingml/2011/main" xmlns:a14="http://schemas.microsoft.com/office/drawing/2010/main" xmlns:m="http://schemas.openxmlformats.org/officeDocument/2006/math" xmlns="" val="1"/>
+              <ma14:wrappingTextBoxFlag xmlns="" xmlns:m="http://schemas.openxmlformats.org/officeDocument/2006/math" xmlns:a14="http://schemas.microsoft.com/office/drawing/2010/main" xmlns:ma14="http://schemas.microsoft.com/office/mac/drawingml/2011/main" val="1"/>
             </a:ext>
           </a:extLst>
         </p:spPr>
@@ -56594,7 +56407,7 @@
           </a:ln>
           <a:extLst>
             <a:ext uri="{C572A759-6A51-4108-AA02-DFA0A04FC94B}">
-              <ma14:wrappingTextBoxFlag xmlns:ma14="http://schemas.microsoft.com/office/mac/drawingml/2011/main" xmlns:a14="http://schemas.microsoft.com/office/drawing/2010/main" xmlns:m="http://schemas.openxmlformats.org/officeDocument/2006/math" xmlns="" val="1"/>
+              <ma14:wrappingTextBoxFlag xmlns="" xmlns:m="http://schemas.openxmlformats.org/officeDocument/2006/math" xmlns:a14="http://schemas.microsoft.com/office/drawing/2010/main" xmlns:ma14="http://schemas.microsoft.com/office/mac/drawingml/2011/main" val="1"/>
             </a:ext>
           </a:extLst>
         </p:spPr>
@@ -56721,7 +56534,7 @@
           </a:ln>
           <a:extLst>
             <a:ext uri="{C572A759-6A51-4108-AA02-DFA0A04FC94B}">
-              <ma14:wrappingTextBoxFlag xmlns:ma14="http://schemas.microsoft.com/office/mac/drawingml/2011/main" xmlns:a14="http://schemas.microsoft.com/office/drawing/2010/main" xmlns:m="http://schemas.openxmlformats.org/officeDocument/2006/math" xmlns="" val="1"/>
+              <ma14:wrappingTextBoxFlag xmlns="" xmlns:m="http://schemas.openxmlformats.org/officeDocument/2006/math" xmlns:a14="http://schemas.microsoft.com/office/drawing/2010/main" xmlns:ma14="http://schemas.microsoft.com/office/mac/drawingml/2011/main" val="1"/>
             </a:ext>
           </a:extLst>
         </p:spPr>
@@ -56769,7 +56582,7 @@
           </a:ln>
           <a:extLst>
             <a:ext uri="{C572A759-6A51-4108-AA02-DFA0A04FC94B}">
-              <ma14:wrappingTextBoxFlag xmlns:ma14="http://schemas.microsoft.com/office/mac/drawingml/2011/main" xmlns:a14="http://schemas.microsoft.com/office/drawing/2010/main" xmlns:m="http://schemas.openxmlformats.org/officeDocument/2006/math" xmlns="" val="1"/>
+              <ma14:wrappingTextBoxFlag xmlns="" xmlns:m="http://schemas.openxmlformats.org/officeDocument/2006/math" xmlns:a14="http://schemas.microsoft.com/office/drawing/2010/main" xmlns:ma14="http://schemas.microsoft.com/office/mac/drawingml/2011/main" val="1"/>
             </a:ext>
           </a:extLst>
         </p:spPr>
@@ -56817,7 +56630,7 @@
           </a:ln>
           <a:extLst>
             <a:ext uri="{C572A759-6A51-4108-AA02-DFA0A04FC94B}">
-              <ma14:wrappingTextBoxFlag xmlns:ma14="http://schemas.microsoft.com/office/mac/drawingml/2011/main" xmlns:a14="http://schemas.microsoft.com/office/drawing/2010/main" xmlns:m="http://schemas.openxmlformats.org/officeDocument/2006/math" xmlns="" val="1"/>
+              <ma14:wrappingTextBoxFlag xmlns="" xmlns:m="http://schemas.openxmlformats.org/officeDocument/2006/math" xmlns:a14="http://schemas.microsoft.com/office/drawing/2010/main" xmlns:ma14="http://schemas.microsoft.com/office/mac/drawingml/2011/main" val="1"/>
             </a:ext>
           </a:extLst>
         </p:spPr>
@@ -56941,7 +56754,7 @@
           </a:ln>
           <a:extLst>
             <a:ext uri="{C572A759-6A51-4108-AA02-DFA0A04FC94B}">
-              <ma14:wrappingTextBoxFlag xmlns:ma14="http://schemas.microsoft.com/office/mac/drawingml/2011/main" xmlns:a14="http://schemas.microsoft.com/office/drawing/2010/main" xmlns:m="http://schemas.openxmlformats.org/officeDocument/2006/math" xmlns="" val="1"/>
+              <ma14:wrappingTextBoxFlag xmlns="" xmlns:m="http://schemas.openxmlformats.org/officeDocument/2006/math" xmlns:a14="http://schemas.microsoft.com/office/drawing/2010/main" xmlns:ma14="http://schemas.microsoft.com/office/mac/drawingml/2011/main" val="1"/>
             </a:ext>
           </a:extLst>
         </p:spPr>
@@ -56994,7 +56807,7 @@
           </a:ln>
           <a:extLst>
             <a:ext uri="{C572A759-6A51-4108-AA02-DFA0A04FC94B}">
-              <ma14:wrappingTextBoxFlag xmlns:ma14="http://schemas.microsoft.com/office/mac/drawingml/2011/main" xmlns:a14="http://schemas.microsoft.com/office/drawing/2010/main" xmlns:m="http://schemas.openxmlformats.org/officeDocument/2006/math" xmlns="" val="1"/>
+              <ma14:wrappingTextBoxFlag xmlns="" xmlns:m="http://schemas.openxmlformats.org/officeDocument/2006/math" xmlns:a14="http://schemas.microsoft.com/office/drawing/2010/main" xmlns:ma14="http://schemas.microsoft.com/office/mac/drawingml/2011/main" val="1"/>
             </a:ext>
           </a:extLst>
         </p:spPr>
@@ -57042,7 +56855,7 @@
           </a:ln>
           <a:extLst>
             <a:ext uri="{C572A759-6A51-4108-AA02-DFA0A04FC94B}">
-              <ma14:wrappingTextBoxFlag xmlns:ma14="http://schemas.microsoft.com/office/mac/drawingml/2011/main" xmlns:a14="http://schemas.microsoft.com/office/drawing/2010/main" xmlns:m="http://schemas.openxmlformats.org/officeDocument/2006/math" xmlns="" val="1"/>
+              <ma14:wrappingTextBoxFlag xmlns="" xmlns:m="http://schemas.openxmlformats.org/officeDocument/2006/math" xmlns:a14="http://schemas.microsoft.com/office/drawing/2010/main" xmlns:ma14="http://schemas.microsoft.com/office/mac/drawingml/2011/main" val="1"/>
             </a:ext>
           </a:extLst>
         </p:spPr>
@@ -57090,7 +56903,7 @@
           </a:ln>
           <a:extLst>
             <a:ext uri="{C572A759-6A51-4108-AA02-DFA0A04FC94B}">
-              <ma14:wrappingTextBoxFlag xmlns:ma14="http://schemas.microsoft.com/office/mac/drawingml/2011/main" xmlns:a14="http://schemas.microsoft.com/office/drawing/2010/main" xmlns:m="http://schemas.openxmlformats.org/officeDocument/2006/math" xmlns="" val="1"/>
+              <ma14:wrappingTextBoxFlag xmlns="" xmlns:m="http://schemas.openxmlformats.org/officeDocument/2006/math" xmlns:a14="http://schemas.microsoft.com/office/drawing/2010/main" xmlns:ma14="http://schemas.microsoft.com/office/mac/drawingml/2011/main" val="1"/>
             </a:ext>
           </a:extLst>
         </p:spPr>
@@ -57221,7 +57034,7 @@
           </a:ln>
           <a:extLst>
             <a:ext uri="{C572A759-6A51-4108-AA02-DFA0A04FC94B}">
-              <ma14:wrappingTextBoxFlag xmlns:ma14="http://schemas.microsoft.com/office/mac/drawingml/2011/main" xmlns:a14="http://schemas.microsoft.com/office/drawing/2010/main" xmlns:m="http://schemas.openxmlformats.org/officeDocument/2006/math" xmlns="" val="1"/>
+              <ma14:wrappingTextBoxFlag xmlns="" xmlns:m="http://schemas.openxmlformats.org/officeDocument/2006/math" xmlns:a14="http://schemas.microsoft.com/office/drawing/2010/main" xmlns:ma14="http://schemas.microsoft.com/office/mac/drawingml/2011/main" val="1"/>
             </a:ext>
           </a:extLst>
         </p:spPr>
@@ -57283,7 +57096,7 @@
           </a:ln>
           <a:extLst>
             <a:ext uri="{C572A759-6A51-4108-AA02-DFA0A04FC94B}">
-              <ma14:wrappingTextBoxFlag xmlns:ma14="http://schemas.microsoft.com/office/mac/drawingml/2011/main" xmlns:a14="http://schemas.microsoft.com/office/drawing/2010/main" xmlns:m="http://schemas.openxmlformats.org/officeDocument/2006/math" xmlns="" val="1"/>
+              <ma14:wrappingTextBoxFlag xmlns="" xmlns:m="http://schemas.openxmlformats.org/officeDocument/2006/math" xmlns:a14="http://schemas.microsoft.com/office/drawing/2010/main" xmlns:ma14="http://schemas.microsoft.com/office/mac/drawingml/2011/main" val="1"/>
             </a:ext>
           </a:extLst>
         </p:spPr>
@@ -57345,7 +57158,7 @@
           </a:ln>
           <a:extLst>
             <a:ext uri="{C572A759-6A51-4108-AA02-DFA0A04FC94B}">
-              <ma14:wrappingTextBoxFlag xmlns:ma14="http://schemas.microsoft.com/office/mac/drawingml/2011/main" xmlns:a14="http://schemas.microsoft.com/office/drawing/2010/main" xmlns:m="http://schemas.openxmlformats.org/officeDocument/2006/math" xmlns="" val="1"/>
+              <ma14:wrappingTextBoxFlag xmlns="" xmlns:m="http://schemas.openxmlformats.org/officeDocument/2006/math" xmlns:a14="http://schemas.microsoft.com/office/drawing/2010/main" xmlns:ma14="http://schemas.microsoft.com/office/mac/drawingml/2011/main" val="1"/>
             </a:ext>
           </a:extLst>
         </p:spPr>
@@ -57562,7 +57375,7 @@
           </a:ln>
           <a:extLst>
             <a:ext uri="{C572A759-6A51-4108-AA02-DFA0A04FC94B}">
-              <ma14:wrappingTextBoxFlag xmlns:ma14="http://schemas.microsoft.com/office/mac/drawingml/2011/main" xmlns:a14="http://schemas.microsoft.com/office/drawing/2010/main" xmlns:m="http://schemas.openxmlformats.org/officeDocument/2006/math" xmlns="" val="1"/>
+              <ma14:wrappingTextBoxFlag xmlns="" xmlns:m="http://schemas.openxmlformats.org/officeDocument/2006/math" xmlns:a14="http://schemas.microsoft.com/office/drawing/2010/main" xmlns:ma14="http://schemas.microsoft.com/office/mac/drawingml/2011/main" val="1"/>
             </a:ext>
           </a:extLst>
         </p:spPr>
@@ -57597,7 +57410,7 @@
           </a:ln>
           <a:extLst>
             <a:ext uri="{C572A759-6A51-4108-AA02-DFA0A04FC94B}">
-              <ma14:wrappingTextBoxFlag xmlns:ma14="http://schemas.microsoft.com/office/mac/drawingml/2011/main" xmlns:a14="http://schemas.microsoft.com/office/drawing/2010/main" xmlns:m="http://schemas.openxmlformats.org/officeDocument/2006/math" xmlns="" val="1"/>
+              <ma14:wrappingTextBoxFlag xmlns="" xmlns:m="http://schemas.openxmlformats.org/officeDocument/2006/math" xmlns:a14="http://schemas.microsoft.com/office/drawing/2010/main" xmlns:ma14="http://schemas.microsoft.com/office/mac/drawingml/2011/main" val="1"/>
             </a:ext>
           </a:extLst>
         </p:spPr>
@@ -57724,7 +57537,7 @@
           </a:ln>
           <a:extLst>
             <a:ext uri="{C572A759-6A51-4108-AA02-DFA0A04FC94B}">
-              <ma14:wrappingTextBoxFlag xmlns:ma14="http://schemas.microsoft.com/office/mac/drawingml/2011/main" xmlns:a14="http://schemas.microsoft.com/office/drawing/2010/main" xmlns:m="http://schemas.openxmlformats.org/officeDocument/2006/math" xmlns="" val="1"/>
+              <ma14:wrappingTextBoxFlag xmlns="" xmlns:m="http://schemas.openxmlformats.org/officeDocument/2006/math" xmlns:a14="http://schemas.microsoft.com/office/drawing/2010/main" xmlns:ma14="http://schemas.microsoft.com/office/mac/drawingml/2011/main" val="1"/>
             </a:ext>
           </a:extLst>
         </p:spPr>
@@ -57772,7 +57585,7 @@
           </a:ln>
           <a:extLst>
             <a:ext uri="{C572A759-6A51-4108-AA02-DFA0A04FC94B}">
-              <ma14:wrappingTextBoxFlag xmlns:ma14="http://schemas.microsoft.com/office/mac/drawingml/2011/main" xmlns:a14="http://schemas.microsoft.com/office/drawing/2010/main" xmlns:m="http://schemas.openxmlformats.org/officeDocument/2006/math" xmlns="" val="1"/>
+              <ma14:wrappingTextBoxFlag xmlns="" xmlns:m="http://schemas.openxmlformats.org/officeDocument/2006/math" xmlns:a14="http://schemas.microsoft.com/office/drawing/2010/main" xmlns:ma14="http://schemas.microsoft.com/office/mac/drawingml/2011/main" val="1"/>
             </a:ext>
           </a:extLst>
         </p:spPr>
@@ -57820,7 +57633,7 @@
           </a:ln>
           <a:extLst>
             <a:ext uri="{C572A759-6A51-4108-AA02-DFA0A04FC94B}">
-              <ma14:wrappingTextBoxFlag xmlns:ma14="http://schemas.microsoft.com/office/mac/drawingml/2011/main" xmlns:a14="http://schemas.microsoft.com/office/drawing/2010/main" xmlns:m="http://schemas.openxmlformats.org/officeDocument/2006/math" xmlns="" val="1"/>
+              <ma14:wrappingTextBoxFlag xmlns="" xmlns:m="http://schemas.openxmlformats.org/officeDocument/2006/math" xmlns:a14="http://schemas.microsoft.com/office/drawing/2010/main" xmlns:ma14="http://schemas.microsoft.com/office/mac/drawingml/2011/main" val="1"/>
             </a:ext>
           </a:extLst>
         </p:spPr>
